--- a/causalgraphs.pptx
+++ b/causalgraphs.pptx
@@ -6,8 +6,9 @@
   </p:sldMasterIdLst>
   <p:sldIdLst>
     <p:sldId id="257" r:id="rId2"/>
-    <p:sldId id="258" r:id="rId3"/>
-    <p:sldId id="260" r:id="rId4"/>
+    <p:sldId id="261" r:id="rId3"/>
+    <p:sldId id="258" r:id="rId4"/>
+    <p:sldId id="260" r:id="rId5"/>
   </p:sldIdLst>
   <p:sldSz cx="12192000" cy="14400213"/>
   <p:notesSz cx="6858000" cy="9144000"/>
@@ -245,7 +246,7 @@
           <a:p>
             <a:fld id="{0242246C-62F8-8D41-AE20-12536F7DA5C0}" type="datetimeFigureOut">
               <a:rPr lang="en-US" smtClean="0"/>
-              <a:t>5/9/22</a:t>
+              <a:t>5/13/22</a:t>
             </a:fld>
             <a:endParaRPr lang="en-US"/>
           </a:p>
@@ -415,7 +416,7 @@
           <a:p>
             <a:fld id="{0242246C-62F8-8D41-AE20-12536F7DA5C0}" type="datetimeFigureOut">
               <a:rPr lang="en-US" smtClean="0"/>
-              <a:t>5/9/22</a:t>
+              <a:t>5/13/22</a:t>
             </a:fld>
             <a:endParaRPr lang="en-US"/>
           </a:p>
@@ -595,7 +596,7 @@
           <a:p>
             <a:fld id="{0242246C-62F8-8D41-AE20-12536F7DA5C0}" type="datetimeFigureOut">
               <a:rPr lang="en-US" smtClean="0"/>
-              <a:t>5/9/22</a:t>
+              <a:t>5/13/22</a:t>
             </a:fld>
             <a:endParaRPr lang="en-US"/>
           </a:p>
@@ -765,7 +766,7 @@
           <a:p>
             <a:fld id="{0242246C-62F8-8D41-AE20-12536F7DA5C0}" type="datetimeFigureOut">
               <a:rPr lang="en-US" smtClean="0"/>
-              <a:t>5/9/22</a:t>
+              <a:t>5/13/22</a:t>
             </a:fld>
             <a:endParaRPr lang="en-US"/>
           </a:p>
@@ -1009,7 +1010,7 @@
           <a:p>
             <a:fld id="{0242246C-62F8-8D41-AE20-12536F7DA5C0}" type="datetimeFigureOut">
               <a:rPr lang="en-US" smtClean="0"/>
-              <a:t>5/9/22</a:t>
+              <a:t>5/13/22</a:t>
             </a:fld>
             <a:endParaRPr lang="en-US"/>
           </a:p>
@@ -1241,7 +1242,7 @@
           <a:p>
             <a:fld id="{0242246C-62F8-8D41-AE20-12536F7DA5C0}" type="datetimeFigureOut">
               <a:rPr lang="en-US" smtClean="0"/>
-              <a:t>5/9/22</a:t>
+              <a:t>5/13/22</a:t>
             </a:fld>
             <a:endParaRPr lang="en-US"/>
           </a:p>
@@ -1608,7 +1609,7 @@
           <a:p>
             <a:fld id="{0242246C-62F8-8D41-AE20-12536F7DA5C0}" type="datetimeFigureOut">
               <a:rPr lang="en-US" smtClean="0"/>
-              <a:t>5/9/22</a:t>
+              <a:t>5/13/22</a:t>
             </a:fld>
             <a:endParaRPr lang="en-US"/>
           </a:p>
@@ -1726,7 +1727,7 @@
           <a:p>
             <a:fld id="{0242246C-62F8-8D41-AE20-12536F7DA5C0}" type="datetimeFigureOut">
               <a:rPr lang="en-US" smtClean="0"/>
-              <a:t>5/9/22</a:t>
+              <a:t>5/13/22</a:t>
             </a:fld>
             <a:endParaRPr lang="en-US"/>
           </a:p>
@@ -1821,7 +1822,7 @@
           <a:p>
             <a:fld id="{0242246C-62F8-8D41-AE20-12536F7DA5C0}" type="datetimeFigureOut">
               <a:rPr lang="en-US" smtClean="0"/>
-              <a:t>5/9/22</a:t>
+              <a:t>5/13/22</a:t>
             </a:fld>
             <a:endParaRPr lang="en-US"/>
           </a:p>
@@ -2098,7 +2099,7 @@
           <a:p>
             <a:fld id="{0242246C-62F8-8D41-AE20-12536F7DA5C0}" type="datetimeFigureOut">
               <a:rPr lang="en-US" smtClean="0"/>
-              <a:t>5/9/22</a:t>
+              <a:t>5/13/22</a:t>
             </a:fld>
             <a:endParaRPr lang="en-US"/>
           </a:p>
@@ -2355,7 +2356,7 @@
           <a:p>
             <a:fld id="{0242246C-62F8-8D41-AE20-12536F7DA5C0}" type="datetimeFigureOut">
               <a:rPr lang="en-US" smtClean="0"/>
-              <a:t>5/9/22</a:t>
+              <a:t>5/13/22</a:t>
             </a:fld>
             <a:endParaRPr lang="en-US"/>
           </a:p>
@@ -2568,7 +2569,7 @@
           <a:p>
             <a:fld id="{0242246C-62F8-8D41-AE20-12536F7DA5C0}" type="datetimeFigureOut">
               <a:rPr lang="en-US" smtClean="0"/>
-              <a:t>5/9/22</a:t>
+              <a:t>5/13/22</a:t>
             </a:fld>
             <a:endParaRPr lang="en-US"/>
           </a:p>
@@ -4390,6 +4391,795 @@
       </p:grpSpPr>
       <p:grpSp>
         <p:nvGrpSpPr>
+          <p:cNvPr id="19" name="Group 18">
+            <a:extLst>
+              <a:ext uri="{FF2B5EF4-FFF2-40B4-BE49-F238E27FC236}">
+                <a16:creationId xmlns:a16="http://schemas.microsoft.com/office/drawing/2014/main" id="{F912EC3C-D023-D143-24BD-B3629E2691DE}"/>
+              </a:ext>
+            </a:extLst>
+          </p:cNvPr>
+          <p:cNvGrpSpPr/>
+          <p:nvPr/>
+        </p:nvGrpSpPr>
+        <p:grpSpPr>
+          <a:xfrm>
+            <a:off x="858671" y="577493"/>
+            <a:ext cx="10474658" cy="9441376"/>
+            <a:chOff x="858671" y="577493"/>
+            <a:chExt cx="10474658" cy="9441376"/>
+          </a:xfrm>
+        </p:grpSpPr>
+        <p:cxnSp>
+          <p:nvCxnSpPr>
+            <p:cNvPr id="60" name="Straight Arrow Connector 59">
+              <a:extLst>
+                <a:ext uri="{FF2B5EF4-FFF2-40B4-BE49-F238E27FC236}">
+                  <a16:creationId xmlns:a16="http://schemas.microsoft.com/office/drawing/2014/main" id="{5FE6507C-2A94-DE57-2C51-897527EF36A1}"/>
+                </a:ext>
+              </a:extLst>
+            </p:cNvPr>
+            <p:cNvCxnSpPr>
+              <a:cxnSpLocks/>
+              <a:stCxn id="37" idx="2"/>
+              <a:endCxn id="34" idx="0"/>
+            </p:cNvCxnSpPr>
+            <p:nvPr/>
+          </p:nvCxnSpPr>
+          <p:spPr>
+            <a:xfrm>
+              <a:off x="3303600" y="5596129"/>
+              <a:ext cx="2792400" cy="2622740"/>
+            </a:xfrm>
+            <a:prstGeom prst="straightConnector1">
+              <a:avLst/>
+            </a:prstGeom>
+            <a:ln w="38100">
+              <a:solidFill>
+                <a:schemeClr val="tx1"/>
+              </a:solidFill>
+              <a:tailEnd type="triangle"/>
+            </a:ln>
+          </p:spPr>
+          <p:style>
+            <a:lnRef idx="1">
+              <a:schemeClr val="dk1"/>
+            </a:lnRef>
+            <a:fillRef idx="0">
+              <a:schemeClr val="dk1"/>
+            </a:fillRef>
+            <a:effectRef idx="0">
+              <a:schemeClr val="dk1"/>
+            </a:effectRef>
+            <a:fontRef idx="minor">
+              <a:schemeClr val="tx1"/>
+            </a:fontRef>
+          </p:style>
+        </p:cxnSp>
+        <p:sp>
+          <p:nvSpPr>
+            <p:cNvPr id="32" name="TextBox 31">
+              <a:extLst>
+                <a:ext uri="{FF2B5EF4-FFF2-40B4-BE49-F238E27FC236}">
+                  <a16:creationId xmlns:a16="http://schemas.microsoft.com/office/drawing/2014/main" id="{8A1903F9-FCBA-18F8-03B3-17199B1FDAC5}"/>
+                </a:ext>
+              </a:extLst>
+            </p:cNvPr>
+            <p:cNvSpPr txBox="1"/>
+            <p:nvPr/>
+          </p:nvSpPr>
+          <p:spPr>
+            <a:xfrm>
+              <a:off x="4267199" y="577493"/>
+              <a:ext cx="3657600" cy="461665"/>
+            </a:xfrm>
+            <a:prstGeom prst="rect">
+              <a:avLst/>
+            </a:prstGeom>
+            <a:noFill/>
+          </p:spPr>
+          <p:txBody>
+            <a:bodyPr wrap="square" rtlCol="0">
+              <a:spAutoFit/>
+            </a:bodyPr>
+            <a:lstStyle/>
+            <a:p>
+              <a:pPr algn="ctr"/>
+              <a:r>
+                <a:rPr lang="en-US" sz="2400" b="1" dirty="0"/>
+                <a:t>Immigration</a:t>
+              </a:r>
+            </a:p>
+          </p:txBody>
+        </p:sp>
+        <p:sp>
+          <p:nvSpPr>
+            <p:cNvPr id="34" name="Oval 33">
+              <a:extLst>
+                <a:ext uri="{FF2B5EF4-FFF2-40B4-BE49-F238E27FC236}">
+                  <a16:creationId xmlns:a16="http://schemas.microsoft.com/office/drawing/2014/main" id="{41D7BF1B-FF56-866E-5162-FB96BC162BD9}"/>
+                </a:ext>
+              </a:extLst>
+            </p:cNvPr>
+            <p:cNvSpPr/>
+            <p:nvPr/>
+          </p:nvSpPr>
+          <p:spPr>
+            <a:xfrm>
+              <a:off x="5196000" y="8218869"/>
+              <a:ext cx="1800000" cy="1800000"/>
+            </a:xfrm>
+            <a:prstGeom prst="ellipse">
+              <a:avLst/>
+            </a:prstGeom>
+            <a:ln w="38100">
+              <a:solidFill>
+                <a:schemeClr val="tx1"/>
+              </a:solidFill>
+            </a:ln>
+          </p:spPr>
+          <p:style>
+            <a:lnRef idx="2">
+              <a:schemeClr val="dk1"/>
+            </a:lnRef>
+            <a:fillRef idx="1">
+              <a:schemeClr val="lt1"/>
+            </a:fillRef>
+            <a:effectRef idx="0">
+              <a:schemeClr val="dk1"/>
+            </a:effectRef>
+            <a:fontRef idx="minor">
+              <a:schemeClr val="dk1"/>
+            </a:fontRef>
+          </p:style>
+          <p:txBody>
+            <a:bodyPr rtlCol="0" anchor="ctr"/>
+            <a:lstStyle/>
+            <a:p>
+              <a:pPr algn="ctr"/>
+              <a:r>
+                <a:rPr lang="en-US" sz="1550" dirty="0"/>
+                <a:t>Host community member’s wellbeing</a:t>
+              </a:r>
+            </a:p>
+          </p:txBody>
+        </p:sp>
+        <p:sp>
+          <p:nvSpPr>
+            <p:cNvPr id="35" name="Oval 34">
+              <a:extLst>
+                <a:ext uri="{FF2B5EF4-FFF2-40B4-BE49-F238E27FC236}">
+                  <a16:creationId xmlns:a16="http://schemas.microsoft.com/office/drawing/2014/main" id="{AC2BDD6A-7439-1BD4-1FD0-9F64CB309435}"/>
+                </a:ext>
+              </a:extLst>
+            </p:cNvPr>
+            <p:cNvSpPr/>
+            <p:nvPr/>
+          </p:nvSpPr>
+          <p:spPr>
+            <a:xfrm>
+              <a:off x="6923806" y="3427779"/>
+              <a:ext cx="1800000" cy="1800000"/>
+            </a:xfrm>
+            <a:prstGeom prst="ellipse">
+              <a:avLst/>
+            </a:prstGeom>
+            <a:ln w="38100">
+              <a:solidFill>
+                <a:schemeClr val="tx1"/>
+              </a:solidFill>
+            </a:ln>
+          </p:spPr>
+          <p:style>
+            <a:lnRef idx="2">
+              <a:schemeClr val="dk1"/>
+            </a:lnRef>
+            <a:fillRef idx="1">
+              <a:schemeClr val="lt1"/>
+            </a:fillRef>
+            <a:effectRef idx="0">
+              <a:schemeClr val="dk1"/>
+            </a:effectRef>
+            <a:fontRef idx="minor">
+              <a:schemeClr val="dk1"/>
+            </a:fontRef>
+          </p:style>
+          <p:txBody>
+            <a:bodyPr rtlCol="0" anchor="ctr"/>
+            <a:lstStyle/>
+            <a:p>
+              <a:pPr algn="ctr"/>
+              <a:r>
+                <a:rPr lang="en-US" sz="1550" dirty="0"/>
+                <a:t>Media narrative</a:t>
+              </a:r>
+            </a:p>
+          </p:txBody>
+        </p:sp>
+        <p:sp>
+          <p:nvSpPr>
+            <p:cNvPr id="37" name="Rectangle 36">
+              <a:extLst>
+                <a:ext uri="{FF2B5EF4-FFF2-40B4-BE49-F238E27FC236}">
+                  <a16:creationId xmlns:a16="http://schemas.microsoft.com/office/drawing/2014/main" id="{4CBF1E9E-C194-BBA3-BB49-6CFF7392D7D5}"/>
+                </a:ext>
+              </a:extLst>
+            </p:cNvPr>
+            <p:cNvSpPr/>
+            <p:nvPr/>
+          </p:nvSpPr>
+          <p:spPr>
+            <a:xfrm>
+              <a:off x="858671" y="2535959"/>
+              <a:ext cx="4889857" cy="3060170"/>
+            </a:xfrm>
+            <a:prstGeom prst="rect">
+              <a:avLst/>
+            </a:prstGeom>
+            <a:noFill/>
+            <a:ln w="38100">
+              <a:solidFill>
+                <a:schemeClr val="tx1"/>
+              </a:solidFill>
+            </a:ln>
+          </p:spPr>
+          <p:style>
+            <a:lnRef idx="2">
+              <a:schemeClr val="accent6"/>
+            </a:lnRef>
+            <a:fillRef idx="1">
+              <a:schemeClr val="lt1"/>
+            </a:fillRef>
+            <a:effectRef idx="0">
+              <a:schemeClr val="accent6"/>
+            </a:effectRef>
+            <a:fontRef idx="minor">
+              <a:schemeClr val="dk1"/>
+            </a:fontRef>
+          </p:style>
+          <p:txBody>
+            <a:bodyPr rtlCol="0" anchor="ctr"/>
+            <a:lstStyle/>
+            <a:p>
+              <a:pPr algn="ctr"/>
+              <a:endParaRPr lang="en-GB" sz="1550" dirty="0"/>
+            </a:p>
+          </p:txBody>
+        </p:sp>
+        <p:sp>
+          <p:nvSpPr>
+            <p:cNvPr id="2" name="TextBox 1">
+              <a:extLst>
+                <a:ext uri="{FF2B5EF4-FFF2-40B4-BE49-F238E27FC236}">
+                  <a16:creationId xmlns:a16="http://schemas.microsoft.com/office/drawing/2014/main" id="{03DF72A2-9F88-4125-0B10-C87E0115E059}"/>
+                </a:ext>
+              </a:extLst>
+            </p:cNvPr>
+            <p:cNvSpPr txBox="1"/>
+            <p:nvPr/>
+          </p:nvSpPr>
+          <p:spPr>
+            <a:xfrm>
+              <a:off x="2064220" y="2724912"/>
+              <a:ext cx="2478757" cy="369332"/>
+            </a:xfrm>
+            <a:prstGeom prst="rect">
+              <a:avLst/>
+            </a:prstGeom>
+            <a:noFill/>
+          </p:spPr>
+          <p:txBody>
+            <a:bodyPr wrap="none" rtlCol="0">
+              <a:spAutoFit/>
+            </a:bodyPr>
+            <a:lstStyle/>
+            <a:p>
+              <a:pPr algn="ctr"/>
+              <a:r>
+                <a:rPr lang="en-GB" b="1" dirty="0"/>
+                <a:t>Direct proximate effects</a:t>
+              </a:r>
+            </a:p>
+          </p:txBody>
+        </p:sp>
+        <p:sp>
+          <p:nvSpPr>
+            <p:cNvPr id="39" name="Rectangle 38">
+              <a:extLst>
+                <a:ext uri="{FF2B5EF4-FFF2-40B4-BE49-F238E27FC236}">
+                  <a16:creationId xmlns:a16="http://schemas.microsoft.com/office/drawing/2014/main" id="{64CBCB18-0871-DD14-8A64-812D7BC30D07}"/>
+                </a:ext>
+              </a:extLst>
+            </p:cNvPr>
+            <p:cNvSpPr/>
+            <p:nvPr/>
+          </p:nvSpPr>
+          <p:spPr>
+            <a:xfrm>
+              <a:off x="6443472" y="2535959"/>
+              <a:ext cx="4889857" cy="3060169"/>
+            </a:xfrm>
+            <a:prstGeom prst="rect">
+              <a:avLst/>
+            </a:prstGeom>
+            <a:noFill/>
+            <a:ln w="38100">
+              <a:solidFill>
+                <a:schemeClr val="tx1"/>
+              </a:solidFill>
+            </a:ln>
+          </p:spPr>
+          <p:style>
+            <a:lnRef idx="2">
+              <a:schemeClr val="accent6"/>
+            </a:lnRef>
+            <a:fillRef idx="1">
+              <a:schemeClr val="lt1"/>
+            </a:fillRef>
+            <a:effectRef idx="0">
+              <a:schemeClr val="accent6"/>
+            </a:effectRef>
+            <a:fontRef idx="minor">
+              <a:schemeClr val="dk1"/>
+            </a:fontRef>
+          </p:style>
+          <p:txBody>
+            <a:bodyPr rtlCol="0" anchor="ctr"/>
+            <a:lstStyle/>
+            <a:p>
+              <a:pPr algn="ctr"/>
+              <a:endParaRPr lang="en-GB" sz="1550" dirty="0"/>
+            </a:p>
+          </p:txBody>
+        </p:sp>
+        <p:sp>
+          <p:nvSpPr>
+            <p:cNvPr id="40" name="TextBox 39">
+              <a:extLst>
+                <a:ext uri="{FF2B5EF4-FFF2-40B4-BE49-F238E27FC236}">
+                  <a16:creationId xmlns:a16="http://schemas.microsoft.com/office/drawing/2014/main" id="{278F562F-9DD0-4A36-61F1-1A78A5BEFEA3}"/>
+                </a:ext>
+              </a:extLst>
+            </p:cNvPr>
+            <p:cNvSpPr txBox="1"/>
+            <p:nvPr/>
+          </p:nvSpPr>
+          <p:spPr>
+            <a:xfrm>
+              <a:off x="7622638" y="2724912"/>
+              <a:ext cx="2531527" cy="369332"/>
+            </a:xfrm>
+            <a:prstGeom prst="rect">
+              <a:avLst/>
+            </a:prstGeom>
+            <a:noFill/>
+          </p:spPr>
+          <p:txBody>
+            <a:bodyPr wrap="none" rtlCol="0">
+              <a:spAutoFit/>
+            </a:bodyPr>
+            <a:lstStyle/>
+            <a:p>
+              <a:pPr algn="ctr"/>
+              <a:r>
+                <a:rPr lang="en-GB" b="1" dirty="0"/>
+                <a:t>Indirect narrative effects</a:t>
+              </a:r>
+            </a:p>
+          </p:txBody>
+        </p:sp>
+        <p:sp>
+          <p:nvSpPr>
+            <p:cNvPr id="43" name="Oval 42">
+              <a:extLst>
+                <a:ext uri="{FF2B5EF4-FFF2-40B4-BE49-F238E27FC236}">
+                  <a16:creationId xmlns:a16="http://schemas.microsoft.com/office/drawing/2014/main" id="{5F8EE444-818D-00ED-A774-7D998FCFA3D5}"/>
+                </a:ext>
+              </a:extLst>
+            </p:cNvPr>
+            <p:cNvSpPr/>
+            <p:nvPr/>
+          </p:nvSpPr>
+          <p:spPr>
+            <a:xfrm>
+              <a:off x="9174717" y="3427779"/>
+              <a:ext cx="1800000" cy="1800000"/>
+            </a:xfrm>
+            <a:prstGeom prst="ellipse">
+              <a:avLst/>
+            </a:prstGeom>
+            <a:ln w="38100">
+              <a:solidFill>
+                <a:schemeClr val="tx1"/>
+              </a:solidFill>
+            </a:ln>
+          </p:spPr>
+          <p:style>
+            <a:lnRef idx="2">
+              <a:schemeClr val="dk1"/>
+            </a:lnRef>
+            <a:fillRef idx="1">
+              <a:schemeClr val="lt1"/>
+            </a:fillRef>
+            <a:effectRef idx="0">
+              <a:schemeClr val="dk1"/>
+            </a:effectRef>
+            <a:fontRef idx="minor">
+              <a:schemeClr val="dk1"/>
+            </a:fontRef>
+          </p:style>
+          <p:txBody>
+            <a:bodyPr rtlCol="0" anchor="ctr"/>
+            <a:lstStyle/>
+            <a:p>
+              <a:pPr algn="ctr"/>
+              <a:r>
+                <a:rPr lang="en-US" sz="1550" dirty="0"/>
+                <a:t>Political narrative</a:t>
+              </a:r>
+            </a:p>
+          </p:txBody>
+        </p:sp>
+        <p:sp>
+          <p:nvSpPr>
+            <p:cNvPr id="44" name="Oval 43">
+              <a:extLst>
+                <a:ext uri="{FF2B5EF4-FFF2-40B4-BE49-F238E27FC236}">
+                  <a16:creationId xmlns:a16="http://schemas.microsoft.com/office/drawing/2014/main" id="{444FCC29-8220-1445-0792-8A6CF401BAF9}"/>
+                </a:ext>
+              </a:extLst>
+            </p:cNvPr>
+            <p:cNvSpPr/>
+            <p:nvPr/>
+          </p:nvSpPr>
+          <p:spPr>
+            <a:xfrm>
+              <a:off x="1217283" y="3465111"/>
+              <a:ext cx="1800000" cy="1800000"/>
+            </a:xfrm>
+            <a:prstGeom prst="ellipse">
+              <a:avLst/>
+            </a:prstGeom>
+            <a:ln w="38100">
+              <a:solidFill>
+                <a:schemeClr val="tx1"/>
+              </a:solidFill>
+            </a:ln>
+          </p:spPr>
+          <p:style>
+            <a:lnRef idx="2">
+              <a:schemeClr val="dk1"/>
+            </a:lnRef>
+            <a:fillRef idx="1">
+              <a:schemeClr val="lt1"/>
+            </a:fillRef>
+            <a:effectRef idx="0">
+              <a:schemeClr val="dk1"/>
+            </a:effectRef>
+            <a:fontRef idx="minor">
+              <a:schemeClr val="dk1"/>
+            </a:fontRef>
+          </p:style>
+          <p:txBody>
+            <a:bodyPr rtlCol="0" anchor="ctr"/>
+            <a:lstStyle/>
+            <a:p>
+              <a:pPr algn="ctr"/>
+              <a:r>
+                <a:rPr lang="en-US" sz="1550" dirty="0"/>
+                <a:t>Immigrants in one’s local community</a:t>
+              </a:r>
+            </a:p>
+          </p:txBody>
+        </p:sp>
+        <p:sp>
+          <p:nvSpPr>
+            <p:cNvPr id="45" name="Oval 44">
+              <a:extLst>
+                <a:ext uri="{FF2B5EF4-FFF2-40B4-BE49-F238E27FC236}">
+                  <a16:creationId xmlns:a16="http://schemas.microsoft.com/office/drawing/2014/main" id="{35DE3741-C7B4-C64F-37CE-2B6D30C90CF0}"/>
+                </a:ext>
+              </a:extLst>
+            </p:cNvPr>
+            <p:cNvSpPr/>
+            <p:nvPr/>
+          </p:nvSpPr>
+          <p:spPr>
+            <a:xfrm>
+              <a:off x="3468194" y="3465111"/>
+              <a:ext cx="1800000" cy="1800000"/>
+            </a:xfrm>
+            <a:prstGeom prst="ellipse">
+              <a:avLst/>
+            </a:prstGeom>
+            <a:ln w="38100">
+              <a:solidFill>
+                <a:schemeClr val="tx1"/>
+              </a:solidFill>
+            </a:ln>
+          </p:spPr>
+          <p:style>
+            <a:lnRef idx="2">
+              <a:schemeClr val="dk1"/>
+            </a:lnRef>
+            <a:fillRef idx="1">
+              <a:schemeClr val="lt1"/>
+            </a:fillRef>
+            <a:effectRef idx="0">
+              <a:schemeClr val="dk1"/>
+            </a:effectRef>
+            <a:fontRef idx="minor">
+              <a:schemeClr val="dk1"/>
+            </a:fontRef>
+          </p:style>
+          <p:txBody>
+            <a:bodyPr rtlCol="0" anchor="ctr"/>
+            <a:lstStyle/>
+            <a:p>
+              <a:pPr algn="ctr"/>
+              <a:r>
+                <a:rPr lang="en-US" sz="1550" dirty="0"/>
+                <a:t>Socio-economic outcomes from immigration</a:t>
+              </a:r>
+            </a:p>
+          </p:txBody>
+        </p:sp>
+        <p:cxnSp>
+          <p:nvCxnSpPr>
+            <p:cNvPr id="50" name="Straight Arrow Connector 49">
+              <a:extLst>
+                <a:ext uri="{FF2B5EF4-FFF2-40B4-BE49-F238E27FC236}">
+                  <a16:creationId xmlns:a16="http://schemas.microsoft.com/office/drawing/2014/main" id="{60D27100-91DF-68C8-6149-E1B1DB6CFD12}"/>
+                </a:ext>
+              </a:extLst>
+            </p:cNvPr>
+            <p:cNvCxnSpPr>
+              <a:cxnSpLocks/>
+              <a:stCxn id="32" idx="2"/>
+            </p:cNvCxnSpPr>
+            <p:nvPr/>
+          </p:nvCxnSpPr>
+          <p:spPr>
+            <a:xfrm flipH="1">
+              <a:off x="3273552" y="1039158"/>
+              <a:ext cx="2822447" cy="1496801"/>
+            </a:xfrm>
+            <a:prstGeom prst="straightConnector1">
+              <a:avLst/>
+            </a:prstGeom>
+            <a:ln w="38100">
+              <a:solidFill>
+                <a:schemeClr val="tx1"/>
+              </a:solidFill>
+              <a:tailEnd type="triangle"/>
+            </a:ln>
+          </p:spPr>
+          <p:style>
+            <a:lnRef idx="1">
+              <a:schemeClr val="dk1"/>
+            </a:lnRef>
+            <a:fillRef idx="0">
+              <a:schemeClr val="dk1"/>
+            </a:fillRef>
+            <a:effectRef idx="0">
+              <a:schemeClr val="dk1"/>
+            </a:effectRef>
+            <a:fontRef idx="minor">
+              <a:schemeClr val="tx1"/>
+            </a:fontRef>
+          </p:style>
+        </p:cxnSp>
+        <p:cxnSp>
+          <p:nvCxnSpPr>
+            <p:cNvPr id="52" name="Straight Arrow Connector 51">
+              <a:extLst>
+                <a:ext uri="{FF2B5EF4-FFF2-40B4-BE49-F238E27FC236}">
+                  <a16:creationId xmlns:a16="http://schemas.microsoft.com/office/drawing/2014/main" id="{E5165CEE-EF31-46DA-7C57-4635F9564746}"/>
+                </a:ext>
+              </a:extLst>
+            </p:cNvPr>
+            <p:cNvCxnSpPr>
+              <a:cxnSpLocks/>
+              <a:stCxn id="32" idx="2"/>
+              <a:endCxn id="39" idx="0"/>
+            </p:cNvCxnSpPr>
+            <p:nvPr/>
+          </p:nvCxnSpPr>
+          <p:spPr>
+            <a:xfrm>
+              <a:off x="6095999" y="1039158"/>
+              <a:ext cx="2792402" cy="1496801"/>
+            </a:xfrm>
+            <a:prstGeom prst="straightConnector1">
+              <a:avLst/>
+            </a:prstGeom>
+            <a:ln w="38100">
+              <a:solidFill>
+                <a:schemeClr val="tx1"/>
+              </a:solidFill>
+              <a:tailEnd type="triangle"/>
+            </a:ln>
+          </p:spPr>
+          <p:style>
+            <a:lnRef idx="1">
+              <a:schemeClr val="dk1"/>
+            </a:lnRef>
+            <a:fillRef idx="0">
+              <a:schemeClr val="dk1"/>
+            </a:fillRef>
+            <a:effectRef idx="0">
+              <a:schemeClr val="dk1"/>
+            </a:effectRef>
+            <a:fontRef idx="minor">
+              <a:schemeClr val="tx1"/>
+            </a:fontRef>
+          </p:style>
+        </p:cxnSp>
+        <p:cxnSp>
+          <p:nvCxnSpPr>
+            <p:cNvPr id="55" name="Straight Arrow Connector 54">
+              <a:extLst>
+                <a:ext uri="{FF2B5EF4-FFF2-40B4-BE49-F238E27FC236}">
+                  <a16:creationId xmlns:a16="http://schemas.microsoft.com/office/drawing/2014/main" id="{1EE53EAB-CEB9-6BF7-BF68-9C6A1B2944CA}"/>
+                </a:ext>
+              </a:extLst>
+            </p:cNvPr>
+            <p:cNvCxnSpPr>
+              <a:cxnSpLocks/>
+              <a:endCxn id="34" idx="0"/>
+            </p:cNvCxnSpPr>
+            <p:nvPr/>
+          </p:nvCxnSpPr>
+          <p:spPr>
+            <a:xfrm flipH="1">
+              <a:off x="6096000" y="5596128"/>
+              <a:ext cx="2792401" cy="2622741"/>
+            </a:xfrm>
+            <a:prstGeom prst="straightConnector1">
+              <a:avLst/>
+            </a:prstGeom>
+            <a:ln w="38100">
+              <a:solidFill>
+                <a:schemeClr val="tx1"/>
+              </a:solidFill>
+              <a:tailEnd type="triangle"/>
+            </a:ln>
+          </p:spPr>
+          <p:style>
+            <a:lnRef idx="1">
+              <a:schemeClr val="dk1"/>
+            </a:lnRef>
+            <a:fillRef idx="0">
+              <a:schemeClr val="dk1"/>
+            </a:fillRef>
+            <a:effectRef idx="0">
+              <a:schemeClr val="dk1"/>
+            </a:effectRef>
+            <a:fontRef idx="minor">
+              <a:schemeClr val="tx1"/>
+            </a:fontRef>
+          </p:style>
+        </p:cxnSp>
+        <p:sp>
+          <p:nvSpPr>
+            <p:cNvPr id="47" name="Rectangle 46">
+              <a:extLst>
+                <a:ext uri="{FF2B5EF4-FFF2-40B4-BE49-F238E27FC236}">
+                  <a16:creationId xmlns:a16="http://schemas.microsoft.com/office/drawing/2014/main" id="{450B628E-A524-9A69-86E4-8C3378D15EF0}"/>
+                </a:ext>
+              </a:extLst>
+            </p:cNvPr>
+            <p:cNvSpPr/>
+            <p:nvPr/>
+          </p:nvSpPr>
+          <p:spPr>
+            <a:xfrm>
+              <a:off x="3651072" y="7105056"/>
+              <a:ext cx="4889857" cy="701884"/>
+            </a:xfrm>
+            <a:prstGeom prst="rect">
+              <a:avLst/>
+            </a:prstGeom>
+            <a:solidFill>
+              <a:schemeClr val="bg1"/>
+            </a:solidFill>
+            <a:ln w="38100">
+              <a:solidFill>
+                <a:schemeClr val="tx1"/>
+              </a:solidFill>
+            </a:ln>
+          </p:spPr>
+          <p:style>
+            <a:lnRef idx="2">
+              <a:schemeClr val="accent6"/>
+            </a:lnRef>
+            <a:fillRef idx="1">
+              <a:schemeClr val="lt1"/>
+            </a:fillRef>
+            <a:effectRef idx="0">
+              <a:schemeClr val="accent6"/>
+            </a:effectRef>
+            <a:fontRef idx="minor">
+              <a:schemeClr val="dk1"/>
+            </a:fontRef>
+          </p:style>
+          <p:txBody>
+            <a:bodyPr rtlCol="0" anchor="ctr"/>
+            <a:lstStyle/>
+            <a:p>
+              <a:pPr algn="ctr"/>
+              <a:endParaRPr lang="en-GB" sz="1550" dirty="0"/>
+            </a:p>
+          </p:txBody>
+        </p:sp>
+        <p:sp>
+          <p:nvSpPr>
+            <p:cNvPr id="6" name="TextBox 5">
+              <a:extLst>
+                <a:ext uri="{FF2B5EF4-FFF2-40B4-BE49-F238E27FC236}">
+                  <a16:creationId xmlns:a16="http://schemas.microsoft.com/office/drawing/2014/main" id="{BFAC6B3C-4D37-5259-CE3B-1BC98E01410E}"/>
+                </a:ext>
+              </a:extLst>
+            </p:cNvPr>
+            <p:cNvSpPr txBox="1"/>
+            <p:nvPr/>
+          </p:nvSpPr>
+          <p:spPr>
+            <a:xfrm>
+              <a:off x="3651072" y="7257521"/>
+              <a:ext cx="4889856" cy="369332"/>
+            </a:xfrm>
+            <a:prstGeom prst="rect">
+              <a:avLst/>
+            </a:prstGeom>
+            <a:noFill/>
+          </p:spPr>
+          <p:txBody>
+            <a:bodyPr wrap="square" rtlCol="0" anchor="ctr">
+              <a:spAutoFit/>
+            </a:bodyPr>
+            <a:lstStyle/>
+            <a:p>
+              <a:pPr algn="ctr"/>
+              <a:r>
+                <a:rPr lang="en-GB" b="1" dirty="0"/>
+                <a:t>Moderated by attitudes towards immigrants</a:t>
+              </a:r>
+            </a:p>
+          </p:txBody>
+        </p:sp>
+      </p:grpSp>
+    </p:spTree>
+    <p:extLst>
+      <p:ext uri="{BB962C8B-B14F-4D97-AF65-F5344CB8AC3E}">
+        <p14:creationId xmlns:p14="http://schemas.microsoft.com/office/powerpoint/2010/main" val="1497080368"/>
+      </p:ext>
+    </p:extLst>
+  </p:cSld>
+  <p:clrMapOvr>
+    <a:masterClrMapping/>
+  </p:clrMapOvr>
+</p:sld>
+</file>
+
+<file path=ppt/slides/slide3.xml><?xml version="1.0" encoding="utf-8"?>
+<p:sld xmlns:a="http://schemas.openxmlformats.org/drawingml/2006/main" xmlns:r="http://schemas.openxmlformats.org/officeDocument/2006/relationships" xmlns:p="http://schemas.openxmlformats.org/presentationml/2006/main">
+  <p:cSld>
+    <p:spTree>
+      <p:nvGrpSpPr>
+        <p:cNvPr id="1" name=""/>
+        <p:cNvGrpSpPr/>
+        <p:nvPr/>
+      </p:nvGrpSpPr>
+      <p:grpSpPr>
+        <a:xfrm>
+          <a:off x="0" y="0"/>
+          <a:ext cx="0" cy="0"/>
+          <a:chOff x="0" y="0"/>
+          <a:chExt cx="0" cy="0"/>
+        </a:xfrm>
+      </p:grpSpPr>
+      <p:grpSp>
+        <p:nvGrpSpPr>
           <p:cNvPr id="2" name="Group 1">
             <a:extLst>
               <a:ext uri="{FF2B5EF4-FFF2-40B4-BE49-F238E27FC236}">
@@ -4963,7 +5753,7 @@
 </p:sld>
 </file>
 
-<file path=ppt/slides/slide3.xml><?xml version="1.0" encoding="utf-8"?>
+<file path=ppt/slides/slide4.xml><?xml version="1.0" encoding="utf-8"?>
 <p:sld xmlns:a="http://schemas.openxmlformats.org/drawingml/2006/main" xmlns:r="http://schemas.openxmlformats.org/officeDocument/2006/relationships" xmlns:p="http://schemas.openxmlformats.org/presentationml/2006/main">
   <p:cSld>
     <p:spTree>

--- a/causalgraphs.pptx
+++ b/causalgraphs.pptx
@@ -4391,10 +4391,10 @@
       </p:grpSpPr>
       <p:grpSp>
         <p:nvGrpSpPr>
-          <p:cNvPr id="19" name="Group 18">
+          <p:cNvPr id="146" name="Group 145">
             <a:extLst>
               <a:ext uri="{FF2B5EF4-FFF2-40B4-BE49-F238E27FC236}">
-                <a16:creationId xmlns:a16="http://schemas.microsoft.com/office/drawing/2014/main" id="{F912EC3C-D023-D143-24BD-B3629E2691DE}"/>
+                <a16:creationId xmlns:a16="http://schemas.microsoft.com/office/drawing/2014/main" id="{3246CEAB-689F-1275-4012-BC2AEEFD39B1}"/>
               </a:ext>
             </a:extLst>
           </p:cNvPr>
@@ -4403,10 +4403,10 @@
         </p:nvGrpSpPr>
         <p:grpSpPr>
           <a:xfrm>
-            <a:off x="858671" y="577493"/>
-            <a:ext cx="10474658" cy="9441376"/>
-            <a:chOff x="858671" y="577493"/>
-            <a:chExt cx="10474658" cy="9441376"/>
+            <a:off x="1035887" y="577493"/>
+            <a:ext cx="10567824" cy="9801376"/>
+            <a:chOff x="1035887" y="577493"/>
+            <a:chExt cx="10567824" cy="9801376"/>
           </a:xfrm>
         </p:grpSpPr>
         <p:cxnSp>
@@ -4420,15 +4420,15 @@
             </p:cNvPr>
             <p:cNvCxnSpPr>
               <a:cxnSpLocks/>
-              <a:stCxn id="37" idx="2"/>
+              <a:stCxn id="44" idx="4"/>
               <a:endCxn id="34" idx="0"/>
             </p:cNvCxnSpPr>
             <p:nvPr/>
           </p:nvCxnSpPr>
           <p:spPr>
             <a:xfrm>
-              <a:off x="3303600" y="5596129"/>
-              <a:ext cx="2792400" cy="2622740"/>
+              <a:off x="2856000" y="4396094"/>
+              <a:ext cx="3303071" cy="3822775"/>
             </a:xfrm>
             <a:prstGeom prst="straightConnector1">
               <a:avLst/>
@@ -4505,8 +4505,8 @@
           </p:nvSpPr>
           <p:spPr>
             <a:xfrm>
-              <a:off x="5196000" y="8218869"/>
-              <a:ext cx="1800000" cy="1800000"/>
+              <a:off x="5079071" y="8218869"/>
+              <a:ext cx="2160000" cy="2160000"/>
             </a:xfrm>
             <a:prstGeom prst="ellipse">
               <a:avLst/>
@@ -4537,7 +4537,7 @@
             <a:p>
               <a:pPr algn="ctr"/>
               <a:r>
-                <a:rPr lang="en-US" sz="1550" dirty="0"/>
+                <a:rPr lang="en-US" dirty="0"/>
                 <a:t>Host community member’s wellbeing</a:t>
               </a:r>
             </a:p>
@@ -4557,8 +4557,8 @@
           </p:nvSpPr>
           <p:spPr>
             <a:xfrm>
-              <a:off x="6923806" y="3427779"/>
-              <a:ext cx="1800000" cy="1800000"/>
+              <a:off x="8255999" y="2236094"/>
+              <a:ext cx="2160000" cy="2160000"/>
             </a:xfrm>
             <a:prstGeom prst="ellipse">
               <a:avLst/>
@@ -4589,232 +4589,8 @@
             <a:p>
               <a:pPr algn="ctr"/>
               <a:r>
-                <a:rPr lang="en-US" sz="1550" dirty="0"/>
-                <a:t>Media narrative</a:t>
-              </a:r>
-            </a:p>
-          </p:txBody>
-        </p:sp>
-        <p:sp>
-          <p:nvSpPr>
-            <p:cNvPr id="37" name="Rectangle 36">
-              <a:extLst>
-                <a:ext uri="{FF2B5EF4-FFF2-40B4-BE49-F238E27FC236}">
-                  <a16:creationId xmlns:a16="http://schemas.microsoft.com/office/drawing/2014/main" id="{4CBF1E9E-C194-BBA3-BB49-6CFF7392D7D5}"/>
-                </a:ext>
-              </a:extLst>
-            </p:cNvPr>
-            <p:cNvSpPr/>
-            <p:nvPr/>
-          </p:nvSpPr>
-          <p:spPr>
-            <a:xfrm>
-              <a:off x="858671" y="2535959"/>
-              <a:ext cx="4889857" cy="3060170"/>
-            </a:xfrm>
-            <a:prstGeom prst="rect">
-              <a:avLst/>
-            </a:prstGeom>
-            <a:noFill/>
-            <a:ln w="38100">
-              <a:solidFill>
-                <a:schemeClr val="tx1"/>
-              </a:solidFill>
-            </a:ln>
-          </p:spPr>
-          <p:style>
-            <a:lnRef idx="2">
-              <a:schemeClr val="accent6"/>
-            </a:lnRef>
-            <a:fillRef idx="1">
-              <a:schemeClr val="lt1"/>
-            </a:fillRef>
-            <a:effectRef idx="0">
-              <a:schemeClr val="accent6"/>
-            </a:effectRef>
-            <a:fontRef idx="minor">
-              <a:schemeClr val="dk1"/>
-            </a:fontRef>
-          </p:style>
-          <p:txBody>
-            <a:bodyPr rtlCol="0" anchor="ctr"/>
-            <a:lstStyle/>
-            <a:p>
-              <a:pPr algn="ctr"/>
-              <a:endParaRPr lang="en-GB" sz="1550" dirty="0"/>
-            </a:p>
-          </p:txBody>
-        </p:sp>
-        <p:sp>
-          <p:nvSpPr>
-            <p:cNvPr id="2" name="TextBox 1">
-              <a:extLst>
-                <a:ext uri="{FF2B5EF4-FFF2-40B4-BE49-F238E27FC236}">
-                  <a16:creationId xmlns:a16="http://schemas.microsoft.com/office/drawing/2014/main" id="{03DF72A2-9F88-4125-0B10-C87E0115E059}"/>
-                </a:ext>
-              </a:extLst>
-            </p:cNvPr>
-            <p:cNvSpPr txBox="1"/>
-            <p:nvPr/>
-          </p:nvSpPr>
-          <p:spPr>
-            <a:xfrm>
-              <a:off x="2064220" y="2724912"/>
-              <a:ext cx="2478757" cy="369332"/>
-            </a:xfrm>
-            <a:prstGeom prst="rect">
-              <a:avLst/>
-            </a:prstGeom>
-            <a:noFill/>
-          </p:spPr>
-          <p:txBody>
-            <a:bodyPr wrap="none" rtlCol="0">
-              <a:spAutoFit/>
-            </a:bodyPr>
-            <a:lstStyle/>
-            <a:p>
-              <a:pPr algn="ctr"/>
-              <a:r>
-                <a:rPr lang="en-GB" b="1" dirty="0"/>
-                <a:t>Direct proximate effects</a:t>
-              </a:r>
-            </a:p>
-          </p:txBody>
-        </p:sp>
-        <p:sp>
-          <p:nvSpPr>
-            <p:cNvPr id="39" name="Rectangle 38">
-              <a:extLst>
-                <a:ext uri="{FF2B5EF4-FFF2-40B4-BE49-F238E27FC236}">
-                  <a16:creationId xmlns:a16="http://schemas.microsoft.com/office/drawing/2014/main" id="{64CBCB18-0871-DD14-8A64-812D7BC30D07}"/>
-                </a:ext>
-              </a:extLst>
-            </p:cNvPr>
-            <p:cNvSpPr/>
-            <p:nvPr/>
-          </p:nvSpPr>
-          <p:spPr>
-            <a:xfrm>
-              <a:off x="6443472" y="2535959"/>
-              <a:ext cx="4889857" cy="3060169"/>
-            </a:xfrm>
-            <a:prstGeom prst="rect">
-              <a:avLst/>
-            </a:prstGeom>
-            <a:noFill/>
-            <a:ln w="38100">
-              <a:solidFill>
-                <a:schemeClr val="tx1"/>
-              </a:solidFill>
-            </a:ln>
-          </p:spPr>
-          <p:style>
-            <a:lnRef idx="2">
-              <a:schemeClr val="accent6"/>
-            </a:lnRef>
-            <a:fillRef idx="1">
-              <a:schemeClr val="lt1"/>
-            </a:fillRef>
-            <a:effectRef idx="0">
-              <a:schemeClr val="accent6"/>
-            </a:effectRef>
-            <a:fontRef idx="minor">
-              <a:schemeClr val="dk1"/>
-            </a:fontRef>
-          </p:style>
-          <p:txBody>
-            <a:bodyPr rtlCol="0" anchor="ctr"/>
-            <a:lstStyle/>
-            <a:p>
-              <a:pPr algn="ctr"/>
-              <a:endParaRPr lang="en-GB" sz="1550" dirty="0"/>
-            </a:p>
-          </p:txBody>
-        </p:sp>
-        <p:sp>
-          <p:nvSpPr>
-            <p:cNvPr id="40" name="TextBox 39">
-              <a:extLst>
-                <a:ext uri="{FF2B5EF4-FFF2-40B4-BE49-F238E27FC236}">
-                  <a16:creationId xmlns:a16="http://schemas.microsoft.com/office/drawing/2014/main" id="{278F562F-9DD0-4A36-61F1-1A78A5BEFEA3}"/>
-                </a:ext>
-              </a:extLst>
-            </p:cNvPr>
-            <p:cNvSpPr txBox="1"/>
-            <p:nvPr/>
-          </p:nvSpPr>
-          <p:spPr>
-            <a:xfrm>
-              <a:off x="7622638" y="2724912"/>
-              <a:ext cx="2531527" cy="369332"/>
-            </a:xfrm>
-            <a:prstGeom prst="rect">
-              <a:avLst/>
-            </a:prstGeom>
-            <a:noFill/>
-          </p:spPr>
-          <p:txBody>
-            <a:bodyPr wrap="none" rtlCol="0">
-              <a:spAutoFit/>
-            </a:bodyPr>
-            <a:lstStyle/>
-            <a:p>
-              <a:pPr algn="ctr"/>
-              <a:r>
-                <a:rPr lang="en-GB" b="1" dirty="0"/>
-                <a:t>Indirect narrative effects</a:t>
-              </a:r>
-            </a:p>
-          </p:txBody>
-        </p:sp>
-        <p:sp>
-          <p:nvSpPr>
-            <p:cNvPr id="43" name="Oval 42">
-              <a:extLst>
-                <a:ext uri="{FF2B5EF4-FFF2-40B4-BE49-F238E27FC236}">
-                  <a16:creationId xmlns:a16="http://schemas.microsoft.com/office/drawing/2014/main" id="{5F8EE444-818D-00ED-A774-7D998FCFA3D5}"/>
-                </a:ext>
-              </a:extLst>
-            </p:cNvPr>
-            <p:cNvSpPr/>
-            <p:nvPr/>
-          </p:nvSpPr>
-          <p:spPr>
-            <a:xfrm>
-              <a:off x="9174717" y="3427779"/>
-              <a:ext cx="1800000" cy="1800000"/>
-            </a:xfrm>
-            <a:prstGeom prst="ellipse">
-              <a:avLst/>
-            </a:prstGeom>
-            <a:ln w="38100">
-              <a:solidFill>
-                <a:schemeClr val="tx1"/>
-              </a:solidFill>
-            </a:ln>
-          </p:spPr>
-          <p:style>
-            <a:lnRef idx="2">
-              <a:schemeClr val="dk1"/>
-            </a:lnRef>
-            <a:fillRef idx="1">
-              <a:schemeClr val="lt1"/>
-            </a:fillRef>
-            <a:effectRef idx="0">
-              <a:schemeClr val="dk1"/>
-            </a:effectRef>
-            <a:fontRef idx="minor">
-              <a:schemeClr val="dk1"/>
-            </a:fontRef>
-          </p:style>
-          <p:txBody>
-            <a:bodyPr rtlCol="0" anchor="ctr"/>
-            <a:lstStyle/>
-            <a:p>
-              <a:pPr algn="ctr"/>
-              <a:r>
-                <a:rPr lang="en-US" sz="1550" dirty="0"/>
-                <a:t>Political narrative</a:t>
+                <a:rPr lang="en-US" dirty="0"/>
+                <a:t>Media and Political  narrative</a:t>
               </a:r>
             </a:p>
           </p:txBody>
@@ -4833,8 +4609,8 @@
           </p:nvSpPr>
           <p:spPr>
             <a:xfrm>
-              <a:off x="1217283" y="3465111"/>
-              <a:ext cx="1800000" cy="1800000"/>
+              <a:off x="1776000" y="2236094"/>
+              <a:ext cx="2160000" cy="2160000"/>
             </a:xfrm>
             <a:prstGeom prst="ellipse">
               <a:avLst/>
@@ -4865,8 +4641,8 @@
             <a:p>
               <a:pPr algn="ctr"/>
               <a:r>
-                <a:rPr lang="en-US" sz="1550" dirty="0"/>
-                <a:t>Immigrants in one’s local community</a:t>
+                <a:rPr lang="en-US" dirty="0"/>
+                <a:t>Contact with immigrants in one’s local community</a:t>
               </a:r>
             </a:p>
           </p:txBody>
@@ -4885,8 +4661,8 @@
           </p:nvSpPr>
           <p:spPr>
             <a:xfrm>
-              <a:off x="3468194" y="3465111"/>
-              <a:ext cx="1800000" cy="1800000"/>
+              <a:off x="5015999" y="2236094"/>
+              <a:ext cx="2160000" cy="2160000"/>
             </a:xfrm>
             <a:prstGeom prst="ellipse">
               <a:avLst/>
@@ -4917,7 +4693,7 @@
             <a:p>
               <a:pPr algn="ctr"/>
               <a:r>
-                <a:rPr lang="en-US" sz="1550" dirty="0"/>
+                <a:rPr lang="en-US" dirty="0"/>
                 <a:t>Socio-economic outcomes from immigration</a:t>
               </a:r>
             </a:p>
@@ -4935,13 +4711,14 @@
             <p:cNvCxnSpPr>
               <a:cxnSpLocks/>
               <a:stCxn id="32" idx="2"/>
+              <a:endCxn id="44" idx="0"/>
             </p:cNvCxnSpPr>
             <p:nvPr/>
           </p:nvCxnSpPr>
           <p:spPr>
             <a:xfrm flipH="1">
-              <a:off x="3273552" y="1039158"/>
-              <a:ext cx="2822447" cy="1496801"/>
+              <a:off x="2856000" y="1039158"/>
+              <a:ext cx="3239999" cy="1196936"/>
             </a:xfrm>
             <a:prstGeom prst="straightConnector1">
               <a:avLst/>
@@ -4980,14 +4757,14 @@
             <p:cNvCxnSpPr>
               <a:cxnSpLocks/>
               <a:stCxn id="32" idx="2"/>
-              <a:endCxn id="39" idx="0"/>
+              <a:endCxn id="35" idx="0"/>
             </p:cNvCxnSpPr>
             <p:nvPr/>
           </p:nvCxnSpPr>
           <p:spPr>
             <a:xfrm>
               <a:off x="6095999" y="1039158"/>
-              <a:ext cx="2792402" cy="1496801"/>
+              <a:ext cx="3240000" cy="1196936"/>
             </a:xfrm>
             <a:prstGeom prst="straightConnector1">
               <a:avLst/>
@@ -5025,14 +4802,15 @@
             </p:cNvPr>
             <p:cNvCxnSpPr>
               <a:cxnSpLocks/>
+              <a:stCxn id="35" idx="4"/>
               <a:endCxn id="34" idx="0"/>
             </p:cNvCxnSpPr>
             <p:nvPr/>
           </p:nvCxnSpPr>
           <p:spPr>
             <a:xfrm flipH="1">
-              <a:off x="6096000" y="5596128"/>
-              <a:ext cx="2792401" cy="2622741"/>
+              <a:off x="6159071" y="4396094"/>
+              <a:ext cx="3176928" cy="3822775"/>
             </a:xfrm>
             <a:prstGeom prst="straightConnector1">
               <a:avLst/>
@@ -5061,10 +4839,10 @@
         </p:cxnSp>
         <p:sp>
           <p:nvSpPr>
-            <p:cNvPr id="47" name="Rectangle 46">
+            <p:cNvPr id="20" name="Rounded Rectangle 19">
               <a:extLst>
                 <a:ext uri="{FF2B5EF4-FFF2-40B4-BE49-F238E27FC236}">
-                  <a16:creationId xmlns:a16="http://schemas.microsoft.com/office/drawing/2014/main" id="{450B628E-A524-9A69-86E4-8C3378D15EF0}"/>
+                  <a16:creationId xmlns:a16="http://schemas.microsoft.com/office/drawing/2014/main" id="{4EE6C4F0-E7DA-7DDD-0239-422C797E4471}"/>
                 </a:ext>
               </a:extLst>
             </p:cNvPr>
@@ -5073,15 +4851,12 @@
           </p:nvSpPr>
           <p:spPr>
             <a:xfrm>
-              <a:off x="3651072" y="7105056"/>
-              <a:ext cx="4889857" cy="701884"/>
+              <a:off x="9335999" y="4757071"/>
+              <a:ext cx="2267712" cy="2443035"/>
             </a:xfrm>
-            <a:prstGeom prst="rect">
+            <a:prstGeom prst="roundRect">
               <a:avLst/>
             </a:prstGeom>
-            <a:solidFill>
-              <a:schemeClr val="bg1"/>
-            </a:solidFill>
             <a:ln w="38100">
               <a:solidFill>
                 <a:schemeClr val="tx1"/>
@@ -5107,46 +4882,1020 @@
             <a:lstStyle/>
             <a:p>
               <a:pPr algn="ctr"/>
-              <a:endParaRPr lang="en-GB" sz="1550" dirty="0"/>
+              <a:r>
+                <a:rPr lang="en-GB" dirty="0"/>
+                <a:t>Moderated by other </a:t>
+              </a:r>
+              <a:r>
+                <a:rPr lang="en-GB" b="1" dirty="0"/>
+                <a:t>individual characteristics</a:t>
+              </a:r>
+              <a:br>
+                <a:rPr lang="en-GB" dirty="0"/>
+              </a:br>
+              <a:r>
+                <a:rPr lang="en-GB" dirty="0"/>
+                <a:t>-</a:t>
+              </a:r>
+              <a:br>
+                <a:rPr lang="en-GB" dirty="0"/>
+              </a:br>
+              <a:r>
+                <a:rPr lang="en-GB" dirty="0"/>
+                <a:t>age, gender, income, education, employment </a:t>
+              </a:r>
             </a:p>
           </p:txBody>
         </p:sp>
         <p:sp>
           <p:nvSpPr>
-            <p:cNvPr id="6" name="TextBox 5">
+            <p:cNvPr id="63" name="Rounded Rectangle 62">
               <a:extLst>
                 <a:ext uri="{FF2B5EF4-FFF2-40B4-BE49-F238E27FC236}">
-                  <a16:creationId xmlns:a16="http://schemas.microsoft.com/office/drawing/2014/main" id="{BFAC6B3C-4D37-5259-CE3B-1BC98E01410E}"/>
+                  <a16:creationId xmlns:a16="http://schemas.microsoft.com/office/drawing/2014/main" id="{9AD68CC9-6A6D-9C41-C1AF-811FEF4930B5}"/>
                 </a:ext>
               </a:extLst>
             </p:cNvPr>
-            <p:cNvSpPr txBox="1"/>
+            <p:cNvSpPr/>
             <p:nvPr/>
           </p:nvSpPr>
           <p:spPr>
             <a:xfrm>
-              <a:off x="3651072" y="7257521"/>
-              <a:ext cx="4889856" cy="369332"/>
+              <a:off x="1035887" y="4821455"/>
+              <a:ext cx="1800000" cy="1800001"/>
             </a:xfrm>
-            <a:prstGeom prst="rect">
+            <a:prstGeom prst="roundRect">
               <a:avLst/>
             </a:prstGeom>
-            <a:noFill/>
+            <a:ln w="38100">
+              <a:solidFill>
+                <a:schemeClr val="tx1"/>
+              </a:solidFill>
+            </a:ln>
           </p:spPr>
+          <p:style>
+            <a:lnRef idx="2">
+              <a:schemeClr val="accent6"/>
+            </a:lnRef>
+            <a:fillRef idx="1">
+              <a:schemeClr val="lt1"/>
+            </a:fillRef>
+            <a:effectRef idx="0">
+              <a:schemeClr val="accent6"/>
+            </a:effectRef>
+            <a:fontRef idx="minor">
+              <a:schemeClr val="dk1"/>
+            </a:fontRef>
+          </p:style>
           <p:txBody>
-            <a:bodyPr wrap="square" rtlCol="0" anchor="ctr">
-              <a:spAutoFit/>
-            </a:bodyPr>
+            <a:bodyPr rtlCol="0" anchor="ctr"/>
             <a:lstStyle/>
             <a:p>
               <a:pPr algn="ctr"/>
               <a:r>
+                <a:rPr lang="en-GB" dirty="0"/>
+                <a:t>Moderated by </a:t>
+              </a:r>
+              <a:r>
                 <a:rPr lang="en-GB" b="1" dirty="0"/>
-                <a:t>Moderated by attitudes towards immigrants</a:t>
+                <a:t>dose-response relationship</a:t>
               </a:r>
+              <a:endParaRPr lang="en-GB" dirty="0"/>
             </a:p>
           </p:txBody>
         </p:sp>
+        <p:sp>
+          <p:nvSpPr>
+            <p:cNvPr id="66" name="Rounded Rectangle 65">
+              <a:extLst>
+                <a:ext uri="{FF2B5EF4-FFF2-40B4-BE49-F238E27FC236}">
+                  <a16:creationId xmlns:a16="http://schemas.microsoft.com/office/drawing/2014/main" id="{6AE15229-AF46-B23C-71AC-59640C5BB8E5}"/>
+                </a:ext>
+              </a:extLst>
+            </p:cNvPr>
+            <p:cNvSpPr/>
+            <p:nvPr/>
+          </p:nvSpPr>
+          <p:spPr>
+            <a:xfrm>
+              <a:off x="1035887" y="6949816"/>
+              <a:ext cx="1800000" cy="1800001"/>
+            </a:xfrm>
+            <a:prstGeom prst="roundRect">
+              <a:avLst/>
+            </a:prstGeom>
+            <a:ln w="38100">
+              <a:solidFill>
+                <a:schemeClr val="tx1"/>
+              </a:solidFill>
+            </a:ln>
+          </p:spPr>
+          <p:style>
+            <a:lnRef idx="2">
+              <a:schemeClr val="accent6"/>
+            </a:lnRef>
+            <a:fillRef idx="1">
+              <a:schemeClr val="lt1"/>
+            </a:fillRef>
+            <a:effectRef idx="0">
+              <a:schemeClr val="accent6"/>
+            </a:effectRef>
+            <a:fontRef idx="minor">
+              <a:schemeClr val="dk1"/>
+            </a:fontRef>
+          </p:style>
+          <p:txBody>
+            <a:bodyPr rtlCol="0" anchor="ctr"/>
+            <a:lstStyle/>
+            <a:p>
+              <a:pPr algn="ctr"/>
+              <a:r>
+                <a:rPr lang="en-GB" dirty="0"/>
+                <a:t>Moderated by </a:t>
+              </a:r>
+              <a:r>
+                <a:rPr lang="en-GB" b="1" dirty="0"/>
+                <a:t>proximity</a:t>
+              </a:r>
+              <a:endParaRPr lang="en-GB" dirty="0"/>
+            </a:p>
+          </p:txBody>
+        </p:sp>
+        <p:sp>
+          <p:nvSpPr>
+            <p:cNvPr id="67" name="Rounded Rectangle 66">
+              <a:extLst>
+                <a:ext uri="{FF2B5EF4-FFF2-40B4-BE49-F238E27FC236}">
+                  <a16:creationId xmlns:a16="http://schemas.microsoft.com/office/drawing/2014/main" id="{4D9EEA77-19F3-95F8-9041-B23BCB043ED6}"/>
+                </a:ext>
+              </a:extLst>
+            </p:cNvPr>
+            <p:cNvSpPr/>
+            <p:nvPr/>
+          </p:nvSpPr>
+          <p:spPr>
+            <a:xfrm>
+              <a:off x="8216613" y="7444015"/>
+              <a:ext cx="1905014" cy="1800001"/>
+            </a:xfrm>
+            <a:prstGeom prst="roundRect">
+              <a:avLst/>
+            </a:prstGeom>
+            <a:ln w="38100">
+              <a:solidFill>
+                <a:schemeClr val="tx1"/>
+              </a:solidFill>
+            </a:ln>
+          </p:spPr>
+          <p:style>
+            <a:lnRef idx="2">
+              <a:schemeClr val="accent6"/>
+            </a:lnRef>
+            <a:fillRef idx="1">
+              <a:schemeClr val="lt1"/>
+            </a:fillRef>
+            <a:effectRef idx="0">
+              <a:schemeClr val="accent6"/>
+            </a:effectRef>
+            <a:fontRef idx="minor">
+              <a:schemeClr val="dk1"/>
+            </a:fontRef>
+          </p:style>
+          <p:txBody>
+            <a:bodyPr rtlCol="0" anchor="ctr"/>
+            <a:lstStyle/>
+            <a:p>
+              <a:pPr algn="ctr"/>
+              <a:r>
+                <a:rPr lang="en-GB" dirty="0"/>
+                <a:t>Moderated by </a:t>
+              </a:r>
+              <a:r>
+                <a:rPr lang="en-GB" b="1" dirty="0"/>
+                <a:t>attitudes towards immigration</a:t>
+              </a:r>
+              <a:endParaRPr lang="en-GB" dirty="0"/>
+            </a:p>
+          </p:txBody>
+        </p:sp>
+        <p:cxnSp>
+          <p:nvCxnSpPr>
+            <p:cNvPr id="71" name="Straight Arrow Connector 70">
+              <a:extLst>
+                <a:ext uri="{FF2B5EF4-FFF2-40B4-BE49-F238E27FC236}">
+                  <a16:creationId xmlns:a16="http://schemas.microsoft.com/office/drawing/2014/main" id="{2169DBA6-0358-A013-35CD-C355D3BA79AD}"/>
+                </a:ext>
+              </a:extLst>
+            </p:cNvPr>
+            <p:cNvCxnSpPr>
+              <a:cxnSpLocks/>
+              <a:stCxn id="32" idx="2"/>
+              <a:endCxn id="45" idx="0"/>
+            </p:cNvCxnSpPr>
+            <p:nvPr/>
+          </p:nvCxnSpPr>
+          <p:spPr>
+            <a:xfrm>
+              <a:off x="6095999" y="1039158"/>
+              <a:ext cx="0" cy="1196936"/>
+            </a:xfrm>
+            <a:prstGeom prst="straightConnector1">
+              <a:avLst/>
+            </a:prstGeom>
+            <a:ln w="38100">
+              <a:solidFill>
+                <a:schemeClr val="tx1"/>
+              </a:solidFill>
+              <a:tailEnd type="triangle"/>
+            </a:ln>
+          </p:spPr>
+          <p:style>
+            <a:lnRef idx="1">
+              <a:schemeClr val="dk1"/>
+            </a:lnRef>
+            <a:fillRef idx="0">
+              <a:schemeClr val="dk1"/>
+            </a:fillRef>
+            <a:effectRef idx="0">
+              <a:schemeClr val="dk1"/>
+            </a:effectRef>
+            <a:fontRef idx="minor">
+              <a:schemeClr val="tx1"/>
+            </a:fontRef>
+          </p:style>
+        </p:cxnSp>
+        <p:cxnSp>
+          <p:nvCxnSpPr>
+            <p:cNvPr id="78" name="Straight Arrow Connector 77">
+              <a:extLst>
+                <a:ext uri="{FF2B5EF4-FFF2-40B4-BE49-F238E27FC236}">
+                  <a16:creationId xmlns:a16="http://schemas.microsoft.com/office/drawing/2014/main" id="{403A27B8-F90D-E325-33CC-44F35478D09A}"/>
+                </a:ext>
+              </a:extLst>
+            </p:cNvPr>
+            <p:cNvCxnSpPr>
+              <a:cxnSpLocks/>
+              <a:stCxn id="45" idx="4"/>
+              <a:endCxn id="34" idx="0"/>
+            </p:cNvCxnSpPr>
+            <p:nvPr/>
+          </p:nvCxnSpPr>
+          <p:spPr>
+            <a:xfrm>
+              <a:off x="6095999" y="4396094"/>
+              <a:ext cx="63072" cy="3822775"/>
+            </a:xfrm>
+            <a:prstGeom prst="straightConnector1">
+              <a:avLst/>
+            </a:prstGeom>
+            <a:ln w="38100">
+              <a:solidFill>
+                <a:schemeClr val="tx1"/>
+              </a:solidFill>
+              <a:tailEnd type="triangle"/>
+            </a:ln>
+          </p:spPr>
+          <p:style>
+            <a:lnRef idx="1">
+              <a:schemeClr val="dk1"/>
+            </a:lnRef>
+            <a:fillRef idx="0">
+              <a:schemeClr val="dk1"/>
+            </a:fillRef>
+            <a:effectRef idx="0">
+              <a:schemeClr val="dk1"/>
+            </a:effectRef>
+            <a:fontRef idx="minor">
+              <a:schemeClr val="tx1"/>
+            </a:fontRef>
+          </p:style>
+        </p:cxnSp>
+        <p:cxnSp>
+          <p:nvCxnSpPr>
+            <p:cNvPr id="84" name="Straight Arrow Connector 83">
+              <a:extLst>
+                <a:ext uri="{FF2B5EF4-FFF2-40B4-BE49-F238E27FC236}">
+                  <a16:creationId xmlns:a16="http://schemas.microsoft.com/office/drawing/2014/main" id="{6F02A25F-3A52-4C74-77B7-00574B0EBFDB}"/>
+                </a:ext>
+              </a:extLst>
+            </p:cNvPr>
+            <p:cNvCxnSpPr>
+              <a:cxnSpLocks/>
+              <a:stCxn id="63" idx="3"/>
+            </p:cNvCxnSpPr>
+            <p:nvPr/>
+          </p:nvCxnSpPr>
+          <p:spPr>
+            <a:xfrm flipV="1">
+              <a:off x="2835887" y="5167059"/>
+              <a:ext cx="583799" cy="554397"/>
+            </a:xfrm>
+            <a:prstGeom prst="straightConnector1">
+              <a:avLst/>
+            </a:prstGeom>
+            <a:ln w="38100">
+              <a:solidFill>
+                <a:schemeClr val="tx1"/>
+              </a:solidFill>
+              <a:prstDash val="sysDot"/>
+              <a:tailEnd type="triangle"/>
+            </a:ln>
+          </p:spPr>
+          <p:style>
+            <a:lnRef idx="1">
+              <a:schemeClr val="dk1"/>
+            </a:lnRef>
+            <a:fillRef idx="0">
+              <a:schemeClr val="dk1"/>
+            </a:fillRef>
+            <a:effectRef idx="0">
+              <a:schemeClr val="dk1"/>
+            </a:effectRef>
+            <a:fontRef idx="minor">
+              <a:schemeClr val="tx1"/>
+            </a:fontRef>
+          </p:style>
+        </p:cxnSp>
+        <p:cxnSp>
+          <p:nvCxnSpPr>
+            <p:cNvPr id="87" name="Straight Arrow Connector 86">
+              <a:extLst>
+                <a:ext uri="{FF2B5EF4-FFF2-40B4-BE49-F238E27FC236}">
+                  <a16:creationId xmlns:a16="http://schemas.microsoft.com/office/drawing/2014/main" id="{F3D32998-DB86-329E-F4F2-99824CC384F4}"/>
+                </a:ext>
+              </a:extLst>
+            </p:cNvPr>
+            <p:cNvCxnSpPr>
+              <a:cxnSpLocks/>
+              <a:stCxn id="63" idx="3"/>
+            </p:cNvCxnSpPr>
+            <p:nvPr/>
+          </p:nvCxnSpPr>
+          <p:spPr>
+            <a:xfrm flipV="1">
+              <a:off x="2835887" y="5167059"/>
+              <a:ext cx="3190946" cy="554397"/>
+            </a:xfrm>
+            <a:prstGeom prst="straightConnector1">
+              <a:avLst/>
+            </a:prstGeom>
+            <a:ln w="38100">
+              <a:solidFill>
+                <a:schemeClr val="tx1"/>
+              </a:solidFill>
+              <a:prstDash val="sysDot"/>
+              <a:tailEnd type="triangle"/>
+            </a:ln>
+          </p:spPr>
+          <p:style>
+            <a:lnRef idx="1">
+              <a:schemeClr val="dk1"/>
+            </a:lnRef>
+            <a:fillRef idx="0">
+              <a:schemeClr val="dk1"/>
+            </a:fillRef>
+            <a:effectRef idx="0">
+              <a:schemeClr val="dk1"/>
+            </a:effectRef>
+            <a:fontRef idx="minor">
+              <a:schemeClr val="tx1"/>
+            </a:fontRef>
+          </p:style>
+        </p:cxnSp>
+        <p:cxnSp>
+          <p:nvCxnSpPr>
+            <p:cNvPr id="94" name="Straight Arrow Connector 93">
+              <a:extLst>
+                <a:ext uri="{FF2B5EF4-FFF2-40B4-BE49-F238E27FC236}">
+                  <a16:creationId xmlns:a16="http://schemas.microsoft.com/office/drawing/2014/main" id="{0EF465A6-D185-0ABF-FD7B-54E5FCD01785}"/>
+                </a:ext>
+              </a:extLst>
+            </p:cNvPr>
+            <p:cNvCxnSpPr>
+              <a:cxnSpLocks/>
+              <a:stCxn id="63" idx="3"/>
+            </p:cNvCxnSpPr>
+            <p:nvPr/>
+          </p:nvCxnSpPr>
+          <p:spPr>
+            <a:xfrm flipV="1">
+              <a:off x="2835887" y="5167059"/>
+              <a:ext cx="5796049" cy="554397"/>
+            </a:xfrm>
+            <a:prstGeom prst="straightConnector1">
+              <a:avLst/>
+            </a:prstGeom>
+            <a:ln w="38100">
+              <a:solidFill>
+                <a:schemeClr val="tx1"/>
+              </a:solidFill>
+              <a:prstDash val="sysDot"/>
+              <a:tailEnd type="triangle"/>
+            </a:ln>
+          </p:spPr>
+          <p:style>
+            <a:lnRef idx="1">
+              <a:schemeClr val="dk1"/>
+            </a:lnRef>
+            <a:fillRef idx="0">
+              <a:schemeClr val="dk1"/>
+            </a:fillRef>
+            <a:effectRef idx="0">
+              <a:schemeClr val="dk1"/>
+            </a:effectRef>
+            <a:fontRef idx="minor">
+              <a:schemeClr val="tx1"/>
+            </a:fontRef>
+          </p:style>
+        </p:cxnSp>
+        <p:cxnSp>
+          <p:nvCxnSpPr>
+            <p:cNvPr id="98" name="Straight Arrow Connector 97">
+              <a:extLst>
+                <a:ext uri="{FF2B5EF4-FFF2-40B4-BE49-F238E27FC236}">
+                  <a16:creationId xmlns:a16="http://schemas.microsoft.com/office/drawing/2014/main" id="{116809DE-C0A4-BAA3-84B0-485362584CF7}"/>
+                </a:ext>
+              </a:extLst>
+            </p:cNvPr>
+            <p:cNvCxnSpPr>
+              <a:cxnSpLocks/>
+              <a:stCxn id="66" idx="3"/>
+            </p:cNvCxnSpPr>
+            <p:nvPr/>
+          </p:nvCxnSpPr>
+          <p:spPr>
+            <a:xfrm flipV="1">
+              <a:off x="2835887" y="5901455"/>
+              <a:ext cx="1237177" cy="1948362"/>
+            </a:xfrm>
+            <a:prstGeom prst="straightConnector1">
+              <a:avLst/>
+            </a:prstGeom>
+            <a:ln w="38100">
+              <a:solidFill>
+                <a:schemeClr val="tx1"/>
+              </a:solidFill>
+              <a:prstDash val="sysDot"/>
+              <a:tailEnd type="triangle"/>
+            </a:ln>
+          </p:spPr>
+          <p:style>
+            <a:lnRef idx="1">
+              <a:schemeClr val="dk1"/>
+            </a:lnRef>
+            <a:fillRef idx="0">
+              <a:schemeClr val="dk1"/>
+            </a:fillRef>
+            <a:effectRef idx="0">
+              <a:schemeClr val="dk1"/>
+            </a:effectRef>
+            <a:fontRef idx="minor">
+              <a:schemeClr val="tx1"/>
+            </a:fontRef>
+          </p:style>
+        </p:cxnSp>
+        <p:cxnSp>
+          <p:nvCxnSpPr>
+            <p:cNvPr id="100" name="Straight Arrow Connector 99">
+              <a:extLst>
+                <a:ext uri="{FF2B5EF4-FFF2-40B4-BE49-F238E27FC236}">
+                  <a16:creationId xmlns:a16="http://schemas.microsoft.com/office/drawing/2014/main" id="{316B7960-80E5-4E50-F45B-A1E2DB3BB47C}"/>
+                </a:ext>
+              </a:extLst>
+            </p:cNvPr>
+            <p:cNvCxnSpPr>
+              <a:cxnSpLocks/>
+              <a:stCxn id="66" idx="3"/>
+            </p:cNvCxnSpPr>
+            <p:nvPr/>
+          </p:nvCxnSpPr>
+          <p:spPr>
+            <a:xfrm flipV="1">
+              <a:off x="2835887" y="5593030"/>
+              <a:ext cx="3239999" cy="2256787"/>
+            </a:xfrm>
+            <a:prstGeom prst="straightConnector1">
+              <a:avLst/>
+            </a:prstGeom>
+            <a:ln w="38100">
+              <a:solidFill>
+                <a:schemeClr val="tx1"/>
+              </a:solidFill>
+              <a:prstDash val="sysDot"/>
+              <a:tailEnd type="triangle"/>
+            </a:ln>
+          </p:spPr>
+          <p:style>
+            <a:lnRef idx="1">
+              <a:schemeClr val="dk1"/>
+            </a:lnRef>
+            <a:fillRef idx="0">
+              <a:schemeClr val="dk1"/>
+            </a:fillRef>
+            <a:effectRef idx="0">
+              <a:schemeClr val="dk1"/>
+            </a:effectRef>
+            <a:fontRef idx="minor">
+              <a:schemeClr val="tx1"/>
+            </a:fontRef>
+          </p:style>
+        </p:cxnSp>
+        <p:cxnSp>
+          <p:nvCxnSpPr>
+            <p:cNvPr id="103" name="Straight Arrow Connector 102">
+              <a:extLst>
+                <a:ext uri="{FF2B5EF4-FFF2-40B4-BE49-F238E27FC236}">
+                  <a16:creationId xmlns:a16="http://schemas.microsoft.com/office/drawing/2014/main" id="{796E0F32-FDBD-5F09-3392-029D49EB2EE1}"/>
+                </a:ext>
+              </a:extLst>
+            </p:cNvPr>
+            <p:cNvCxnSpPr>
+              <a:cxnSpLocks/>
+              <a:stCxn id="66" idx="3"/>
+            </p:cNvCxnSpPr>
+            <p:nvPr/>
+          </p:nvCxnSpPr>
+          <p:spPr>
+            <a:xfrm flipV="1">
+              <a:off x="2835887" y="5444257"/>
+              <a:ext cx="5594881" cy="2405560"/>
+            </a:xfrm>
+            <a:prstGeom prst="straightConnector1">
+              <a:avLst/>
+            </a:prstGeom>
+            <a:ln w="38100">
+              <a:solidFill>
+                <a:schemeClr val="tx1"/>
+              </a:solidFill>
+              <a:prstDash val="sysDot"/>
+              <a:tailEnd type="triangle"/>
+            </a:ln>
+          </p:spPr>
+          <p:style>
+            <a:lnRef idx="1">
+              <a:schemeClr val="dk1"/>
+            </a:lnRef>
+            <a:fillRef idx="0">
+              <a:schemeClr val="dk1"/>
+            </a:fillRef>
+            <a:effectRef idx="0">
+              <a:schemeClr val="dk1"/>
+            </a:effectRef>
+            <a:fontRef idx="minor">
+              <a:schemeClr val="tx1"/>
+            </a:fontRef>
+          </p:style>
+        </p:cxnSp>
+        <p:cxnSp>
+          <p:nvCxnSpPr>
+            <p:cNvPr id="106" name="Straight Arrow Connector 105">
+              <a:extLst>
+                <a:ext uri="{FF2B5EF4-FFF2-40B4-BE49-F238E27FC236}">
+                  <a16:creationId xmlns:a16="http://schemas.microsoft.com/office/drawing/2014/main" id="{90F20272-B297-D490-0477-76E421561377}"/>
+                </a:ext>
+              </a:extLst>
+            </p:cNvPr>
+            <p:cNvCxnSpPr>
+              <a:cxnSpLocks/>
+            </p:cNvCxnSpPr>
+            <p:nvPr/>
+          </p:nvCxnSpPr>
+          <p:spPr>
+            <a:xfrm flipH="1">
+              <a:off x="5512200" y="5961836"/>
+              <a:ext cx="3754632" cy="1444804"/>
+            </a:xfrm>
+            <a:prstGeom prst="straightConnector1">
+              <a:avLst/>
+            </a:prstGeom>
+            <a:ln w="38100">
+              <a:solidFill>
+                <a:schemeClr val="tx1"/>
+              </a:solidFill>
+              <a:prstDash val="sysDot"/>
+              <a:tailEnd type="triangle"/>
+            </a:ln>
+          </p:spPr>
+          <p:style>
+            <a:lnRef idx="1">
+              <a:schemeClr val="dk1"/>
+            </a:lnRef>
+            <a:fillRef idx="0">
+              <a:schemeClr val="dk1"/>
+            </a:fillRef>
+            <a:effectRef idx="0">
+              <a:schemeClr val="dk1"/>
+            </a:effectRef>
+            <a:fontRef idx="minor">
+              <a:schemeClr val="tx1"/>
+            </a:fontRef>
+          </p:style>
+        </p:cxnSp>
+        <p:cxnSp>
+          <p:nvCxnSpPr>
+            <p:cNvPr id="112" name="Straight Arrow Connector 111">
+              <a:extLst>
+                <a:ext uri="{FF2B5EF4-FFF2-40B4-BE49-F238E27FC236}">
+                  <a16:creationId xmlns:a16="http://schemas.microsoft.com/office/drawing/2014/main" id="{41CC2BEC-7EFC-E822-B0E8-04E88A057685}"/>
+                </a:ext>
+              </a:extLst>
+            </p:cNvPr>
+            <p:cNvCxnSpPr>
+              <a:cxnSpLocks/>
+              <a:stCxn id="20" idx="1"/>
+            </p:cNvCxnSpPr>
+            <p:nvPr/>
+          </p:nvCxnSpPr>
+          <p:spPr>
+            <a:xfrm flipH="1">
+              <a:off x="6179184" y="5978589"/>
+              <a:ext cx="3156815" cy="897047"/>
+            </a:xfrm>
+            <a:prstGeom prst="straightConnector1">
+              <a:avLst/>
+            </a:prstGeom>
+            <a:ln w="38100">
+              <a:solidFill>
+                <a:schemeClr val="tx1"/>
+              </a:solidFill>
+              <a:prstDash val="sysDot"/>
+              <a:tailEnd type="triangle"/>
+            </a:ln>
+          </p:spPr>
+          <p:style>
+            <a:lnRef idx="1">
+              <a:schemeClr val="dk1"/>
+            </a:lnRef>
+            <a:fillRef idx="0">
+              <a:schemeClr val="dk1"/>
+            </a:fillRef>
+            <a:effectRef idx="0">
+              <a:schemeClr val="dk1"/>
+            </a:effectRef>
+            <a:fontRef idx="minor">
+              <a:schemeClr val="tx1"/>
+            </a:fontRef>
+          </p:style>
+        </p:cxnSp>
+        <p:cxnSp>
+          <p:nvCxnSpPr>
+            <p:cNvPr id="116" name="Straight Arrow Connector 115">
+              <a:extLst>
+                <a:ext uri="{FF2B5EF4-FFF2-40B4-BE49-F238E27FC236}">
+                  <a16:creationId xmlns:a16="http://schemas.microsoft.com/office/drawing/2014/main" id="{FE583131-07AE-8561-88F5-29ACB8D59FC8}"/>
+                </a:ext>
+              </a:extLst>
+            </p:cNvPr>
+            <p:cNvCxnSpPr>
+              <a:cxnSpLocks/>
+              <a:stCxn id="20" idx="1"/>
+            </p:cNvCxnSpPr>
+            <p:nvPr/>
+          </p:nvCxnSpPr>
+          <p:spPr>
+            <a:xfrm flipH="1" flipV="1">
+              <a:off x="8098821" y="5947661"/>
+              <a:ext cx="1237178" cy="30928"/>
+            </a:xfrm>
+            <a:prstGeom prst="straightConnector1">
+              <a:avLst/>
+            </a:prstGeom>
+            <a:ln w="38100">
+              <a:solidFill>
+                <a:schemeClr val="tx1"/>
+              </a:solidFill>
+              <a:prstDash val="sysDot"/>
+              <a:tailEnd type="triangle"/>
+            </a:ln>
+          </p:spPr>
+          <p:style>
+            <a:lnRef idx="1">
+              <a:schemeClr val="dk1"/>
+            </a:lnRef>
+            <a:fillRef idx="0">
+              <a:schemeClr val="dk1"/>
+            </a:fillRef>
+            <a:effectRef idx="0">
+              <a:schemeClr val="dk1"/>
+            </a:effectRef>
+            <a:fontRef idx="minor">
+              <a:schemeClr val="tx1"/>
+            </a:fontRef>
+          </p:style>
+        </p:cxnSp>
+        <p:cxnSp>
+          <p:nvCxnSpPr>
+            <p:cNvPr id="119" name="Straight Arrow Connector 118">
+              <a:extLst>
+                <a:ext uri="{FF2B5EF4-FFF2-40B4-BE49-F238E27FC236}">
+                  <a16:creationId xmlns:a16="http://schemas.microsoft.com/office/drawing/2014/main" id="{D3446EE0-B893-21FC-F757-24C02A6D30B9}"/>
+                </a:ext>
+              </a:extLst>
+            </p:cNvPr>
+            <p:cNvCxnSpPr>
+              <a:cxnSpLocks/>
+              <a:stCxn id="67" idx="1"/>
+            </p:cNvCxnSpPr>
+            <p:nvPr/>
+          </p:nvCxnSpPr>
+          <p:spPr>
+            <a:xfrm flipH="1" flipV="1">
+              <a:off x="7254222" y="6956197"/>
+              <a:ext cx="962391" cy="1387819"/>
+            </a:xfrm>
+            <a:prstGeom prst="straightConnector1">
+              <a:avLst/>
+            </a:prstGeom>
+            <a:ln w="38100">
+              <a:solidFill>
+                <a:schemeClr val="tx1"/>
+              </a:solidFill>
+              <a:prstDash val="sysDot"/>
+              <a:tailEnd type="triangle"/>
+            </a:ln>
+          </p:spPr>
+          <p:style>
+            <a:lnRef idx="1">
+              <a:schemeClr val="dk1"/>
+            </a:lnRef>
+            <a:fillRef idx="0">
+              <a:schemeClr val="dk1"/>
+            </a:fillRef>
+            <a:effectRef idx="0">
+              <a:schemeClr val="dk1"/>
+            </a:effectRef>
+            <a:fontRef idx="minor">
+              <a:schemeClr val="tx1"/>
+            </a:fontRef>
+          </p:style>
+        </p:cxnSp>
+        <p:cxnSp>
+          <p:nvCxnSpPr>
+            <p:cNvPr id="122" name="Straight Arrow Connector 121">
+              <a:extLst>
+                <a:ext uri="{FF2B5EF4-FFF2-40B4-BE49-F238E27FC236}">
+                  <a16:creationId xmlns:a16="http://schemas.microsoft.com/office/drawing/2014/main" id="{4752635D-99CC-0DA2-201C-1D80B89FE73A}"/>
+                </a:ext>
+              </a:extLst>
+            </p:cNvPr>
+            <p:cNvCxnSpPr>
+              <a:cxnSpLocks/>
+              <a:stCxn id="67" idx="1"/>
+            </p:cNvCxnSpPr>
+            <p:nvPr/>
+          </p:nvCxnSpPr>
+          <p:spPr>
+            <a:xfrm flipH="1" flipV="1">
+              <a:off x="6186340" y="7406640"/>
+              <a:ext cx="2030273" cy="937376"/>
+            </a:xfrm>
+            <a:prstGeom prst="straightConnector1">
+              <a:avLst/>
+            </a:prstGeom>
+            <a:ln w="38100">
+              <a:solidFill>
+                <a:schemeClr val="tx1"/>
+              </a:solidFill>
+              <a:prstDash val="sysDot"/>
+              <a:tailEnd type="triangle"/>
+            </a:ln>
+          </p:spPr>
+          <p:style>
+            <a:lnRef idx="1">
+              <a:schemeClr val="dk1"/>
+            </a:lnRef>
+            <a:fillRef idx="0">
+              <a:schemeClr val="dk1"/>
+            </a:fillRef>
+            <a:effectRef idx="0">
+              <a:schemeClr val="dk1"/>
+            </a:effectRef>
+            <a:fontRef idx="minor">
+              <a:schemeClr val="tx1"/>
+            </a:fontRef>
+          </p:style>
+        </p:cxnSp>
+        <p:cxnSp>
+          <p:nvCxnSpPr>
+            <p:cNvPr id="125" name="Straight Arrow Connector 124">
+              <a:extLst>
+                <a:ext uri="{FF2B5EF4-FFF2-40B4-BE49-F238E27FC236}">
+                  <a16:creationId xmlns:a16="http://schemas.microsoft.com/office/drawing/2014/main" id="{EE971DF6-DD86-64B9-E2FB-4516627F595B}"/>
+                </a:ext>
+              </a:extLst>
+            </p:cNvPr>
+            <p:cNvCxnSpPr>
+              <a:cxnSpLocks/>
+              <a:stCxn id="67" idx="1"/>
+            </p:cNvCxnSpPr>
+            <p:nvPr/>
+          </p:nvCxnSpPr>
+          <p:spPr>
+            <a:xfrm flipH="1" flipV="1">
+              <a:off x="5733911" y="7768869"/>
+              <a:ext cx="2482702" cy="575147"/>
+            </a:xfrm>
+            <a:prstGeom prst="straightConnector1">
+              <a:avLst/>
+            </a:prstGeom>
+            <a:ln w="38100">
+              <a:solidFill>
+                <a:schemeClr val="tx1"/>
+              </a:solidFill>
+              <a:prstDash val="sysDot"/>
+              <a:tailEnd type="triangle"/>
+            </a:ln>
+          </p:spPr>
+          <p:style>
+            <a:lnRef idx="1">
+              <a:schemeClr val="dk1"/>
+            </a:lnRef>
+            <a:fillRef idx="0">
+              <a:schemeClr val="dk1"/>
+            </a:fillRef>
+            <a:effectRef idx="0">
+              <a:schemeClr val="dk1"/>
+            </a:effectRef>
+            <a:fontRef idx="minor">
+              <a:schemeClr val="tx1"/>
+            </a:fontRef>
+          </p:style>
+        </p:cxnSp>
+        <p:cxnSp>
+          <p:nvCxnSpPr>
+            <p:cNvPr id="128" name="Straight Arrow Connector 127">
+              <a:extLst>
+                <a:ext uri="{FF2B5EF4-FFF2-40B4-BE49-F238E27FC236}">
+                  <a16:creationId xmlns:a16="http://schemas.microsoft.com/office/drawing/2014/main" id="{D9157542-5D2D-A5DC-6DCE-7153D033D9AF}"/>
+                </a:ext>
+              </a:extLst>
+            </p:cNvPr>
+            <p:cNvCxnSpPr>
+              <a:cxnSpLocks/>
+            </p:cNvCxnSpPr>
+            <p:nvPr/>
+          </p:nvCxnSpPr>
+          <p:spPr>
+            <a:xfrm flipH="1">
+              <a:off x="7040880" y="9922827"/>
+              <a:ext cx="3419902" cy="7557"/>
+            </a:xfrm>
+            <a:prstGeom prst="straightConnector1">
+              <a:avLst/>
+            </a:prstGeom>
+            <a:ln w="38100">
+              <a:solidFill>
+                <a:schemeClr val="tx1"/>
+              </a:solidFill>
+              <a:tailEnd type="triangle"/>
+            </a:ln>
+          </p:spPr>
+          <p:style>
+            <a:lnRef idx="1">
+              <a:schemeClr val="dk1"/>
+            </a:lnRef>
+            <a:fillRef idx="0">
+              <a:schemeClr val="dk1"/>
+            </a:fillRef>
+            <a:effectRef idx="0">
+              <a:schemeClr val="dk1"/>
+            </a:effectRef>
+            <a:fontRef idx="minor">
+              <a:schemeClr val="tx1"/>
+            </a:fontRef>
+          </p:style>
+        </p:cxnSp>
+        <p:cxnSp>
+          <p:nvCxnSpPr>
+            <p:cNvPr id="129" name="Straight Connector 128">
+              <a:extLst>
+                <a:ext uri="{FF2B5EF4-FFF2-40B4-BE49-F238E27FC236}">
+                  <a16:creationId xmlns:a16="http://schemas.microsoft.com/office/drawing/2014/main" id="{97E8E3FB-A9F8-9A8E-51E6-8A2AA815F02D}"/>
+                </a:ext>
+              </a:extLst>
+            </p:cNvPr>
+            <p:cNvCxnSpPr>
+              <a:cxnSpLocks/>
+              <a:stCxn id="20" idx="2"/>
+            </p:cNvCxnSpPr>
+            <p:nvPr/>
+          </p:nvCxnSpPr>
+          <p:spPr>
+            <a:xfrm>
+              <a:off x="10469855" y="7200106"/>
+              <a:ext cx="9215" cy="2730278"/>
+            </a:xfrm>
+            <a:prstGeom prst="line">
+              <a:avLst/>
+            </a:prstGeom>
+            <a:ln w="38100">
+              <a:solidFill>
+                <a:schemeClr val="tx1"/>
+              </a:solidFill>
+            </a:ln>
+          </p:spPr>
+          <p:style>
+            <a:lnRef idx="1">
+              <a:schemeClr val="accent1"/>
+            </a:lnRef>
+            <a:fillRef idx="0">
+              <a:schemeClr val="accent1"/>
+            </a:fillRef>
+            <a:effectRef idx="0">
+              <a:schemeClr val="accent1"/>
+            </a:effectRef>
+            <a:fontRef idx="minor">
+              <a:schemeClr val="tx1"/>
+            </a:fontRef>
+          </p:style>
+        </p:cxnSp>
+        <p:cxnSp>
+          <p:nvCxnSpPr>
+            <p:cNvPr id="144" name="Straight Connector 143">
+              <a:extLst>
+                <a:ext uri="{FF2B5EF4-FFF2-40B4-BE49-F238E27FC236}">
+                  <a16:creationId xmlns:a16="http://schemas.microsoft.com/office/drawing/2014/main" id="{FF719D8F-AE30-086A-60E8-C2C3D34295B0}"/>
+                </a:ext>
+              </a:extLst>
+            </p:cNvPr>
+            <p:cNvCxnSpPr>
+              <a:cxnSpLocks/>
+            </p:cNvCxnSpPr>
+            <p:nvPr/>
+          </p:nvCxnSpPr>
+          <p:spPr>
+            <a:xfrm>
+              <a:off x="9169120" y="9244016"/>
+              <a:ext cx="0" cy="430336"/>
+            </a:xfrm>
+            <a:prstGeom prst="line">
+              <a:avLst/>
+            </a:prstGeom>
+            <a:ln w="38100">
+              <a:solidFill>
+                <a:schemeClr val="tx1"/>
+              </a:solidFill>
+            </a:ln>
+          </p:spPr>
+          <p:style>
+            <a:lnRef idx="1">
+              <a:schemeClr val="accent1"/>
+            </a:lnRef>
+            <a:fillRef idx="0">
+              <a:schemeClr val="accent1"/>
+            </a:fillRef>
+            <a:effectRef idx="0">
+              <a:schemeClr val="accent1"/>
+            </a:effectRef>
+            <a:fontRef idx="minor">
+              <a:schemeClr val="tx1"/>
+            </a:fontRef>
+          </p:style>
+        </p:cxnSp>
+        <p:cxnSp>
+          <p:nvCxnSpPr>
+            <p:cNvPr id="148" name="Straight Arrow Connector 147">
+              <a:extLst>
+                <a:ext uri="{FF2B5EF4-FFF2-40B4-BE49-F238E27FC236}">
+                  <a16:creationId xmlns:a16="http://schemas.microsoft.com/office/drawing/2014/main" id="{54B952B6-4135-93C8-1BD7-32EE085047A4}"/>
+                </a:ext>
+              </a:extLst>
+            </p:cNvPr>
+            <p:cNvCxnSpPr>
+              <a:cxnSpLocks/>
+            </p:cNvCxnSpPr>
+            <p:nvPr/>
+          </p:nvCxnSpPr>
+          <p:spPr>
+            <a:xfrm flipH="1">
+              <a:off x="7175999" y="9661429"/>
+              <a:ext cx="1993121" cy="0"/>
+            </a:xfrm>
+            <a:prstGeom prst="straightConnector1">
+              <a:avLst/>
+            </a:prstGeom>
+            <a:ln w="38100">
+              <a:solidFill>
+                <a:schemeClr val="tx1"/>
+              </a:solidFill>
+              <a:tailEnd type="triangle"/>
+            </a:ln>
+          </p:spPr>
+          <p:style>
+            <a:lnRef idx="1">
+              <a:schemeClr val="dk1"/>
+            </a:lnRef>
+            <a:fillRef idx="0">
+              <a:schemeClr val="dk1"/>
+            </a:fillRef>
+            <a:effectRef idx="0">
+              <a:schemeClr val="dk1"/>
+            </a:effectRef>
+            <a:fontRef idx="minor">
+              <a:schemeClr val="tx1"/>
+            </a:fontRef>
+          </p:style>
+        </p:cxnSp>
       </p:grpSp>
     </p:spTree>
     <p:extLst>

--- a/causalgraphs.pptx
+++ b/causalgraphs.pptx
@@ -4391,10 +4391,10 @@
       </p:grpSpPr>
       <p:grpSp>
         <p:nvGrpSpPr>
-          <p:cNvPr id="146" name="Group 145">
+          <p:cNvPr id="158" name="Group 157">
             <a:extLst>
               <a:ext uri="{FF2B5EF4-FFF2-40B4-BE49-F238E27FC236}">
-                <a16:creationId xmlns:a16="http://schemas.microsoft.com/office/drawing/2014/main" id="{3246CEAB-689F-1275-4012-BC2AEEFD39B1}"/>
+                <a16:creationId xmlns:a16="http://schemas.microsoft.com/office/drawing/2014/main" id="{66EFAB8C-CFF2-A158-885D-1DBF9D1F2567}"/>
               </a:ext>
             </a:extLst>
           </p:cNvPr>
@@ -4538,7 +4538,7 @@
               <a:pPr algn="ctr"/>
               <a:r>
                 <a:rPr lang="en-US" dirty="0"/>
-                <a:t>Host community member’s wellbeing</a:t>
+                <a:t>Native’s wellbeing</a:t>
               </a:r>
             </a:p>
           </p:txBody>
@@ -5897,6 +5897,93 @@
           </p:style>
         </p:cxnSp>
       </p:grpSp>
+      <p:cxnSp>
+        <p:nvCxnSpPr>
+          <p:cNvPr id="152" name="Straight Arrow Connector 151">
+            <a:extLst>
+              <a:ext uri="{FF2B5EF4-FFF2-40B4-BE49-F238E27FC236}">
+                <a16:creationId xmlns:a16="http://schemas.microsoft.com/office/drawing/2014/main" id="{D240366C-CC2B-AD99-EE28-0A9AE5869D3A}"/>
+              </a:ext>
+            </a:extLst>
+          </p:cNvPr>
+          <p:cNvCxnSpPr>
+            <a:cxnSpLocks/>
+          </p:cNvCxnSpPr>
+          <p:nvPr/>
+        </p:nvCxnSpPr>
+        <p:spPr>
+          <a:xfrm>
+            <a:off x="8717410" y="6765024"/>
+            <a:ext cx="0" cy="641616"/>
+          </a:xfrm>
+          <a:prstGeom prst="straightConnector1">
+            <a:avLst/>
+          </a:prstGeom>
+          <a:ln w="38100">
+            <a:solidFill>
+              <a:schemeClr val="tx1"/>
+            </a:solidFill>
+            <a:tailEnd type="triangle"/>
+          </a:ln>
+        </p:spPr>
+        <p:style>
+          <a:lnRef idx="1">
+            <a:schemeClr val="dk1"/>
+          </a:lnRef>
+          <a:fillRef idx="0">
+            <a:schemeClr val="dk1"/>
+          </a:fillRef>
+          <a:effectRef idx="0">
+            <a:schemeClr val="dk1"/>
+          </a:effectRef>
+          <a:fontRef idx="minor">
+            <a:schemeClr val="tx1"/>
+          </a:fontRef>
+        </p:style>
+      </p:cxnSp>
+      <p:cxnSp>
+        <p:nvCxnSpPr>
+          <p:cNvPr id="154" name="Straight Connector 153">
+            <a:extLst>
+              <a:ext uri="{FF2B5EF4-FFF2-40B4-BE49-F238E27FC236}">
+                <a16:creationId xmlns:a16="http://schemas.microsoft.com/office/drawing/2014/main" id="{3BDA28CF-FE59-1D08-4B2B-8B27DF6AEF81}"/>
+              </a:ext>
+            </a:extLst>
+          </p:cNvPr>
+          <p:cNvCxnSpPr>
+            <a:cxnSpLocks/>
+          </p:cNvCxnSpPr>
+          <p:nvPr/>
+        </p:nvCxnSpPr>
+        <p:spPr>
+          <a:xfrm flipH="1">
+            <a:off x="8692801" y="6765024"/>
+            <a:ext cx="652271" cy="0"/>
+          </a:xfrm>
+          <a:prstGeom prst="line">
+            <a:avLst/>
+          </a:prstGeom>
+          <a:ln w="38100">
+            <a:solidFill>
+              <a:schemeClr val="tx1"/>
+            </a:solidFill>
+          </a:ln>
+        </p:spPr>
+        <p:style>
+          <a:lnRef idx="1">
+            <a:schemeClr val="accent1"/>
+          </a:lnRef>
+          <a:fillRef idx="0">
+            <a:schemeClr val="accent1"/>
+          </a:fillRef>
+          <a:effectRef idx="0">
+            <a:schemeClr val="accent1"/>
+          </a:effectRef>
+          <a:fontRef idx="minor">
+            <a:schemeClr val="tx1"/>
+          </a:fontRef>
+        </p:style>
+      </p:cxnSp>
     </p:spTree>
     <p:extLst>
       <p:ext uri="{BB962C8B-B14F-4D97-AF65-F5344CB8AC3E}">

--- a/causalgraphs.pptx
+++ b/causalgraphs.pptx
@@ -2,15 +2,14 @@
 <file path=ppt/presentation.xml><?xml version="1.0" encoding="utf-8"?>
 <p:presentation xmlns:a="http://schemas.openxmlformats.org/drawingml/2006/main" xmlns:r="http://schemas.openxmlformats.org/officeDocument/2006/relationships" xmlns:p="http://schemas.openxmlformats.org/presentationml/2006/main" saveSubsetFonts="1" autoCompressPictures="0">
   <p:sldMasterIdLst>
-    <p:sldMasterId id="2147483672" r:id="rId1"/>
+    <p:sldMasterId id="2147483708" r:id="rId1"/>
   </p:sldMasterIdLst>
   <p:sldIdLst>
     <p:sldId id="257" r:id="rId2"/>
-    <p:sldId id="261" r:id="rId3"/>
-    <p:sldId id="258" r:id="rId4"/>
-    <p:sldId id="260" r:id="rId5"/>
+    <p:sldId id="262" r:id="rId3"/>
+    <p:sldId id="261" r:id="rId4"/>
   </p:sldIdLst>
-  <p:sldSz cx="12192000" cy="14400213"/>
+  <p:sldSz cx="18000663" cy="14400213"/>
   <p:notesSz cx="6858000" cy="9144000"/>
   <p:defaultTextStyle>
     <a:defPPr>
@@ -144,15 +143,15 @@
         </p:nvSpPr>
         <p:spPr>
           <a:xfrm>
-            <a:off x="914400" y="2356703"/>
-            <a:ext cx="10363200" cy="5013407"/>
+            <a:off x="1350050" y="2356703"/>
+            <a:ext cx="15300564" cy="5013407"/>
           </a:xfrm>
         </p:spPr>
         <p:txBody>
           <a:bodyPr anchor="b"/>
           <a:lstStyle>
             <a:lvl1pPr algn="ctr">
-              <a:defRPr sz="8000"/>
+              <a:defRPr sz="11812"/>
             </a:lvl1pPr>
           </a:lstStyle>
           <a:p>
@@ -176,8 +175,8 @@
         </p:nvSpPr>
         <p:spPr>
           <a:xfrm>
-            <a:off x="1524000" y="7563446"/>
-            <a:ext cx="9144000" cy="3476717"/>
+            <a:off x="2250083" y="7563446"/>
+            <a:ext cx="13500497" cy="3476717"/>
           </a:xfrm>
         </p:spPr>
         <p:txBody>
@@ -185,39 +184,39 @@
           <a:lstStyle>
             <a:lvl1pPr marL="0" indent="0" algn="ctr">
               <a:buNone/>
-              <a:defRPr sz="3200"/>
+              <a:defRPr sz="4725"/>
             </a:lvl1pPr>
-            <a:lvl2pPr marL="609585" indent="0" algn="ctr">
+            <a:lvl2pPr marL="900044" indent="0" algn="ctr">
               <a:buNone/>
-              <a:defRPr sz="2667"/>
+              <a:defRPr sz="3937"/>
             </a:lvl2pPr>
-            <a:lvl3pPr marL="1219170" indent="0" algn="ctr">
+            <a:lvl3pPr marL="1800088" indent="0" algn="ctr">
               <a:buNone/>
-              <a:defRPr sz="2400"/>
+              <a:defRPr sz="3543"/>
             </a:lvl3pPr>
-            <a:lvl4pPr marL="1828754" indent="0" algn="ctr">
+            <a:lvl4pPr marL="2700132" indent="0" algn="ctr">
               <a:buNone/>
-              <a:defRPr sz="2133"/>
+              <a:defRPr sz="3150"/>
             </a:lvl4pPr>
-            <a:lvl5pPr marL="2438339" indent="0" algn="ctr">
+            <a:lvl5pPr marL="3600176" indent="0" algn="ctr">
               <a:buNone/>
-              <a:defRPr sz="2133"/>
+              <a:defRPr sz="3150"/>
             </a:lvl5pPr>
-            <a:lvl6pPr marL="3047924" indent="0" algn="ctr">
+            <a:lvl6pPr marL="4500220" indent="0" algn="ctr">
               <a:buNone/>
-              <a:defRPr sz="2133"/>
+              <a:defRPr sz="3150"/>
             </a:lvl6pPr>
-            <a:lvl7pPr marL="3657509" indent="0" algn="ctr">
+            <a:lvl7pPr marL="5400264" indent="0" algn="ctr">
               <a:buNone/>
-              <a:defRPr sz="2133"/>
+              <a:defRPr sz="3150"/>
             </a:lvl7pPr>
-            <a:lvl8pPr marL="4267093" indent="0" algn="ctr">
+            <a:lvl8pPr marL="6300307" indent="0" algn="ctr">
               <a:buNone/>
-              <a:defRPr sz="2133"/>
+              <a:defRPr sz="3150"/>
             </a:lvl8pPr>
-            <a:lvl9pPr marL="4876678" indent="0" algn="ctr">
+            <a:lvl9pPr marL="7200351" indent="0" algn="ctr">
               <a:buNone/>
-              <a:defRPr sz="2133"/>
+              <a:defRPr sz="3150"/>
             </a:lvl9pPr>
           </a:lstStyle>
           <a:p>
@@ -297,7 +296,7 @@
     </p:spTree>
     <p:extLst>
       <p:ext uri="{BB962C8B-B14F-4D97-AF65-F5344CB8AC3E}">
-        <p14:creationId xmlns:p14="http://schemas.microsoft.com/office/powerpoint/2010/main" val="2472454962"/>
+        <p14:creationId xmlns:p14="http://schemas.microsoft.com/office/powerpoint/2010/main" val="3854726815"/>
       </p:ext>
     </p:extLst>
   </p:cSld>
@@ -467,7 +466,7 @@
     </p:spTree>
     <p:extLst>
       <p:ext uri="{BB962C8B-B14F-4D97-AF65-F5344CB8AC3E}">
-        <p14:creationId xmlns:p14="http://schemas.microsoft.com/office/powerpoint/2010/main" val="563054389"/>
+        <p14:creationId xmlns:p14="http://schemas.microsoft.com/office/powerpoint/2010/main" val="4181609160"/>
       </p:ext>
     </p:extLst>
   </p:cSld>
@@ -506,8 +505,8 @@
         </p:nvSpPr>
         <p:spPr>
           <a:xfrm>
-            <a:off x="8724901" y="766678"/>
-            <a:ext cx="2628900" cy="12203515"/>
+            <a:off x="12881725" y="766678"/>
+            <a:ext cx="3881393" cy="12203515"/>
           </a:xfrm>
         </p:spPr>
         <p:txBody>
@@ -534,8 +533,8 @@
         </p:nvSpPr>
         <p:spPr>
           <a:xfrm>
-            <a:off x="838201" y="766678"/>
-            <a:ext cx="7734300" cy="12203515"/>
+            <a:off x="1237546" y="766678"/>
+            <a:ext cx="11419171" cy="12203515"/>
           </a:xfrm>
         </p:spPr>
         <p:txBody>
@@ -647,7 +646,7 @@
     </p:spTree>
     <p:extLst>
       <p:ext uri="{BB962C8B-B14F-4D97-AF65-F5344CB8AC3E}">
-        <p14:creationId xmlns:p14="http://schemas.microsoft.com/office/powerpoint/2010/main" val="2308430985"/>
+        <p14:creationId xmlns:p14="http://schemas.microsoft.com/office/powerpoint/2010/main" val="2425868662"/>
       </p:ext>
     </p:extLst>
   </p:cSld>
@@ -817,7 +816,7 @@
     </p:spTree>
     <p:extLst>
       <p:ext uri="{BB962C8B-B14F-4D97-AF65-F5344CB8AC3E}">
-        <p14:creationId xmlns:p14="http://schemas.microsoft.com/office/powerpoint/2010/main" val="4039885472"/>
+        <p14:creationId xmlns:p14="http://schemas.microsoft.com/office/powerpoint/2010/main" val="683042527"/>
       </p:ext>
     </p:extLst>
   </p:cSld>
@@ -856,15 +855,15 @@
         </p:nvSpPr>
         <p:spPr>
           <a:xfrm>
-            <a:off x="831851" y="3590057"/>
-            <a:ext cx="10515600" cy="5990088"/>
+            <a:off x="1228171" y="3590057"/>
+            <a:ext cx="15525572" cy="5990088"/>
           </a:xfrm>
         </p:spPr>
         <p:txBody>
           <a:bodyPr anchor="b"/>
           <a:lstStyle>
             <a:lvl1pPr>
-              <a:defRPr sz="8000"/>
+              <a:defRPr sz="11812"/>
             </a:lvl1pPr>
           </a:lstStyle>
           <a:p>
@@ -888,8 +887,8 @@
         </p:nvSpPr>
         <p:spPr>
           <a:xfrm>
-            <a:off x="831851" y="9636813"/>
-            <a:ext cx="10515600" cy="3150046"/>
+            <a:off x="1228171" y="9636813"/>
+            <a:ext cx="15525572" cy="3150046"/>
           </a:xfrm>
         </p:spPr>
         <p:txBody>
@@ -897,15 +896,15 @@
           <a:lstStyle>
             <a:lvl1pPr marL="0" indent="0">
               <a:buNone/>
-              <a:defRPr sz="3200">
+              <a:defRPr sz="4725">
                 <a:solidFill>
                   <a:schemeClr val="tx1"/>
                 </a:solidFill>
               </a:defRPr>
             </a:lvl1pPr>
-            <a:lvl2pPr marL="609585" indent="0">
+            <a:lvl2pPr marL="900044" indent="0">
               <a:buNone/>
-              <a:defRPr sz="2667">
+              <a:defRPr sz="3937">
                 <a:solidFill>
                   <a:schemeClr val="tx1">
                     <a:tint val="75000"/>
@@ -913,9 +912,9 @@
                 </a:solidFill>
               </a:defRPr>
             </a:lvl2pPr>
-            <a:lvl3pPr marL="1219170" indent="0">
+            <a:lvl3pPr marL="1800088" indent="0">
               <a:buNone/>
-              <a:defRPr sz="2400">
+              <a:defRPr sz="3543">
                 <a:solidFill>
                   <a:schemeClr val="tx1">
                     <a:tint val="75000"/>
@@ -923,9 +922,9 @@
                 </a:solidFill>
               </a:defRPr>
             </a:lvl3pPr>
-            <a:lvl4pPr marL="1828754" indent="0">
+            <a:lvl4pPr marL="2700132" indent="0">
               <a:buNone/>
-              <a:defRPr sz="2133">
+              <a:defRPr sz="3150">
                 <a:solidFill>
                   <a:schemeClr val="tx1">
                     <a:tint val="75000"/>
@@ -933,9 +932,9 @@
                 </a:solidFill>
               </a:defRPr>
             </a:lvl4pPr>
-            <a:lvl5pPr marL="2438339" indent="0">
+            <a:lvl5pPr marL="3600176" indent="0">
               <a:buNone/>
-              <a:defRPr sz="2133">
+              <a:defRPr sz="3150">
                 <a:solidFill>
                   <a:schemeClr val="tx1">
                     <a:tint val="75000"/>
@@ -943,9 +942,9 @@
                 </a:solidFill>
               </a:defRPr>
             </a:lvl5pPr>
-            <a:lvl6pPr marL="3047924" indent="0">
+            <a:lvl6pPr marL="4500220" indent="0">
               <a:buNone/>
-              <a:defRPr sz="2133">
+              <a:defRPr sz="3150">
                 <a:solidFill>
                   <a:schemeClr val="tx1">
                     <a:tint val="75000"/>
@@ -953,9 +952,9 @@
                 </a:solidFill>
               </a:defRPr>
             </a:lvl6pPr>
-            <a:lvl7pPr marL="3657509" indent="0">
+            <a:lvl7pPr marL="5400264" indent="0">
               <a:buNone/>
-              <a:defRPr sz="2133">
+              <a:defRPr sz="3150">
                 <a:solidFill>
                   <a:schemeClr val="tx1">
                     <a:tint val="75000"/>
@@ -963,9 +962,9 @@
                 </a:solidFill>
               </a:defRPr>
             </a:lvl7pPr>
-            <a:lvl8pPr marL="4267093" indent="0">
+            <a:lvl8pPr marL="6300307" indent="0">
               <a:buNone/>
-              <a:defRPr sz="2133">
+              <a:defRPr sz="3150">
                 <a:solidFill>
                   <a:schemeClr val="tx1">
                     <a:tint val="75000"/>
@@ -973,9 +972,9 @@
                 </a:solidFill>
               </a:defRPr>
             </a:lvl8pPr>
-            <a:lvl9pPr marL="4876678" indent="0">
+            <a:lvl9pPr marL="7200351" indent="0">
               <a:buNone/>
-              <a:defRPr sz="2133">
+              <a:defRPr sz="3150">
                 <a:solidFill>
                   <a:schemeClr val="tx1">
                     <a:tint val="75000"/>
@@ -1061,7 +1060,7 @@
     </p:spTree>
     <p:extLst>
       <p:ext uri="{BB962C8B-B14F-4D97-AF65-F5344CB8AC3E}">
-        <p14:creationId xmlns:p14="http://schemas.microsoft.com/office/powerpoint/2010/main" val="439806233"/>
+        <p14:creationId xmlns:p14="http://schemas.microsoft.com/office/powerpoint/2010/main" val="898443193"/>
       </p:ext>
     </p:extLst>
   </p:cSld>
@@ -1123,8 +1122,8 @@
         </p:nvSpPr>
         <p:spPr>
           <a:xfrm>
-            <a:off x="838200" y="3833390"/>
-            <a:ext cx="5181600" cy="9136803"/>
+            <a:off x="1237545" y="3833390"/>
+            <a:ext cx="7650282" cy="9136803"/>
           </a:xfrm>
         </p:spPr>
         <p:txBody>
@@ -1180,8 +1179,8 @@
         </p:nvSpPr>
         <p:spPr>
           <a:xfrm>
-            <a:off x="6172200" y="3833390"/>
-            <a:ext cx="5181600" cy="9136803"/>
+            <a:off x="9112836" y="3833390"/>
+            <a:ext cx="7650282" cy="9136803"/>
           </a:xfrm>
         </p:spPr>
         <p:txBody>
@@ -1293,7 +1292,7 @@
     </p:spTree>
     <p:extLst>
       <p:ext uri="{BB962C8B-B14F-4D97-AF65-F5344CB8AC3E}">
-        <p14:creationId xmlns:p14="http://schemas.microsoft.com/office/powerpoint/2010/main" val="2134593710"/>
+        <p14:creationId xmlns:p14="http://schemas.microsoft.com/office/powerpoint/2010/main" val="2234888700"/>
       </p:ext>
     </p:extLst>
   </p:cSld>
@@ -1332,8 +1331,8 @@
         </p:nvSpPr>
         <p:spPr>
           <a:xfrm>
-            <a:off x="839788" y="766681"/>
-            <a:ext cx="10515600" cy="2783376"/>
+            <a:off x="1239890" y="766681"/>
+            <a:ext cx="15525572" cy="2783376"/>
           </a:xfrm>
         </p:spPr>
         <p:txBody>
@@ -1360,8 +1359,8 @@
         </p:nvSpPr>
         <p:spPr>
           <a:xfrm>
-            <a:off x="839789" y="3530053"/>
-            <a:ext cx="5157787" cy="1730025"/>
+            <a:off x="1239892" y="3530053"/>
+            <a:ext cx="7615123" cy="1730025"/>
           </a:xfrm>
         </p:spPr>
         <p:txBody>
@@ -1369,39 +1368,39 @@
           <a:lstStyle>
             <a:lvl1pPr marL="0" indent="0">
               <a:buNone/>
-              <a:defRPr sz="3200" b="1"/>
+              <a:defRPr sz="4725" b="1"/>
             </a:lvl1pPr>
-            <a:lvl2pPr marL="609585" indent="0">
+            <a:lvl2pPr marL="900044" indent="0">
               <a:buNone/>
-              <a:defRPr sz="2667" b="1"/>
+              <a:defRPr sz="3937" b="1"/>
             </a:lvl2pPr>
-            <a:lvl3pPr marL="1219170" indent="0">
+            <a:lvl3pPr marL="1800088" indent="0">
               <a:buNone/>
-              <a:defRPr sz="2400" b="1"/>
+              <a:defRPr sz="3543" b="1"/>
             </a:lvl3pPr>
-            <a:lvl4pPr marL="1828754" indent="0">
+            <a:lvl4pPr marL="2700132" indent="0">
               <a:buNone/>
-              <a:defRPr sz="2133" b="1"/>
+              <a:defRPr sz="3150" b="1"/>
             </a:lvl4pPr>
-            <a:lvl5pPr marL="2438339" indent="0">
+            <a:lvl5pPr marL="3600176" indent="0">
               <a:buNone/>
-              <a:defRPr sz="2133" b="1"/>
+              <a:defRPr sz="3150" b="1"/>
             </a:lvl5pPr>
-            <a:lvl6pPr marL="3047924" indent="0">
+            <a:lvl6pPr marL="4500220" indent="0">
               <a:buNone/>
-              <a:defRPr sz="2133" b="1"/>
+              <a:defRPr sz="3150" b="1"/>
             </a:lvl6pPr>
-            <a:lvl7pPr marL="3657509" indent="0">
+            <a:lvl7pPr marL="5400264" indent="0">
               <a:buNone/>
-              <a:defRPr sz="2133" b="1"/>
+              <a:defRPr sz="3150" b="1"/>
             </a:lvl7pPr>
-            <a:lvl8pPr marL="4267093" indent="0">
+            <a:lvl8pPr marL="6300307" indent="0">
               <a:buNone/>
-              <a:defRPr sz="2133" b="1"/>
+              <a:defRPr sz="3150" b="1"/>
             </a:lvl8pPr>
-            <a:lvl9pPr marL="4876678" indent="0">
+            <a:lvl9pPr marL="7200351" indent="0">
               <a:buNone/>
-              <a:defRPr sz="2133" b="1"/>
+              <a:defRPr sz="3150" b="1"/>
             </a:lvl9pPr>
           </a:lstStyle>
           <a:p>
@@ -1425,8 +1424,8 @@
         </p:nvSpPr>
         <p:spPr>
           <a:xfrm>
-            <a:off x="839789" y="5260078"/>
-            <a:ext cx="5157787" cy="7736782"/>
+            <a:off x="1239892" y="5260078"/>
+            <a:ext cx="7615123" cy="7736782"/>
           </a:xfrm>
         </p:spPr>
         <p:txBody>
@@ -1482,8 +1481,8 @@
         </p:nvSpPr>
         <p:spPr>
           <a:xfrm>
-            <a:off x="6172201" y="3530053"/>
-            <a:ext cx="5183188" cy="1730025"/>
+            <a:off x="9112837" y="3530053"/>
+            <a:ext cx="7652626" cy="1730025"/>
           </a:xfrm>
         </p:spPr>
         <p:txBody>
@@ -1491,39 +1490,39 @@
           <a:lstStyle>
             <a:lvl1pPr marL="0" indent="0">
               <a:buNone/>
-              <a:defRPr sz="3200" b="1"/>
+              <a:defRPr sz="4725" b="1"/>
             </a:lvl1pPr>
-            <a:lvl2pPr marL="609585" indent="0">
+            <a:lvl2pPr marL="900044" indent="0">
               <a:buNone/>
-              <a:defRPr sz="2667" b="1"/>
+              <a:defRPr sz="3937" b="1"/>
             </a:lvl2pPr>
-            <a:lvl3pPr marL="1219170" indent="0">
+            <a:lvl3pPr marL="1800088" indent="0">
               <a:buNone/>
-              <a:defRPr sz="2400" b="1"/>
+              <a:defRPr sz="3543" b="1"/>
             </a:lvl3pPr>
-            <a:lvl4pPr marL="1828754" indent="0">
+            <a:lvl4pPr marL="2700132" indent="0">
               <a:buNone/>
-              <a:defRPr sz="2133" b="1"/>
+              <a:defRPr sz="3150" b="1"/>
             </a:lvl4pPr>
-            <a:lvl5pPr marL="2438339" indent="0">
+            <a:lvl5pPr marL="3600176" indent="0">
               <a:buNone/>
-              <a:defRPr sz="2133" b="1"/>
+              <a:defRPr sz="3150" b="1"/>
             </a:lvl5pPr>
-            <a:lvl6pPr marL="3047924" indent="0">
+            <a:lvl6pPr marL="4500220" indent="0">
               <a:buNone/>
-              <a:defRPr sz="2133" b="1"/>
+              <a:defRPr sz="3150" b="1"/>
             </a:lvl6pPr>
-            <a:lvl7pPr marL="3657509" indent="0">
+            <a:lvl7pPr marL="5400264" indent="0">
               <a:buNone/>
-              <a:defRPr sz="2133" b="1"/>
+              <a:defRPr sz="3150" b="1"/>
             </a:lvl7pPr>
-            <a:lvl8pPr marL="4267093" indent="0">
+            <a:lvl8pPr marL="6300307" indent="0">
               <a:buNone/>
-              <a:defRPr sz="2133" b="1"/>
+              <a:defRPr sz="3150" b="1"/>
             </a:lvl8pPr>
-            <a:lvl9pPr marL="4876678" indent="0">
+            <a:lvl9pPr marL="7200351" indent="0">
               <a:buNone/>
-              <a:defRPr sz="2133" b="1"/>
+              <a:defRPr sz="3150" b="1"/>
             </a:lvl9pPr>
           </a:lstStyle>
           <a:p>
@@ -1547,8 +1546,8 @@
         </p:nvSpPr>
         <p:spPr>
           <a:xfrm>
-            <a:off x="6172201" y="5260078"/>
-            <a:ext cx="5183188" cy="7736782"/>
+            <a:off x="9112837" y="5260078"/>
+            <a:ext cx="7652626" cy="7736782"/>
           </a:xfrm>
         </p:spPr>
         <p:txBody>
@@ -1660,7 +1659,7 @@
     </p:spTree>
     <p:extLst>
       <p:ext uri="{BB962C8B-B14F-4D97-AF65-F5344CB8AC3E}">
-        <p14:creationId xmlns:p14="http://schemas.microsoft.com/office/powerpoint/2010/main" val="1738715632"/>
+        <p14:creationId xmlns:p14="http://schemas.microsoft.com/office/powerpoint/2010/main" val="3463411536"/>
       </p:ext>
     </p:extLst>
   </p:cSld>
@@ -1778,7 +1777,7 @@
     </p:spTree>
     <p:extLst>
       <p:ext uri="{BB962C8B-B14F-4D97-AF65-F5344CB8AC3E}">
-        <p14:creationId xmlns:p14="http://schemas.microsoft.com/office/powerpoint/2010/main" val="3058127785"/>
+        <p14:creationId xmlns:p14="http://schemas.microsoft.com/office/powerpoint/2010/main" val="2088289967"/>
       </p:ext>
     </p:extLst>
   </p:cSld>
@@ -1873,7 +1872,7 @@
     </p:spTree>
     <p:extLst>
       <p:ext uri="{BB962C8B-B14F-4D97-AF65-F5344CB8AC3E}">
-        <p14:creationId xmlns:p14="http://schemas.microsoft.com/office/powerpoint/2010/main" val="836408785"/>
+        <p14:creationId xmlns:p14="http://schemas.microsoft.com/office/powerpoint/2010/main" val="3901696740"/>
       </p:ext>
     </p:extLst>
   </p:cSld>
@@ -1912,15 +1911,15 @@
         </p:nvSpPr>
         <p:spPr>
           <a:xfrm>
-            <a:off x="839788" y="960014"/>
-            <a:ext cx="3932237" cy="3360050"/>
+            <a:off x="1239890" y="960014"/>
+            <a:ext cx="5805682" cy="3360050"/>
           </a:xfrm>
         </p:spPr>
         <p:txBody>
           <a:bodyPr anchor="b"/>
           <a:lstStyle>
             <a:lvl1pPr>
-              <a:defRPr sz="4267"/>
+              <a:defRPr sz="6300"/>
             </a:lvl1pPr>
           </a:lstStyle>
           <a:p>
@@ -1944,39 +1943,39 @@
         </p:nvSpPr>
         <p:spPr>
           <a:xfrm>
-            <a:off x="5183188" y="2073367"/>
-            <a:ext cx="6172200" cy="10233485"/>
+            <a:off x="7652626" y="2073367"/>
+            <a:ext cx="9112836" cy="10233485"/>
           </a:xfrm>
         </p:spPr>
         <p:txBody>
           <a:bodyPr/>
           <a:lstStyle>
             <a:lvl1pPr>
-              <a:defRPr sz="4267"/>
+              <a:defRPr sz="6300"/>
             </a:lvl1pPr>
             <a:lvl2pPr>
-              <a:defRPr sz="3733"/>
+              <a:defRPr sz="5512"/>
             </a:lvl2pPr>
             <a:lvl3pPr>
-              <a:defRPr sz="3200"/>
+              <a:defRPr sz="4725"/>
             </a:lvl3pPr>
             <a:lvl4pPr>
-              <a:defRPr sz="2667"/>
+              <a:defRPr sz="3937"/>
             </a:lvl4pPr>
             <a:lvl5pPr>
-              <a:defRPr sz="2667"/>
+              <a:defRPr sz="3937"/>
             </a:lvl5pPr>
             <a:lvl6pPr>
-              <a:defRPr sz="2667"/>
+              <a:defRPr sz="3937"/>
             </a:lvl6pPr>
             <a:lvl7pPr>
-              <a:defRPr sz="2667"/>
+              <a:defRPr sz="3937"/>
             </a:lvl7pPr>
             <a:lvl8pPr>
-              <a:defRPr sz="2667"/>
+              <a:defRPr sz="3937"/>
             </a:lvl8pPr>
             <a:lvl9pPr>
-              <a:defRPr sz="2667"/>
+              <a:defRPr sz="3937"/>
             </a:lvl9pPr>
           </a:lstStyle>
           <a:p>
@@ -2029,8 +2028,8 @@
         </p:nvSpPr>
         <p:spPr>
           <a:xfrm>
-            <a:off x="839788" y="4320064"/>
-            <a:ext cx="3932237" cy="8003453"/>
+            <a:off x="1239890" y="4320064"/>
+            <a:ext cx="5805682" cy="8003453"/>
           </a:xfrm>
         </p:spPr>
         <p:txBody>
@@ -2038,39 +2037,39 @@
           <a:lstStyle>
             <a:lvl1pPr marL="0" indent="0">
               <a:buNone/>
-              <a:defRPr sz="2133"/>
+              <a:defRPr sz="3150"/>
             </a:lvl1pPr>
-            <a:lvl2pPr marL="609585" indent="0">
+            <a:lvl2pPr marL="900044" indent="0">
               <a:buNone/>
-              <a:defRPr sz="1867"/>
+              <a:defRPr sz="2756"/>
             </a:lvl2pPr>
-            <a:lvl3pPr marL="1219170" indent="0">
+            <a:lvl3pPr marL="1800088" indent="0">
               <a:buNone/>
-              <a:defRPr sz="1600"/>
+              <a:defRPr sz="2362"/>
             </a:lvl3pPr>
-            <a:lvl4pPr marL="1828754" indent="0">
+            <a:lvl4pPr marL="2700132" indent="0">
               <a:buNone/>
-              <a:defRPr sz="1333"/>
+              <a:defRPr sz="1969"/>
             </a:lvl4pPr>
-            <a:lvl5pPr marL="2438339" indent="0">
+            <a:lvl5pPr marL="3600176" indent="0">
               <a:buNone/>
-              <a:defRPr sz="1333"/>
+              <a:defRPr sz="1969"/>
             </a:lvl5pPr>
-            <a:lvl6pPr marL="3047924" indent="0">
+            <a:lvl6pPr marL="4500220" indent="0">
               <a:buNone/>
-              <a:defRPr sz="1333"/>
+              <a:defRPr sz="1969"/>
             </a:lvl6pPr>
-            <a:lvl7pPr marL="3657509" indent="0">
+            <a:lvl7pPr marL="5400264" indent="0">
               <a:buNone/>
-              <a:defRPr sz="1333"/>
+              <a:defRPr sz="1969"/>
             </a:lvl7pPr>
-            <a:lvl8pPr marL="4267093" indent="0">
+            <a:lvl8pPr marL="6300307" indent="0">
               <a:buNone/>
-              <a:defRPr sz="1333"/>
+              <a:defRPr sz="1969"/>
             </a:lvl8pPr>
-            <a:lvl9pPr marL="4876678" indent="0">
+            <a:lvl9pPr marL="7200351" indent="0">
               <a:buNone/>
-              <a:defRPr sz="1333"/>
+              <a:defRPr sz="1969"/>
             </a:lvl9pPr>
           </a:lstStyle>
           <a:p>
@@ -2150,7 +2149,7 @@
     </p:spTree>
     <p:extLst>
       <p:ext uri="{BB962C8B-B14F-4D97-AF65-F5344CB8AC3E}">
-        <p14:creationId xmlns:p14="http://schemas.microsoft.com/office/powerpoint/2010/main" val="1952733063"/>
+        <p14:creationId xmlns:p14="http://schemas.microsoft.com/office/powerpoint/2010/main" val="2103576442"/>
       </p:ext>
     </p:extLst>
   </p:cSld>
@@ -2189,15 +2188,15 @@
         </p:nvSpPr>
         <p:spPr>
           <a:xfrm>
-            <a:off x="839788" y="960014"/>
-            <a:ext cx="3932237" cy="3360050"/>
+            <a:off x="1239890" y="960014"/>
+            <a:ext cx="5805682" cy="3360050"/>
           </a:xfrm>
         </p:spPr>
         <p:txBody>
           <a:bodyPr anchor="b"/>
           <a:lstStyle>
             <a:lvl1pPr>
-              <a:defRPr sz="4267"/>
+              <a:defRPr sz="6300"/>
             </a:lvl1pPr>
           </a:lstStyle>
           <a:p>
@@ -2221,8 +2220,8 @@
         </p:nvSpPr>
         <p:spPr>
           <a:xfrm>
-            <a:off x="5183188" y="2073367"/>
-            <a:ext cx="6172200" cy="10233485"/>
+            <a:off x="7652626" y="2073367"/>
+            <a:ext cx="9112836" cy="10233485"/>
           </a:xfrm>
         </p:spPr>
         <p:txBody>
@@ -2230,39 +2229,39 @@
           <a:lstStyle>
             <a:lvl1pPr marL="0" indent="0">
               <a:buNone/>
-              <a:defRPr sz="4267"/>
+              <a:defRPr sz="6300"/>
             </a:lvl1pPr>
-            <a:lvl2pPr marL="609585" indent="0">
+            <a:lvl2pPr marL="900044" indent="0">
               <a:buNone/>
-              <a:defRPr sz="3733"/>
+              <a:defRPr sz="5512"/>
             </a:lvl2pPr>
-            <a:lvl3pPr marL="1219170" indent="0">
+            <a:lvl3pPr marL="1800088" indent="0">
               <a:buNone/>
-              <a:defRPr sz="3200"/>
+              <a:defRPr sz="4725"/>
             </a:lvl3pPr>
-            <a:lvl4pPr marL="1828754" indent="0">
+            <a:lvl4pPr marL="2700132" indent="0">
               <a:buNone/>
-              <a:defRPr sz="2667"/>
+              <a:defRPr sz="3937"/>
             </a:lvl4pPr>
-            <a:lvl5pPr marL="2438339" indent="0">
+            <a:lvl5pPr marL="3600176" indent="0">
               <a:buNone/>
-              <a:defRPr sz="2667"/>
+              <a:defRPr sz="3937"/>
             </a:lvl5pPr>
-            <a:lvl6pPr marL="3047924" indent="0">
+            <a:lvl6pPr marL="4500220" indent="0">
               <a:buNone/>
-              <a:defRPr sz="2667"/>
+              <a:defRPr sz="3937"/>
             </a:lvl6pPr>
-            <a:lvl7pPr marL="3657509" indent="0">
+            <a:lvl7pPr marL="5400264" indent="0">
               <a:buNone/>
-              <a:defRPr sz="2667"/>
+              <a:defRPr sz="3937"/>
             </a:lvl7pPr>
-            <a:lvl8pPr marL="4267093" indent="0">
+            <a:lvl8pPr marL="6300307" indent="0">
               <a:buNone/>
-              <a:defRPr sz="2667"/>
+              <a:defRPr sz="3937"/>
             </a:lvl8pPr>
-            <a:lvl9pPr marL="4876678" indent="0">
+            <a:lvl9pPr marL="7200351" indent="0">
               <a:buNone/>
-              <a:defRPr sz="2667"/>
+              <a:defRPr sz="3937"/>
             </a:lvl9pPr>
           </a:lstStyle>
           <a:p>
@@ -2286,8 +2285,8 @@
         </p:nvSpPr>
         <p:spPr>
           <a:xfrm>
-            <a:off x="839788" y="4320064"/>
-            <a:ext cx="3932237" cy="8003453"/>
+            <a:off x="1239890" y="4320064"/>
+            <a:ext cx="5805682" cy="8003453"/>
           </a:xfrm>
         </p:spPr>
         <p:txBody>
@@ -2295,39 +2294,39 @@
           <a:lstStyle>
             <a:lvl1pPr marL="0" indent="0">
               <a:buNone/>
-              <a:defRPr sz="2133"/>
+              <a:defRPr sz="3150"/>
             </a:lvl1pPr>
-            <a:lvl2pPr marL="609585" indent="0">
+            <a:lvl2pPr marL="900044" indent="0">
               <a:buNone/>
-              <a:defRPr sz="1867"/>
+              <a:defRPr sz="2756"/>
             </a:lvl2pPr>
-            <a:lvl3pPr marL="1219170" indent="0">
+            <a:lvl3pPr marL="1800088" indent="0">
               <a:buNone/>
-              <a:defRPr sz="1600"/>
+              <a:defRPr sz="2362"/>
             </a:lvl3pPr>
-            <a:lvl4pPr marL="1828754" indent="0">
+            <a:lvl4pPr marL="2700132" indent="0">
               <a:buNone/>
-              <a:defRPr sz="1333"/>
+              <a:defRPr sz="1969"/>
             </a:lvl4pPr>
-            <a:lvl5pPr marL="2438339" indent="0">
+            <a:lvl5pPr marL="3600176" indent="0">
               <a:buNone/>
-              <a:defRPr sz="1333"/>
+              <a:defRPr sz="1969"/>
             </a:lvl5pPr>
-            <a:lvl6pPr marL="3047924" indent="0">
+            <a:lvl6pPr marL="4500220" indent="0">
               <a:buNone/>
-              <a:defRPr sz="1333"/>
+              <a:defRPr sz="1969"/>
             </a:lvl6pPr>
-            <a:lvl7pPr marL="3657509" indent="0">
+            <a:lvl7pPr marL="5400264" indent="0">
               <a:buNone/>
-              <a:defRPr sz="1333"/>
+              <a:defRPr sz="1969"/>
             </a:lvl7pPr>
-            <a:lvl8pPr marL="4267093" indent="0">
+            <a:lvl8pPr marL="6300307" indent="0">
               <a:buNone/>
-              <a:defRPr sz="1333"/>
+              <a:defRPr sz="1969"/>
             </a:lvl8pPr>
-            <a:lvl9pPr marL="4876678" indent="0">
+            <a:lvl9pPr marL="7200351" indent="0">
               <a:buNone/>
-              <a:defRPr sz="1333"/>
+              <a:defRPr sz="1969"/>
             </a:lvl9pPr>
           </a:lstStyle>
           <a:p>
@@ -2407,7 +2406,7 @@
     </p:spTree>
     <p:extLst>
       <p:ext uri="{BB962C8B-B14F-4D97-AF65-F5344CB8AC3E}">
-        <p14:creationId xmlns:p14="http://schemas.microsoft.com/office/powerpoint/2010/main" val="166133107"/>
+        <p14:creationId xmlns:p14="http://schemas.microsoft.com/office/powerpoint/2010/main" val="4133795478"/>
       </p:ext>
     </p:extLst>
   </p:cSld>
@@ -2451,8 +2450,8 @@
         </p:nvSpPr>
         <p:spPr>
           <a:xfrm>
-            <a:off x="838200" y="766681"/>
-            <a:ext cx="10515600" cy="2783376"/>
+            <a:off x="1237546" y="766681"/>
+            <a:ext cx="15525572" cy="2783376"/>
           </a:xfrm>
           <a:prstGeom prst="rect">
             <a:avLst/>
@@ -2484,8 +2483,8 @@
         </p:nvSpPr>
         <p:spPr>
           <a:xfrm>
-            <a:off x="838200" y="3833390"/>
-            <a:ext cx="10515600" cy="9136803"/>
+            <a:off x="1237546" y="3833390"/>
+            <a:ext cx="15525572" cy="9136803"/>
           </a:xfrm>
           <a:prstGeom prst="rect">
             <a:avLst/>
@@ -2546,8 +2545,8 @@
         </p:nvSpPr>
         <p:spPr>
           <a:xfrm>
-            <a:off x="838200" y="13346867"/>
-            <a:ext cx="2743200" cy="766678"/>
+            <a:off x="1237546" y="13346867"/>
+            <a:ext cx="4050149" cy="766678"/>
           </a:xfrm>
           <a:prstGeom prst="rect">
             <a:avLst/>
@@ -2557,7 +2556,7 @@
           <a:bodyPr vert="horz" lIns="91440" tIns="45720" rIns="91440" bIns="45720" rtlCol="0" anchor="ctr"/>
           <a:lstStyle>
             <a:lvl1pPr algn="l">
-              <a:defRPr sz="1600">
+              <a:defRPr sz="2362">
                 <a:solidFill>
                   <a:schemeClr val="tx1">
                     <a:tint val="75000"/>
@@ -2587,8 +2586,8 @@
         </p:nvSpPr>
         <p:spPr>
           <a:xfrm>
-            <a:off x="4038600" y="13346867"/>
-            <a:ext cx="4114800" cy="766678"/>
+            <a:off x="5962720" y="13346867"/>
+            <a:ext cx="6075224" cy="766678"/>
           </a:xfrm>
           <a:prstGeom prst="rect">
             <a:avLst/>
@@ -2598,7 +2597,7 @@
           <a:bodyPr vert="horz" lIns="91440" tIns="45720" rIns="91440" bIns="45720" rtlCol="0" anchor="ctr"/>
           <a:lstStyle>
             <a:lvl1pPr algn="ctr">
-              <a:defRPr sz="1600">
+              <a:defRPr sz="2362">
                 <a:solidFill>
                   <a:schemeClr val="tx1">
                     <a:tint val="75000"/>
@@ -2624,8 +2623,8 @@
         </p:nvSpPr>
         <p:spPr>
           <a:xfrm>
-            <a:off x="8610600" y="13346867"/>
-            <a:ext cx="2743200" cy="766678"/>
+            <a:off x="12712968" y="13346867"/>
+            <a:ext cx="4050149" cy="766678"/>
           </a:xfrm>
           <a:prstGeom prst="rect">
             <a:avLst/>
@@ -2635,7 +2634,7 @@
           <a:bodyPr vert="horz" lIns="91440" tIns="45720" rIns="91440" bIns="45720" rtlCol="0" anchor="ctr"/>
           <a:lstStyle>
             <a:lvl1pPr algn="r">
-              <a:defRPr sz="1600">
+              <a:defRPr sz="2362">
                 <a:solidFill>
                   <a:schemeClr val="tx1">
                     <a:tint val="75000"/>
@@ -2656,27 +2655,27 @@
     </p:spTree>
     <p:extLst>
       <p:ext uri="{BB962C8B-B14F-4D97-AF65-F5344CB8AC3E}">
-        <p14:creationId xmlns:p14="http://schemas.microsoft.com/office/powerpoint/2010/main" val="3397976737"/>
+        <p14:creationId xmlns:p14="http://schemas.microsoft.com/office/powerpoint/2010/main" val="3948855780"/>
       </p:ext>
     </p:extLst>
   </p:cSld>
   <p:clrMap bg1="lt1" tx1="dk1" bg2="lt2" tx2="dk2" accent1="accent1" accent2="accent2" accent3="accent3" accent4="accent4" accent5="accent5" accent6="accent6" hlink="hlink" folHlink="folHlink"/>
   <p:sldLayoutIdLst>
-    <p:sldLayoutId id="2147483673" r:id="rId1"/>
-    <p:sldLayoutId id="2147483674" r:id="rId2"/>
-    <p:sldLayoutId id="2147483675" r:id="rId3"/>
-    <p:sldLayoutId id="2147483676" r:id="rId4"/>
-    <p:sldLayoutId id="2147483677" r:id="rId5"/>
-    <p:sldLayoutId id="2147483678" r:id="rId6"/>
-    <p:sldLayoutId id="2147483679" r:id="rId7"/>
-    <p:sldLayoutId id="2147483680" r:id="rId8"/>
-    <p:sldLayoutId id="2147483681" r:id="rId9"/>
-    <p:sldLayoutId id="2147483682" r:id="rId10"/>
-    <p:sldLayoutId id="2147483683" r:id="rId11"/>
+    <p:sldLayoutId id="2147483709" r:id="rId1"/>
+    <p:sldLayoutId id="2147483710" r:id="rId2"/>
+    <p:sldLayoutId id="2147483711" r:id="rId3"/>
+    <p:sldLayoutId id="2147483712" r:id="rId4"/>
+    <p:sldLayoutId id="2147483713" r:id="rId5"/>
+    <p:sldLayoutId id="2147483714" r:id="rId6"/>
+    <p:sldLayoutId id="2147483715" r:id="rId7"/>
+    <p:sldLayoutId id="2147483716" r:id="rId8"/>
+    <p:sldLayoutId id="2147483717" r:id="rId9"/>
+    <p:sldLayoutId id="2147483718" r:id="rId10"/>
+    <p:sldLayoutId id="2147483719" r:id="rId11"/>
   </p:sldLayoutIdLst>
   <p:txStyles>
     <p:titleStyle>
-      <a:lvl1pPr algn="l" defTabSz="1219170" rtl="0" eaLnBrk="1" latinLnBrk="0" hangingPunct="1">
+      <a:lvl1pPr algn="l" defTabSz="1800088" rtl="0" eaLnBrk="1" latinLnBrk="0" hangingPunct="1">
         <a:lnSpc>
           <a:spcPct val="90000"/>
         </a:lnSpc>
@@ -2684,7 +2683,7 @@
           <a:spcPct val="0"/>
         </a:spcBef>
         <a:buNone/>
-        <a:defRPr sz="5867" kern="1200">
+        <a:defRPr sz="8662" kern="1200">
           <a:solidFill>
             <a:schemeClr val="tx1"/>
           </a:solidFill>
@@ -2695,16 +2694,16 @@
       </a:lvl1pPr>
     </p:titleStyle>
     <p:bodyStyle>
-      <a:lvl1pPr marL="304792" indent="-304792" algn="l" defTabSz="1219170" rtl="0" eaLnBrk="1" latinLnBrk="0" hangingPunct="1">
+      <a:lvl1pPr marL="450022" indent="-450022" algn="l" defTabSz="1800088" rtl="0" eaLnBrk="1" latinLnBrk="0" hangingPunct="1">
         <a:lnSpc>
           <a:spcPct val="90000"/>
         </a:lnSpc>
         <a:spcBef>
-          <a:spcPts val="1333"/>
+          <a:spcPts val="1969"/>
         </a:spcBef>
         <a:buFont typeface="Arial" panose="020B0604020202020204" pitchFamily="34" charset="0"/>
         <a:buChar char="•"/>
-        <a:defRPr sz="3733" kern="1200">
+        <a:defRPr sz="5512" kern="1200">
           <a:solidFill>
             <a:schemeClr val="tx1"/>
           </a:solidFill>
@@ -2713,16 +2712,16 @@
           <a:cs typeface="+mn-cs"/>
         </a:defRPr>
       </a:lvl1pPr>
-      <a:lvl2pPr marL="914377" indent="-304792" algn="l" defTabSz="1219170" rtl="0" eaLnBrk="1" latinLnBrk="0" hangingPunct="1">
+      <a:lvl2pPr marL="1350066" indent="-450022" algn="l" defTabSz="1800088" rtl="0" eaLnBrk="1" latinLnBrk="0" hangingPunct="1">
         <a:lnSpc>
           <a:spcPct val="90000"/>
         </a:lnSpc>
         <a:spcBef>
-          <a:spcPts val="667"/>
+          <a:spcPts val="984"/>
         </a:spcBef>
         <a:buFont typeface="Arial" panose="020B0604020202020204" pitchFamily="34" charset="0"/>
         <a:buChar char="•"/>
-        <a:defRPr sz="3200" kern="1200">
+        <a:defRPr sz="4725" kern="1200">
           <a:solidFill>
             <a:schemeClr val="tx1"/>
           </a:solidFill>
@@ -2731,16 +2730,16 @@
           <a:cs typeface="+mn-cs"/>
         </a:defRPr>
       </a:lvl2pPr>
-      <a:lvl3pPr marL="1523962" indent="-304792" algn="l" defTabSz="1219170" rtl="0" eaLnBrk="1" latinLnBrk="0" hangingPunct="1">
+      <a:lvl3pPr marL="2250110" indent="-450022" algn="l" defTabSz="1800088" rtl="0" eaLnBrk="1" latinLnBrk="0" hangingPunct="1">
         <a:lnSpc>
           <a:spcPct val="90000"/>
         </a:lnSpc>
         <a:spcBef>
-          <a:spcPts val="667"/>
+          <a:spcPts val="984"/>
         </a:spcBef>
         <a:buFont typeface="Arial" panose="020B0604020202020204" pitchFamily="34" charset="0"/>
         <a:buChar char="•"/>
-        <a:defRPr sz="2667" kern="1200">
+        <a:defRPr sz="3937" kern="1200">
           <a:solidFill>
             <a:schemeClr val="tx1"/>
           </a:solidFill>
@@ -2749,16 +2748,16 @@
           <a:cs typeface="+mn-cs"/>
         </a:defRPr>
       </a:lvl3pPr>
-      <a:lvl4pPr marL="2133547" indent="-304792" algn="l" defTabSz="1219170" rtl="0" eaLnBrk="1" latinLnBrk="0" hangingPunct="1">
+      <a:lvl4pPr marL="3150154" indent="-450022" algn="l" defTabSz="1800088" rtl="0" eaLnBrk="1" latinLnBrk="0" hangingPunct="1">
         <a:lnSpc>
           <a:spcPct val="90000"/>
         </a:lnSpc>
         <a:spcBef>
-          <a:spcPts val="667"/>
+          <a:spcPts val="984"/>
         </a:spcBef>
         <a:buFont typeface="Arial" panose="020B0604020202020204" pitchFamily="34" charset="0"/>
         <a:buChar char="•"/>
-        <a:defRPr sz="2400" kern="1200">
+        <a:defRPr sz="3543" kern="1200">
           <a:solidFill>
             <a:schemeClr val="tx1"/>
           </a:solidFill>
@@ -2767,16 +2766,16 @@
           <a:cs typeface="+mn-cs"/>
         </a:defRPr>
       </a:lvl4pPr>
-      <a:lvl5pPr marL="2743131" indent="-304792" algn="l" defTabSz="1219170" rtl="0" eaLnBrk="1" latinLnBrk="0" hangingPunct="1">
+      <a:lvl5pPr marL="4050198" indent="-450022" algn="l" defTabSz="1800088" rtl="0" eaLnBrk="1" latinLnBrk="0" hangingPunct="1">
         <a:lnSpc>
           <a:spcPct val="90000"/>
         </a:lnSpc>
         <a:spcBef>
-          <a:spcPts val="667"/>
+          <a:spcPts val="984"/>
         </a:spcBef>
         <a:buFont typeface="Arial" panose="020B0604020202020204" pitchFamily="34" charset="0"/>
         <a:buChar char="•"/>
-        <a:defRPr sz="2400" kern="1200">
+        <a:defRPr sz="3543" kern="1200">
           <a:solidFill>
             <a:schemeClr val="tx1"/>
           </a:solidFill>
@@ -2785,16 +2784,16 @@
           <a:cs typeface="+mn-cs"/>
         </a:defRPr>
       </a:lvl5pPr>
-      <a:lvl6pPr marL="3352716" indent="-304792" algn="l" defTabSz="1219170" rtl="0" eaLnBrk="1" latinLnBrk="0" hangingPunct="1">
+      <a:lvl6pPr marL="4950242" indent="-450022" algn="l" defTabSz="1800088" rtl="0" eaLnBrk="1" latinLnBrk="0" hangingPunct="1">
         <a:lnSpc>
           <a:spcPct val="90000"/>
         </a:lnSpc>
         <a:spcBef>
-          <a:spcPts val="667"/>
+          <a:spcPts val="984"/>
         </a:spcBef>
         <a:buFont typeface="Arial" panose="020B0604020202020204" pitchFamily="34" charset="0"/>
         <a:buChar char="•"/>
-        <a:defRPr sz="2400" kern="1200">
+        <a:defRPr sz="3543" kern="1200">
           <a:solidFill>
             <a:schemeClr val="tx1"/>
           </a:solidFill>
@@ -2803,16 +2802,16 @@
           <a:cs typeface="+mn-cs"/>
         </a:defRPr>
       </a:lvl6pPr>
-      <a:lvl7pPr marL="3962301" indent="-304792" algn="l" defTabSz="1219170" rtl="0" eaLnBrk="1" latinLnBrk="0" hangingPunct="1">
+      <a:lvl7pPr marL="5850285" indent="-450022" algn="l" defTabSz="1800088" rtl="0" eaLnBrk="1" latinLnBrk="0" hangingPunct="1">
         <a:lnSpc>
           <a:spcPct val="90000"/>
         </a:lnSpc>
         <a:spcBef>
-          <a:spcPts val="667"/>
+          <a:spcPts val="984"/>
         </a:spcBef>
         <a:buFont typeface="Arial" panose="020B0604020202020204" pitchFamily="34" charset="0"/>
         <a:buChar char="•"/>
-        <a:defRPr sz="2400" kern="1200">
+        <a:defRPr sz="3543" kern="1200">
           <a:solidFill>
             <a:schemeClr val="tx1"/>
           </a:solidFill>
@@ -2821,16 +2820,16 @@
           <a:cs typeface="+mn-cs"/>
         </a:defRPr>
       </a:lvl7pPr>
-      <a:lvl8pPr marL="4571886" indent="-304792" algn="l" defTabSz="1219170" rtl="0" eaLnBrk="1" latinLnBrk="0" hangingPunct="1">
+      <a:lvl8pPr marL="6750329" indent="-450022" algn="l" defTabSz="1800088" rtl="0" eaLnBrk="1" latinLnBrk="0" hangingPunct="1">
         <a:lnSpc>
           <a:spcPct val="90000"/>
         </a:lnSpc>
         <a:spcBef>
-          <a:spcPts val="667"/>
+          <a:spcPts val="984"/>
         </a:spcBef>
         <a:buFont typeface="Arial" panose="020B0604020202020204" pitchFamily="34" charset="0"/>
         <a:buChar char="•"/>
-        <a:defRPr sz="2400" kern="1200">
+        <a:defRPr sz="3543" kern="1200">
           <a:solidFill>
             <a:schemeClr val="tx1"/>
           </a:solidFill>
@@ -2839,16 +2838,16 @@
           <a:cs typeface="+mn-cs"/>
         </a:defRPr>
       </a:lvl8pPr>
-      <a:lvl9pPr marL="5181470" indent="-304792" algn="l" defTabSz="1219170" rtl="0" eaLnBrk="1" latinLnBrk="0" hangingPunct="1">
+      <a:lvl9pPr marL="7650373" indent="-450022" algn="l" defTabSz="1800088" rtl="0" eaLnBrk="1" latinLnBrk="0" hangingPunct="1">
         <a:lnSpc>
           <a:spcPct val="90000"/>
         </a:lnSpc>
         <a:spcBef>
-          <a:spcPts val="667"/>
+          <a:spcPts val="984"/>
         </a:spcBef>
         <a:buFont typeface="Arial" panose="020B0604020202020204" pitchFamily="34" charset="0"/>
         <a:buChar char="•"/>
-        <a:defRPr sz="2400" kern="1200">
+        <a:defRPr sz="3543" kern="1200">
           <a:solidFill>
             <a:schemeClr val="tx1"/>
           </a:solidFill>
@@ -2862,8 +2861,8 @@
       <a:defPPr>
         <a:defRPr lang="en-US"/>
       </a:defPPr>
-      <a:lvl1pPr marL="0" algn="l" defTabSz="1219170" rtl="0" eaLnBrk="1" latinLnBrk="0" hangingPunct="1">
-        <a:defRPr sz="2400" kern="1200">
+      <a:lvl1pPr marL="0" algn="l" defTabSz="1800088" rtl="0" eaLnBrk="1" latinLnBrk="0" hangingPunct="1">
+        <a:defRPr sz="3543" kern="1200">
           <a:solidFill>
             <a:schemeClr val="tx1"/>
           </a:solidFill>
@@ -2872,8 +2871,8 @@
           <a:cs typeface="+mn-cs"/>
         </a:defRPr>
       </a:lvl1pPr>
-      <a:lvl2pPr marL="609585" algn="l" defTabSz="1219170" rtl="0" eaLnBrk="1" latinLnBrk="0" hangingPunct="1">
-        <a:defRPr sz="2400" kern="1200">
+      <a:lvl2pPr marL="900044" algn="l" defTabSz="1800088" rtl="0" eaLnBrk="1" latinLnBrk="0" hangingPunct="1">
+        <a:defRPr sz="3543" kern="1200">
           <a:solidFill>
             <a:schemeClr val="tx1"/>
           </a:solidFill>
@@ -2882,8 +2881,8 @@
           <a:cs typeface="+mn-cs"/>
         </a:defRPr>
       </a:lvl2pPr>
-      <a:lvl3pPr marL="1219170" algn="l" defTabSz="1219170" rtl="0" eaLnBrk="1" latinLnBrk="0" hangingPunct="1">
-        <a:defRPr sz="2400" kern="1200">
+      <a:lvl3pPr marL="1800088" algn="l" defTabSz="1800088" rtl="0" eaLnBrk="1" latinLnBrk="0" hangingPunct="1">
+        <a:defRPr sz="3543" kern="1200">
           <a:solidFill>
             <a:schemeClr val="tx1"/>
           </a:solidFill>
@@ -2892,8 +2891,8 @@
           <a:cs typeface="+mn-cs"/>
         </a:defRPr>
       </a:lvl3pPr>
-      <a:lvl4pPr marL="1828754" algn="l" defTabSz="1219170" rtl="0" eaLnBrk="1" latinLnBrk="0" hangingPunct="1">
-        <a:defRPr sz="2400" kern="1200">
+      <a:lvl4pPr marL="2700132" algn="l" defTabSz="1800088" rtl="0" eaLnBrk="1" latinLnBrk="0" hangingPunct="1">
+        <a:defRPr sz="3543" kern="1200">
           <a:solidFill>
             <a:schemeClr val="tx1"/>
           </a:solidFill>
@@ -2902,8 +2901,8 @@
           <a:cs typeface="+mn-cs"/>
         </a:defRPr>
       </a:lvl4pPr>
-      <a:lvl5pPr marL="2438339" algn="l" defTabSz="1219170" rtl="0" eaLnBrk="1" latinLnBrk="0" hangingPunct="1">
-        <a:defRPr sz="2400" kern="1200">
+      <a:lvl5pPr marL="3600176" algn="l" defTabSz="1800088" rtl="0" eaLnBrk="1" latinLnBrk="0" hangingPunct="1">
+        <a:defRPr sz="3543" kern="1200">
           <a:solidFill>
             <a:schemeClr val="tx1"/>
           </a:solidFill>
@@ -2912,8 +2911,8 @@
           <a:cs typeface="+mn-cs"/>
         </a:defRPr>
       </a:lvl5pPr>
-      <a:lvl6pPr marL="3047924" algn="l" defTabSz="1219170" rtl="0" eaLnBrk="1" latinLnBrk="0" hangingPunct="1">
-        <a:defRPr sz="2400" kern="1200">
+      <a:lvl6pPr marL="4500220" algn="l" defTabSz="1800088" rtl="0" eaLnBrk="1" latinLnBrk="0" hangingPunct="1">
+        <a:defRPr sz="3543" kern="1200">
           <a:solidFill>
             <a:schemeClr val="tx1"/>
           </a:solidFill>
@@ -2922,8 +2921,8 @@
           <a:cs typeface="+mn-cs"/>
         </a:defRPr>
       </a:lvl6pPr>
-      <a:lvl7pPr marL="3657509" algn="l" defTabSz="1219170" rtl="0" eaLnBrk="1" latinLnBrk="0" hangingPunct="1">
-        <a:defRPr sz="2400" kern="1200">
+      <a:lvl7pPr marL="5400264" algn="l" defTabSz="1800088" rtl="0" eaLnBrk="1" latinLnBrk="0" hangingPunct="1">
+        <a:defRPr sz="3543" kern="1200">
           <a:solidFill>
             <a:schemeClr val="tx1"/>
           </a:solidFill>
@@ -2932,8 +2931,8 @@
           <a:cs typeface="+mn-cs"/>
         </a:defRPr>
       </a:lvl7pPr>
-      <a:lvl8pPr marL="4267093" algn="l" defTabSz="1219170" rtl="0" eaLnBrk="1" latinLnBrk="0" hangingPunct="1">
-        <a:defRPr sz="2400" kern="1200">
+      <a:lvl8pPr marL="6300307" algn="l" defTabSz="1800088" rtl="0" eaLnBrk="1" latinLnBrk="0" hangingPunct="1">
+        <a:defRPr sz="3543" kern="1200">
           <a:solidFill>
             <a:schemeClr val="tx1"/>
           </a:solidFill>
@@ -2942,8 +2941,8 @@
           <a:cs typeface="+mn-cs"/>
         </a:defRPr>
       </a:lvl8pPr>
-      <a:lvl9pPr marL="4876678" algn="l" defTabSz="1219170" rtl="0" eaLnBrk="1" latinLnBrk="0" hangingPunct="1">
-        <a:defRPr sz="2400" kern="1200">
+      <a:lvl9pPr marL="7200351" algn="l" defTabSz="1800088" rtl="0" eaLnBrk="1" latinLnBrk="0" hangingPunct="1">
+        <a:defRPr sz="3543" kern="1200">
           <a:solidFill>
             <a:schemeClr val="tx1"/>
           </a:solidFill>
@@ -2991,7 +2990,7 @@
         </p:nvCxnSpPr>
         <p:spPr>
           <a:xfrm>
-            <a:off x="1572543" y="10096859"/>
+            <a:off x="4476877" y="10096859"/>
             <a:ext cx="3853557" cy="0"/>
           </a:xfrm>
           <a:prstGeom prst="line">
@@ -3032,7 +3031,7 @@
         </p:nvGrpSpPr>
         <p:grpSpPr>
           <a:xfrm>
-            <a:off x="1550252" y="1404723"/>
+            <a:off x="4454583" y="1404723"/>
             <a:ext cx="8978620" cy="9592136"/>
             <a:chOff x="1267452" y="118383"/>
             <a:chExt cx="8978620" cy="9592136"/>
@@ -3709,7 +3708,7 @@
         </p:nvSpPr>
         <p:spPr>
           <a:xfrm>
-            <a:off x="8559823" y="9196859"/>
+            <a:off x="11464154" y="9196859"/>
             <a:ext cx="1800000" cy="1800000"/>
           </a:xfrm>
           <a:prstGeom prst="ellipse">
@@ -3761,7 +3760,7 @@
         </p:nvSpPr>
         <p:spPr>
           <a:xfrm>
-            <a:off x="2135924" y="9196859"/>
+            <a:off x="5040255" y="9196859"/>
             <a:ext cx="1800000" cy="1800000"/>
           </a:xfrm>
           <a:prstGeom prst="ellipse">
@@ -3817,7 +3816,7 @@
         </p:nvCxnSpPr>
         <p:spPr>
           <a:xfrm>
-            <a:off x="3035924" y="7707980"/>
+            <a:off x="5940255" y="7707983"/>
             <a:ext cx="0" cy="1488879"/>
           </a:xfrm>
           <a:prstGeom prst="straightConnector1">
@@ -3863,7 +3862,7 @@
         </p:nvCxnSpPr>
         <p:spPr>
           <a:xfrm>
-            <a:off x="3035924" y="7707980"/>
+            <a:off x="5940255" y="7707983"/>
             <a:ext cx="2653780" cy="1752483"/>
           </a:xfrm>
           <a:prstGeom prst="straightConnector1">
@@ -3907,7 +3906,7 @@
         </p:nvCxnSpPr>
         <p:spPr>
           <a:xfrm>
-            <a:off x="1572543" y="1627440"/>
+            <a:off x="4476877" y="1627443"/>
             <a:ext cx="3853557" cy="21081"/>
           </a:xfrm>
           <a:prstGeom prst="straightConnector1">
@@ -3949,7 +3948,7 @@
         </p:nvSpPr>
         <p:spPr>
           <a:xfrm>
-            <a:off x="8628891" y="6029731"/>
+            <a:off x="11533225" y="6029731"/>
             <a:ext cx="1661863" cy="1712418"/>
           </a:xfrm>
           <a:prstGeom prst="ellipse">
@@ -4005,7 +4004,7 @@
         </p:nvCxnSpPr>
         <p:spPr>
           <a:xfrm>
-            <a:off x="9459823" y="4728157"/>
+            <a:off x="12364154" y="4728157"/>
             <a:ext cx="0" cy="1301574"/>
           </a:xfrm>
           <a:prstGeom prst="straightConnector1">
@@ -4047,7 +4046,7 @@
         </p:nvSpPr>
         <p:spPr>
           <a:xfrm>
-            <a:off x="5514189" y="6126052"/>
+            <a:off x="8418523" y="6126052"/>
             <a:ext cx="1661863" cy="1712418"/>
           </a:xfrm>
           <a:prstGeom prst="ellipse">
@@ -4103,7 +4102,7 @@
         </p:nvCxnSpPr>
         <p:spPr>
           <a:xfrm>
-            <a:off x="3672320" y="4446677"/>
+            <a:off x="6576654" y="4446680"/>
             <a:ext cx="2085243" cy="1930153"/>
           </a:xfrm>
           <a:prstGeom prst="straightConnector1">
@@ -4149,7 +4148,7 @@
         </p:nvCxnSpPr>
         <p:spPr>
           <a:xfrm flipH="1">
-            <a:off x="6932678" y="4464553"/>
+            <a:off x="9837012" y="4464556"/>
             <a:ext cx="1890749" cy="1912277"/>
           </a:xfrm>
           <a:prstGeom prst="straightConnector1">
@@ -4195,7 +4194,7 @@
         </p:nvCxnSpPr>
         <p:spPr>
           <a:xfrm flipH="1">
-            <a:off x="6326100" y="7838470"/>
+            <a:off x="9230434" y="7838473"/>
             <a:ext cx="19021" cy="1358389"/>
           </a:xfrm>
           <a:prstGeom prst="straightConnector1">
@@ -4240,7 +4239,7 @@
         </p:nvCxnSpPr>
         <p:spPr>
           <a:xfrm flipV="1">
-            <a:off x="7226100" y="8119958"/>
+            <a:off x="10130431" y="8119961"/>
             <a:ext cx="3302772" cy="1976901"/>
           </a:xfrm>
           <a:prstGeom prst="line">
@@ -4285,7 +4284,7 @@
         </p:nvCxnSpPr>
         <p:spPr>
           <a:xfrm>
-            <a:off x="9459823" y="7742149"/>
+            <a:off x="12364154" y="7742149"/>
             <a:ext cx="0" cy="1454710"/>
           </a:xfrm>
           <a:prstGeom prst="straightConnector1">
@@ -4331,7 +4330,7 @@
         </p:nvCxnSpPr>
         <p:spPr>
           <a:xfrm flipH="1">
-            <a:off x="6962496" y="7491371"/>
+            <a:off x="9866830" y="7491371"/>
             <a:ext cx="1909769" cy="1969092"/>
           </a:xfrm>
           <a:prstGeom prst="straightConnector1">
@@ -4391,10 +4390,10 @@
       </p:grpSpPr>
       <p:grpSp>
         <p:nvGrpSpPr>
-          <p:cNvPr id="158" name="Group 157">
+          <p:cNvPr id="428" name="Group 427">
             <a:extLst>
               <a:ext uri="{FF2B5EF4-FFF2-40B4-BE49-F238E27FC236}">
-                <a16:creationId xmlns:a16="http://schemas.microsoft.com/office/drawing/2014/main" id="{66EFAB8C-CFF2-A158-885D-1DBF9D1F2567}"/>
+                <a16:creationId xmlns:a16="http://schemas.microsoft.com/office/drawing/2014/main" id="{44198C9B-A544-D133-BF14-72784E5A1EBC}"/>
               </a:ext>
             </a:extLst>
           </p:cNvPr>
@@ -4403,7 +4402,2462 @@
         </p:nvGrpSpPr>
         <p:grpSpPr>
           <a:xfrm>
-            <a:off x="1035887" y="577493"/>
+            <a:off x="887815" y="323690"/>
+            <a:ext cx="17057887" cy="12686858"/>
+            <a:chOff x="887815" y="323690"/>
+            <a:chExt cx="17057887" cy="12686858"/>
+          </a:xfrm>
+        </p:grpSpPr>
+        <p:sp>
+          <p:nvSpPr>
+            <p:cNvPr id="15" name="TextBox 14">
+              <a:extLst>
+                <a:ext uri="{FF2B5EF4-FFF2-40B4-BE49-F238E27FC236}">
+                  <a16:creationId xmlns:a16="http://schemas.microsoft.com/office/drawing/2014/main" id="{2ECB7CD7-16B7-7D4C-BB9A-27D45F3A6AFB}"/>
+                </a:ext>
+              </a:extLst>
+            </p:cNvPr>
+            <p:cNvSpPr txBox="1"/>
+            <p:nvPr/>
+          </p:nvSpPr>
+          <p:spPr>
+            <a:xfrm>
+              <a:off x="7171531" y="323690"/>
+              <a:ext cx="3657600" cy="461665"/>
+            </a:xfrm>
+            <a:prstGeom prst="rect">
+              <a:avLst/>
+            </a:prstGeom>
+            <a:noFill/>
+          </p:spPr>
+          <p:txBody>
+            <a:bodyPr wrap="square" rtlCol="0">
+              <a:spAutoFit/>
+            </a:bodyPr>
+            <a:lstStyle/>
+            <a:p>
+              <a:pPr algn="ctr"/>
+              <a:r>
+                <a:rPr lang="en-US" sz="2400" b="1" dirty="0"/>
+                <a:t>Immigration</a:t>
+              </a:r>
+            </a:p>
+          </p:txBody>
+        </p:sp>
+        <p:cxnSp>
+          <p:nvCxnSpPr>
+            <p:cNvPr id="16" name="Straight Arrow Connector 15">
+              <a:extLst>
+                <a:ext uri="{FF2B5EF4-FFF2-40B4-BE49-F238E27FC236}">
+                  <a16:creationId xmlns:a16="http://schemas.microsoft.com/office/drawing/2014/main" id="{763F78D7-9861-9149-B7C9-3C1A5A621E6C}"/>
+                </a:ext>
+              </a:extLst>
+            </p:cNvPr>
+            <p:cNvCxnSpPr>
+              <a:cxnSpLocks/>
+              <a:stCxn id="15" idx="2"/>
+              <a:endCxn id="44" idx="0"/>
+            </p:cNvCxnSpPr>
+            <p:nvPr/>
+          </p:nvCxnSpPr>
+          <p:spPr>
+            <a:xfrm>
+              <a:off x="9000332" y="785355"/>
+              <a:ext cx="719889" cy="3216293"/>
+            </a:xfrm>
+            <a:prstGeom prst="straightConnector1">
+              <a:avLst/>
+            </a:prstGeom>
+            <a:ln w="38100">
+              <a:solidFill>
+                <a:schemeClr val="tx1"/>
+              </a:solidFill>
+              <a:tailEnd type="triangle"/>
+            </a:ln>
+          </p:spPr>
+          <p:style>
+            <a:lnRef idx="1">
+              <a:schemeClr val="dk1"/>
+            </a:lnRef>
+            <a:fillRef idx="0">
+              <a:schemeClr val="dk1"/>
+            </a:fillRef>
+            <a:effectRef idx="0">
+              <a:schemeClr val="dk1"/>
+            </a:effectRef>
+            <a:fontRef idx="minor">
+              <a:schemeClr val="tx1"/>
+            </a:fontRef>
+          </p:style>
+        </p:cxnSp>
+        <p:grpSp>
+          <p:nvGrpSpPr>
+            <p:cNvPr id="18" name="Group 17">
+              <a:extLst>
+                <a:ext uri="{FF2B5EF4-FFF2-40B4-BE49-F238E27FC236}">
+                  <a16:creationId xmlns:a16="http://schemas.microsoft.com/office/drawing/2014/main" id="{7F4EF3D4-2E81-13FB-EE46-50675D5713BF}"/>
+                </a:ext>
+              </a:extLst>
+            </p:cNvPr>
+            <p:cNvGrpSpPr/>
+            <p:nvPr/>
+          </p:nvGrpSpPr>
+          <p:grpSpPr>
+            <a:xfrm>
+              <a:off x="11425935" y="1283764"/>
+              <a:ext cx="4476357" cy="2640546"/>
+              <a:chOff x="431254" y="8032830"/>
+              <a:chExt cx="4476357" cy="2640546"/>
+            </a:xfrm>
+          </p:grpSpPr>
+          <p:sp>
+            <p:nvSpPr>
+              <p:cNvPr id="35" name="Rounded Rectangle 34">
+                <a:extLst>
+                  <a:ext uri="{FF2B5EF4-FFF2-40B4-BE49-F238E27FC236}">
+                    <a16:creationId xmlns:a16="http://schemas.microsoft.com/office/drawing/2014/main" id="{37DAD597-7A92-F629-8721-A6CE2E9F7711}"/>
+                  </a:ext>
+                </a:extLst>
+              </p:cNvPr>
+              <p:cNvSpPr/>
+              <p:nvPr/>
+            </p:nvSpPr>
+            <p:spPr>
+              <a:xfrm>
+                <a:off x="431254" y="8032830"/>
+                <a:ext cx="4476357" cy="2640546"/>
+              </a:xfrm>
+              <a:prstGeom prst="roundRect">
+                <a:avLst/>
+              </a:prstGeom>
+              <a:ln w="38100">
+                <a:solidFill>
+                  <a:schemeClr val="tx1"/>
+                </a:solidFill>
+              </a:ln>
+            </p:spPr>
+            <p:style>
+              <a:lnRef idx="2">
+                <a:schemeClr val="accent6"/>
+              </a:lnRef>
+              <a:fillRef idx="1">
+                <a:schemeClr val="lt1"/>
+              </a:fillRef>
+              <a:effectRef idx="0">
+                <a:schemeClr val="accent6"/>
+              </a:effectRef>
+              <a:fontRef idx="minor">
+                <a:schemeClr val="dk1"/>
+              </a:fontRef>
+            </p:style>
+            <p:txBody>
+              <a:bodyPr rtlCol="0" anchor="ctr"/>
+              <a:lstStyle/>
+              <a:p>
+                <a:pPr algn="ctr"/>
+                <a:endParaRPr lang="en-GB" dirty="0"/>
+              </a:p>
+            </p:txBody>
+          </p:sp>
+          <p:sp>
+            <p:nvSpPr>
+              <p:cNvPr id="36" name="Oval 35">
+                <a:extLst>
+                  <a:ext uri="{FF2B5EF4-FFF2-40B4-BE49-F238E27FC236}">
+                    <a16:creationId xmlns:a16="http://schemas.microsoft.com/office/drawing/2014/main" id="{309A95D4-0B9A-C8C5-8F8C-29D494D76558}"/>
+                  </a:ext>
+                </a:extLst>
+              </p:cNvPr>
+              <p:cNvSpPr/>
+              <p:nvPr/>
+            </p:nvSpPr>
+            <p:spPr>
+              <a:xfrm>
+                <a:off x="674766" y="8584221"/>
+                <a:ext cx="1890000" cy="1890000"/>
+              </a:xfrm>
+              <a:prstGeom prst="ellipse">
+                <a:avLst/>
+              </a:prstGeom>
+              <a:ln w="38100"/>
+            </p:spPr>
+            <p:style>
+              <a:lnRef idx="2">
+                <a:schemeClr val="dk1"/>
+              </a:lnRef>
+              <a:fillRef idx="1">
+                <a:schemeClr val="lt1"/>
+              </a:fillRef>
+              <a:effectRef idx="0">
+                <a:schemeClr val="dk1"/>
+              </a:effectRef>
+              <a:fontRef idx="minor">
+                <a:schemeClr val="dk1"/>
+              </a:fontRef>
+            </p:style>
+            <p:txBody>
+              <a:bodyPr rtlCol="0" anchor="ctr"/>
+              <a:lstStyle/>
+              <a:p>
+                <a:pPr algn="ctr"/>
+                <a:r>
+                  <a:rPr lang="en-US" sz="1550" dirty="0">
+                    <a:solidFill>
+                      <a:sysClr val="windowText" lastClr="000000"/>
+                    </a:solidFill>
+                  </a:rPr>
+                  <a:t>Income</a:t>
+                </a:r>
+                <a:endParaRPr lang="en-US" sz="1550" dirty="0"/>
+              </a:p>
+            </p:txBody>
+          </p:sp>
+          <p:sp>
+            <p:nvSpPr>
+              <p:cNvPr id="37" name="Oval 36">
+                <a:extLst>
+                  <a:ext uri="{FF2B5EF4-FFF2-40B4-BE49-F238E27FC236}">
+                    <a16:creationId xmlns:a16="http://schemas.microsoft.com/office/drawing/2014/main" id="{8DDD800B-3FD2-F1A5-6716-F35340CAD888}"/>
+                  </a:ext>
+                </a:extLst>
+              </p:cNvPr>
+              <p:cNvSpPr/>
+              <p:nvPr/>
+            </p:nvSpPr>
+            <p:spPr>
+              <a:xfrm>
+                <a:off x="2800956" y="8603977"/>
+                <a:ext cx="1890000" cy="1890000"/>
+              </a:xfrm>
+              <a:prstGeom prst="ellipse">
+                <a:avLst/>
+              </a:prstGeom>
+              <a:ln w="38100"/>
+            </p:spPr>
+            <p:style>
+              <a:lnRef idx="2">
+                <a:schemeClr val="dk1"/>
+              </a:lnRef>
+              <a:fillRef idx="1">
+                <a:schemeClr val="lt1"/>
+              </a:fillRef>
+              <a:effectRef idx="0">
+                <a:schemeClr val="dk1"/>
+              </a:effectRef>
+              <a:fontRef idx="minor">
+                <a:schemeClr val="dk1"/>
+              </a:fontRef>
+            </p:style>
+            <p:txBody>
+              <a:bodyPr rtlCol="0" anchor="ctr"/>
+              <a:lstStyle/>
+              <a:p>
+                <a:pPr algn="ctr"/>
+                <a:r>
+                  <a:rPr lang="en-US" sz="1550" dirty="0">
+                    <a:solidFill>
+                      <a:sysClr val="windowText" lastClr="000000"/>
+                    </a:solidFill>
+                  </a:rPr>
+                  <a:t>Employment</a:t>
+                </a:r>
+                <a:endParaRPr lang="en-US" sz="1550" dirty="0"/>
+              </a:p>
+            </p:txBody>
+          </p:sp>
+          <p:sp>
+            <p:nvSpPr>
+              <p:cNvPr id="6" name="TextBox 5">
+                <a:extLst>
+                  <a:ext uri="{FF2B5EF4-FFF2-40B4-BE49-F238E27FC236}">
+                    <a16:creationId xmlns:a16="http://schemas.microsoft.com/office/drawing/2014/main" id="{19634C2A-4B56-4568-F500-30A254B39463}"/>
+                  </a:ext>
+                </a:extLst>
+              </p:cNvPr>
+              <p:cNvSpPr txBox="1"/>
+              <p:nvPr/>
+            </p:nvSpPr>
+            <p:spPr>
+              <a:xfrm>
+                <a:off x="1388277" y="8129770"/>
+                <a:ext cx="2394112" cy="369332"/>
+              </a:xfrm>
+              <a:prstGeom prst="rect">
+                <a:avLst/>
+              </a:prstGeom>
+              <a:noFill/>
+            </p:spPr>
+            <p:txBody>
+              <a:bodyPr wrap="square" rtlCol="0">
+                <a:spAutoFit/>
+              </a:bodyPr>
+              <a:lstStyle/>
+              <a:p>
+                <a:pPr algn="ctr"/>
+                <a:r>
+                  <a:rPr lang="en-GB" dirty="0"/>
+                  <a:t>Socio-economic status</a:t>
+                </a:r>
+              </a:p>
+            </p:txBody>
+          </p:sp>
+        </p:grpSp>
+        <p:sp>
+          <p:nvSpPr>
+            <p:cNvPr id="44" name="Oval 43">
+              <a:extLst>
+                <a:ext uri="{FF2B5EF4-FFF2-40B4-BE49-F238E27FC236}">
+                  <a16:creationId xmlns:a16="http://schemas.microsoft.com/office/drawing/2014/main" id="{2A69AE46-7652-3D72-C8AF-1865CFC17D1F}"/>
+                </a:ext>
+              </a:extLst>
+            </p:cNvPr>
+            <p:cNvSpPr/>
+            <p:nvPr/>
+          </p:nvSpPr>
+          <p:spPr>
+            <a:xfrm>
+              <a:off x="8775220" y="4001647"/>
+              <a:ext cx="1890000" cy="1890000"/>
+            </a:xfrm>
+            <a:prstGeom prst="ellipse">
+              <a:avLst/>
+            </a:prstGeom>
+            <a:ln w="38100"/>
+          </p:spPr>
+          <p:style>
+            <a:lnRef idx="2">
+              <a:schemeClr val="dk1"/>
+            </a:lnRef>
+            <a:fillRef idx="1">
+              <a:schemeClr val="lt1"/>
+            </a:fillRef>
+            <a:effectRef idx="0">
+              <a:schemeClr val="dk1"/>
+            </a:effectRef>
+            <a:fontRef idx="minor">
+              <a:schemeClr val="dk1"/>
+            </a:fontRef>
+          </p:style>
+          <p:txBody>
+            <a:bodyPr rtlCol="0" anchor="ctr"/>
+            <a:lstStyle/>
+            <a:p>
+              <a:pPr algn="ctr"/>
+              <a:r>
+                <a:rPr lang="en-US" sz="1550" dirty="0">
+                  <a:solidFill>
+                    <a:sysClr val="windowText" lastClr="000000"/>
+                  </a:solidFill>
+                </a:rPr>
+                <a:t>Education</a:t>
+              </a:r>
+              <a:endParaRPr lang="en-US" sz="1550" dirty="0"/>
+            </a:p>
+          </p:txBody>
+        </p:sp>
+        <p:sp>
+          <p:nvSpPr>
+            <p:cNvPr id="45" name="Oval 44">
+              <a:extLst>
+                <a:ext uri="{FF2B5EF4-FFF2-40B4-BE49-F238E27FC236}">
+                  <a16:creationId xmlns:a16="http://schemas.microsoft.com/office/drawing/2014/main" id="{DF90B376-FE17-704E-886D-4F807E6B4917}"/>
+                </a:ext>
+              </a:extLst>
+            </p:cNvPr>
+            <p:cNvSpPr/>
+            <p:nvPr/>
+          </p:nvSpPr>
+          <p:spPr>
+            <a:xfrm>
+              <a:off x="1931453" y="4021638"/>
+              <a:ext cx="1890000" cy="1890000"/>
+            </a:xfrm>
+            <a:prstGeom prst="ellipse">
+              <a:avLst/>
+            </a:prstGeom>
+            <a:ln w="38100"/>
+          </p:spPr>
+          <p:style>
+            <a:lnRef idx="2">
+              <a:schemeClr val="dk1"/>
+            </a:lnRef>
+            <a:fillRef idx="1">
+              <a:schemeClr val="lt1"/>
+            </a:fillRef>
+            <a:effectRef idx="0">
+              <a:schemeClr val="dk1"/>
+            </a:effectRef>
+            <a:fontRef idx="minor">
+              <a:schemeClr val="dk1"/>
+            </a:fontRef>
+          </p:style>
+          <p:txBody>
+            <a:bodyPr rtlCol="0" anchor="ctr"/>
+            <a:lstStyle/>
+            <a:p>
+              <a:pPr algn="ctr"/>
+              <a:r>
+                <a:rPr lang="en-US" sz="1550" dirty="0">
+                  <a:solidFill>
+                    <a:sysClr val="windowText" lastClr="000000"/>
+                  </a:solidFill>
+                </a:rPr>
+                <a:t>Better health and healthcare</a:t>
+              </a:r>
+              <a:endParaRPr lang="en-US" sz="1550" dirty="0"/>
+            </a:p>
+          </p:txBody>
+        </p:sp>
+        <p:sp>
+          <p:nvSpPr>
+            <p:cNvPr id="49" name="Oval 48">
+              <a:extLst>
+                <a:ext uri="{FF2B5EF4-FFF2-40B4-BE49-F238E27FC236}">
+                  <a16:creationId xmlns:a16="http://schemas.microsoft.com/office/drawing/2014/main" id="{A31A1E80-543B-C704-2F52-3D35B025E7B5}"/>
+                </a:ext>
+              </a:extLst>
+            </p:cNvPr>
+            <p:cNvSpPr/>
+            <p:nvPr/>
+          </p:nvSpPr>
+          <p:spPr>
+            <a:xfrm>
+              <a:off x="3946494" y="4021638"/>
+              <a:ext cx="1890000" cy="1890000"/>
+            </a:xfrm>
+            <a:prstGeom prst="ellipse">
+              <a:avLst/>
+            </a:prstGeom>
+            <a:ln w="38100"/>
+          </p:spPr>
+          <p:style>
+            <a:lnRef idx="2">
+              <a:schemeClr val="dk1"/>
+            </a:lnRef>
+            <a:fillRef idx="1">
+              <a:schemeClr val="lt1"/>
+            </a:fillRef>
+            <a:effectRef idx="0">
+              <a:schemeClr val="dk1"/>
+            </a:effectRef>
+            <a:fontRef idx="minor">
+              <a:schemeClr val="dk1"/>
+            </a:fontRef>
+          </p:style>
+          <p:txBody>
+            <a:bodyPr rtlCol="0" anchor="ctr"/>
+            <a:lstStyle/>
+            <a:p>
+              <a:pPr algn="ctr"/>
+              <a:r>
+                <a:rPr lang="en-US" sz="1550" dirty="0">
+                  <a:solidFill>
+                    <a:sysClr val="windowText" lastClr="000000"/>
+                  </a:solidFill>
+                </a:rPr>
+                <a:t>Better welfare system</a:t>
+              </a:r>
+              <a:endParaRPr lang="en-US" sz="1550" dirty="0"/>
+            </a:p>
+          </p:txBody>
+        </p:sp>
+        <p:sp>
+          <p:nvSpPr>
+            <p:cNvPr id="53" name="Oval 52">
+              <a:extLst>
+                <a:ext uri="{FF2B5EF4-FFF2-40B4-BE49-F238E27FC236}">
+                  <a16:creationId xmlns:a16="http://schemas.microsoft.com/office/drawing/2014/main" id="{EDFD409F-6F79-BFAA-E152-E446D0D4AEE8}"/>
+                </a:ext>
+              </a:extLst>
+            </p:cNvPr>
+            <p:cNvSpPr/>
+            <p:nvPr/>
+          </p:nvSpPr>
+          <p:spPr>
+            <a:xfrm>
+              <a:off x="6016437" y="4021638"/>
+              <a:ext cx="1890000" cy="1890000"/>
+            </a:xfrm>
+            <a:prstGeom prst="ellipse">
+              <a:avLst/>
+            </a:prstGeom>
+            <a:ln w="38100"/>
+          </p:spPr>
+          <p:style>
+            <a:lnRef idx="2">
+              <a:schemeClr val="dk1"/>
+            </a:lnRef>
+            <a:fillRef idx="1">
+              <a:schemeClr val="lt1"/>
+            </a:fillRef>
+            <a:effectRef idx="0">
+              <a:schemeClr val="dk1"/>
+            </a:effectRef>
+            <a:fontRef idx="minor">
+              <a:schemeClr val="dk1"/>
+            </a:fontRef>
+          </p:style>
+          <p:txBody>
+            <a:bodyPr rtlCol="0" anchor="ctr"/>
+            <a:lstStyle/>
+            <a:p>
+              <a:pPr algn="ctr"/>
+              <a:r>
+                <a:rPr lang="en-US" sz="1550" dirty="0">
+                  <a:solidFill>
+                    <a:sysClr val="windowText" lastClr="000000"/>
+                  </a:solidFill>
+                </a:rPr>
+                <a:t>Better government and less corruption</a:t>
+              </a:r>
+              <a:endParaRPr lang="en-US" sz="1550" dirty="0"/>
+            </a:p>
+          </p:txBody>
+        </p:sp>
+        <p:sp>
+          <p:nvSpPr>
+            <p:cNvPr id="55" name="Oval 54">
+              <a:extLst>
+                <a:ext uri="{FF2B5EF4-FFF2-40B4-BE49-F238E27FC236}">
+                  <a16:creationId xmlns:a16="http://schemas.microsoft.com/office/drawing/2014/main" id="{5DFECB0E-A1FD-969E-8AD0-F24D67F55942}"/>
+                </a:ext>
+              </a:extLst>
+            </p:cNvPr>
+            <p:cNvSpPr/>
+            <p:nvPr/>
+          </p:nvSpPr>
+          <p:spPr>
+            <a:xfrm>
+              <a:off x="7906437" y="9879631"/>
+              <a:ext cx="1890000" cy="1890000"/>
+            </a:xfrm>
+            <a:prstGeom prst="ellipse">
+              <a:avLst/>
+            </a:prstGeom>
+            <a:ln w="38100"/>
+          </p:spPr>
+          <p:style>
+            <a:lnRef idx="2">
+              <a:schemeClr val="dk1"/>
+            </a:lnRef>
+            <a:fillRef idx="1">
+              <a:schemeClr val="lt1"/>
+            </a:fillRef>
+            <a:effectRef idx="0">
+              <a:schemeClr val="dk1"/>
+            </a:effectRef>
+            <a:fontRef idx="minor">
+              <a:schemeClr val="dk1"/>
+            </a:fontRef>
+          </p:style>
+          <p:txBody>
+            <a:bodyPr rtlCol="0" anchor="ctr"/>
+            <a:lstStyle/>
+            <a:p>
+              <a:pPr algn="ctr"/>
+              <a:r>
+                <a:rPr lang="en-US" sz="1550" dirty="0">
+                  <a:solidFill>
+                    <a:sysClr val="windowText" lastClr="000000"/>
+                  </a:solidFill>
+                </a:rPr>
+                <a:t>Immigrant wellbeing</a:t>
+              </a:r>
+              <a:endParaRPr lang="en-US" sz="1550" dirty="0"/>
+            </a:p>
+          </p:txBody>
+        </p:sp>
+        <p:sp>
+          <p:nvSpPr>
+            <p:cNvPr id="56" name="Oval 55">
+              <a:extLst>
+                <a:ext uri="{FF2B5EF4-FFF2-40B4-BE49-F238E27FC236}">
+                  <a16:creationId xmlns:a16="http://schemas.microsoft.com/office/drawing/2014/main" id="{E9C0A8AB-8AF8-EC00-02A5-F03588A6EA8F}"/>
+                </a:ext>
+              </a:extLst>
+            </p:cNvPr>
+            <p:cNvSpPr/>
+            <p:nvPr/>
+          </p:nvSpPr>
+          <p:spPr>
+            <a:xfrm>
+              <a:off x="986453" y="1958264"/>
+              <a:ext cx="1890000" cy="1890000"/>
+            </a:xfrm>
+            <a:prstGeom prst="ellipse">
+              <a:avLst/>
+            </a:prstGeom>
+            <a:ln w="38100"/>
+          </p:spPr>
+          <p:style>
+            <a:lnRef idx="2">
+              <a:schemeClr val="dk1"/>
+            </a:lnRef>
+            <a:fillRef idx="1">
+              <a:schemeClr val="lt1"/>
+            </a:fillRef>
+            <a:effectRef idx="0">
+              <a:schemeClr val="dk1"/>
+            </a:effectRef>
+            <a:fontRef idx="minor">
+              <a:schemeClr val="dk1"/>
+            </a:fontRef>
+          </p:style>
+          <p:txBody>
+            <a:bodyPr rtlCol="0" anchor="ctr"/>
+            <a:lstStyle/>
+            <a:p>
+              <a:pPr algn="ctr"/>
+              <a:r>
+                <a:rPr lang="en-US" sz="1550" dirty="0">
+                  <a:solidFill>
+                    <a:sysClr val="windowText" lastClr="000000"/>
+                  </a:solidFill>
+                </a:rPr>
+                <a:t>Safety from threats and persecution</a:t>
+              </a:r>
+              <a:endParaRPr lang="en-US" sz="1550" dirty="0"/>
+            </a:p>
+          </p:txBody>
+        </p:sp>
+        <p:grpSp>
+          <p:nvGrpSpPr>
+            <p:cNvPr id="17" name="Group 16">
+              <a:extLst>
+                <a:ext uri="{FF2B5EF4-FFF2-40B4-BE49-F238E27FC236}">
+                  <a16:creationId xmlns:a16="http://schemas.microsoft.com/office/drawing/2014/main" id="{80BB8A28-61EA-96F6-7515-CF9DD249B157}"/>
+                </a:ext>
+              </a:extLst>
+            </p:cNvPr>
+            <p:cNvGrpSpPr/>
+            <p:nvPr/>
+          </p:nvGrpSpPr>
+          <p:grpSpPr>
+            <a:xfrm>
+              <a:off x="10748296" y="4373608"/>
+              <a:ext cx="4476357" cy="5056851"/>
+              <a:chOff x="7239389" y="5092989"/>
+              <a:chExt cx="4476357" cy="5056851"/>
+            </a:xfrm>
+          </p:grpSpPr>
+          <p:sp>
+            <p:nvSpPr>
+              <p:cNvPr id="50" name="Rounded Rectangle 49">
+                <a:extLst>
+                  <a:ext uri="{FF2B5EF4-FFF2-40B4-BE49-F238E27FC236}">
+                    <a16:creationId xmlns:a16="http://schemas.microsoft.com/office/drawing/2014/main" id="{80BA47B1-E4B1-9EF7-3910-52FCC366DD7E}"/>
+                  </a:ext>
+                </a:extLst>
+              </p:cNvPr>
+              <p:cNvSpPr/>
+              <p:nvPr/>
+            </p:nvSpPr>
+            <p:spPr>
+              <a:xfrm>
+                <a:off x="7239389" y="5092989"/>
+                <a:ext cx="4476357" cy="5056851"/>
+              </a:xfrm>
+              <a:prstGeom prst="roundRect">
+                <a:avLst/>
+              </a:prstGeom>
+              <a:ln w="38100">
+                <a:solidFill>
+                  <a:schemeClr val="tx1"/>
+                </a:solidFill>
+              </a:ln>
+            </p:spPr>
+            <p:style>
+              <a:lnRef idx="2">
+                <a:schemeClr val="accent6"/>
+              </a:lnRef>
+              <a:fillRef idx="1">
+                <a:schemeClr val="lt1"/>
+              </a:fillRef>
+              <a:effectRef idx="0">
+                <a:schemeClr val="accent6"/>
+              </a:effectRef>
+              <a:fontRef idx="minor">
+                <a:schemeClr val="dk1"/>
+              </a:fontRef>
+            </p:style>
+            <p:txBody>
+              <a:bodyPr rtlCol="0" anchor="ctr"/>
+              <a:lstStyle/>
+              <a:p>
+                <a:pPr algn="ctr"/>
+                <a:endParaRPr lang="en-GB" dirty="0"/>
+              </a:p>
+            </p:txBody>
+          </p:sp>
+          <p:sp>
+            <p:nvSpPr>
+              <p:cNvPr id="51" name="TextBox 50">
+                <a:extLst>
+                  <a:ext uri="{FF2B5EF4-FFF2-40B4-BE49-F238E27FC236}">
+                    <a16:creationId xmlns:a16="http://schemas.microsoft.com/office/drawing/2014/main" id="{39E74DDD-3AA9-ED4B-45E8-6275B7B2F538}"/>
+                  </a:ext>
+                </a:extLst>
+              </p:cNvPr>
+              <p:cNvSpPr txBox="1"/>
+              <p:nvPr/>
+            </p:nvSpPr>
+            <p:spPr>
+              <a:xfrm>
+                <a:off x="8374240" y="5212762"/>
+                <a:ext cx="2394112" cy="369332"/>
+              </a:xfrm>
+              <a:prstGeom prst="rect">
+                <a:avLst/>
+              </a:prstGeom>
+              <a:noFill/>
+            </p:spPr>
+            <p:txBody>
+              <a:bodyPr wrap="square" rtlCol="0">
+                <a:spAutoFit/>
+              </a:bodyPr>
+              <a:lstStyle/>
+              <a:p>
+                <a:pPr algn="ctr"/>
+                <a:r>
+                  <a:rPr lang="en-GB" dirty="0"/>
+                  <a:t>Socio-cultural changes</a:t>
+                </a:r>
+              </a:p>
+            </p:txBody>
+          </p:sp>
+          <p:sp>
+            <p:nvSpPr>
+              <p:cNvPr id="52" name="Oval 51">
+                <a:extLst>
+                  <a:ext uri="{FF2B5EF4-FFF2-40B4-BE49-F238E27FC236}">
+                    <a16:creationId xmlns:a16="http://schemas.microsoft.com/office/drawing/2014/main" id="{4FAAEDDB-1040-220D-9A97-19A10C48014A}"/>
+                  </a:ext>
+                </a:extLst>
+              </p:cNvPr>
+              <p:cNvSpPr/>
+              <p:nvPr/>
+            </p:nvSpPr>
+            <p:spPr>
+              <a:xfrm>
+                <a:off x="7460343" y="5723579"/>
+                <a:ext cx="1890000" cy="1890000"/>
+              </a:xfrm>
+              <a:prstGeom prst="ellipse">
+                <a:avLst/>
+              </a:prstGeom>
+              <a:ln w="38100"/>
+            </p:spPr>
+            <p:style>
+              <a:lnRef idx="2">
+                <a:schemeClr val="dk1"/>
+              </a:lnRef>
+              <a:fillRef idx="1">
+                <a:schemeClr val="lt1"/>
+              </a:fillRef>
+              <a:effectRef idx="0">
+                <a:schemeClr val="dk1"/>
+              </a:effectRef>
+              <a:fontRef idx="minor">
+                <a:schemeClr val="dk1"/>
+              </a:fontRef>
+            </p:style>
+            <p:txBody>
+              <a:bodyPr rtlCol="0" anchor="ctr"/>
+              <a:lstStyle/>
+              <a:p>
+                <a:pPr algn="ctr"/>
+                <a:r>
+                  <a:rPr lang="en-US" sz="1550" dirty="0">
+                    <a:solidFill>
+                      <a:sysClr val="windowText" lastClr="000000"/>
+                    </a:solidFill>
+                  </a:rPr>
+                  <a:t>Trust</a:t>
+                </a:r>
+                <a:endParaRPr lang="en-US" sz="1550" dirty="0"/>
+              </a:p>
+            </p:txBody>
+          </p:sp>
+          <p:sp>
+            <p:nvSpPr>
+              <p:cNvPr id="54" name="Oval 53">
+                <a:extLst>
+                  <a:ext uri="{FF2B5EF4-FFF2-40B4-BE49-F238E27FC236}">
+                    <a16:creationId xmlns:a16="http://schemas.microsoft.com/office/drawing/2014/main" id="{55F5C75B-59A0-E4E1-6E44-3B33C79ED5F6}"/>
+                  </a:ext>
+                </a:extLst>
+              </p:cNvPr>
+              <p:cNvSpPr/>
+              <p:nvPr/>
+            </p:nvSpPr>
+            <p:spPr>
+              <a:xfrm>
+                <a:off x="9571296" y="5723579"/>
+                <a:ext cx="1890000" cy="1890000"/>
+              </a:xfrm>
+              <a:prstGeom prst="ellipse">
+                <a:avLst/>
+              </a:prstGeom>
+              <a:ln w="38100"/>
+            </p:spPr>
+            <p:style>
+              <a:lnRef idx="2">
+                <a:schemeClr val="dk1"/>
+              </a:lnRef>
+              <a:fillRef idx="1">
+                <a:schemeClr val="lt1"/>
+              </a:fillRef>
+              <a:effectRef idx="0">
+                <a:schemeClr val="dk1"/>
+              </a:effectRef>
+              <a:fontRef idx="minor">
+                <a:schemeClr val="dk1"/>
+              </a:fontRef>
+            </p:style>
+            <p:txBody>
+              <a:bodyPr rtlCol="0" anchor="ctr"/>
+              <a:lstStyle/>
+              <a:p>
+                <a:pPr algn="ctr"/>
+                <a:r>
+                  <a:rPr lang="en-US" sz="1550" dirty="0">
+                    <a:solidFill>
+                      <a:sysClr val="windowText" lastClr="000000"/>
+                    </a:solidFill>
+                  </a:rPr>
+                  <a:t>Social support</a:t>
+                </a:r>
+                <a:endParaRPr lang="en-US" sz="1550" dirty="0"/>
+              </a:p>
+            </p:txBody>
+          </p:sp>
+          <p:sp>
+            <p:nvSpPr>
+              <p:cNvPr id="57" name="Oval 56">
+                <a:extLst>
+                  <a:ext uri="{FF2B5EF4-FFF2-40B4-BE49-F238E27FC236}">
+                    <a16:creationId xmlns:a16="http://schemas.microsoft.com/office/drawing/2014/main" id="{F2FEA9B6-3CA2-95D5-39D4-4683E884EAAC}"/>
+                  </a:ext>
+                </a:extLst>
+              </p:cNvPr>
+              <p:cNvSpPr/>
+              <p:nvPr/>
+            </p:nvSpPr>
+            <p:spPr>
+              <a:xfrm>
+                <a:off x="7472363" y="7961109"/>
+                <a:ext cx="1890000" cy="1890000"/>
+              </a:xfrm>
+              <a:prstGeom prst="ellipse">
+                <a:avLst/>
+              </a:prstGeom>
+              <a:ln w="38100"/>
+            </p:spPr>
+            <p:style>
+              <a:lnRef idx="2">
+                <a:schemeClr val="dk1"/>
+              </a:lnRef>
+              <a:fillRef idx="1">
+                <a:schemeClr val="lt1"/>
+              </a:fillRef>
+              <a:effectRef idx="0">
+                <a:schemeClr val="dk1"/>
+              </a:effectRef>
+              <a:fontRef idx="minor">
+                <a:schemeClr val="dk1"/>
+              </a:fontRef>
+            </p:style>
+            <p:txBody>
+              <a:bodyPr rtlCol="0" anchor="ctr"/>
+              <a:lstStyle/>
+              <a:p>
+                <a:pPr algn="ctr"/>
+                <a:r>
+                  <a:rPr lang="en-US" sz="1550" dirty="0">
+                    <a:solidFill>
+                      <a:sysClr val="windowText" lastClr="000000"/>
+                    </a:solidFill>
+                  </a:rPr>
+                  <a:t>Freedom</a:t>
+                </a:r>
+                <a:endParaRPr lang="en-US" sz="1550" dirty="0"/>
+              </a:p>
+            </p:txBody>
+          </p:sp>
+          <p:sp>
+            <p:nvSpPr>
+              <p:cNvPr id="60" name="Oval 59">
+                <a:extLst>
+                  <a:ext uri="{FF2B5EF4-FFF2-40B4-BE49-F238E27FC236}">
+                    <a16:creationId xmlns:a16="http://schemas.microsoft.com/office/drawing/2014/main" id="{80D183C6-F6A7-6C0B-20EB-8357BE40F6FC}"/>
+                  </a:ext>
+                </a:extLst>
+              </p:cNvPr>
+              <p:cNvSpPr/>
+              <p:nvPr/>
+            </p:nvSpPr>
+            <p:spPr>
+              <a:xfrm>
+                <a:off x="9600064" y="7961109"/>
+                <a:ext cx="1890000" cy="1890000"/>
+              </a:xfrm>
+              <a:prstGeom prst="ellipse">
+                <a:avLst/>
+              </a:prstGeom>
+              <a:ln w="38100"/>
+            </p:spPr>
+            <p:style>
+              <a:lnRef idx="2">
+                <a:schemeClr val="dk1"/>
+              </a:lnRef>
+              <a:fillRef idx="1">
+                <a:schemeClr val="lt1"/>
+              </a:fillRef>
+              <a:effectRef idx="0">
+                <a:schemeClr val="dk1"/>
+              </a:effectRef>
+              <a:fontRef idx="minor">
+                <a:schemeClr val="dk1"/>
+              </a:fontRef>
+            </p:style>
+            <p:txBody>
+              <a:bodyPr rtlCol="0" anchor="ctr"/>
+              <a:lstStyle/>
+              <a:p>
+                <a:pPr algn="ctr"/>
+                <a:r>
+                  <a:rPr lang="en-US" sz="1550" dirty="0">
+                    <a:solidFill>
+                      <a:sysClr val="windowText" lastClr="000000"/>
+                    </a:solidFill>
+                  </a:rPr>
+                  <a:t>generosity</a:t>
+                </a:r>
+                <a:endParaRPr lang="en-US" sz="1550" dirty="0"/>
+              </a:p>
+            </p:txBody>
+          </p:sp>
+        </p:grpSp>
+        <p:sp>
+          <p:nvSpPr>
+            <p:cNvPr id="61" name="TextBox 60">
+              <a:extLst>
+                <a:ext uri="{FF2B5EF4-FFF2-40B4-BE49-F238E27FC236}">
+                  <a16:creationId xmlns:a16="http://schemas.microsoft.com/office/drawing/2014/main" id="{CB31EED5-C824-1DAD-F731-76179C552F77}"/>
+                </a:ext>
+              </a:extLst>
+            </p:cNvPr>
+            <p:cNvSpPr txBox="1"/>
+            <p:nvPr/>
+          </p:nvSpPr>
+          <p:spPr>
+            <a:xfrm>
+              <a:off x="7234586" y="6178681"/>
+              <a:ext cx="2394112" cy="369332"/>
+            </a:xfrm>
+            <a:prstGeom prst="rect">
+              <a:avLst/>
+            </a:prstGeom>
+            <a:noFill/>
+          </p:spPr>
+          <p:txBody>
+            <a:bodyPr wrap="square" rtlCol="0">
+              <a:spAutoFit/>
+            </a:bodyPr>
+            <a:lstStyle/>
+            <a:p>
+              <a:pPr algn="ctr"/>
+              <a:r>
+                <a:rPr lang="en-GB" dirty="0"/>
+                <a:t>…other pathways…</a:t>
+              </a:r>
+            </a:p>
+          </p:txBody>
+        </p:sp>
+        <p:cxnSp>
+          <p:nvCxnSpPr>
+            <p:cNvPr id="62" name="Straight Arrow Connector 61">
+              <a:extLst>
+                <a:ext uri="{FF2B5EF4-FFF2-40B4-BE49-F238E27FC236}">
+                  <a16:creationId xmlns:a16="http://schemas.microsoft.com/office/drawing/2014/main" id="{9FF4CD22-86C3-7397-5E11-12DFABDE7122}"/>
+                </a:ext>
+              </a:extLst>
+            </p:cNvPr>
+            <p:cNvCxnSpPr>
+              <a:cxnSpLocks/>
+              <a:stCxn id="15" idx="2"/>
+              <a:endCxn id="35" idx="1"/>
+            </p:cNvCxnSpPr>
+            <p:nvPr/>
+          </p:nvCxnSpPr>
+          <p:spPr>
+            <a:xfrm>
+              <a:off x="9000332" y="785355"/>
+              <a:ext cx="2425603" cy="1818683"/>
+            </a:xfrm>
+            <a:prstGeom prst="straightConnector1">
+              <a:avLst/>
+            </a:prstGeom>
+            <a:ln w="38100">
+              <a:solidFill>
+                <a:schemeClr val="tx1"/>
+              </a:solidFill>
+              <a:tailEnd type="triangle"/>
+            </a:ln>
+          </p:spPr>
+          <p:style>
+            <a:lnRef idx="1">
+              <a:schemeClr val="dk1"/>
+            </a:lnRef>
+            <a:fillRef idx="0">
+              <a:schemeClr val="dk1"/>
+            </a:fillRef>
+            <a:effectRef idx="0">
+              <a:schemeClr val="dk1"/>
+            </a:effectRef>
+            <a:fontRef idx="minor">
+              <a:schemeClr val="tx1"/>
+            </a:fontRef>
+          </p:style>
+        </p:cxnSp>
+        <p:cxnSp>
+          <p:nvCxnSpPr>
+            <p:cNvPr id="66" name="Straight Arrow Connector 65">
+              <a:extLst>
+                <a:ext uri="{FF2B5EF4-FFF2-40B4-BE49-F238E27FC236}">
+                  <a16:creationId xmlns:a16="http://schemas.microsoft.com/office/drawing/2014/main" id="{6EB59467-130C-1B4C-FE3D-C2913AEEF4EE}"/>
+                </a:ext>
+              </a:extLst>
+            </p:cNvPr>
+            <p:cNvCxnSpPr>
+              <a:cxnSpLocks/>
+              <a:stCxn id="15" idx="2"/>
+            </p:cNvCxnSpPr>
+            <p:nvPr/>
+          </p:nvCxnSpPr>
+          <p:spPr>
+            <a:xfrm>
+              <a:off x="9000332" y="785354"/>
+              <a:ext cx="2251689" cy="3712120"/>
+            </a:xfrm>
+            <a:prstGeom prst="straightConnector1">
+              <a:avLst/>
+            </a:prstGeom>
+            <a:ln w="38100">
+              <a:solidFill>
+                <a:schemeClr val="tx1"/>
+              </a:solidFill>
+              <a:tailEnd type="triangle"/>
+            </a:ln>
+          </p:spPr>
+          <p:style>
+            <a:lnRef idx="1">
+              <a:schemeClr val="dk1"/>
+            </a:lnRef>
+            <a:fillRef idx="0">
+              <a:schemeClr val="dk1"/>
+            </a:fillRef>
+            <a:effectRef idx="0">
+              <a:schemeClr val="dk1"/>
+            </a:effectRef>
+            <a:fontRef idx="minor">
+              <a:schemeClr val="tx1"/>
+            </a:fontRef>
+          </p:style>
+        </p:cxnSp>
+        <p:cxnSp>
+          <p:nvCxnSpPr>
+            <p:cNvPr id="75" name="Straight Arrow Connector 74">
+              <a:extLst>
+                <a:ext uri="{FF2B5EF4-FFF2-40B4-BE49-F238E27FC236}">
+                  <a16:creationId xmlns:a16="http://schemas.microsoft.com/office/drawing/2014/main" id="{F1916431-07B7-E214-B55A-FEBEF1F976F8}"/>
+                </a:ext>
+              </a:extLst>
+            </p:cNvPr>
+            <p:cNvCxnSpPr>
+              <a:cxnSpLocks/>
+              <a:endCxn id="61" idx="0"/>
+            </p:cNvCxnSpPr>
+            <p:nvPr/>
+          </p:nvCxnSpPr>
+          <p:spPr>
+            <a:xfrm flipH="1">
+              <a:off x="8431643" y="814909"/>
+              <a:ext cx="568689" cy="5363773"/>
+            </a:xfrm>
+            <a:prstGeom prst="straightConnector1">
+              <a:avLst/>
+            </a:prstGeom>
+            <a:ln w="38100">
+              <a:solidFill>
+                <a:schemeClr val="tx1"/>
+              </a:solidFill>
+              <a:tailEnd type="triangle"/>
+            </a:ln>
+          </p:spPr>
+          <p:style>
+            <a:lnRef idx="1">
+              <a:schemeClr val="dk1"/>
+            </a:lnRef>
+            <a:fillRef idx="0">
+              <a:schemeClr val="dk1"/>
+            </a:fillRef>
+            <a:effectRef idx="0">
+              <a:schemeClr val="dk1"/>
+            </a:effectRef>
+            <a:fontRef idx="minor">
+              <a:schemeClr val="tx1"/>
+            </a:fontRef>
+          </p:style>
+        </p:cxnSp>
+        <p:cxnSp>
+          <p:nvCxnSpPr>
+            <p:cNvPr id="78" name="Straight Arrow Connector 77">
+              <a:extLst>
+                <a:ext uri="{FF2B5EF4-FFF2-40B4-BE49-F238E27FC236}">
+                  <a16:creationId xmlns:a16="http://schemas.microsoft.com/office/drawing/2014/main" id="{BFF1D888-C85A-C18F-2162-9406D08E212D}"/>
+                </a:ext>
+              </a:extLst>
+            </p:cNvPr>
+            <p:cNvCxnSpPr>
+              <a:cxnSpLocks/>
+              <a:stCxn id="15" idx="2"/>
+              <a:endCxn id="53" idx="0"/>
+            </p:cNvCxnSpPr>
+            <p:nvPr/>
+          </p:nvCxnSpPr>
+          <p:spPr>
+            <a:xfrm flipH="1">
+              <a:off x="6961437" y="785354"/>
+              <a:ext cx="2038894" cy="3236284"/>
+            </a:xfrm>
+            <a:prstGeom prst="straightConnector1">
+              <a:avLst/>
+            </a:prstGeom>
+            <a:ln w="38100">
+              <a:solidFill>
+                <a:schemeClr val="tx1"/>
+              </a:solidFill>
+              <a:tailEnd type="triangle"/>
+            </a:ln>
+          </p:spPr>
+          <p:style>
+            <a:lnRef idx="1">
+              <a:schemeClr val="dk1"/>
+            </a:lnRef>
+            <a:fillRef idx="0">
+              <a:schemeClr val="dk1"/>
+            </a:fillRef>
+            <a:effectRef idx="0">
+              <a:schemeClr val="dk1"/>
+            </a:effectRef>
+            <a:fontRef idx="minor">
+              <a:schemeClr val="tx1"/>
+            </a:fontRef>
+          </p:style>
+        </p:cxnSp>
+        <p:cxnSp>
+          <p:nvCxnSpPr>
+            <p:cNvPr id="81" name="Straight Arrow Connector 80">
+              <a:extLst>
+                <a:ext uri="{FF2B5EF4-FFF2-40B4-BE49-F238E27FC236}">
+                  <a16:creationId xmlns:a16="http://schemas.microsoft.com/office/drawing/2014/main" id="{3E666B65-CE9A-A9A8-2C82-406F45582C5A}"/>
+                </a:ext>
+              </a:extLst>
+            </p:cNvPr>
+            <p:cNvCxnSpPr>
+              <a:cxnSpLocks/>
+              <a:stCxn id="15" idx="2"/>
+              <a:endCxn id="49" idx="0"/>
+            </p:cNvCxnSpPr>
+            <p:nvPr/>
+          </p:nvCxnSpPr>
+          <p:spPr>
+            <a:xfrm flipH="1">
+              <a:off x="4891495" y="785354"/>
+              <a:ext cx="4108837" cy="3236284"/>
+            </a:xfrm>
+            <a:prstGeom prst="straightConnector1">
+              <a:avLst/>
+            </a:prstGeom>
+            <a:ln w="38100">
+              <a:solidFill>
+                <a:schemeClr val="tx1"/>
+              </a:solidFill>
+              <a:tailEnd type="triangle"/>
+            </a:ln>
+          </p:spPr>
+          <p:style>
+            <a:lnRef idx="1">
+              <a:schemeClr val="dk1"/>
+            </a:lnRef>
+            <a:fillRef idx="0">
+              <a:schemeClr val="dk1"/>
+            </a:fillRef>
+            <a:effectRef idx="0">
+              <a:schemeClr val="dk1"/>
+            </a:effectRef>
+            <a:fontRef idx="minor">
+              <a:schemeClr val="tx1"/>
+            </a:fontRef>
+          </p:style>
+        </p:cxnSp>
+        <p:cxnSp>
+          <p:nvCxnSpPr>
+            <p:cNvPr id="84" name="Straight Arrow Connector 83">
+              <a:extLst>
+                <a:ext uri="{FF2B5EF4-FFF2-40B4-BE49-F238E27FC236}">
+                  <a16:creationId xmlns:a16="http://schemas.microsoft.com/office/drawing/2014/main" id="{0C03B971-5FFC-3D23-9B65-A02DE703E07E}"/>
+                </a:ext>
+              </a:extLst>
+            </p:cNvPr>
+            <p:cNvCxnSpPr>
+              <a:cxnSpLocks/>
+              <a:stCxn id="15" idx="2"/>
+            </p:cNvCxnSpPr>
+            <p:nvPr/>
+          </p:nvCxnSpPr>
+          <p:spPr>
+            <a:xfrm flipH="1">
+              <a:off x="2876453" y="785354"/>
+              <a:ext cx="6123878" cy="3265838"/>
+            </a:xfrm>
+            <a:prstGeom prst="straightConnector1">
+              <a:avLst/>
+            </a:prstGeom>
+            <a:ln w="38100">
+              <a:solidFill>
+                <a:schemeClr val="tx1"/>
+              </a:solidFill>
+              <a:tailEnd type="triangle"/>
+            </a:ln>
+          </p:spPr>
+          <p:style>
+            <a:lnRef idx="1">
+              <a:schemeClr val="dk1"/>
+            </a:lnRef>
+            <a:fillRef idx="0">
+              <a:schemeClr val="dk1"/>
+            </a:fillRef>
+            <a:effectRef idx="0">
+              <a:schemeClr val="dk1"/>
+            </a:effectRef>
+            <a:fontRef idx="minor">
+              <a:schemeClr val="tx1"/>
+            </a:fontRef>
+          </p:style>
+        </p:cxnSp>
+        <p:cxnSp>
+          <p:nvCxnSpPr>
+            <p:cNvPr id="87" name="Straight Arrow Connector 86">
+              <a:extLst>
+                <a:ext uri="{FF2B5EF4-FFF2-40B4-BE49-F238E27FC236}">
+                  <a16:creationId xmlns:a16="http://schemas.microsoft.com/office/drawing/2014/main" id="{8E9B0D2D-5505-4AE8-BBB0-088A6CD27765}"/>
+                </a:ext>
+              </a:extLst>
+            </p:cNvPr>
+            <p:cNvCxnSpPr>
+              <a:cxnSpLocks/>
+              <a:stCxn id="15" idx="2"/>
+              <a:endCxn id="56" idx="7"/>
+            </p:cNvCxnSpPr>
+            <p:nvPr/>
+          </p:nvCxnSpPr>
+          <p:spPr>
+            <a:xfrm flipH="1">
+              <a:off x="2599669" y="785354"/>
+              <a:ext cx="6400662" cy="1449694"/>
+            </a:xfrm>
+            <a:prstGeom prst="straightConnector1">
+              <a:avLst/>
+            </a:prstGeom>
+            <a:ln w="38100">
+              <a:solidFill>
+                <a:schemeClr val="tx1"/>
+              </a:solidFill>
+              <a:prstDash val="dash"/>
+              <a:tailEnd type="triangle"/>
+            </a:ln>
+          </p:spPr>
+          <p:style>
+            <a:lnRef idx="1">
+              <a:schemeClr val="dk1"/>
+            </a:lnRef>
+            <a:fillRef idx="0">
+              <a:schemeClr val="dk1"/>
+            </a:fillRef>
+            <a:effectRef idx="0">
+              <a:schemeClr val="dk1"/>
+            </a:effectRef>
+            <a:fontRef idx="minor">
+              <a:schemeClr val="tx1"/>
+            </a:fontRef>
+          </p:style>
+        </p:cxnSp>
+        <p:cxnSp>
+          <p:nvCxnSpPr>
+            <p:cNvPr id="90" name="Straight Arrow Connector 89">
+              <a:extLst>
+                <a:ext uri="{FF2B5EF4-FFF2-40B4-BE49-F238E27FC236}">
+                  <a16:creationId xmlns:a16="http://schemas.microsoft.com/office/drawing/2014/main" id="{A5CC8B53-57A2-C4AD-2BAC-18F070E4B243}"/>
+                </a:ext>
+              </a:extLst>
+            </p:cNvPr>
+            <p:cNvCxnSpPr>
+              <a:cxnSpLocks/>
+            </p:cNvCxnSpPr>
+            <p:nvPr/>
+          </p:nvCxnSpPr>
+          <p:spPr>
+            <a:xfrm>
+              <a:off x="1188791" y="10824631"/>
+              <a:ext cx="6717647" cy="0"/>
+            </a:xfrm>
+            <a:prstGeom prst="straightConnector1">
+              <a:avLst/>
+            </a:prstGeom>
+            <a:ln w="38100">
+              <a:solidFill>
+                <a:schemeClr val="tx1"/>
+              </a:solidFill>
+              <a:prstDash val="dash"/>
+              <a:tailEnd type="triangle"/>
+            </a:ln>
+          </p:spPr>
+          <p:style>
+            <a:lnRef idx="1">
+              <a:schemeClr val="dk1"/>
+            </a:lnRef>
+            <a:fillRef idx="0">
+              <a:schemeClr val="dk1"/>
+            </a:fillRef>
+            <a:effectRef idx="0">
+              <a:schemeClr val="dk1"/>
+            </a:effectRef>
+            <a:fontRef idx="minor">
+              <a:schemeClr val="tx1"/>
+            </a:fontRef>
+          </p:style>
+        </p:cxnSp>
+        <p:cxnSp>
+          <p:nvCxnSpPr>
+            <p:cNvPr id="93" name="Straight Connector 92">
+              <a:extLst>
+                <a:ext uri="{FF2B5EF4-FFF2-40B4-BE49-F238E27FC236}">
+                  <a16:creationId xmlns:a16="http://schemas.microsoft.com/office/drawing/2014/main" id="{2EC4B462-6E33-1079-8EBC-F8EC0F3DC946}"/>
+                </a:ext>
+              </a:extLst>
+            </p:cNvPr>
+            <p:cNvCxnSpPr>
+              <a:cxnSpLocks/>
+            </p:cNvCxnSpPr>
+            <p:nvPr/>
+          </p:nvCxnSpPr>
+          <p:spPr>
+            <a:xfrm>
+              <a:off x="15393473" y="3919880"/>
+              <a:ext cx="18637" cy="5618334"/>
+            </a:xfrm>
+            <a:prstGeom prst="line">
+              <a:avLst/>
+            </a:prstGeom>
+            <a:ln w="38100">
+              <a:solidFill>
+                <a:schemeClr val="tx1"/>
+              </a:solidFill>
+            </a:ln>
+          </p:spPr>
+          <p:style>
+            <a:lnRef idx="1">
+              <a:schemeClr val="accent1"/>
+            </a:lnRef>
+            <a:fillRef idx="0">
+              <a:schemeClr val="accent1"/>
+            </a:fillRef>
+            <a:effectRef idx="0">
+              <a:schemeClr val="accent1"/>
+            </a:effectRef>
+            <a:fontRef idx="minor">
+              <a:schemeClr val="tx1"/>
+            </a:fontRef>
+          </p:style>
+        </p:cxnSp>
+        <p:cxnSp>
+          <p:nvCxnSpPr>
+            <p:cNvPr id="94" name="Straight Connector 93">
+              <a:extLst>
+                <a:ext uri="{FF2B5EF4-FFF2-40B4-BE49-F238E27FC236}">
+                  <a16:creationId xmlns:a16="http://schemas.microsoft.com/office/drawing/2014/main" id="{EB1709FC-E10B-0F10-BDCF-7112D86D2778}"/>
+                </a:ext>
+              </a:extLst>
+            </p:cNvPr>
+            <p:cNvCxnSpPr>
+              <a:cxnSpLocks/>
+              <a:stCxn id="56" idx="3"/>
+            </p:cNvCxnSpPr>
+            <p:nvPr/>
+          </p:nvCxnSpPr>
+          <p:spPr>
+            <a:xfrm>
+              <a:off x="1263237" y="3571481"/>
+              <a:ext cx="0" cy="7253151"/>
+            </a:xfrm>
+            <a:prstGeom prst="line">
+              <a:avLst/>
+            </a:prstGeom>
+            <a:ln w="38100">
+              <a:solidFill>
+                <a:schemeClr val="tx1"/>
+              </a:solidFill>
+              <a:prstDash val="dash"/>
+            </a:ln>
+          </p:spPr>
+          <p:style>
+            <a:lnRef idx="1">
+              <a:schemeClr val="accent1"/>
+            </a:lnRef>
+            <a:fillRef idx="0">
+              <a:schemeClr val="accent1"/>
+            </a:fillRef>
+            <a:effectRef idx="0">
+              <a:schemeClr val="accent1"/>
+            </a:effectRef>
+            <a:fontRef idx="minor">
+              <a:schemeClr val="tx1"/>
+            </a:fontRef>
+          </p:style>
+        </p:cxnSp>
+        <p:cxnSp>
+          <p:nvCxnSpPr>
+            <p:cNvPr id="103" name="Straight Arrow Connector 102">
+              <a:extLst>
+                <a:ext uri="{FF2B5EF4-FFF2-40B4-BE49-F238E27FC236}">
+                  <a16:creationId xmlns:a16="http://schemas.microsoft.com/office/drawing/2014/main" id="{08F859E2-21DD-28A6-3183-E5CCF2090426}"/>
+                </a:ext>
+              </a:extLst>
+            </p:cNvPr>
+            <p:cNvCxnSpPr>
+              <a:cxnSpLocks/>
+              <a:endCxn id="55" idx="6"/>
+            </p:cNvCxnSpPr>
+            <p:nvPr/>
+          </p:nvCxnSpPr>
+          <p:spPr>
+            <a:xfrm flipH="1">
+              <a:off x="9796437" y="9538214"/>
+              <a:ext cx="5606251" cy="1286417"/>
+            </a:xfrm>
+            <a:prstGeom prst="straightConnector1">
+              <a:avLst/>
+            </a:prstGeom>
+            <a:ln w="38100">
+              <a:solidFill>
+                <a:schemeClr val="tx1"/>
+              </a:solidFill>
+              <a:tailEnd type="triangle"/>
+            </a:ln>
+          </p:spPr>
+          <p:style>
+            <a:lnRef idx="1">
+              <a:schemeClr val="dk1"/>
+            </a:lnRef>
+            <a:fillRef idx="0">
+              <a:schemeClr val="dk1"/>
+            </a:fillRef>
+            <a:effectRef idx="0">
+              <a:schemeClr val="dk1"/>
+            </a:effectRef>
+            <a:fontRef idx="minor">
+              <a:schemeClr val="tx1"/>
+            </a:fontRef>
+          </p:style>
+        </p:cxnSp>
+        <p:cxnSp>
+          <p:nvCxnSpPr>
+            <p:cNvPr id="110" name="Straight Arrow Connector 109">
+              <a:extLst>
+                <a:ext uri="{FF2B5EF4-FFF2-40B4-BE49-F238E27FC236}">
+                  <a16:creationId xmlns:a16="http://schemas.microsoft.com/office/drawing/2014/main" id="{AEA6D885-2C70-2111-47A4-C2C9FF38C99B}"/>
+                </a:ext>
+              </a:extLst>
+            </p:cNvPr>
+            <p:cNvCxnSpPr>
+              <a:cxnSpLocks/>
+              <a:stCxn id="50" idx="2"/>
+              <a:endCxn id="55" idx="7"/>
+            </p:cNvCxnSpPr>
+            <p:nvPr/>
+          </p:nvCxnSpPr>
+          <p:spPr>
+            <a:xfrm flipH="1">
+              <a:off x="9519653" y="9430459"/>
+              <a:ext cx="3466822" cy="725956"/>
+            </a:xfrm>
+            <a:prstGeom prst="straightConnector1">
+              <a:avLst/>
+            </a:prstGeom>
+            <a:ln w="38100">
+              <a:solidFill>
+                <a:schemeClr val="tx1"/>
+              </a:solidFill>
+              <a:tailEnd type="triangle"/>
+            </a:ln>
+          </p:spPr>
+          <p:style>
+            <a:lnRef idx="1">
+              <a:schemeClr val="dk1"/>
+            </a:lnRef>
+            <a:fillRef idx="0">
+              <a:schemeClr val="dk1"/>
+            </a:fillRef>
+            <a:effectRef idx="0">
+              <a:schemeClr val="dk1"/>
+            </a:effectRef>
+            <a:fontRef idx="minor">
+              <a:schemeClr val="tx1"/>
+            </a:fontRef>
+          </p:style>
+        </p:cxnSp>
+        <p:cxnSp>
+          <p:nvCxnSpPr>
+            <p:cNvPr id="114" name="Straight Arrow Connector 113">
+              <a:extLst>
+                <a:ext uri="{FF2B5EF4-FFF2-40B4-BE49-F238E27FC236}">
+                  <a16:creationId xmlns:a16="http://schemas.microsoft.com/office/drawing/2014/main" id="{D1761389-BE62-3440-9239-CF6F0BCFA5E9}"/>
+                </a:ext>
+              </a:extLst>
+            </p:cNvPr>
+            <p:cNvCxnSpPr>
+              <a:cxnSpLocks/>
+            </p:cNvCxnSpPr>
+            <p:nvPr/>
+          </p:nvCxnSpPr>
+          <p:spPr>
+            <a:xfrm>
+              <a:off x="8391950" y="6587454"/>
+              <a:ext cx="363702" cy="3257955"/>
+            </a:xfrm>
+            <a:prstGeom prst="straightConnector1">
+              <a:avLst/>
+            </a:prstGeom>
+            <a:ln w="38100">
+              <a:solidFill>
+                <a:schemeClr val="tx1"/>
+              </a:solidFill>
+              <a:tailEnd type="triangle"/>
+            </a:ln>
+          </p:spPr>
+          <p:style>
+            <a:lnRef idx="1">
+              <a:schemeClr val="dk1"/>
+            </a:lnRef>
+            <a:fillRef idx="0">
+              <a:schemeClr val="dk1"/>
+            </a:fillRef>
+            <a:effectRef idx="0">
+              <a:schemeClr val="dk1"/>
+            </a:effectRef>
+            <a:fontRef idx="minor">
+              <a:schemeClr val="tx1"/>
+            </a:fontRef>
+          </p:style>
+        </p:cxnSp>
+        <p:cxnSp>
+          <p:nvCxnSpPr>
+            <p:cNvPr id="117" name="Straight Arrow Connector 116">
+              <a:extLst>
+                <a:ext uri="{FF2B5EF4-FFF2-40B4-BE49-F238E27FC236}">
+                  <a16:creationId xmlns:a16="http://schemas.microsoft.com/office/drawing/2014/main" id="{F185B2A1-078A-9329-FE4B-2A93B1BCDC4E}"/>
+                </a:ext>
+              </a:extLst>
+            </p:cNvPr>
+            <p:cNvCxnSpPr>
+              <a:cxnSpLocks/>
+              <a:stCxn id="44" idx="4"/>
+            </p:cNvCxnSpPr>
+            <p:nvPr/>
+          </p:nvCxnSpPr>
+          <p:spPr>
+            <a:xfrm flipH="1">
+              <a:off x="9125455" y="5891647"/>
+              <a:ext cx="594765" cy="4011093"/>
+            </a:xfrm>
+            <a:prstGeom prst="straightConnector1">
+              <a:avLst/>
+            </a:prstGeom>
+            <a:ln w="38100">
+              <a:solidFill>
+                <a:schemeClr val="tx1"/>
+              </a:solidFill>
+              <a:tailEnd type="triangle"/>
+            </a:ln>
+          </p:spPr>
+          <p:style>
+            <a:lnRef idx="1">
+              <a:schemeClr val="dk1"/>
+            </a:lnRef>
+            <a:fillRef idx="0">
+              <a:schemeClr val="dk1"/>
+            </a:fillRef>
+            <a:effectRef idx="0">
+              <a:schemeClr val="dk1"/>
+            </a:effectRef>
+            <a:fontRef idx="minor">
+              <a:schemeClr val="tx1"/>
+            </a:fontRef>
+          </p:style>
+        </p:cxnSp>
+        <p:cxnSp>
+          <p:nvCxnSpPr>
+            <p:cNvPr id="120" name="Straight Arrow Connector 119">
+              <a:extLst>
+                <a:ext uri="{FF2B5EF4-FFF2-40B4-BE49-F238E27FC236}">
+                  <a16:creationId xmlns:a16="http://schemas.microsoft.com/office/drawing/2014/main" id="{DCCFBFDB-8EED-8661-FA12-F1959C15AB00}"/>
+                </a:ext>
+              </a:extLst>
+            </p:cNvPr>
+            <p:cNvCxnSpPr>
+              <a:cxnSpLocks/>
+              <a:stCxn id="53" idx="4"/>
+            </p:cNvCxnSpPr>
+            <p:nvPr/>
+          </p:nvCxnSpPr>
+          <p:spPr>
+            <a:xfrm>
+              <a:off x="6961438" y="5911639"/>
+              <a:ext cx="1531025" cy="3991101"/>
+            </a:xfrm>
+            <a:prstGeom prst="straightConnector1">
+              <a:avLst/>
+            </a:prstGeom>
+            <a:ln w="38100">
+              <a:solidFill>
+                <a:schemeClr val="tx1"/>
+              </a:solidFill>
+              <a:tailEnd type="triangle"/>
+            </a:ln>
+          </p:spPr>
+          <p:style>
+            <a:lnRef idx="1">
+              <a:schemeClr val="dk1"/>
+            </a:lnRef>
+            <a:fillRef idx="0">
+              <a:schemeClr val="dk1"/>
+            </a:fillRef>
+            <a:effectRef idx="0">
+              <a:schemeClr val="dk1"/>
+            </a:effectRef>
+            <a:fontRef idx="minor">
+              <a:schemeClr val="tx1"/>
+            </a:fontRef>
+          </p:style>
+        </p:cxnSp>
+        <p:cxnSp>
+          <p:nvCxnSpPr>
+            <p:cNvPr id="124" name="Straight Arrow Connector 123">
+              <a:extLst>
+                <a:ext uri="{FF2B5EF4-FFF2-40B4-BE49-F238E27FC236}">
+                  <a16:creationId xmlns:a16="http://schemas.microsoft.com/office/drawing/2014/main" id="{86B64429-C198-5BE4-149C-71FBDB5B3776}"/>
+                </a:ext>
+              </a:extLst>
+            </p:cNvPr>
+            <p:cNvCxnSpPr>
+              <a:cxnSpLocks/>
+              <a:stCxn id="49" idx="4"/>
+              <a:endCxn id="55" idx="1"/>
+            </p:cNvCxnSpPr>
+            <p:nvPr/>
+          </p:nvCxnSpPr>
+          <p:spPr>
+            <a:xfrm>
+              <a:off x="4891495" y="5911639"/>
+              <a:ext cx="3291727" cy="4244777"/>
+            </a:xfrm>
+            <a:prstGeom prst="straightConnector1">
+              <a:avLst/>
+            </a:prstGeom>
+            <a:ln w="38100">
+              <a:solidFill>
+                <a:schemeClr val="tx1"/>
+              </a:solidFill>
+              <a:tailEnd type="triangle"/>
+            </a:ln>
+          </p:spPr>
+          <p:style>
+            <a:lnRef idx="1">
+              <a:schemeClr val="dk1"/>
+            </a:lnRef>
+            <a:fillRef idx="0">
+              <a:schemeClr val="dk1"/>
+            </a:fillRef>
+            <a:effectRef idx="0">
+              <a:schemeClr val="dk1"/>
+            </a:effectRef>
+            <a:fontRef idx="minor">
+              <a:schemeClr val="tx1"/>
+            </a:fontRef>
+          </p:style>
+        </p:cxnSp>
+        <p:cxnSp>
+          <p:nvCxnSpPr>
+            <p:cNvPr id="127" name="Straight Arrow Connector 126">
+              <a:extLst>
+                <a:ext uri="{FF2B5EF4-FFF2-40B4-BE49-F238E27FC236}">
+                  <a16:creationId xmlns:a16="http://schemas.microsoft.com/office/drawing/2014/main" id="{7ECC145D-3662-EB0D-6465-519DF9C0CBC0}"/>
+                </a:ext>
+              </a:extLst>
+            </p:cNvPr>
+            <p:cNvCxnSpPr>
+              <a:cxnSpLocks/>
+              <a:stCxn id="45" idx="4"/>
+            </p:cNvCxnSpPr>
+            <p:nvPr/>
+          </p:nvCxnSpPr>
+          <p:spPr>
+            <a:xfrm>
+              <a:off x="2876454" y="5911639"/>
+              <a:ext cx="5065081" cy="4710065"/>
+            </a:xfrm>
+            <a:prstGeom prst="straightConnector1">
+              <a:avLst/>
+            </a:prstGeom>
+            <a:ln w="38100">
+              <a:solidFill>
+                <a:schemeClr val="tx1"/>
+              </a:solidFill>
+              <a:tailEnd type="triangle"/>
+            </a:ln>
+          </p:spPr>
+          <p:style>
+            <a:lnRef idx="1">
+              <a:schemeClr val="dk1"/>
+            </a:lnRef>
+            <a:fillRef idx="0">
+              <a:schemeClr val="dk1"/>
+            </a:fillRef>
+            <a:effectRef idx="0">
+              <a:schemeClr val="dk1"/>
+            </a:effectRef>
+            <a:fontRef idx="minor">
+              <a:schemeClr val="tx1"/>
+            </a:fontRef>
+          </p:style>
+        </p:cxnSp>
+        <p:cxnSp>
+          <p:nvCxnSpPr>
+            <p:cNvPr id="136" name="Straight Connector 135">
+              <a:extLst>
+                <a:ext uri="{FF2B5EF4-FFF2-40B4-BE49-F238E27FC236}">
+                  <a16:creationId xmlns:a16="http://schemas.microsoft.com/office/drawing/2014/main" id="{D6DAB3C5-86AC-0598-FC8F-2CEDA3A2FB9F}"/>
+                </a:ext>
+              </a:extLst>
+            </p:cNvPr>
+            <p:cNvCxnSpPr>
+              <a:cxnSpLocks/>
+            </p:cNvCxnSpPr>
+            <p:nvPr/>
+          </p:nvCxnSpPr>
+          <p:spPr>
+            <a:xfrm flipH="1">
+              <a:off x="9838500" y="336056"/>
+              <a:ext cx="7008792" cy="2708"/>
+            </a:xfrm>
+            <a:prstGeom prst="line">
+              <a:avLst/>
+            </a:prstGeom>
+            <a:ln w="38100">
+              <a:solidFill>
+                <a:srgbClr val="FF0000"/>
+              </a:solidFill>
+              <a:prstDash val="dash"/>
+            </a:ln>
+          </p:spPr>
+          <p:style>
+            <a:lnRef idx="1">
+              <a:schemeClr val="accent1"/>
+            </a:lnRef>
+            <a:fillRef idx="0">
+              <a:schemeClr val="accent1"/>
+            </a:fillRef>
+            <a:effectRef idx="0">
+              <a:schemeClr val="accent1"/>
+            </a:effectRef>
+            <a:fontRef idx="minor">
+              <a:schemeClr val="tx1"/>
+            </a:fontRef>
+          </p:style>
+        </p:cxnSp>
+        <p:sp>
+          <p:nvSpPr>
+            <p:cNvPr id="137" name="Oval 136">
+              <a:extLst>
+                <a:ext uri="{FF2B5EF4-FFF2-40B4-BE49-F238E27FC236}">
+                  <a16:creationId xmlns:a16="http://schemas.microsoft.com/office/drawing/2014/main" id="{E0AA314A-B4F4-FE4E-DE70-2CC9A855E38F}"/>
+                </a:ext>
+              </a:extLst>
+            </p:cNvPr>
+            <p:cNvSpPr/>
+            <p:nvPr/>
+          </p:nvSpPr>
+          <p:spPr>
+            <a:xfrm>
+              <a:off x="16055702" y="4839047"/>
+              <a:ext cx="1890000" cy="1890000"/>
+            </a:xfrm>
+            <a:prstGeom prst="ellipse">
+              <a:avLst/>
+            </a:prstGeom>
+            <a:ln w="38100"/>
+          </p:spPr>
+          <p:style>
+            <a:lnRef idx="2">
+              <a:schemeClr val="dk1"/>
+            </a:lnRef>
+            <a:fillRef idx="1">
+              <a:schemeClr val="lt1"/>
+            </a:fillRef>
+            <a:effectRef idx="0">
+              <a:schemeClr val="dk1"/>
+            </a:effectRef>
+            <a:fontRef idx="minor">
+              <a:schemeClr val="dk1"/>
+            </a:fontRef>
+          </p:style>
+          <p:txBody>
+            <a:bodyPr rtlCol="0" anchor="ctr"/>
+            <a:lstStyle/>
+            <a:p>
+              <a:pPr algn="ctr"/>
+              <a:r>
+                <a:rPr lang="en-US" sz="1550" dirty="0">
+                  <a:solidFill>
+                    <a:sysClr val="windowText" lastClr="000000"/>
+                  </a:solidFill>
+                </a:rPr>
+                <a:t>Prejudice and discrimination</a:t>
+              </a:r>
+              <a:endParaRPr lang="en-US" sz="1550" dirty="0"/>
+            </a:p>
+          </p:txBody>
+        </p:sp>
+        <p:sp>
+          <p:nvSpPr>
+            <p:cNvPr id="141" name="TextBox 140">
+              <a:extLst>
+                <a:ext uri="{FF2B5EF4-FFF2-40B4-BE49-F238E27FC236}">
+                  <a16:creationId xmlns:a16="http://schemas.microsoft.com/office/drawing/2014/main" id="{7E3F278B-E71C-0EAE-BF41-D7512B8E6FAD}"/>
+                </a:ext>
+              </a:extLst>
+            </p:cNvPr>
+            <p:cNvSpPr txBox="1"/>
+            <p:nvPr/>
+          </p:nvSpPr>
+          <p:spPr>
+            <a:xfrm>
+              <a:off x="14142349" y="635955"/>
+              <a:ext cx="2394112" cy="646331"/>
+            </a:xfrm>
+            <a:prstGeom prst="rect">
+              <a:avLst/>
+            </a:prstGeom>
+            <a:noFill/>
+          </p:spPr>
+          <p:txBody>
+            <a:bodyPr wrap="square" rtlCol="0">
+              <a:spAutoFit/>
+            </a:bodyPr>
+            <a:lstStyle/>
+            <a:p>
+              <a:pPr algn="ctr"/>
+              <a:r>
+                <a:rPr lang="en-GB" dirty="0">
+                  <a:solidFill>
+                    <a:srgbClr val="FF0000"/>
+                  </a:solidFill>
+                </a:rPr>
+                <a:t>…but potential socio-economic losses</a:t>
+              </a:r>
+            </a:p>
+          </p:txBody>
+        </p:sp>
+        <p:cxnSp>
+          <p:nvCxnSpPr>
+            <p:cNvPr id="149" name="Straight Arrow Connector 148">
+              <a:extLst>
+                <a:ext uri="{FF2B5EF4-FFF2-40B4-BE49-F238E27FC236}">
+                  <a16:creationId xmlns:a16="http://schemas.microsoft.com/office/drawing/2014/main" id="{180A8F36-5EDD-62F0-99B3-EB9DE377DE86}"/>
+                </a:ext>
+              </a:extLst>
+            </p:cNvPr>
+            <p:cNvCxnSpPr>
+              <a:cxnSpLocks/>
+              <a:endCxn id="137" idx="0"/>
+            </p:cNvCxnSpPr>
+            <p:nvPr/>
+          </p:nvCxnSpPr>
+          <p:spPr>
+            <a:xfrm>
+              <a:off x="17000702" y="336056"/>
+              <a:ext cx="0" cy="4502991"/>
+            </a:xfrm>
+            <a:prstGeom prst="straightConnector1">
+              <a:avLst/>
+            </a:prstGeom>
+            <a:ln w="38100">
+              <a:solidFill>
+                <a:srgbClr val="FF0000"/>
+              </a:solidFill>
+              <a:prstDash val="dash"/>
+              <a:tailEnd type="triangle"/>
+            </a:ln>
+          </p:spPr>
+          <p:style>
+            <a:lnRef idx="1">
+              <a:schemeClr val="dk1"/>
+            </a:lnRef>
+            <a:fillRef idx="0">
+              <a:schemeClr val="dk1"/>
+            </a:fillRef>
+            <a:effectRef idx="0">
+              <a:schemeClr val="dk1"/>
+            </a:effectRef>
+            <a:fontRef idx="minor">
+              <a:schemeClr val="tx1"/>
+            </a:fontRef>
+          </p:style>
+        </p:cxnSp>
+        <p:cxnSp>
+          <p:nvCxnSpPr>
+            <p:cNvPr id="154" name="Straight Arrow Connector 153">
+              <a:extLst>
+                <a:ext uri="{FF2B5EF4-FFF2-40B4-BE49-F238E27FC236}">
+                  <a16:creationId xmlns:a16="http://schemas.microsoft.com/office/drawing/2014/main" id="{E3BEC58B-1C8A-E63D-E65C-027609703015}"/>
+                </a:ext>
+              </a:extLst>
+            </p:cNvPr>
+            <p:cNvCxnSpPr>
+              <a:cxnSpLocks/>
+              <a:endCxn id="141" idx="1"/>
+            </p:cNvCxnSpPr>
+            <p:nvPr/>
+          </p:nvCxnSpPr>
+          <p:spPr>
+            <a:xfrm>
+              <a:off x="10298755" y="635955"/>
+              <a:ext cx="3843594" cy="323166"/>
+            </a:xfrm>
+            <a:prstGeom prst="straightConnector1">
+              <a:avLst/>
+            </a:prstGeom>
+            <a:ln w="38100">
+              <a:solidFill>
+                <a:srgbClr val="FF0000"/>
+              </a:solidFill>
+              <a:prstDash val="dash"/>
+              <a:tailEnd type="triangle"/>
+            </a:ln>
+          </p:spPr>
+          <p:style>
+            <a:lnRef idx="1">
+              <a:schemeClr val="dk1"/>
+            </a:lnRef>
+            <a:fillRef idx="0">
+              <a:schemeClr val="dk1"/>
+            </a:fillRef>
+            <a:effectRef idx="0">
+              <a:schemeClr val="dk1"/>
+            </a:effectRef>
+            <a:fontRef idx="minor">
+              <a:schemeClr val="tx1"/>
+            </a:fontRef>
+          </p:style>
+        </p:cxnSp>
+        <p:cxnSp>
+          <p:nvCxnSpPr>
+            <p:cNvPr id="159" name="Straight Connector 158">
+              <a:extLst>
+                <a:ext uri="{FF2B5EF4-FFF2-40B4-BE49-F238E27FC236}">
+                  <a16:creationId xmlns:a16="http://schemas.microsoft.com/office/drawing/2014/main" id="{18685F52-3E96-3744-09C7-B0361FD85DC7}"/>
+                </a:ext>
+              </a:extLst>
+            </p:cNvPr>
+            <p:cNvCxnSpPr>
+              <a:cxnSpLocks/>
+            </p:cNvCxnSpPr>
+            <p:nvPr/>
+          </p:nvCxnSpPr>
+          <p:spPr>
+            <a:xfrm flipV="1">
+              <a:off x="15984700" y="1387161"/>
+              <a:ext cx="0" cy="8515579"/>
+            </a:xfrm>
+            <a:prstGeom prst="line">
+              <a:avLst/>
+            </a:prstGeom>
+            <a:ln w="38100">
+              <a:solidFill>
+                <a:srgbClr val="FF0000"/>
+              </a:solidFill>
+              <a:prstDash val="dash"/>
+            </a:ln>
+          </p:spPr>
+          <p:style>
+            <a:lnRef idx="1">
+              <a:schemeClr val="accent1"/>
+            </a:lnRef>
+            <a:fillRef idx="0">
+              <a:schemeClr val="accent1"/>
+            </a:fillRef>
+            <a:effectRef idx="0">
+              <a:schemeClr val="accent1"/>
+            </a:effectRef>
+            <a:fontRef idx="minor">
+              <a:schemeClr val="tx1"/>
+            </a:fontRef>
+          </p:style>
+        </p:cxnSp>
+        <p:cxnSp>
+          <p:nvCxnSpPr>
+            <p:cNvPr id="165" name="Straight Connector 164">
+              <a:extLst>
+                <a:ext uri="{FF2B5EF4-FFF2-40B4-BE49-F238E27FC236}">
+                  <a16:creationId xmlns:a16="http://schemas.microsoft.com/office/drawing/2014/main" id="{2967631F-79F7-2F70-6C0F-82EB65ED6119}"/>
+                </a:ext>
+              </a:extLst>
+            </p:cNvPr>
+            <p:cNvCxnSpPr>
+              <a:cxnSpLocks/>
+              <a:endCxn id="137" idx="4"/>
+            </p:cNvCxnSpPr>
+            <p:nvPr/>
+          </p:nvCxnSpPr>
+          <p:spPr>
+            <a:xfrm flipV="1">
+              <a:off x="16954013" y="6729047"/>
+              <a:ext cx="46689" cy="3556761"/>
+            </a:xfrm>
+            <a:prstGeom prst="line">
+              <a:avLst/>
+            </a:prstGeom>
+            <a:ln w="38100">
+              <a:solidFill>
+                <a:srgbClr val="FF0000"/>
+              </a:solidFill>
+              <a:prstDash val="dash"/>
+            </a:ln>
+          </p:spPr>
+          <p:style>
+            <a:lnRef idx="1">
+              <a:schemeClr val="accent1"/>
+            </a:lnRef>
+            <a:fillRef idx="0">
+              <a:schemeClr val="accent1"/>
+            </a:fillRef>
+            <a:effectRef idx="0">
+              <a:schemeClr val="accent1"/>
+            </a:effectRef>
+            <a:fontRef idx="minor">
+              <a:schemeClr val="tx1"/>
+            </a:fontRef>
+          </p:style>
+        </p:cxnSp>
+        <p:cxnSp>
+          <p:nvCxnSpPr>
+            <p:cNvPr id="168" name="Straight Arrow Connector 167">
+              <a:extLst>
+                <a:ext uri="{FF2B5EF4-FFF2-40B4-BE49-F238E27FC236}">
+                  <a16:creationId xmlns:a16="http://schemas.microsoft.com/office/drawing/2014/main" id="{07E358DE-6ED7-C7F3-A968-035D94158D72}"/>
+                </a:ext>
+              </a:extLst>
+            </p:cNvPr>
+            <p:cNvCxnSpPr>
+              <a:cxnSpLocks/>
+            </p:cNvCxnSpPr>
+            <p:nvPr/>
+          </p:nvCxnSpPr>
+          <p:spPr>
+            <a:xfrm flipH="1">
+              <a:off x="9838500" y="9902740"/>
+              <a:ext cx="6146200" cy="1297289"/>
+            </a:xfrm>
+            <a:prstGeom prst="straightConnector1">
+              <a:avLst/>
+            </a:prstGeom>
+            <a:ln w="38100">
+              <a:solidFill>
+                <a:srgbClr val="FF0000"/>
+              </a:solidFill>
+              <a:prstDash val="dash"/>
+              <a:tailEnd type="triangle"/>
+            </a:ln>
+          </p:spPr>
+          <p:style>
+            <a:lnRef idx="1">
+              <a:schemeClr val="dk1"/>
+            </a:lnRef>
+            <a:fillRef idx="0">
+              <a:schemeClr val="dk1"/>
+            </a:fillRef>
+            <a:effectRef idx="0">
+              <a:schemeClr val="dk1"/>
+            </a:effectRef>
+            <a:fontRef idx="minor">
+              <a:schemeClr val="tx1"/>
+            </a:fontRef>
+          </p:style>
+        </p:cxnSp>
+        <p:cxnSp>
+          <p:nvCxnSpPr>
+            <p:cNvPr id="172" name="Straight Arrow Connector 171">
+              <a:extLst>
+                <a:ext uri="{FF2B5EF4-FFF2-40B4-BE49-F238E27FC236}">
+                  <a16:creationId xmlns:a16="http://schemas.microsoft.com/office/drawing/2014/main" id="{21D9A239-61DC-808B-FCB0-FBBD3DE7D87D}"/>
+                </a:ext>
+              </a:extLst>
+            </p:cNvPr>
+            <p:cNvCxnSpPr>
+              <a:cxnSpLocks/>
+            </p:cNvCxnSpPr>
+            <p:nvPr/>
+          </p:nvCxnSpPr>
+          <p:spPr>
+            <a:xfrm flipH="1">
+              <a:off x="9720220" y="10352038"/>
+              <a:ext cx="7233793" cy="1153513"/>
+            </a:xfrm>
+            <a:prstGeom prst="straightConnector1">
+              <a:avLst/>
+            </a:prstGeom>
+            <a:ln w="38100">
+              <a:solidFill>
+                <a:srgbClr val="FF0000"/>
+              </a:solidFill>
+              <a:prstDash val="dash"/>
+              <a:tailEnd type="triangle"/>
+            </a:ln>
+          </p:spPr>
+          <p:style>
+            <a:lnRef idx="1">
+              <a:schemeClr val="dk1"/>
+            </a:lnRef>
+            <a:fillRef idx="0">
+              <a:schemeClr val="dk1"/>
+            </a:fillRef>
+            <a:effectRef idx="0">
+              <a:schemeClr val="dk1"/>
+            </a:effectRef>
+            <a:fontRef idx="minor">
+              <a:schemeClr val="tx1"/>
+            </a:fontRef>
+          </p:style>
+        </p:cxnSp>
+        <p:grpSp>
+          <p:nvGrpSpPr>
+            <p:cNvPr id="427" name="Group 426">
+              <a:extLst>
+                <a:ext uri="{FF2B5EF4-FFF2-40B4-BE49-F238E27FC236}">
+                  <a16:creationId xmlns:a16="http://schemas.microsoft.com/office/drawing/2014/main" id="{05E280C0-3BC8-4E9D-0BBB-94CCBFE607C3}"/>
+                </a:ext>
+              </a:extLst>
+            </p:cNvPr>
+            <p:cNvGrpSpPr/>
+            <p:nvPr/>
+          </p:nvGrpSpPr>
+          <p:grpSpPr>
+            <a:xfrm>
+              <a:off x="887815" y="11865149"/>
+              <a:ext cx="3977275" cy="1145399"/>
+              <a:chOff x="567016" y="13024037"/>
+              <a:chExt cx="3977275" cy="1145399"/>
+            </a:xfrm>
+          </p:grpSpPr>
+          <p:cxnSp>
+            <p:nvCxnSpPr>
+              <p:cNvPr id="175" name="Straight Connector 174">
+                <a:extLst>
+                  <a:ext uri="{FF2B5EF4-FFF2-40B4-BE49-F238E27FC236}">
+                    <a16:creationId xmlns:a16="http://schemas.microsoft.com/office/drawing/2014/main" id="{263200FF-932F-9A61-EBF2-B80EFC21B60F}"/>
+                  </a:ext>
+                </a:extLst>
+              </p:cNvPr>
+              <p:cNvCxnSpPr>
+                <a:cxnSpLocks/>
+              </p:cNvCxnSpPr>
+              <p:nvPr/>
+            </p:nvCxnSpPr>
+            <p:spPr>
+              <a:xfrm flipH="1">
+                <a:off x="650143" y="13208703"/>
+                <a:ext cx="720000" cy="0"/>
+              </a:xfrm>
+              <a:prstGeom prst="line">
+                <a:avLst/>
+              </a:prstGeom>
+              <a:ln w="38100">
+                <a:solidFill>
+                  <a:schemeClr val="tx1"/>
+                </a:solidFill>
+                <a:prstDash val="solid"/>
+              </a:ln>
+            </p:spPr>
+            <p:style>
+              <a:lnRef idx="1">
+                <a:schemeClr val="accent1"/>
+              </a:lnRef>
+              <a:fillRef idx="0">
+                <a:schemeClr val="accent1"/>
+              </a:fillRef>
+              <a:effectRef idx="0">
+                <a:schemeClr val="accent1"/>
+              </a:effectRef>
+              <a:fontRef idx="minor">
+                <a:schemeClr val="tx1"/>
+              </a:fontRef>
+            </p:style>
+          </p:cxnSp>
+          <p:sp>
+            <p:nvSpPr>
+              <p:cNvPr id="179" name="TextBox 178">
+                <a:extLst>
+                  <a:ext uri="{FF2B5EF4-FFF2-40B4-BE49-F238E27FC236}">
+                    <a16:creationId xmlns:a16="http://schemas.microsoft.com/office/drawing/2014/main" id="{7EA1618A-0F22-6751-D3BF-455873BF70C0}"/>
+                  </a:ext>
+                </a:extLst>
+              </p:cNvPr>
+              <p:cNvSpPr txBox="1"/>
+              <p:nvPr/>
+            </p:nvSpPr>
+            <p:spPr>
+              <a:xfrm>
+                <a:off x="1291444" y="13024037"/>
+                <a:ext cx="2394112" cy="369332"/>
+              </a:xfrm>
+              <a:prstGeom prst="rect">
+                <a:avLst/>
+              </a:prstGeom>
+              <a:noFill/>
+            </p:spPr>
+            <p:txBody>
+              <a:bodyPr wrap="square" rtlCol="0">
+                <a:spAutoFit/>
+              </a:bodyPr>
+              <a:lstStyle/>
+              <a:p>
+                <a:pPr algn="ctr"/>
+                <a:r>
+                  <a:rPr lang="en-GB" dirty="0"/>
+                  <a:t>positive pathways</a:t>
+                </a:r>
+              </a:p>
+            </p:txBody>
+          </p:sp>
+          <p:cxnSp>
+            <p:nvCxnSpPr>
+              <p:cNvPr id="180" name="Straight Connector 179">
+                <a:extLst>
+                  <a:ext uri="{FF2B5EF4-FFF2-40B4-BE49-F238E27FC236}">
+                    <a16:creationId xmlns:a16="http://schemas.microsoft.com/office/drawing/2014/main" id="{11A84FDE-7145-170D-335B-2456D713C010}"/>
+                  </a:ext>
+                </a:extLst>
+              </p:cNvPr>
+              <p:cNvCxnSpPr>
+                <a:cxnSpLocks/>
+              </p:cNvCxnSpPr>
+              <p:nvPr/>
+            </p:nvCxnSpPr>
+            <p:spPr>
+              <a:xfrm flipH="1">
+                <a:off x="567016" y="13578035"/>
+                <a:ext cx="782460" cy="0"/>
+              </a:xfrm>
+              <a:prstGeom prst="line">
+                <a:avLst/>
+              </a:prstGeom>
+              <a:ln w="38100">
+                <a:solidFill>
+                  <a:schemeClr val="tx1"/>
+                </a:solidFill>
+                <a:prstDash val="dash"/>
+              </a:ln>
+            </p:spPr>
+            <p:style>
+              <a:lnRef idx="1">
+                <a:schemeClr val="accent1"/>
+              </a:lnRef>
+              <a:fillRef idx="0">
+                <a:schemeClr val="accent1"/>
+              </a:fillRef>
+              <a:effectRef idx="0">
+                <a:schemeClr val="accent1"/>
+              </a:effectRef>
+              <a:fontRef idx="minor">
+                <a:schemeClr val="tx1"/>
+              </a:fontRef>
+            </p:style>
+          </p:cxnSp>
+          <p:sp>
+            <p:nvSpPr>
+              <p:cNvPr id="181" name="TextBox 180">
+                <a:extLst>
+                  <a:ext uri="{FF2B5EF4-FFF2-40B4-BE49-F238E27FC236}">
+                    <a16:creationId xmlns:a16="http://schemas.microsoft.com/office/drawing/2014/main" id="{926D3819-3B58-1F31-B4B6-2F61955D52C5}"/>
+                  </a:ext>
+                </a:extLst>
+              </p:cNvPr>
+              <p:cNvSpPr txBox="1"/>
+              <p:nvPr/>
+            </p:nvSpPr>
+            <p:spPr>
+              <a:xfrm>
+                <a:off x="1263237" y="13393369"/>
+                <a:ext cx="2394112" cy="369332"/>
+              </a:xfrm>
+              <a:prstGeom prst="rect">
+                <a:avLst/>
+              </a:prstGeom>
+              <a:noFill/>
+            </p:spPr>
+            <p:txBody>
+              <a:bodyPr wrap="square" rtlCol="0">
+                <a:spAutoFit/>
+              </a:bodyPr>
+              <a:lstStyle/>
+              <a:p>
+                <a:pPr algn="ctr"/>
+                <a:r>
+                  <a:rPr lang="en-GB" dirty="0"/>
+                  <a:t>refugee pathways</a:t>
+                </a:r>
+              </a:p>
+            </p:txBody>
+          </p:sp>
+          <p:cxnSp>
+            <p:nvCxnSpPr>
+              <p:cNvPr id="182" name="Straight Connector 181">
+                <a:extLst>
+                  <a:ext uri="{FF2B5EF4-FFF2-40B4-BE49-F238E27FC236}">
+                    <a16:creationId xmlns:a16="http://schemas.microsoft.com/office/drawing/2014/main" id="{891C2916-C928-A661-277A-90865359533D}"/>
+                  </a:ext>
+                </a:extLst>
+              </p:cNvPr>
+              <p:cNvCxnSpPr>
+                <a:cxnSpLocks/>
+              </p:cNvCxnSpPr>
+              <p:nvPr/>
+            </p:nvCxnSpPr>
+            <p:spPr>
+              <a:xfrm flipH="1">
+                <a:off x="567016" y="13984768"/>
+                <a:ext cx="782460" cy="0"/>
+              </a:xfrm>
+              <a:prstGeom prst="line">
+                <a:avLst/>
+              </a:prstGeom>
+              <a:ln w="38100">
+                <a:solidFill>
+                  <a:srgbClr val="FF0000"/>
+                </a:solidFill>
+                <a:prstDash val="dash"/>
+              </a:ln>
+            </p:spPr>
+            <p:style>
+              <a:lnRef idx="1">
+                <a:schemeClr val="accent1"/>
+              </a:lnRef>
+              <a:fillRef idx="0">
+                <a:schemeClr val="accent1"/>
+              </a:fillRef>
+              <a:effectRef idx="0">
+                <a:schemeClr val="accent1"/>
+              </a:effectRef>
+              <a:fontRef idx="minor">
+                <a:schemeClr val="tx1"/>
+              </a:fontRef>
+            </p:style>
+          </p:cxnSp>
+          <p:sp>
+            <p:nvSpPr>
+              <p:cNvPr id="183" name="TextBox 182">
+                <a:extLst>
+                  <a:ext uri="{FF2B5EF4-FFF2-40B4-BE49-F238E27FC236}">
+                    <a16:creationId xmlns:a16="http://schemas.microsoft.com/office/drawing/2014/main" id="{A1287A4B-F771-0F3E-C9CA-AC18368FF370}"/>
+                  </a:ext>
+                </a:extLst>
+              </p:cNvPr>
+              <p:cNvSpPr txBox="1"/>
+              <p:nvPr/>
+            </p:nvSpPr>
+            <p:spPr>
+              <a:xfrm>
+                <a:off x="1318654" y="13800104"/>
+                <a:ext cx="3225637" cy="369332"/>
+              </a:xfrm>
+              <a:prstGeom prst="rect">
+                <a:avLst/>
+              </a:prstGeom>
+              <a:noFill/>
+            </p:spPr>
+            <p:txBody>
+              <a:bodyPr wrap="square" rtlCol="0">
+                <a:spAutoFit/>
+              </a:bodyPr>
+              <a:lstStyle/>
+              <a:p>
+                <a:pPr algn="ctr"/>
+                <a:r>
+                  <a:rPr lang="en-GB" dirty="0"/>
+                  <a:t>potential negative pathways</a:t>
+                </a:r>
+              </a:p>
+            </p:txBody>
+          </p:sp>
+        </p:grpSp>
+      </p:grpSp>
+    </p:spTree>
+    <p:extLst>
+      <p:ext uri="{BB962C8B-B14F-4D97-AF65-F5344CB8AC3E}">
+        <p14:creationId xmlns:p14="http://schemas.microsoft.com/office/powerpoint/2010/main" val="4142234574"/>
+      </p:ext>
+    </p:extLst>
+  </p:cSld>
+  <p:clrMapOvr>
+    <a:masterClrMapping/>
+  </p:clrMapOvr>
+</p:sld>
+</file>
+
+<file path=ppt/slides/slide3.xml><?xml version="1.0" encoding="utf-8"?>
+<p:sld xmlns:a="http://schemas.openxmlformats.org/drawingml/2006/main" xmlns:r="http://schemas.openxmlformats.org/officeDocument/2006/relationships" xmlns:p="http://schemas.openxmlformats.org/presentationml/2006/main">
+  <p:cSld>
+    <p:spTree>
+      <p:nvGrpSpPr>
+        <p:cNvPr id="1" name=""/>
+        <p:cNvGrpSpPr/>
+        <p:nvPr/>
+      </p:nvGrpSpPr>
+      <p:grpSpPr>
+        <a:xfrm>
+          <a:off x="0" y="0"/>
+          <a:ext cx="0" cy="0"/>
+          <a:chOff x="0" y="0"/>
+          <a:chExt cx="0" cy="0"/>
+        </a:xfrm>
+      </p:grpSpPr>
+      <p:grpSp>
+        <p:nvGrpSpPr>
+          <p:cNvPr id="159" name="Group 158">
+            <a:extLst>
+              <a:ext uri="{FF2B5EF4-FFF2-40B4-BE49-F238E27FC236}">
+                <a16:creationId xmlns:a16="http://schemas.microsoft.com/office/drawing/2014/main" id="{16FD7CD4-2949-E854-D2B6-A3577E12A448}"/>
+              </a:ext>
+            </a:extLst>
+          </p:cNvPr>
+          <p:cNvGrpSpPr/>
+          <p:nvPr/>
+        </p:nvGrpSpPr>
+        <p:grpSpPr>
+          <a:xfrm>
+            <a:off x="3940218" y="577493"/>
             <a:ext cx="10567824" cy="9801376"/>
             <a:chOff x="1035887" y="577493"/>
             <a:chExt cx="10567824" cy="9801376"/>
@@ -5896,1053 +8350,12 @@
             </a:fontRef>
           </p:style>
         </p:cxnSp>
-      </p:grpSp>
-      <p:cxnSp>
-        <p:nvCxnSpPr>
-          <p:cNvPr id="152" name="Straight Arrow Connector 151">
-            <a:extLst>
-              <a:ext uri="{FF2B5EF4-FFF2-40B4-BE49-F238E27FC236}">
-                <a16:creationId xmlns:a16="http://schemas.microsoft.com/office/drawing/2014/main" id="{D240366C-CC2B-AD99-EE28-0A9AE5869D3A}"/>
-              </a:ext>
-            </a:extLst>
-          </p:cNvPr>
-          <p:cNvCxnSpPr>
-            <a:cxnSpLocks/>
-          </p:cNvCxnSpPr>
-          <p:nvPr/>
-        </p:nvCxnSpPr>
-        <p:spPr>
-          <a:xfrm>
-            <a:off x="8717410" y="6765024"/>
-            <a:ext cx="0" cy="641616"/>
-          </a:xfrm>
-          <a:prstGeom prst="straightConnector1">
-            <a:avLst/>
-          </a:prstGeom>
-          <a:ln w="38100">
-            <a:solidFill>
-              <a:schemeClr val="tx1"/>
-            </a:solidFill>
-            <a:tailEnd type="triangle"/>
-          </a:ln>
-        </p:spPr>
-        <p:style>
-          <a:lnRef idx="1">
-            <a:schemeClr val="dk1"/>
-          </a:lnRef>
-          <a:fillRef idx="0">
-            <a:schemeClr val="dk1"/>
-          </a:fillRef>
-          <a:effectRef idx="0">
-            <a:schemeClr val="dk1"/>
-          </a:effectRef>
-          <a:fontRef idx="minor">
-            <a:schemeClr val="tx1"/>
-          </a:fontRef>
-        </p:style>
-      </p:cxnSp>
-      <p:cxnSp>
-        <p:nvCxnSpPr>
-          <p:cNvPr id="154" name="Straight Connector 153">
-            <a:extLst>
-              <a:ext uri="{FF2B5EF4-FFF2-40B4-BE49-F238E27FC236}">
-                <a16:creationId xmlns:a16="http://schemas.microsoft.com/office/drawing/2014/main" id="{3BDA28CF-FE59-1D08-4B2B-8B27DF6AEF81}"/>
-              </a:ext>
-            </a:extLst>
-          </p:cNvPr>
-          <p:cNvCxnSpPr>
-            <a:cxnSpLocks/>
-          </p:cNvCxnSpPr>
-          <p:nvPr/>
-        </p:nvCxnSpPr>
-        <p:spPr>
-          <a:xfrm flipH="1">
-            <a:off x="8692801" y="6765024"/>
-            <a:ext cx="652271" cy="0"/>
-          </a:xfrm>
-          <a:prstGeom prst="line">
-            <a:avLst/>
-          </a:prstGeom>
-          <a:ln w="38100">
-            <a:solidFill>
-              <a:schemeClr val="tx1"/>
-            </a:solidFill>
-          </a:ln>
-        </p:spPr>
-        <p:style>
-          <a:lnRef idx="1">
-            <a:schemeClr val="accent1"/>
-          </a:lnRef>
-          <a:fillRef idx="0">
-            <a:schemeClr val="accent1"/>
-          </a:fillRef>
-          <a:effectRef idx="0">
-            <a:schemeClr val="accent1"/>
-          </a:effectRef>
-          <a:fontRef idx="minor">
-            <a:schemeClr val="tx1"/>
-          </a:fontRef>
-        </p:style>
-      </p:cxnSp>
-    </p:spTree>
-    <p:extLst>
-      <p:ext uri="{BB962C8B-B14F-4D97-AF65-F5344CB8AC3E}">
-        <p14:creationId xmlns:p14="http://schemas.microsoft.com/office/powerpoint/2010/main" val="1497080368"/>
-      </p:ext>
-    </p:extLst>
-  </p:cSld>
-  <p:clrMapOvr>
-    <a:masterClrMapping/>
-  </p:clrMapOvr>
-</p:sld>
-</file>
-
-<file path=ppt/slides/slide3.xml><?xml version="1.0" encoding="utf-8"?>
-<p:sld xmlns:a="http://schemas.openxmlformats.org/drawingml/2006/main" xmlns:r="http://schemas.openxmlformats.org/officeDocument/2006/relationships" xmlns:p="http://schemas.openxmlformats.org/presentationml/2006/main">
-  <p:cSld>
-    <p:spTree>
-      <p:nvGrpSpPr>
-        <p:cNvPr id="1" name=""/>
-        <p:cNvGrpSpPr/>
-        <p:nvPr/>
-      </p:nvGrpSpPr>
-      <p:grpSpPr>
-        <a:xfrm>
-          <a:off x="0" y="0"/>
-          <a:ext cx="0" cy="0"/>
-          <a:chOff x="0" y="0"/>
-          <a:chExt cx="0" cy="0"/>
-        </a:xfrm>
-      </p:grpSpPr>
-      <p:grpSp>
-        <p:nvGrpSpPr>
-          <p:cNvPr id="2" name="Group 1">
-            <a:extLst>
-              <a:ext uri="{FF2B5EF4-FFF2-40B4-BE49-F238E27FC236}">
-                <a16:creationId xmlns:a16="http://schemas.microsoft.com/office/drawing/2014/main" id="{F6D2B13A-4DC7-E4DE-94E9-70A60A7C2CC6}"/>
-              </a:ext>
-            </a:extLst>
-          </p:cNvPr>
-          <p:cNvGrpSpPr/>
-          <p:nvPr/>
-        </p:nvGrpSpPr>
-        <p:grpSpPr>
-          <a:xfrm>
-            <a:off x="974534" y="2086628"/>
-            <a:ext cx="9798236" cy="5113478"/>
-            <a:chOff x="974534" y="826153"/>
-            <a:chExt cx="9798236" cy="5113478"/>
-          </a:xfrm>
-        </p:grpSpPr>
-        <p:grpSp>
-          <p:nvGrpSpPr>
-            <p:cNvPr id="23" name="Group 22">
+        <p:cxnSp>
+          <p:nvCxnSpPr>
+            <p:cNvPr id="152" name="Straight Arrow Connector 151">
               <a:extLst>
                 <a:ext uri="{FF2B5EF4-FFF2-40B4-BE49-F238E27FC236}">
-                  <a16:creationId xmlns:a16="http://schemas.microsoft.com/office/drawing/2014/main" id="{844AD0BC-0A26-41EB-53C8-B85FAF6795A0}"/>
-                </a:ext>
-              </a:extLst>
-            </p:cNvPr>
-            <p:cNvGrpSpPr/>
-            <p:nvPr/>
-          </p:nvGrpSpPr>
-          <p:grpSpPr>
-            <a:xfrm>
-              <a:off x="1610929" y="826153"/>
-              <a:ext cx="8070142" cy="5113478"/>
-              <a:chOff x="1482913" y="655426"/>
-              <a:chExt cx="8070142" cy="5113478"/>
-            </a:xfrm>
-          </p:grpSpPr>
-          <p:sp>
-            <p:nvSpPr>
-              <p:cNvPr id="5" name="Oval 4">
-                <a:extLst>
-                  <a:ext uri="{FF2B5EF4-FFF2-40B4-BE49-F238E27FC236}">
-                    <a16:creationId xmlns:a16="http://schemas.microsoft.com/office/drawing/2014/main" id="{AC569348-CC3A-E14B-BC2F-E1E320D46D14}"/>
-                  </a:ext>
-                </a:extLst>
-              </p:cNvPr>
-              <p:cNvSpPr/>
-              <p:nvPr/>
-            </p:nvSpPr>
-            <p:spPr>
-              <a:xfrm>
-                <a:off x="1482913" y="3968904"/>
-                <a:ext cx="1800000" cy="1800000"/>
-              </a:xfrm>
-              <a:prstGeom prst="ellipse">
-                <a:avLst/>
-              </a:prstGeom>
-              <a:ln w="38100">
-                <a:solidFill>
-                  <a:schemeClr val="tx1"/>
-                </a:solidFill>
-              </a:ln>
-            </p:spPr>
-            <p:style>
-              <a:lnRef idx="2">
-                <a:schemeClr val="dk1"/>
-              </a:lnRef>
-              <a:fillRef idx="1">
-                <a:schemeClr val="lt1"/>
-              </a:fillRef>
-              <a:effectRef idx="0">
-                <a:schemeClr val="dk1"/>
-              </a:effectRef>
-              <a:fontRef idx="minor">
-                <a:schemeClr val="dk1"/>
-              </a:fontRef>
-            </p:style>
-            <p:txBody>
-              <a:bodyPr rtlCol="0" anchor="ctr"/>
-              <a:lstStyle/>
-              <a:p>
-                <a:pPr algn="ctr"/>
-                <a:r>
-                  <a:rPr lang="en-US" dirty="0"/>
-                  <a:t>Childhood Subjective</a:t>
-                </a:r>
-              </a:p>
-              <a:p>
-                <a:pPr algn="ctr"/>
-                <a:r>
-                  <a:rPr lang="en-US" dirty="0"/>
-                  <a:t>Wellbeing</a:t>
-                </a:r>
-              </a:p>
-            </p:txBody>
-          </p:sp>
-          <p:cxnSp>
-            <p:nvCxnSpPr>
-              <p:cNvPr id="58" name="Straight Arrow Connector 57">
-                <a:extLst>
-                  <a:ext uri="{FF2B5EF4-FFF2-40B4-BE49-F238E27FC236}">
-                    <a16:creationId xmlns:a16="http://schemas.microsoft.com/office/drawing/2014/main" id="{4BA2BBBF-4440-6F47-A569-2F27702655C7}"/>
-                  </a:ext>
-                </a:extLst>
-              </p:cNvPr>
-              <p:cNvCxnSpPr>
-                <a:cxnSpLocks/>
-                <a:stCxn id="104" idx="6"/>
-                <a:endCxn id="105" idx="2"/>
-              </p:cNvCxnSpPr>
-              <p:nvPr/>
-            </p:nvCxnSpPr>
-            <p:spPr>
-              <a:xfrm>
-                <a:off x="3282913" y="1555426"/>
-                <a:ext cx="4470142" cy="0"/>
-              </a:xfrm>
-              <a:prstGeom prst="straightConnector1">
-                <a:avLst/>
-              </a:prstGeom>
-              <a:ln w="38100">
-                <a:solidFill>
-                  <a:schemeClr val="tx1"/>
-                </a:solidFill>
-                <a:prstDash val="sysDot"/>
-                <a:tailEnd type="triangle"/>
-              </a:ln>
-            </p:spPr>
-            <p:style>
-              <a:lnRef idx="1">
-                <a:schemeClr val="dk1"/>
-              </a:lnRef>
-              <a:fillRef idx="0">
-                <a:schemeClr val="dk1"/>
-              </a:fillRef>
-              <a:effectRef idx="0">
-                <a:schemeClr val="dk1"/>
-              </a:effectRef>
-              <a:fontRef idx="minor">
-                <a:schemeClr val="tx1"/>
-              </a:fontRef>
-            </p:style>
-          </p:cxnSp>
-          <p:sp>
-            <p:nvSpPr>
-              <p:cNvPr id="104" name="Oval 103">
-                <a:extLst>
-                  <a:ext uri="{FF2B5EF4-FFF2-40B4-BE49-F238E27FC236}">
-                    <a16:creationId xmlns:a16="http://schemas.microsoft.com/office/drawing/2014/main" id="{3B72717A-2B0A-4D0E-B6EB-787FDCD39CEB}"/>
-                  </a:ext>
-                </a:extLst>
-              </p:cNvPr>
-              <p:cNvSpPr/>
-              <p:nvPr/>
-            </p:nvSpPr>
-            <p:spPr>
-              <a:xfrm>
-                <a:off x="1482913" y="655426"/>
-                <a:ext cx="1800000" cy="1800000"/>
-              </a:xfrm>
-              <a:prstGeom prst="ellipse">
-                <a:avLst/>
-              </a:prstGeom>
-              <a:ln w="38100"/>
-            </p:spPr>
-            <p:style>
-              <a:lnRef idx="2">
-                <a:schemeClr val="dk1"/>
-              </a:lnRef>
-              <a:fillRef idx="1">
-                <a:schemeClr val="lt1"/>
-              </a:fillRef>
-              <a:effectRef idx="0">
-                <a:schemeClr val="dk1"/>
-              </a:effectRef>
-              <a:fontRef idx="minor">
-                <a:schemeClr val="dk1"/>
-              </a:fontRef>
-            </p:style>
-            <p:txBody>
-              <a:bodyPr rtlCol="0" anchor="ctr"/>
-              <a:lstStyle/>
-              <a:p>
-                <a:pPr algn="ctr"/>
-                <a:r>
-                  <a:rPr lang="en-US" b="1" dirty="0"/>
-                  <a:t>Childhood Lead Exposure</a:t>
-                </a:r>
-              </a:p>
-            </p:txBody>
-          </p:sp>
-          <p:sp>
-            <p:nvSpPr>
-              <p:cNvPr id="105" name="Oval 104">
-                <a:extLst>
-                  <a:ext uri="{FF2B5EF4-FFF2-40B4-BE49-F238E27FC236}">
-                    <a16:creationId xmlns:a16="http://schemas.microsoft.com/office/drawing/2014/main" id="{3F4739E5-740C-5EE1-7964-DE0B03235C0C}"/>
-                  </a:ext>
-                </a:extLst>
-              </p:cNvPr>
-              <p:cNvSpPr/>
-              <p:nvPr/>
-            </p:nvSpPr>
-            <p:spPr>
-              <a:xfrm>
-                <a:off x="7753055" y="655426"/>
-                <a:ext cx="1800000" cy="1800000"/>
-              </a:xfrm>
-              <a:prstGeom prst="ellipse">
-                <a:avLst/>
-              </a:prstGeom>
-              <a:ln w="38100"/>
-            </p:spPr>
-            <p:style>
-              <a:lnRef idx="2">
-                <a:schemeClr val="dk1"/>
-              </a:lnRef>
-              <a:fillRef idx="1">
-                <a:schemeClr val="lt1"/>
-              </a:fillRef>
-              <a:effectRef idx="0">
-                <a:schemeClr val="dk1"/>
-              </a:effectRef>
-              <a:fontRef idx="minor">
-                <a:schemeClr val="dk1"/>
-              </a:fontRef>
-            </p:style>
-            <p:txBody>
-              <a:bodyPr rtlCol="0" anchor="ctr"/>
-              <a:lstStyle/>
-              <a:p>
-                <a:pPr algn="ctr"/>
-                <a:r>
-                  <a:rPr lang="en-US" dirty="0"/>
-                  <a:t>Adult Lead Exposure</a:t>
-                </a:r>
-              </a:p>
-            </p:txBody>
-          </p:sp>
-          <p:cxnSp>
-            <p:nvCxnSpPr>
-              <p:cNvPr id="111" name="Straight Arrow Connector 110">
-                <a:extLst>
-                  <a:ext uri="{FF2B5EF4-FFF2-40B4-BE49-F238E27FC236}">
-                    <a16:creationId xmlns:a16="http://schemas.microsoft.com/office/drawing/2014/main" id="{9F36405B-2838-B0ED-8F90-CD55AE5BACFB}"/>
-                  </a:ext>
-                </a:extLst>
-              </p:cNvPr>
-              <p:cNvCxnSpPr>
-                <a:cxnSpLocks/>
-                <a:stCxn id="104" idx="4"/>
-                <a:endCxn id="5" idx="0"/>
-              </p:cNvCxnSpPr>
-              <p:nvPr/>
-            </p:nvCxnSpPr>
-            <p:spPr>
-              <a:xfrm>
-                <a:off x="2382913" y="2455426"/>
-                <a:ext cx="0" cy="1513478"/>
-              </a:xfrm>
-              <a:prstGeom prst="straightConnector1">
-                <a:avLst/>
-              </a:prstGeom>
-              <a:ln w="38100">
-                <a:solidFill>
-                  <a:schemeClr val="tx1"/>
-                </a:solidFill>
-                <a:prstDash val="sysDot"/>
-                <a:tailEnd type="triangle"/>
-              </a:ln>
-            </p:spPr>
-            <p:style>
-              <a:lnRef idx="1">
-                <a:schemeClr val="dk1"/>
-              </a:lnRef>
-              <a:fillRef idx="0">
-                <a:schemeClr val="dk1"/>
-              </a:fillRef>
-              <a:effectRef idx="0">
-                <a:schemeClr val="dk1"/>
-              </a:effectRef>
-              <a:fontRef idx="minor">
-                <a:schemeClr val="tx1"/>
-              </a:fontRef>
-            </p:style>
-          </p:cxnSp>
-        </p:grpSp>
-        <p:sp>
-          <p:nvSpPr>
-            <p:cNvPr id="35" name="Oval 34">
-              <a:extLst>
-                <a:ext uri="{FF2B5EF4-FFF2-40B4-BE49-F238E27FC236}">
-                  <a16:creationId xmlns:a16="http://schemas.microsoft.com/office/drawing/2014/main" id="{1D14F97D-4A5A-C40F-2B58-01E7163EF241}"/>
-                </a:ext>
-              </a:extLst>
-            </p:cNvPr>
-            <p:cNvSpPr/>
-            <p:nvPr/>
-          </p:nvSpPr>
-          <p:spPr>
-            <a:xfrm>
-              <a:off x="7881071" y="4139631"/>
-              <a:ext cx="1800000" cy="1800000"/>
-            </a:xfrm>
-            <a:prstGeom prst="ellipse">
-              <a:avLst/>
-            </a:prstGeom>
-            <a:ln w="38100">
-              <a:solidFill>
-                <a:schemeClr val="tx1"/>
-              </a:solidFill>
-            </a:ln>
-          </p:spPr>
-          <p:style>
-            <a:lnRef idx="2">
-              <a:schemeClr val="dk1"/>
-            </a:lnRef>
-            <a:fillRef idx="1">
-              <a:schemeClr val="lt1"/>
-            </a:fillRef>
-            <a:effectRef idx="0">
-              <a:schemeClr val="dk1"/>
-            </a:effectRef>
-            <a:fontRef idx="minor">
-              <a:schemeClr val="dk1"/>
-            </a:fontRef>
-          </p:style>
-          <p:txBody>
-            <a:bodyPr rtlCol="0" anchor="ctr"/>
-            <a:lstStyle/>
-            <a:p>
-              <a:pPr algn="ctr"/>
-              <a:r>
-                <a:rPr lang="en-US" b="1" dirty="0"/>
-                <a:t>Adult Subjective</a:t>
-              </a:r>
-            </a:p>
-            <a:p>
-              <a:pPr algn="ctr"/>
-              <a:r>
-                <a:rPr lang="en-US" b="1" dirty="0"/>
-                <a:t>Wellbeing</a:t>
-              </a:r>
-            </a:p>
-          </p:txBody>
-        </p:sp>
-        <p:cxnSp>
-          <p:nvCxnSpPr>
-            <p:cNvPr id="39" name="Straight Arrow Connector 38">
-              <a:extLst>
-                <a:ext uri="{FF2B5EF4-FFF2-40B4-BE49-F238E27FC236}">
-                  <a16:creationId xmlns:a16="http://schemas.microsoft.com/office/drawing/2014/main" id="{A767FB3B-92DB-884A-9924-50CE602EA2E8}"/>
-                </a:ext>
-              </a:extLst>
-            </p:cNvPr>
-            <p:cNvCxnSpPr>
-              <a:cxnSpLocks/>
-              <a:stCxn id="104" idx="5"/>
-              <a:endCxn id="35" idx="1"/>
-            </p:cNvCxnSpPr>
-            <p:nvPr/>
-          </p:nvCxnSpPr>
-          <p:spPr>
-            <a:xfrm>
-              <a:off x="3147325" y="2362549"/>
-              <a:ext cx="4997350" cy="2040686"/>
-            </a:xfrm>
-            <a:prstGeom prst="straightConnector1">
-              <a:avLst/>
-            </a:prstGeom>
-            <a:ln w="63500">
-              <a:solidFill>
-                <a:schemeClr val="tx1"/>
-              </a:solidFill>
-              <a:tailEnd type="triangle"/>
-            </a:ln>
-          </p:spPr>
-          <p:style>
-            <a:lnRef idx="1">
-              <a:schemeClr val="dk1"/>
-            </a:lnRef>
-            <a:fillRef idx="0">
-              <a:schemeClr val="dk1"/>
-            </a:fillRef>
-            <a:effectRef idx="0">
-              <a:schemeClr val="dk1"/>
-            </a:effectRef>
-            <a:fontRef idx="minor">
-              <a:schemeClr val="tx1"/>
-            </a:fontRef>
-          </p:style>
-        </p:cxnSp>
-        <p:cxnSp>
-          <p:nvCxnSpPr>
-            <p:cNvPr id="44" name="Straight Arrow Connector 43">
-              <a:extLst>
-                <a:ext uri="{FF2B5EF4-FFF2-40B4-BE49-F238E27FC236}">
-                  <a16:creationId xmlns:a16="http://schemas.microsoft.com/office/drawing/2014/main" id="{A604E42D-8314-0146-EC4E-50F4BB9030C9}"/>
-                </a:ext>
-              </a:extLst>
-            </p:cNvPr>
-            <p:cNvCxnSpPr>
-              <a:cxnSpLocks/>
-              <a:stCxn id="105" idx="4"/>
-              <a:endCxn id="35" idx="0"/>
-            </p:cNvCxnSpPr>
-            <p:nvPr/>
-          </p:nvCxnSpPr>
-          <p:spPr>
-            <a:xfrm>
-              <a:off x="8781071" y="2626153"/>
-              <a:ext cx="0" cy="1513478"/>
-            </a:xfrm>
-            <a:prstGeom prst="straightConnector1">
-              <a:avLst/>
-            </a:prstGeom>
-            <a:ln w="38100">
-              <a:solidFill>
-                <a:schemeClr val="tx1"/>
-              </a:solidFill>
-              <a:prstDash val="sysDot"/>
-              <a:tailEnd type="triangle"/>
-            </a:ln>
-          </p:spPr>
-          <p:style>
-            <a:lnRef idx="1">
-              <a:schemeClr val="dk1"/>
-            </a:lnRef>
-            <a:fillRef idx="0">
-              <a:schemeClr val="dk1"/>
-            </a:fillRef>
-            <a:effectRef idx="0">
-              <a:schemeClr val="dk1"/>
-            </a:effectRef>
-            <a:fontRef idx="minor">
-              <a:schemeClr val="tx1"/>
-            </a:fontRef>
-          </p:style>
-        </p:cxnSp>
-        <p:sp>
-          <p:nvSpPr>
-            <p:cNvPr id="19" name="Rectangle 18">
-              <a:extLst>
-                <a:ext uri="{FF2B5EF4-FFF2-40B4-BE49-F238E27FC236}">
-                  <a16:creationId xmlns:a16="http://schemas.microsoft.com/office/drawing/2014/main" id="{38857C37-4B42-44BE-2547-5DE0086D36BF}"/>
-                </a:ext>
-              </a:extLst>
-            </p:cNvPr>
-            <p:cNvSpPr/>
-            <p:nvPr/>
-          </p:nvSpPr>
-          <p:spPr>
-            <a:xfrm>
-              <a:off x="8837072" y="3059724"/>
-              <a:ext cx="1935698" cy="923330"/>
-            </a:xfrm>
-            <a:prstGeom prst="rect">
-              <a:avLst/>
-            </a:prstGeom>
-          </p:spPr>
-          <p:txBody>
-            <a:bodyPr wrap="square">
-              <a:spAutoFit/>
-            </a:bodyPr>
-            <a:lstStyle/>
-            <a:p>
-              <a:pPr algn="ctr"/>
-              <a:r>
-                <a:rPr lang="en-US" b="1" dirty="0"/>
-                <a:t>C. </a:t>
-              </a:r>
-              <a:r>
-                <a:rPr lang="en-US" dirty="0"/>
-                <a:t>Evidence exists, but we did not </a:t>
-              </a:r>
-              <a:r>
-                <a:rPr lang="en-US" dirty="0" err="1"/>
-                <a:t>analyse</a:t>
-              </a:r>
-              <a:endParaRPr lang="en-US" dirty="0"/>
-            </a:p>
-          </p:txBody>
-        </p:sp>
-        <p:sp>
-          <p:nvSpPr>
-            <p:cNvPr id="20" name="Rectangle 19">
-              <a:extLst>
-                <a:ext uri="{FF2B5EF4-FFF2-40B4-BE49-F238E27FC236}">
-                  <a16:creationId xmlns:a16="http://schemas.microsoft.com/office/drawing/2014/main" id="{D100FCE4-4112-2B3F-3DE3-053095541BE9}"/>
-                </a:ext>
-              </a:extLst>
-            </p:cNvPr>
-            <p:cNvSpPr/>
-            <p:nvPr/>
-          </p:nvSpPr>
-          <p:spPr>
-            <a:xfrm>
-              <a:off x="974534" y="3059725"/>
-              <a:ext cx="1511810" cy="646331"/>
-            </a:xfrm>
-            <a:prstGeom prst="rect">
-              <a:avLst/>
-            </a:prstGeom>
-          </p:spPr>
-          <p:txBody>
-            <a:bodyPr wrap="square">
-              <a:spAutoFit/>
-            </a:bodyPr>
-            <a:lstStyle/>
-            <a:p>
-              <a:pPr algn="ctr"/>
-              <a:r>
-                <a:rPr lang="en-US" b="1" dirty="0"/>
-                <a:t>A. </a:t>
-              </a:r>
-              <a:r>
-                <a:rPr lang="en-US" dirty="0"/>
-                <a:t>No evidence</a:t>
-              </a:r>
-            </a:p>
-          </p:txBody>
-        </p:sp>
-        <p:sp>
-          <p:nvSpPr>
-            <p:cNvPr id="50" name="Rectangle 49">
-              <a:extLst>
-                <a:ext uri="{FF2B5EF4-FFF2-40B4-BE49-F238E27FC236}">
-                  <a16:creationId xmlns:a16="http://schemas.microsoft.com/office/drawing/2014/main" id="{CB3D5BF0-934F-650E-BC5A-704B3BAF087B}"/>
-                </a:ext>
-              </a:extLst>
-            </p:cNvPr>
-            <p:cNvSpPr/>
-            <p:nvPr/>
-          </p:nvSpPr>
-          <p:spPr>
-            <a:xfrm>
-              <a:off x="3875918" y="3059724"/>
-              <a:ext cx="1067113" cy="646331"/>
-            </a:xfrm>
-            <a:prstGeom prst="rect">
-              <a:avLst/>
-            </a:prstGeom>
-          </p:spPr>
-          <p:txBody>
-            <a:bodyPr wrap="square">
-              <a:spAutoFit/>
-            </a:bodyPr>
-            <a:lstStyle/>
-            <a:p>
-              <a:pPr algn="ctr"/>
-              <a:r>
-                <a:rPr lang="en-US" b="1" dirty="0"/>
-                <a:t>B. Three studies</a:t>
-              </a:r>
-              <a:endParaRPr lang="en-US" dirty="0"/>
-            </a:p>
-          </p:txBody>
-        </p:sp>
-      </p:grpSp>
-    </p:spTree>
-    <p:extLst>
-      <p:ext uri="{BB962C8B-B14F-4D97-AF65-F5344CB8AC3E}">
-        <p14:creationId xmlns:p14="http://schemas.microsoft.com/office/powerpoint/2010/main" val="4239878614"/>
-      </p:ext>
-    </p:extLst>
-  </p:cSld>
-  <p:clrMapOvr>
-    <a:masterClrMapping/>
-  </p:clrMapOvr>
-</p:sld>
-</file>
-
-<file path=ppt/slides/slide4.xml><?xml version="1.0" encoding="utf-8"?>
-<p:sld xmlns:a="http://schemas.openxmlformats.org/drawingml/2006/main" xmlns:r="http://schemas.openxmlformats.org/officeDocument/2006/relationships" xmlns:p="http://schemas.openxmlformats.org/presentationml/2006/main">
-  <p:cSld>
-    <p:spTree>
-      <p:nvGrpSpPr>
-        <p:cNvPr id="1" name=""/>
-        <p:cNvGrpSpPr/>
-        <p:nvPr/>
-      </p:nvGrpSpPr>
-      <p:grpSpPr>
-        <a:xfrm>
-          <a:off x="0" y="0"/>
-          <a:ext cx="0" cy="0"/>
-          <a:chOff x="0" y="0"/>
-          <a:chExt cx="0" cy="0"/>
-        </a:xfrm>
-      </p:grpSpPr>
-      <p:grpSp>
-        <p:nvGrpSpPr>
-          <p:cNvPr id="14" name="Group 13">
-            <a:extLst>
-              <a:ext uri="{FF2B5EF4-FFF2-40B4-BE49-F238E27FC236}">
-                <a16:creationId xmlns:a16="http://schemas.microsoft.com/office/drawing/2014/main" id="{EC69352A-9B45-B752-6D2B-8C476000E4B1}"/>
-              </a:ext>
-            </a:extLst>
-          </p:cNvPr>
-          <p:cNvGrpSpPr/>
-          <p:nvPr/>
-        </p:nvGrpSpPr>
-        <p:grpSpPr>
-          <a:xfrm>
-            <a:off x="156369" y="803276"/>
-            <a:ext cx="11879263" cy="11879263"/>
-            <a:chOff x="156369" y="803276"/>
-            <a:chExt cx="11879263" cy="11879263"/>
-          </a:xfrm>
-        </p:grpSpPr>
-        <p:grpSp>
-          <p:nvGrpSpPr>
-            <p:cNvPr id="8" name="Group 7">
-              <a:extLst>
-                <a:ext uri="{FF2B5EF4-FFF2-40B4-BE49-F238E27FC236}">
-                  <a16:creationId xmlns:a16="http://schemas.microsoft.com/office/drawing/2014/main" id="{074D0422-202B-8948-C018-7EC24D9524CB}"/>
-                </a:ext>
-              </a:extLst>
-            </p:cNvPr>
-            <p:cNvGrpSpPr/>
-            <p:nvPr/>
-          </p:nvGrpSpPr>
-          <p:grpSpPr>
-            <a:xfrm>
-              <a:off x="156369" y="803276"/>
-              <a:ext cx="11879263" cy="11879263"/>
-              <a:chOff x="156368" y="0"/>
-              <a:chExt cx="11879263" cy="11879263"/>
-            </a:xfrm>
-          </p:grpSpPr>
-          <p:pic>
-            <p:nvPicPr>
-              <p:cNvPr id="3" name="Picture 2" descr="Shape&#10;&#10;Description automatically generated with low confidence">
-                <a:extLst>
-                  <a:ext uri="{FF2B5EF4-FFF2-40B4-BE49-F238E27FC236}">
-                    <a16:creationId xmlns:a16="http://schemas.microsoft.com/office/drawing/2014/main" id="{F5945B90-6DF2-2702-51AF-234B7CB27B3A}"/>
-                  </a:ext>
-                </a:extLst>
-              </p:cNvPr>
-              <p:cNvPicPr>
-                <a:picLocks noChangeAspect="1"/>
-              </p:cNvPicPr>
-              <p:nvPr/>
-            </p:nvPicPr>
-            <p:blipFill>
-              <a:blip r:embed="rId2"/>
-              <a:stretch>
-                <a:fillRect/>
-              </a:stretch>
-            </p:blipFill>
-            <p:spPr>
-              <a:xfrm>
-                <a:off x="156368" y="0"/>
-                <a:ext cx="11879263" cy="11879263"/>
-              </a:xfrm>
-              <a:prstGeom prst="rect">
-                <a:avLst/>
-              </a:prstGeom>
-            </p:spPr>
-          </p:pic>
-          <p:cxnSp>
-            <p:nvCxnSpPr>
-              <p:cNvPr id="5" name="Straight Connector 4">
-                <a:extLst>
-                  <a:ext uri="{FF2B5EF4-FFF2-40B4-BE49-F238E27FC236}">
-                    <a16:creationId xmlns:a16="http://schemas.microsoft.com/office/drawing/2014/main" id="{DB2F7E1C-52C3-9226-8009-81DD9BC4C5A2}"/>
-                  </a:ext>
-                </a:extLst>
-              </p:cNvPr>
-              <p:cNvCxnSpPr/>
-              <p:nvPr/>
-            </p:nvCxnSpPr>
-            <p:spPr>
-              <a:xfrm>
-                <a:off x="1552353" y="637953"/>
-                <a:ext cx="10228521" cy="0"/>
-              </a:xfrm>
-              <a:prstGeom prst="line">
-                <a:avLst/>
-              </a:prstGeom>
-              <a:ln w="25400">
-                <a:solidFill>
-                  <a:schemeClr val="tx1"/>
-                </a:solidFill>
-                <a:prstDash val="sysDash"/>
-              </a:ln>
-            </p:spPr>
-            <p:style>
-              <a:lnRef idx="1">
-                <a:schemeClr val="accent1"/>
-              </a:lnRef>
-              <a:fillRef idx="0">
-                <a:schemeClr val="accent1"/>
-              </a:fillRef>
-              <a:effectRef idx="0">
-                <a:schemeClr val="accent1"/>
-              </a:effectRef>
-              <a:fontRef idx="minor">
-                <a:schemeClr val="tx1"/>
-              </a:fontRef>
-            </p:style>
-          </p:cxnSp>
-          <p:sp>
-            <p:nvSpPr>
-              <p:cNvPr id="6" name="Rectangle 5">
-                <a:extLst>
-                  <a:ext uri="{FF2B5EF4-FFF2-40B4-BE49-F238E27FC236}">
-                    <a16:creationId xmlns:a16="http://schemas.microsoft.com/office/drawing/2014/main" id="{2C771D19-B60D-6C9B-F01F-1D1E5E8A1E20}"/>
-                  </a:ext>
-                </a:extLst>
-              </p:cNvPr>
-              <p:cNvSpPr/>
-              <p:nvPr/>
-            </p:nvSpPr>
-            <p:spPr>
-              <a:xfrm>
-                <a:off x="5741581" y="659219"/>
-                <a:ext cx="5422604" cy="8867554"/>
-              </a:xfrm>
-              <a:prstGeom prst="rect">
-                <a:avLst/>
-              </a:prstGeom>
-              <a:solidFill>
-                <a:schemeClr val="tx2">
-                  <a:alpha val="50000"/>
-                </a:schemeClr>
-              </a:solidFill>
-              <a:ln>
-                <a:noFill/>
-              </a:ln>
-            </p:spPr>
-            <p:style>
-              <a:lnRef idx="2">
-                <a:schemeClr val="accent1">
-                  <a:shade val="50000"/>
-                </a:schemeClr>
-              </a:lnRef>
-              <a:fillRef idx="1">
-                <a:schemeClr val="accent1"/>
-              </a:fillRef>
-              <a:effectRef idx="0">
-                <a:schemeClr val="accent1"/>
-              </a:effectRef>
-              <a:fontRef idx="minor">
-                <a:schemeClr val="lt1"/>
-              </a:fontRef>
-            </p:style>
-            <p:txBody>
-              <a:bodyPr rtlCol="0" anchor="ctr"/>
-              <a:lstStyle/>
-              <a:p>
-                <a:pPr algn="ctr"/>
-                <a:endParaRPr lang="en-GB"/>
-              </a:p>
-            </p:txBody>
-          </p:sp>
-          <p:sp>
-            <p:nvSpPr>
-              <p:cNvPr id="7" name="Triangle 6">
-                <a:extLst>
-                  <a:ext uri="{FF2B5EF4-FFF2-40B4-BE49-F238E27FC236}">
-                    <a16:creationId xmlns:a16="http://schemas.microsoft.com/office/drawing/2014/main" id="{19F53E56-7C09-65C4-7698-83D42F9F256A}"/>
-                  </a:ext>
-                </a:extLst>
-              </p:cNvPr>
-              <p:cNvSpPr/>
-              <p:nvPr/>
-            </p:nvSpPr>
-            <p:spPr>
-              <a:xfrm flipV="1">
-                <a:off x="2169044" y="659218"/>
-                <a:ext cx="3572537" cy="8888820"/>
-              </a:xfrm>
-              <a:prstGeom prst="triangle">
-                <a:avLst>
-                  <a:gd name="adj" fmla="val 100000"/>
-                </a:avLst>
-              </a:prstGeom>
-              <a:solidFill>
-                <a:schemeClr val="tx2">
-                  <a:alpha val="50000"/>
-                </a:schemeClr>
-              </a:solidFill>
-              <a:ln>
-                <a:noFill/>
-              </a:ln>
-            </p:spPr>
-            <p:style>
-              <a:lnRef idx="2">
-                <a:schemeClr val="accent1">
-                  <a:shade val="50000"/>
-                </a:schemeClr>
-              </a:lnRef>
-              <a:fillRef idx="1">
-                <a:schemeClr val="accent1"/>
-              </a:fillRef>
-              <a:effectRef idx="0">
-                <a:schemeClr val="accent1"/>
-              </a:effectRef>
-              <a:fontRef idx="minor">
-                <a:schemeClr val="lt1"/>
-              </a:fontRef>
-            </p:style>
-            <p:txBody>
-              <a:bodyPr rtlCol="0" anchor="ctr"/>
-              <a:lstStyle/>
-              <a:p>
-                <a:pPr algn="ctr"/>
-                <a:endParaRPr lang="en-GB"/>
-              </a:p>
-            </p:txBody>
-          </p:sp>
-        </p:grpSp>
-        <p:sp>
-          <p:nvSpPr>
-            <p:cNvPr id="9" name="TextBox 8">
-              <a:extLst>
-                <a:ext uri="{FF2B5EF4-FFF2-40B4-BE49-F238E27FC236}">
-                  <a16:creationId xmlns:a16="http://schemas.microsoft.com/office/drawing/2014/main" id="{9AC22185-4EE5-25E0-8F38-80C678148152}"/>
-                </a:ext>
-              </a:extLst>
-            </p:cNvPr>
-            <p:cNvSpPr txBox="1"/>
-            <p:nvPr/>
-          </p:nvSpPr>
-          <p:spPr>
-            <a:xfrm>
-              <a:off x="5741582" y="3078642"/>
-              <a:ext cx="3742661" cy="1754326"/>
-            </a:xfrm>
-            <a:prstGeom prst="rect">
-              <a:avLst/>
-            </a:prstGeom>
-            <a:noFill/>
-          </p:spPr>
-          <p:txBody>
-            <a:bodyPr wrap="square" rtlCol="0">
-              <a:spAutoFit/>
-            </a:bodyPr>
-            <a:lstStyle/>
-            <a:p>
-              <a:pPr algn="ctr"/>
-              <a:r>
-                <a:rPr lang="en-GB" sz="3600" dirty="0"/>
-                <a:t>SD-years of subjective wellbeing lost</a:t>
-              </a:r>
-            </a:p>
-          </p:txBody>
-        </p:sp>
-        <p:sp>
-          <p:nvSpPr>
-            <p:cNvPr id="21" name="TextBox 20">
-              <a:extLst>
-                <a:ext uri="{FF2B5EF4-FFF2-40B4-BE49-F238E27FC236}">
-                  <a16:creationId xmlns:a16="http://schemas.microsoft.com/office/drawing/2014/main" id="{DFDF0830-D359-B69F-4201-4C24140911DB}"/>
-                </a:ext>
-              </a:extLst>
-            </p:cNvPr>
-            <p:cNvSpPr txBox="1"/>
-            <p:nvPr/>
-          </p:nvSpPr>
-          <p:spPr>
-            <a:xfrm>
-              <a:off x="5741582" y="10407172"/>
-              <a:ext cx="5422603" cy="461665"/>
-            </a:xfrm>
-            <a:prstGeom prst="rect">
-              <a:avLst/>
-            </a:prstGeom>
-            <a:noFill/>
-          </p:spPr>
-          <p:txBody>
-            <a:bodyPr wrap="square" rtlCol="0">
-              <a:spAutoFit/>
-            </a:bodyPr>
-            <a:lstStyle/>
-            <a:p>
-              <a:pPr algn="ctr"/>
-              <a:r>
-                <a:rPr lang="en-GB" sz="2400" dirty="0"/>
-                <a:t>Stabilised losses in adulthood</a:t>
-              </a:r>
-            </a:p>
-          </p:txBody>
-        </p:sp>
-        <p:sp>
-          <p:nvSpPr>
-            <p:cNvPr id="23" name="TextBox 22">
-              <a:extLst>
-                <a:ext uri="{FF2B5EF4-FFF2-40B4-BE49-F238E27FC236}">
-                  <a16:creationId xmlns:a16="http://schemas.microsoft.com/office/drawing/2014/main" id="{BADA84A3-570F-CBE1-3AE4-D66149EC6524}"/>
-                </a:ext>
-              </a:extLst>
-            </p:cNvPr>
-            <p:cNvSpPr txBox="1"/>
-            <p:nvPr/>
-          </p:nvSpPr>
-          <p:spPr>
-            <a:xfrm>
-              <a:off x="1892811" y="6369387"/>
-              <a:ext cx="2842433" cy="461665"/>
-            </a:xfrm>
-            <a:prstGeom prst="rect">
-              <a:avLst/>
-            </a:prstGeom>
-            <a:noFill/>
-          </p:spPr>
-          <p:txBody>
-            <a:bodyPr wrap="square" rtlCol="0">
-              <a:spAutoFit/>
-            </a:bodyPr>
-            <a:lstStyle/>
-            <a:p>
-              <a:pPr algn="ctr"/>
-              <a:r>
-                <a:rPr lang="en-GB" sz="2400" dirty="0"/>
-                <a:t>Losses grow</a:t>
-              </a:r>
-            </a:p>
-          </p:txBody>
-        </p:sp>
-        <p:cxnSp>
-          <p:nvCxnSpPr>
-            <p:cNvPr id="11" name="Straight Connector 10">
-              <a:extLst>
-                <a:ext uri="{FF2B5EF4-FFF2-40B4-BE49-F238E27FC236}">
-                  <a16:creationId xmlns:a16="http://schemas.microsoft.com/office/drawing/2014/main" id="{254C2773-4C3D-2DDF-6B13-3B96C8A33DA8}"/>
+                  <a16:creationId xmlns:a16="http://schemas.microsoft.com/office/drawing/2014/main" id="{D240366C-CC2B-AD99-EE28-0A9AE5869D3A}"/>
                 </a:ext>
               </a:extLst>
             </p:cNvPr>
@@ -6953,28 +8366,28 @@
           </p:nvCxnSpPr>
           <p:spPr>
             <a:xfrm>
-              <a:off x="2977116" y="10606494"/>
-              <a:ext cx="0" cy="1254642"/>
+              <a:off x="8717410" y="6765024"/>
+              <a:ext cx="0" cy="641616"/>
             </a:xfrm>
-            <a:prstGeom prst="line">
+            <a:prstGeom prst="straightConnector1">
               <a:avLst/>
             </a:prstGeom>
-            <a:ln w="25400">
+            <a:ln w="38100">
               <a:solidFill>
                 <a:schemeClr val="tx1"/>
               </a:solidFill>
-              <a:prstDash val="sysDash"/>
+              <a:tailEnd type="triangle"/>
             </a:ln>
           </p:spPr>
           <p:style>
             <a:lnRef idx="1">
-              <a:schemeClr val="accent1"/>
+              <a:schemeClr val="dk1"/>
             </a:lnRef>
             <a:fillRef idx="0">
-              <a:schemeClr val="accent1"/>
+              <a:schemeClr val="dk1"/>
             </a:fillRef>
             <a:effectRef idx="0">
-              <a:schemeClr val="accent1"/>
+              <a:schemeClr val="dk1"/>
             </a:effectRef>
             <a:fontRef idx="minor">
               <a:schemeClr val="tx1"/>
@@ -6983,10 +8396,10 @@
         </p:cxnSp>
         <p:cxnSp>
           <p:nvCxnSpPr>
-            <p:cNvPr id="15" name="Straight Connector 14">
+            <p:cNvPr id="154" name="Straight Connector 153">
               <a:extLst>
                 <a:ext uri="{FF2B5EF4-FFF2-40B4-BE49-F238E27FC236}">
-                  <a16:creationId xmlns:a16="http://schemas.microsoft.com/office/drawing/2014/main" id="{31A713D8-E205-E794-1B34-E4B08ACFA52B}"/>
+                  <a16:creationId xmlns:a16="http://schemas.microsoft.com/office/drawing/2014/main" id="{3BDA28CF-FE59-1D08-4B2B-8B27DF6AEF81}"/>
                 </a:ext>
               </a:extLst>
             </p:cNvPr>
@@ -6996,138 +8409,17 @@
             <p:nvPr/>
           </p:nvCxnSpPr>
           <p:spPr>
-            <a:xfrm>
-              <a:off x="3384697" y="10606494"/>
-              <a:ext cx="0" cy="1254642"/>
+            <a:xfrm flipH="1">
+              <a:off x="8692801" y="6765024"/>
+              <a:ext cx="652271" cy="0"/>
             </a:xfrm>
             <a:prstGeom prst="line">
               <a:avLst/>
             </a:prstGeom>
-            <a:ln w="25400">
+            <a:ln w="38100">
               <a:solidFill>
                 <a:schemeClr val="tx1"/>
               </a:solidFill>
-              <a:prstDash val="sysDash"/>
-            </a:ln>
-          </p:spPr>
-          <p:style>
-            <a:lnRef idx="1">
-              <a:schemeClr val="accent1"/>
-            </a:lnRef>
-            <a:fillRef idx="0">
-              <a:schemeClr val="accent1"/>
-            </a:fillRef>
-            <a:effectRef idx="0">
-              <a:schemeClr val="accent1"/>
-            </a:effectRef>
-            <a:fontRef idx="minor">
-              <a:schemeClr val="tx1"/>
-            </a:fontRef>
-          </p:style>
-        </p:cxnSp>
-        <p:sp>
-          <p:nvSpPr>
-            <p:cNvPr id="16" name="TextBox 15">
-              <a:extLst>
-                <a:ext uri="{FF2B5EF4-FFF2-40B4-BE49-F238E27FC236}">
-                  <a16:creationId xmlns:a16="http://schemas.microsoft.com/office/drawing/2014/main" id="{B9358F18-3AE3-794D-C18F-F7503F08DAA1}"/>
-                </a:ext>
-              </a:extLst>
-            </p:cNvPr>
-            <p:cNvSpPr txBox="1"/>
-            <p:nvPr/>
-          </p:nvSpPr>
-          <p:spPr>
-            <a:xfrm>
-              <a:off x="1648155" y="10161849"/>
-              <a:ext cx="2842433" cy="400110"/>
-            </a:xfrm>
-            <a:prstGeom prst="rect">
-              <a:avLst/>
-            </a:prstGeom>
-            <a:noFill/>
-          </p:spPr>
-          <p:txBody>
-            <a:bodyPr wrap="square" rtlCol="0">
-              <a:spAutoFit/>
-            </a:bodyPr>
-            <a:lstStyle/>
-            <a:p>
-              <a:pPr algn="ctr"/>
-              <a:r>
-                <a:rPr lang="en-GB" sz="2000" dirty="0"/>
-                <a:t>BLLs were measured</a:t>
-              </a:r>
-            </a:p>
-          </p:txBody>
-        </p:sp>
-        <p:sp>
-          <p:nvSpPr>
-            <p:cNvPr id="17" name="TextBox 16">
-              <a:extLst>
-                <a:ext uri="{FF2B5EF4-FFF2-40B4-BE49-F238E27FC236}">
-                  <a16:creationId xmlns:a16="http://schemas.microsoft.com/office/drawing/2014/main" id="{02CFCE26-6471-0EA0-D011-7EF33E1911C1}"/>
-                </a:ext>
-              </a:extLst>
-            </p:cNvPr>
-            <p:cNvSpPr txBox="1"/>
-            <p:nvPr/>
-          </p:nvSpPr>
-          <p:spPr>
-            <a:xfrm>
-              <a:off x="4304703" y="10444465"/>
-              <a:ext cx="2191227" cy="707886"/>
-            </a:xfrm>
-            <a:prstGeom prst="rect">
-              <a:avLst/>
-            </a:prstGeom>
-            <a:noFill/>
-          </p:spPr>
-          <p:txBody>
-            <a:bodyPr wrap="square" rtlCol="0">
-              <a:spAutoFit/>
-            </a:bodyPr>
-            <a:lstStyle/>
-            <a:p>
-              <a:pPr algn="ctr"/>
-              <a:r>
-                <a:rPr lang="en-GB" sz="2000" dirty="0" err="1"/>
-                <a:t>MHa</a:t>
-              </a:r>
-              <a:r>
-                <a:rPr lang="en-GB" sz="2000" dirty="0"/>
-                <a:t> outcomes were measured</a:t>
-              </a:r>
-            </a:p>
-          </p:txBody>
-        </p:sp>
-        <p:cxnSp>
-          <p:nvCxnSpPr>
-            <p:cNvPr id="18" name="Straight Connector 17">
-              <a:extLst>
-                <a:ext uri="{FF2B5EF4-FFF2-40B4-BE49-F238E27FC236}">
-                  <a16:creationId xmlns:a16="http://schemas.microsoft.com/office/drawing/2014/main" id="{204544A1-D6F0-333C-F6DD-692370199339}"/>
-                </a:ext>
-              </a:extLst>
-            </p:cNvPr>
-            <p:cNvCxnSpPr>
-              <a:cxnSpLocks/>
-            </p:cNvCxnSpPr>
-            <p:nvPr/>
-          </p:nvCxnSpPr>
-          <p:spPr>
-            <a:xfrm>
-              <a:off x="5346997" y="11233815"/>
-              <a:ext cx="0" cy="601921"/>
-            </a:xfrm>
-            <a:prstGeom prst="line">
-              <a:avLst/>
-            </a:prstGeom>
-            <a:ln w="25400">
-              <a:solidFill>
-                <a:schemeClr val="tx1"/>
-              </a:solidFill>
-              <a:prstDash val="sysDash"/>
             </a:ln>
           </p:spPr>
           <p:style>
@@ -7149,7 +8441,7 @@
     </p:spTree>
     <p:extLst>
       <p:ext uri="{BB962C8B-B14F-4D97-AF65-F5344CB8AC3E}">
-        <p14:creationId xmlns:p14="http://schemas.microsoft.com/office/powerpoint/2010/main" val="1610701667"/>
+        <p14:creationId xmlns:p14="http://schemas.microsoft.com/office/powerpoint/2010/main" val="1497080368"/>
       </p:ext>
     </p:extLst>
   </p:cSld>

--- a/causalgraphs.pptx
+++ b/causalgraphs.pptx
@@ -5331,7 +5331,7 @@
                       <a:sysClr val="windowText" lastClr="000000"/>
                     </a:solidFill>
                   </a:rPr>
-                  <a:t>generosity</a:t>
+                  <a:t>Generosity</a:t>
                 </a:r>
                 <a:endParaRPr lang="en-US" sz="1550" dirty="0"/>
               </a:p>
@@ -6207,7 +6207,11 @@
             <a:prstGeom prst="ellipse">
               <a:avLst/>
             </a:prstGeom>
-            <a:ln w="38100"/>
+            <a:ln w="38100">
+              <a:solidFill>
+                <a:srgbClr val="FF0000"/>
+              </a:solidFill>
+            </a:ln>
           </p:spPr>
           <p:style>
             <a:lnRef idx="2">
@@ -6231,12 +6235,11 @@
               <a:r>
                 <a:rPr lang="en-US" sz="1550" dirty="0">
                   <a:solidFill>
-                    <a:sysClr val="windowText" lastClr="000000"/>
+                    <a:srgbClr val="FF0000"/>
                   </a:solidFill>
                 </a:rPr>
                 <a:t>Prejudice and discrimination</a:t>
               </a:r>
-              <a:endParaRPr lang="en-US" sz="1550" dirty="0"/>
             </a:p>
           </p:txBody>
         </p:sp>

--- a/causalgraphs.pptx
+++ b/causalgraphs.pptx
@@ -4402,7 +4402,7 @@
         </p:nvGrpSpPr>
         <p:grpSpPr>
           <a:xfrm>
-            <a:off x="887815" y="323690"/>
+            <a:off x="896522" y="351399"/>
             <a:ext cx="17057887" cy="12686858"/>
             <a:chOff x="887815" y="323690"/>
             <a:chExt cx="17057887" cy="12686858"/>

--- a/causalgraphs.pptx
+++ b/causalgraphs.pptx
@@ -6,8 +6,9 @@
   </p:sldMasterIdLst>
   <p:sldIdLst>
     <p:sldId id="257" r:id="rId2"/>
-    <p:sldId id="262" r:id="rId3"/>
-    <p:sldId id="261" r:id="rId4"/>
+    <p:sldId id="263" r:id="rId3"/>
+    <p:sldId id="262" r:id="rId4"/>
+    <p:sldId id="261" r:id="rId5"/>
   </p:sldIdLst>
   <p:sldSz cx="18000663" cy="14400213"/>
   <p:notesSz cx="6858000" cy="9144000"/>
@@ -245,7 +246,7 @@
           <a:p>
             <a:fld id="{0242246C-62F8-8D41-AE20-12536F7DA5C0}" type="datetimeFigureOut">
               <a:rPr lang="en-US" smtClean="0"/>
-              <a:t>5/13/22</a:t>
+              <a:t>5/23/22</a:t>
             </a:fld>
             <a:endParaRPr lang="en-US"/>
           </a:p>
@@ -415,7 +416,7 @@
           <a:p>
             <a:fld id="{0242246C-62F8-8D41-AE20-12536F7DA5C0}" type="datetimeFigureOut">
               <a:rPr lang="en-US" smtClean="0"/>
-              <a:t>5/13/22</a:t>
+              <a:t>5/23/22</a:t>
             </a:fld>
             <a:endParaRPr lang="en-US"/>
           </a:p>
@@ -595,7 +596,7 @@
           <a:p>
             <a:fld id="{0242246C-62F8-8D41-AE20-12536F7DA5C0}" type="datetimeFigureOut">
               <a:rPr lang="en-US" smtClean="0"/>
-              <a:t>5/13/22</a:t>
+              <a:t>5/23/22</a:t>
             </a:fld>
             <a:endParaRPr lang="en-US"/>
           </a:p>
@@ -765,7 +766,7 @@
           <a:p>
             <a:fld id="{0242246C-62F8-8D41-AE20-12536F7DA5C0}" type="datetimeFigureOut">
               <a:rPr lang="en-US" smtClean="0"/>
-              <a:t>5/13/22</a:t>
+              <a:t>5/23/22</a:t>
             </a:fld>
             <a:endParaRPr lang="en-US"/>
           </a:p>
@@ -1009,7 +1010,7 @@
           <a:p>
             <a:fld id="{0242246C-62F8-8D41-AE20-12536F7DA5C0}" type="datetimeFigureOut">
               <a:rPr lang="en-US" smtClean="0"/>
-              <a:t>5/13/22</a:t>
+              <a:t>5/23/22</a:t>
             </a:fld>
             <a:endParaRPr lang="en-US"/>
           </a:p>
@@ -1241,7 +1242,7 @@
           <a:p>
             <a:fld id="{0242246C-62F8-8D41-AE20-12536F7DA5C0}" type="datetimeFigureOut">
               <a:rPr lang="en-US" smtClean="0"/>
-              <a:t>5/13/22</a:t>
+              <a:t>5/23/22</a:t>
             </a:fld>
             <a:endParaRPr lang="en-US"/>
           </a:p>
@@ -1608,7 +1609,7 @@
           <a:p>
             <a:fld id="{0242246C-62F8-8D41-AE20-12536F7DA5C0}" type="datetimeFigureOut">
               <a:rPr lang="en-US" smtClean="0"/>
-              <a:t>5/13/22</a:t>
+              <a:t>5/23/22</a:t>
             </a:fld>
             <a:endParaRPr lang="en-US"/>
           </a:p>
@@ -1726,7 +1727,7 @@
           <a:p>
             <a:fld id="{0242246C-62F8-8D41-AE20-12536F7DA5C0}" type="datetimeFigureOut">
               <a:rPr lang="en-US" smtClean="0"/>
-              <a:t>5/13/22</a:t>
+              <a:t>5/23/22</a:t>
             </a:fld>
             <a:endParaRPr lang="en-US"/>
           </a:p>
@@ -1821,7 +1822,7 @@
           <a:p>
             <a:fld id="{0242246C-62F8-8D41-AE20-12536F7DA5C0}" type="datetimeFigureOut">
               <a:rPr lang="en-US" smtClean="0"/>
-              <a:t>5/13/22</a:t>
+              <a:t>5/23/22</a:t>
             </a:fld>
             <a:endParaRPr lang="en-US"/>
           </a:p>
@@ -2098,7 +2099,7 @@
           <a:p>
             <a:fld id="{0242246C-62F8-8D41-AE20-12536F7DA5C0}" type="datetimeFigureOut">
               <a:rPr lang="en-US" smtClean="0"/>
-              <a:t>5/13/22</a:t>
+              <a:t>5/23/22</a:t>
             </a:fld>
             <a:endParaRPr lang="en-US"/>
           </a:p>
@@ -2355,7 +2356,7 @@
           <a:p>
             <a:fld id="{0242246C-62F8-8D41-AE20-12536F7DA5C0}" type="datetimeFigureOut">
               <a:rPr lang="en-US" smtClean="0"/>
-              <a:t>5/13/22</a:t>
+              <a:t>5/23/22</a:t>
             </a:fld>
             <a:endParaRPr lang="en-US"/>
           </a:p>
@@ -2568,7 +2569,7 @@
           <a:p>
             <a:fld id="{0242246C-62F8-8D41-AE20-12536F7DA5C0}" type="datetimeFigureOut">
               <a:rPr lang="en-US" smtClean="0"/>
-              <a:t>5/13/22</a:t>
+              <a:t>5/23/22</a:t>
             </a:fld>
             <a:endParaRPr lang="en-US"/>
           </a:p>
@@ -4224,50 +4225,6 @@
       </p:cxnSp>
       <p:cxnSp>
         <p:nvCxnSpPr>
-          <p:cNvPr id="86" name="Straight Connector 85">
-            <a:extLst>
-              <a:ext uri="{FF2B5EF4-FFF2-40B4-BE49-F238E27FC236}">
-                <a16:creationId xmlns:a16="http://schemas.microsoft.com/office/drawing/2014/main" id="{53755901-8D31-40CD-0E0F-6C79D8EEB09F}"/>
-              </a:ext>
-            </a:extLst>
-          </p:cNvPr>
-          <p:cNvCxnSpPr>
-            <a:cxnSpLocks/>
-            <a:stCxn id="5" idx="6"/>
-          </p:cNvCxnSpPr>
-          <p:nvPr/>
-        </p:nvCxnSpPr>
-        <p:spPr>
-          <a:xfrm flipV="1">
-            <a:off x="10130431" y="8119961"/>
-            <a:ext cx="3302772" cy="1976901"/>
-          </a:xfrm>
-          <a:prstGeom prst="line">
-            <a:avLst/>
-          </a:prstGeom>
-          <a:ln w="38100">
-            <a:solidFill>
-              <a:schemeClr val="tx1"/>
-            </a:solidFill>
-          </a:ln>
-        </p:spPr>
-        <p:style>
-          <a:lnRef idx="1">
-            <a:schemeClr val="accent1"/>
-          </a:lnRef>
-          <a:fillRef idx="0">
-            <a:schemeClr val="accent1"/>
-          </a:fillRef>
-          <a:effectRef idx="0">
-            <a:schemeClr val="accent1"/>
-          </a:effectRef>
-          <a:fontRef idx="minor">
-            <a:schemeClr val="tx1"/>
-          </a:fontRef>
-        </p:style>
-      </p:cxnSp>
-      <p:cxnSp>
-        <p:nvCxnSpPr>
           <p:cNvPr id="89" name="Straight Arrow Connector 88">
             <a:extLst>
               <a:ext uri="{FF2B5EF4-FFF2-40B4-BE49-F238E27FC236}">
@@ -4372,6 +4329,958 @@
 </file>
 
 <file path=ppt/slides/slide2.xml><?xml version="1.0" encoding="utf-8"?>
+<p:sld xmlns:a="http://schemas.openxmlformats.org/drawingml/2006/main" xmlns:r="http://schemas.openxmlformats.org/officeDocument/2006/relationships" xmlns:p="http://schemas.openxmlformats.org/presentationml/2006/main">
+  <p:cSld>
+    <p:spTree>
+      <p:nvGrpSpPr>
+        <p:cNvPr id="1" name=""/>
+        <p:cNvGrpSpPr/>
+        <p:nvPr/>
+      </p:nvGrpSpPr>
+      <p:grpSpPr>
+        <a:xfrm>
+          <a:off x="0" y="0"/>
+          <a:ext cx="0" cy="0"/>
+          <a:chOff x="0" y="0"/>
+          <a:chExt cx="0" cy="0"/>
+        </a:xfrm>
+      </p:grpSpPr>
+      <p:sp>
+        <p:nvSpPr>
+          <p:cNvPr id="64" name="Oval 63">
+            <a:extLst>
+              <a:ext uri="{FF2B5EF4-FFF2-40B4-BE49-F238E27FC236}">
+                <a16:creationId xmlns:a16="http://schemas.microsoft.com/office/drawing/2014/main" id="{AF907BD6-FB98-9C06-710A-79DFD64D9E9C}"/>
+              </a:ext>
+            </a:extLst>
+          </p:cNvPr>
+          <p:cNvSpPr/>
+          <p:nvPr/>
+        </p:nvSpPr>
+        <p:spPr>
+          <a:xfrm>
+            <a:off x="9760204" y="5146261"/>
+            <a:ext cx="1661863" cy="1712418"/>
+          </a:xfrm>
+          <a:prstGeom prst="ellipse">
+            <a:avLst/>
+          </a:prstGeom>
+          <a:ln w="63500"/>
+        </p:spPr>
+        <p:style>
+          <a:lnRef idx="2">
+            <a:schemeClr val="dk1"/>
+          </a:lnRef>
+          <a:fillRef idx="1">
+            <a:schemeClr val="lt1"/>
+          </a:fillRef>
+          <a:effectRef idx="0">
+            <a:schemeClr val="dk1"/>
+          </a:effectRef>
+          <a:fontRef idx="minor">
+            <a:schemeClr val="dk1"/>
+          </a:fontRef>
+        </p:style>
+        <p:txBody>
+          <a:bodyPr rtlCol="0" anchor="ctr"/>
+          <a:lstStyle/>
+          <a:p>
+            <a:pPr algn="ctr"/>
+            <a:r>
+              <a:rPr lang="en-US" sz="1550" dirty="0">
+                <a:solidFill>
+                  <a:sysClr val="windowText" lastClr="000000"/>
+                </a:solidFill>
+              </a:rPr>
+              <a:t>compromise country</a:t>
+            </a:r>
+          </a:p>
+        </p:txBody>
+      </p:sp>
+      <p:sp>
+        <p:nvSpPr>
+          <p:cNvPr id="69" name="Oval 68">
+            <a:extLst>
+              <a:ext uri="{FF2B5EF4-FFF2-40B4-BE49-F238E27FC236}">
+                <a16:creationId xmlns:a16="http://schemas.microsoft.com/office/drawing/2014/main" id="{B7812F50-45C2-C9D4-C527-3392E2C50BDB}"/>
+              </a:ext>
+            </a:extLst>
+          </p:cNvPr>
+          <p:cNvSpPr/>
+          <p:nvPr/>
+        </p:nvSpPr>
+        <p:spPr>
+          <a:xfrm>
+            <a:off x="7863268" y="2375041"/>
+            <a:ext cx="1661863" cy="1712418"/>
+          </a:xfrm>
+          <a:prstGeom prst="ellipse">
+            <a:avLst/>
+          </a:prstGeom>
+          <a:ln w="63500"/>
+        </p:spPr>
+        <p:style>
+          <a:lnRef idx="2">
+            <a:schemeClr val="dk1"/>
+          </a:lnRef>
+          <a:fillRef idx="1">
+            <a:schemeClr val="lt1"/>
+          </a:fillRef>
+          <a:effectRef idx="0">
+            <a:schemeClr val="dk1"/>
+          </a:effectRef>
+          <a:fontRef idx="minor">
+            <a:schemeClr val="dk1"/>
+          </a:fontRef>
+        </p:style>
+        <p:txBody>
+          <a:bodyPr rtlCol="0" anchor="ctr"/>
+          <a:lstStyle/>
+          <a:p>
+            <a:pPr algn="ctr"/>
+            <a:r>
+              <a:rPr lang="en-US" sz="1550" dirty="0">
+                <a:solidFill>
+                  <a:sysClr val="windowText" lastClr="000000"/>
+                </a:solidFill>
+              </a:rPr>
+              <a:t>origin country</a:t>
+            </a:r>
+          </a:p>
+        </p:txBody>
+      </p:sp>
+      <p:cxnSp>
+        <p:nvCxnSpPr>
+          <p:cNvPr id="80" name="Straight Arrow Connector 79">
+            <a:extLst>
+              <a:ext uri="{FF2B5EF4-FFF2-40B4-BE49-F238E27FC236}">
+                <a16:creationId xmlns:a16="http://schemas.microsoft.com/office/drawing/2014/main" id="{732B4D81-D60C-59A9-DB29-AA20F333AF9E}"/>
+              </a:ext>
+            </a:extLst>
+          </p:cNvPr>
+          <p:cNvCxnSpPr>
+            <a:cxnSpLocks/>
+            <a:stCxn id="69" idx="5"/>
+            <a:endCxn id="64" idx="1"/>
+          </p:cNvCxnSpPr>
+          <p:nvPr/>
+        </p:nvCxnSpPr>
+        <p:spPr>
+          <a:xfrm>
+            <a:off x="9281757" y="3836681"/>
+            <a:ext cx="721821" cy="1560358"/>
+          </a:xfrm>
+          <a:prstGeom prst="straightConnector1">
+            <a:avLst/>
+          </a:prstGeom>
+          <a:ln w="76200">
+            <a:solidFill>
+              <a:schemeClr val="tx1"/>
+            </a:solidFill>
+            <a:tailEnd type="triangle"/>
+          </a:ln>
+        </p:spPr>
+        <p:style>
+          <a:lnRef idx="1">
+            <a:schemeClr val="dk1"/>
+          </a:lnRef>
+          <a:fillRef idx="0">
+            <a:schemeClr val="dk1"/>
+          </a:fillRef>
+          <a:effectRef idx="0">
+            <a:schemeClr val="dk1"/>
+          </a:effectRef>
+          <a:fontRef idx="minor">
+            <a:schemeClr val="tx1"/>
+          </a:fontRef>
+        </p:style>
+      </p:cxnSp>
+      <p:cxnSp>
+        <p:nvCxnSpPr>
+          <p:cNvPr id="92" name="Straight Arrow Connector 91">
+            <a:extLst>
+              <a:ext uri="{FF2B5EF4-FFF2-40B4-BE49-F238E27FC236}">
+                <a16:creationId xmlns:a16="http://schemas.microsoft.com/office/drawing/2014/main" id="{9B8A49C8-3D7F-5DAB-E00B-DAC888FC8034}"/>
+              </a:ext>
+            </a:extLst>
+          </p:cNvPr>
+          <p:cNvCxnSpPr>
+            <a:cxnSpLocks/>
+            <a:stCxn id="69" idx="3"/>
+            <a:endCxn id="67" idx="7"/>
+          </p:cNvCxnSpPr>
+          <p:nvPr/>
+        </p:nvCxnSpPr>
+        <p:spPr>
+          <a:xfrm flipH="1">
+            <a:off x="7210412" y="3836681"/>
+            <a:ext cx="896230" cy="1560358"/>
+          </a:xfrm>
+          <a:prstGeom prst="straightConnector1">
+            <a:avLst/>
+          </a:prstGeom>
+          <a:ln w="76200">
+            <a:solidFill>
+              <a:schemeClr val="tx1"/>
+            </a:solidFill>
+            <a:tailEnd type="triangle"/>
+          </a:ln>
+        </p:spPr>
+        <p:style>
+          <a:lnRef idx="1">
+            <a:schemeClr val="dk1"/>
+          </a:lnRef>
+          <a:fillRef idx="0">
+            <a:schemeClr val="dk1"/>
+          </a:fillRef>
+          <a:effectRef idx="0">
+            <a:schemeClr val="dk1"/>
+          </a:effectRef>
+          <a:fontRef idx="minor">
+            <a:schemeClr val="tx1"/>
+          </a:fontRef>
+        </p:style>
+      </p:cxnSp>
+      <p:sp>
+        <p:nvSpPr>
+          <p:cNvPr id="67" name="Oval 66">
+            <a:extLst>
+              <a:ext uri="{FF2B5EF4-FFF2-40B4-BE49-F238E27FC236}">
+                <a16:creationId xmlns:a16="http://schemas.microsoft.com/office/drawing/2014/main" id="{4DFB7800-E024-3CBB-D094-E02305FC7FF6}"/>
+              </a:ext>
+            </a:extLst>
+          </p:cNvPr>
+          <p:cNvSpPr/>
+          <p:nvPr/>
+        </p:nvSpPr>
+        <p:spPr>
+          <a:xfrm>
+            <a:off x="5791923" y="5146261"/>
+            <a:ext cx="1661863" cy="1712418"/>
+          </a:xfrm>
+          <a:prstGeom prst="ellipse">
+            <a:avLst/>
+          </a:prstGeom>
+          <a:ln w="63500"/>
+        </p:spPr>
+        <p:style>
+          <a:lnRef idx="2">
+            <a:schemeClr val="dk1"/>
+          </a:lnRef>
+          <a:fillRef idx="1">
+            <a:schemeClr val="lt1"/>
+          </a:fillRef>
+          <a:effectRef idx="0">
+            <a:schemeClr val="dk1"/>
+          </a:effectRef>
+          <a:fontRef idx="minor">
+            <a:schemeClr val="dk1"/>
+          </a:fontRef>
+        </p:style>
+        <p:txBody>
+          <a:bodyPr rtlCol="0" anchor="ctr"/>
+          <a:lstStyle/>
+          <a:p>
+            <a:pPr algn="ctr"/>
+            <a:r>
+              <a:rPr lang="en-US" sz="1550" dirty="0">
+                <a:solidFill>
+                  <a:sysClr val="windowText" lastClr="000000"/>
+                </a:solidFill>
+              </a:rPr>
+              <a:t>ideal country</a:t>
+            </a:r>
+          </a:p>
+        </p:txBody>
+      </p:sp>
+      <p:cxnSp>
+        <p:nvCxnSpPr>
+          <p:cNvPr id="75" name="Straight Arrow Connector 74">
+            <a:extLst>
+              <a:ext uri="{FF2B5EF4-FFF2-40B4-BE49-F238E27FC236}">
+                <a16:creationId xmlns:a16="http://schemas.microsoft.com/office/drawing/2014/main" id="{F05D4199-FECF-44AD-5CB1-47029BB46811}"/>
+              </a:ext>
+            </a:extLst>
+          </p:cNvPr>
+          <p:cNvCxnSpPr>
+            <a:cxnSpLocks/>
+            <a:stCxn id="69" idx="2"/>
+            <a:endCxn id="67" idx="0"/>
+          </p:cNvCxnSpPr>
+          <p:nvPr/>
+        </p:nvCxnSpPr>
+        <p:spPr>
+          <a:xfrm flipH="1">
+            <a:off x="6622855" y="3231250"/>
+            <a:ext cx="1240413" cy="1915011"/>
+          </a:xfrm>
+          <a:prstGeom prst="straightConnector1">
+            <a:avLst/>
+          </a:prstGeom>
+          <a:ln w="76200">
+            <a:solidFill>
+              <a:srgbClr val="FF7E79"/>
+            </a:solidFill>
+            <a:prstDash val="dash"/>
+            <a:headEnd type="triangle"/>
+            <a:tailEnd type="triangle"/>
+          </a:ln>
+        </p:spPr>
+        <p:style>
+          <a:lnRef idx="1">
+            <a:schemeClr val="dk1"/>
+          </a:lnRef>
+          <a:fillRef idx="0">
+            <a:schemeClr val="dk1"/>
+          </a:fillRef>
+          <a:effectRef idx="0">
+            <a:schemeClr val="dk1"/>
+          </a:effectRef>
+          <a:fontRef idx="minor">
+            <a:schemeClr val="tx1"/>
+          </a:fontRef>
+        </p:style>
+      </p:cxnSp>
+      <p:cxnSp>
+        <p:nvCxnSpPr>
+          <p:cNvPr id="87" name="Straight Arrow Connector 86">
+            <a:extLst>
+              <a:ext uri="{FF2B5EF4-FFF2-40B4-BE49-F238E27FC236}">
+                <a16:creationId xmlns:a16="http://schemas.microsoft.com/office/drawing/2014/main" id="{236E6FCE-BB8E-DD9A-2B11-C8A47C7408A7}"/>
+              </a:ext>
+            </a:extLst>
+          </p:cNvPr>
+          <p:cNvCxnSpPr>
+            <a:cxnSpLocks/>
+            <a:stCxn id="64" idx="2"/>
+            <a:endCxn id="67" idx="6"/>
+          </p:cNvCxnSpPr>
+          <p:nvPr/>
+        </p:nvCxnSpPr>
+        <p:spPr>
+          <a:xfrm flipH="1">
+            <a:off x="7453786" y="6002470"/>
+            <a:ext cx="2306418" cy="0"/>
+          </a:xfrm>
+          <a:prstGeom prst="straightConnector1">
+            <a:avLst/>
+          </a:prstGeom>
+          <a:ln w="76200">
+            <a:solidFill>
+              <a:srgbClr val="FF7E79"/>
+            </a:solidFill>
+            <a:prstDash val="dash"/>
+            <a:headEnd type="triangle"/>
+            <a:tailEnd type="triangle"/>
+          </a:ln>
+        </p:spPr>
+        <p:style>
+          <a:lnRef idx="1">
+            <a:schemeClr val="dk1"/>
+          </a:lnRef>
+          <a:fillRef idx="0">
+            <a:schemeClr val="dk1"/>
+          </a:fillRef>
+          <a:effectRef idx="0">
+            <a:schemeClr val="dk1"/>
+          </a:effectRef>
+          <a:fontRef idx="minor">
+            <a:schemeClr val="tx1"/>
+          </a:fontRef>
+        </p:style>
+      </p:cxnSp>
+      <p:cxnSp>
+        <p:nvCxnSpPr>
+          <p:cNvPr id="90" name="Straight Arrow Connector 89">
+            <a:extLst>
+              <a:ext uri="{FF2B5EF4-FFF2-40B4-BE49-F238E27FC236}">
+                <a16:creationId xmlns:a16="http://schemas.microsoft.com/office/drawing/2014/main" id="{00102505-3FAB-B984-5414-1E9E32EB3101}"/>
+              </a:ext>
+            </a:extLst>
+          </p:cNvPr>
+          <p:cNvCxnSpPr>
+            <a:cxnSpLocks/>
+            <a:stCxn id="69" idx="6"/>
+            <a:endCxn id="64" idx="0"/>
+          </p:cNvCxnSpPr>
+          <p:nvPr/>
+        </p:nvCxnSpPr>
+        <p:spPr>
+          <a:xfrm>
+            <a:off x="9525131" y="3231250"/>
+            <a:ext cx="1066005" cy="1915011"/>
+          </a:xfrm>
+          <a:prstGeom prst="straightConnector1">
+            <a:avLst/>
+          </a:prstGeom>
+          <a:ln w="76200">
+            <a:solidFill>
+              <a:srgbClr val="FF7E79"/>
+            </a:solidFill>
+            <a:prstDash val="dash"/>
+            <a:headEnd type="triangle"/>
+            <a:tailEnd type="triangle"/>
+          </a:ln>
+        </p:spPr>
+        <p:style>
+          <a:lnRef idx="1">
+            <a:schemeClr val="dk1"/>
+          </a:lnRef>
+          <a:fillRef idx="0">
+            <a:schemeClr val="dk1"/>
+          </a:fillRef>
+          <a:effectRef idx="0">
+            <a:schemeClr val="dk1"/>
+          </a:effectRef>
+          <a:fontRef idx="minor">
+            <a:schemeClr val="tx1"/>
+          </a:fontRef>
+        </p:style>
+      </p:cxnSp>
+      <p:cxnSp>
+        <p:nvCxnSpPr>
+          <p:cNvPr id="113" name="Curved Connector 112">
+            <a:extLst>
+              <a:ext uri="{FF2B5EF4-FFF2-40B4-BE49-F238E27FC236}">
+                <a16:creationId xmlns:a16="http://schemas.microsoft.com/office/drawing/2014/main" id="{AA8DE894-A1E4-6D81-F965-D675CABC6797}"/>
+              </a:ext>
+            </a:extLst>
+          </p:cNvPr>
+          <p:cNvCxnSpPr>
+            <a:cxnSpLocks/>
+            <a:stCxn id="69" idx="7"/>
+            <a:endCxn id="69" idx="6"/>
+          </p:cNvCxnSpPr>
+          <p:nvPr/>
+        </p:nvCxnSpPr>
+        <p:spPr>
+          <a:xfrm rot="16200000" flipH="1">
+            <a:off x="9100728" y="2806847"/>
+            <a:ext cx="605431" cy="243374"/>
+          </a:xfrm>
+          <a:prstGeom prst="curvedConnector4">
+            <a:avLst>
+              <a:gd name="adj1" fmla="val -85795"/>
+              <a:gd name="adj2" fmla="val 437609"/>
+            </a:avLst>
+          </a:prstGeom>
+          <a:ln w="76200">
+            <a:solidFill>
+              <a:srgbClr val="FF7E79"/>
+            </a:solidFill>
+            <a:prstDash val="dash"/>
+            <a:tailEnd type="triangle"/>
+          </a:ln>
+        </p:spPr>
+        <p:style>
+          <a:lnRef idx="1">
+            <a:schemeClr val="accent1"/>
+          </a:lnRef>
+          <a:fillRef idx="0">
+            <a:schemeClr val="accent1"/>
+          </a:fillRef>
+          <a:effectRef idx="0">
+            <a:schemeClr val="accent1"/>
+          </a:effectRef>
+          <a:fontRef idx="minor">
+            <a:schemeClr val="tx1"/>
+          </a:fontRef>
+        </p:style>
+      </p:cxnSp>
+      <p:sp>
+        <p:nvSpPr>
+          <p:cNvPr id="387" name="Rectangle 386">
+            <a:extLst>
+              <a:ext uri="{FF2B5EF4-FFF2-40B4-BE49-F238E27FC236}">
+                <a16:creationId xmlns:a16="http://schemas.microsoft.com/office/drawing/2014/main" id="{825CBD1B-351D-9751-14E5-39910DE4772C}"/>
+              </a:ext>
+            </a:extLst>
+          </p:cNvPr>
+          <p:cNvSpPr/>
+          <p:nvPr/>
+        </p:nvSpPr>
+        <p:spPr>
+          <a:xfrm>
+            <a:off x="6176745" y="2220523"/>
+            <a:ext cx="1541319" cy="923330"/>
+          </a:xfrm>
+          <a:prstGeom prst="rect">
+            <a:avLst/>
+          </a:prstGeom>
+        </p:spPr>
+        <p:txBody>
+          <a:bodyPr wrap="none">
+            <a:spAutoFit/>
+          </a:bodyPr>
+          <a:lstStyle/>
+          <a:p>
+            <a:pPr algn="ctr"/>
+            <a:r>
+              <a:rPr lang="en-US" dirty="0">
+                <a:solidFill>
+                  <a:sysClr val="windowText" lastClr="000000"/>
+                </a:solidFill>
+              </a:rPr>
+              <a:t>Move options:</a:t>
+            </a:r>
+          </a:p>
+          <a:p>
+            <a:pPr algn="ctr"/>
+            <a:r>
+              <a:rPr lang="en-US" dirty="0">
+                <a:solidFill>
+                  <a:sysClr val="windowText" lastClr="000000"/>
+                </a:solidFill>
+              </a:rPr>
+              <a:t>Now</a:t>
+            </a:r>
+          </a:p>
+          <a:p>
+            <a:pPr algn="ctr"/>
+            <a:endParaRPr lang="en-US" dirty="0">
+              <a:solidFill>
+                <a:sysClr val="windowText" lastClr="000000"/>
+              </a:solidFill>
+            </a:endParaRPr>
+          </a:p>
+        </p:txBody>
+      </p:sp>
+      <p:sp>
+        <p:nvSpPr>
+          <p:cNvPr id="388" name="Rectangle 387">
+            <a:extLst>
+              <a:ext uri="{FF2B5EF4-FFF2-40B4-BE49-F238E27FC236}">
+                <a16:creationId xmlns:a16="http://schemas.microsoft.com/office/drawing/2014/main" id="{982F3B5B-56D7-1501-469B-5286DC77272B}"/>
+              </a:ext>
+            </a:extLst>
+          </p:cNvPr>
+          <p:cNvSpPr/>
+          <p:nvPr/>
+        </p:nvSpPr>
+        <p:spPr>
+          <a:xfrm>
+            <a:off x="6438854" y="2585241"/>
+            <a:ext cx="178076" cy="190684"/>
+          </a:xfrm>
+          <a:prstGeom prst="rect">
+            <a:avLst/>
+          </a:prstGeom>
+        </p:spPr>
+        <p:style>
+          <a:lnRef idx="2">
+            <a:schemeClr val="dk1">
+              <a:shade val="50000"/>
+            </a:schemeClr>
+          </a:lnRef>
+          <a:fillRef idx="1">
+            <a:schemeClr val="dk1"/>
+          </a:fillRef>
+          <a:effectRef idx="0">
+            <a:schemeClr val="dk1"/>
+          </a:effectRef>
+          <a:fontRef idx="minor">
+            <a:schemeClr val="lt1"/>
+          </a:fontRef>
+        </p:style>
+        <p:txBody>
+          <a:bodyPr rtlCol="0" anchor="ctr"/>
+          <a:lstStyle/>
+          <a:p>
+            <a:pPr algn="ctr"/>
+            <a:endParaRPr lang="en-US"/>
+          </a:p>
+        </p:txBody>
+      </p:sp>
+      <p:sp>
+        <p:nvSpPr>
+          <p:cNvPr id="137" name="Rectangle 136">
+            <a:extLst>
+              <a:ext uri="{FF2B5EF4-FFF2-40B4-BE49-F238E27FC236}">
+                <a16:creationId xmlns:a16="http://schemas.microsoft.com/office/drawing/2014/main" id="{8665F557-9EC2-C444-8AA9-1F37E624AA34}"/>
+              </a:ext>
+            </a:extLst>
+          </p:cNvPr>
+          <p:cNvSpPr/>
+          <p:nvPr/>
+        </p:nvSpPr>
+        <p:spPr>
+          <a:xfrm>
+            <a:off x="6438854" y="2894259"/>
+            <a:ext cx="178076" cy="190684"/>
+          </a:xfrm>
+          <a:prstGeom prst="rect">
+            <a:avLst/>
+          </a:prstGeom>
+          <a:pattFill prst="wdDnDiag">
+            <a:fgClr>
+              <a:srgbClr val="FF7E79"/>
+            </a:fgClr>
+            <a:bgClr>
+              <a:schemeClr val="bg1"/>
+            </a:bgClr>
+          </a:pattFill>
+          <a:ln>
+            <a:noFill/>
+            <a:prstDash val="dash"/>
+          </a:ln>
+        </p:spPr>
+        <p:style>
+          <a:lnRef idx="2">
+            <a:schemeClr val="dk1">
+              <a:shade val="50000"/>
+            </a:schemeClr>
+          </a:lnRef>
+          <a:fillRef idx="1">
+            <a:schemeClr val="dk1"/>
+          </a:fillRef>
+          <a:effectRef idx="0">
+            <a:schemeClr val="dk1"/>
+          </a:effectRef>
+          <a:fontRef idx="minor">
+            <a:schemeClr val="lt1"/>
+          </a:fontRef>
+        </p:style>
+        <p:txBody>
+          <a:bodyPr rtlCol="0" anchor="ctr"/>
+          <a:lstStyle/>
+          <a:p>
+            <a:pPr algn="ctr"/>
+            <a:endParaRPr lang="en-US" dirty="0"/>
+          </a:p>
+        </p:txBody>
+      </p:sp>
+      <p:sp>
+        <p:nvSpPr>
+          <p:cNvPr id="389" name="Rectangle 388">
+            <a:extLst>
+              <a:ext uri="{FF2B5EF4-FFF2-40B4-BE49-F238E27FC236}">
+                <a16:creationId xmlns:a16="http://schemas.microsoft.com/office/drawing/2014/main" id="{4393C163-C44B-77B0-39F4-841FDF978632}"/>
+              </a:ext>
+            </a:extLst>
+          </p:cNvPr>
+          <p:cNvSpPr/>
+          <p:nvPr/>
+        </p:nvSpPr>
+        <p:spPr>
+          <a:xfrm>
+            <a:off x="6620459" y="2804935"/>
+            <a:ext cx="660950" cy="369332"/>
+          </a:xfrm>
+          <a:prstGeom prst="rect">
+            <a:avLst/>
+          </a:prstGeom>
+        </p:spPr>
+        <p:txBody>
+          <a:bodyPr wrap="none">
+            <a:spAutoFit/>
+          </a:bodyPr>
+          <a:lstStyle/>
+          <a:p>
+            <a:pPr algn="ctr"/>
+            <a:r>
+              <a:rPr lang="en-US" dirty="0">
+                <a:solidFill>
+                  <a:sysClr val="windowText" lastClr="000000"/>
+                </a:solidFill>
+              </a:rPr>
+              <a:t>Later</a:t>
+            </a:r>
+          </a:p>
+        </p:txBody>
+      </p:sp>
+      <p:sp>
+        <p:nvSpPr>
+          <p:cNvPr id="390" name="Rectangle 389">
+            <a:extLst>
+              <a:ext uri="{FF2B5EF4-FFF2-40B4-BE49-F238E27FC236}">
+                <a16:creationId xmlns:a16="http://schemas.microsoft.com/office/drawing/2014/main" id="{309BBD46-0B83-C0A0-9CB1-2DC645774F92}"/>
+              </a:ext>
+            </a:extLst>
+          </p:cNvPr>
+          <p:cNvSpPr/>
+          <p:nvPr/>
+        </p:nvSpPr>
+        <p:spPr>
+          <a:xfrm>
+            <a:off x="8783735" y="1976800"/>
+            <a:ext cx="498021" cy="307777"/>
+          </a:xfrm>
+          <a:prstGeom prst="rect">
+            <a:avLst/>
+          </a:prstGeom>
+        </p:spPr>
+        <p:txBody>
+          <a:bodyPr wrap="none">
+            <a:spAutoFit/>
+          </a:bodyPr>
+          <a:lstStyle/>
+          <a:p>
+            <a:pPr algn="ctr"/>
+            <a:r>
+              <a:rPr lang="en-US" sz="1400" i="1" dirty="0">
+                <a:solidFill>
+                  <a:sysClr val="windowText" lastClr="000000"/>
+                </a:solidFill>
+              </a:rPr>
+              <a:t>Stay</a:t>
+            </a:r>
+          </a:p>
+        </p:txBody>
+      </p:sp>
+      <p:sp>
+        <p:nvSpPr>
+          <p:cNvPr id="391" name="Rectangle 390">
+            <a:extLst>
+              <a:ext uri="{FF2B5EF4-FFF2-40B4-BE49-F238E27FC236}">
+                <a16:creationId xmlns:a16="http://schemas.microsoft.com/office/drawing/2014/main" id="{6671292C-B508-FFA7-2550-A8DDB0219415}"/>
+              </a:ext>
+            </a:extLst>
+          </p:cNvPr>
+          <p:cNvSpPr/>
+          <p:nvPr/>
+        </p:nvSpPr>
+        <p:spPr>
+          <a:xfrm>
+            <a:off x="10006555" y="3522765"/>
+            <a:ext cx="1431614" cy="1231106"/>
+          </a:xfrm>
+          <a:prstGeom prst="rect">
+            <a:avLst/>
+          </a:prstGeom>
+        </p:spPr>
+        <p:txBody>
+          <a:bodyPr wrap="square">
+            <a:spAutoFit/>
+          </a:bodyPr>
+          <a:lstStyle/>
+          <a:p>
+            <a:pPr algn="ctr"/>
+            <a:r>
+              <a:rPr lang="en-US" sz="1400" i="1" dirty="0">
+                <a:solidFill>
+                  <a:sysClr val="windowText" lastClr="000000"/>
+                </a:solidFill>
+              </a:rPr>
+              <a:t>Move to </a:t>
+            </a:r>
+          </a:p>
+          <a:p>
+            <a:pPr algn="ctr"/>
+            <a:r>
+              <a:rPr lang="en-US" sz="1400" i="1" dirty="0">
+                <a:solidFill>
+                  <a:srgbClr val="FF7E79"/>
+                </a:solidFill>
+              </a:rPr>
+              <a:t>(or return from) </a:t>
+            </a:r>
+          </a:p>
+          <a:p>
+            <a:pPr algn="ctr"/>
+            <a:r>
+              <a:rPr lang="en-US" sz="1400" i="1" dirty="0">
+                <a:solidFill>
+                  <a:sysClr val="windowText" lastClr="000000"/>
+                </a:solidFill>
+              </a:rPr>
+              <a:t>compromise </a:t>
+            </a:r>
+          </a:p>
+          <a:p>
+            <a:pPr algn="ctr"/>
+            <a:r>
+              <a:rPr lang="en-US" sz="1400" i="1" dirty="0">
+                <a:solidFill>
+                  <a:sysClr val="windowText" lastClr="000000"/>
+                </a:solidFill>
+              </a:rPr>
+              <a:t>country</a:t>
+            </a:r>
+          </a:p>
+          <a:p>
+            <a:pPr algn="ctr"/>
+            <a:endParaRPr lang="en-US" i="1" dirty="0">
+              <a:solidFill>
+                <a:sysClr val="windowText" lastClr="000000"/>
+              </a:solidFill>
+            </a:endParaRPr>
+          </a:p>
+        </p:txBody>
+      </p:sp>
+      <p:sp>
+        <p:nvSpPr>
+          <p:cNvPr id="392" name="Rectangle 391">
+            <a:extLst>
+              <a:ext uri="{FF2B5EF4-FFF2-40B4-BE49-F238E27FC236}">
+                <a16:creationId xmlns:a16="http://schemas.microsoft.com/office/drawing/2014/main" id="{7DE074C5-32B2-C501-98C0-946E95F5ECDD}"/>
+              </a:ext>
+            </a:extLst>
+          </p:cNvPr>
+          <p:cNvSpPr/>
+          <p:nvPr/>
+        </p:nvSpPr>
+        <p:spPr>
+          <a:xfrm>
+            <a:off x="5763132" y="3635848"/>
+            <a:ext cx="1342986" cy="738664"/>
+          </a:xfrm>
+          <a:prstGeom prst="rect">
+            <a:avLst/>
+          </a:prstGeom>
+        </p:spPr>
+        <p:txBody>
+          <a:bodyPr wrap="square">
+            <a:spAutoFit/>
+          </a:bodyPr>
+          <a:lstStyle/>
+          <a:p>
+            <a:pPr algn="ctr"/>
+            <a:r>
+              <a:rPr lang="en-US" sz="1400" i="1" dirty="0">
+                <a:solidFill>
+                  <a:sysClr val="windowText" lastClr="000000"/>
+                </a:solidFill>
+              </a:rPr>
+              <a:t>Move to </a:t>
+            </a:r>
+          </a:p>
+          <a:p>
+            <a:pPr algn="ctr"/>
+            <a:r>
+              <a:rPr lang="en-US" sz="1400" i="1" dirty="0">
+                <a:solidFill>
+                  <a:srgbClr val="FF7E79"/>
+                </a:solidFill>
+              </a:rPr>
+              <a:t>(or return from)</a:t>
+            </a:r>
+          </a:p>
+          <a:p>
+            <a:pPr algn="ctr"/>
+            <a:r>
+              <a:rPr lang="en-US" sz="1400" i="1" dirty="0">
+                <a:solidFill>
+                  <a:sysClr val="windowText" lastClr="000000"/>
+                </a:solidFill>
+              </a:rPr>
+              <a:t>ideal country</a:t>
+            </a:r>
+          </a:p>
+        </p:txBody>
+      </p:sp>
+      <p:sp>
+        <p:nvSpPr>
+          <p:cNvPr id="393" name="Rectangle 392">
+            <a:extLst>
+              <a:ext uri="{FF2B5EF4-FFF2-40B4-BE49-F238E27FC236}">
+                <a16:creationId xmlns:a16="http://schemas.microsoft.com/office/drawing/2014/main" id="{F56EAF5B-FB75-9061-16DF-B53BF83D77BD}"/>
+              </a:ext>
+            </a:extLst>
+          </p:cNvPr>
+          <p:cNvSpPr/>
+          <p:nvPr/>
+        </p:nvSpPr>
+        <p:spPr>
+          <a:xfrm>
+            <a:off x="6642570" y="5388786"/>
+            <a:ext cx="3928849" cy="523220"/>
+          </a:xfrm>
+          <a:prstGeom prst="rect">
+            <a:avLst/>
+          </a:prstGeom>
+        </p:spPr>
+        <p:txBody>
+          <a:bodyPr wrap="square">
+            <a:spAutoFit/>
+          </a:bodyPr>
+          <a:lstStyle/>
+          <a:p>
+            <a:pPr algn="ctr"/>
+            <a:r>
+              <a:rPr lang="en-US" sz="1400" i="1" dirty="0">
+                <a:solidFill>
+                  <a:srgbClr val="FF7E79"/>
+                </a:solidFill>
+              </a:rPr>
+              <a:t>Move to (or return from)</a:t>
+            </a:r>
+          </a:p>
+          <a:p>
+            <a:pPr algn="ctr"/>
+            <a:r>
+              <a:rPr lang="en-US" sz="1400" i="1" dirty="0">
+                <a:solidFill>
+                  <a:srgbClr val="FF7E79"/>
+                </a:solidFill>
+              </a:rPr>
+              <a:t> ideal country</a:t>
+            </a:r>
+          </a:p>
+        </p:txBody>
+      </p:sp>
+      <p:cxnSp>
+        <p:nvCxnSpPr>
+          <p:cNvPr id="79" name="Curved Connector 78">
+            <a:extLst>
+              <a:ext uri="{FF2B5EF4-FFF2-40B4-BE49-F238E27FC236}">
+                <a16:creationId xmlns:a16="http://schemas.microsoft.com/office/drawing/2014/main" id="{5F28A254-0ECE-0F8D-F7C4-EF445491C716}"/>
+              </a:ext>
+            </a:extLst>
+          </p:cNvPr>
+          <p:cNvCxnSpPr>
+            <a:cxnSpLocks/>
+            <a:stCxn id="69" idx="7"/>
+            <a:endCxn id="69" idx="6"/>
+          </p:cNvCxnSpPr>
+          <p:nvPr/>
+        </p:nvCxnSpPr>
+        <p:spPr>
+          <a:xfrm rot="16200000" flipH="1">
+            <a:off x="9100728" y="2806847"/>
+            <a:ext cx="605431" cy="243374"/>
+          </a:xfrm>
+          <a:prstGeom prst="curvedConnector4">
+            <a:avLst>
+              <a:gd name="adj1" fmla="val -53394"/>
+              <a:gd name="adj2" fmla="val 346661"/>
+            </a:avLst>
+          </a:prstGeom>
+          <a:ln w="63500">
+            <a:solidFill>
+              <a:schemeClr val="tx1"/>
+            </a:solidFill>
+            <a:tailEnd type="triangle"/>
+          </a:ln>
+        </p:spPr>
+        <p:style>
+          <a:lnRef idx="1">
+            <a:schemeClr val="accent1"/>
+          </a:lnRef>
+          <a:fillRef idx="0">
+            <a:schemeClr val="accent1"/>
+          </a:fillRef>
+          <a:effectRef idx="0">
+            <a:schemeClr val="accent1"/>
+          </a:effectRef>
+          <a:fontRef idx="minor">
+            <a:schemeClr val="tx1"/>
+          </a:fontRef>
+        </p:style>
+      </p:cxnSp>
+    </p:spTree>
+    <p:extLst>
+      <p:ext uri="{BB962C8B-B14F-4D97-AF65-F5344CB8AC3E}">
+        <p14:creationId xmlns:p14="http://schemas.microsoft.com/office/powerpoint/2010/main" val="2393303770"/>
+      </p:ext>
+    </p:extLst>
+  </p:cSld>
+  <p:clrMapOvr>
+    <a:masterClrMapping/>
+  </p:clrMapOvr>
+</p:sld>
+</file>
+
+<file path=ppt/slides/slide3.xml><?xml version="1.0" encoding="utf-8"?>
 <p:sld xmlns:a="http://schemas.openxmlformats.org/drawingml/2006/main" xmlns:r="http://schemas.openxmlformats.org/officeDocument/2006/relationships" xmlns:p="http://schemas.openxmlformats.org/presentationml/2006/main">
   <p:cSld>
     <p:spTree>
@@ -6829,7 +7738,7 @@
 </p:sld>
 </file>
 
-<file path=ppt/slides/slide3.xml><?xml version="1.0" encoding="utf-8"?>
+<file path=ppt/slides/slide4.xml><?xml version="1.0" encoding="utf-8"?>
 <p:sld xmlns:a="http://schemas.openxmlformats.org/drawingml/2006/main" xmlns:r="http://schemas.openxmlformats.org/officeDocument/2006/relationships" xmlns:p="http://schemas.openxmlformats.org/presentationml/2006/main">
   <p:cSld>
     <p:spTree>

--- a/causalgraphs.pptx
+++ b/causalgraphs.pptx
@@ -4,6 +4,9 @@
   <p:sldMasterIdLst>
     <p:sldMasterId id="2147483708" r:id="rId1"/>
   </p:sldMasterIdLst>
+  <p:notesMasterIdLst>
+    <p:notesMasterId r:id="rId6"/>
+  </p:notesMasterIdLst>
   <p:sldIdLst>
     <p:sldId id="257" r:id="rId2"/>
     <p:sldId id="263" r:id="rId3"/>
@@ -115,6 +118,691 @@
 </p:presentation>
 </file>
 
+<file path=ppt/notesMasters/notesMaster1.xml><?xml version="1.0" encoding="utf-8"?>
+<p:notesMaster xmlns:a="http://schemas.openxmlformats.org/drawingml/2006/main" xmlns:r="http://schemas.openxmlformats.org/officeDocument/2006/relationships" xmlns:p="http://schemas.openxmlformats.org/presentationml/2006/main">
+  <p:cSld>
+    <p:bg>
+      <p:bgRef idx="1001">
+        <a:schemeClr val="bg1"/>
+      </p:bgRef>
+    </p:bg>
+    <p:spTree>
+      <p:nvGrpSpPr>
+        <p:cNvPr id="1" name=""/>
+        <p:cNvGrpSpPr/>
+        <p:nvPr/>
+      </p:nvGrpSpPr>
+      <p:grpSpPr>
+        <a:xfrm>
+          <a:off x="0" y="0"/>
+          <a:ext cx="0" cy="0"/>
+          <a:chOff x="0" y="0"/>
+          <a:chExt cx="0" cy="0"/>
+        </a:xfrm>
+      </p:grpSpPr>
+      <p:sp>
+        <p:nvSpPr>
+          <p:cNvPr id="2" name="Header Placeholder 1"/>
+          <p:cNvSpPr>
+            <a:spLocks noGrp="1"/>
+          </p:cNvSpPr>
+          <p:nvPr>
+            <p:ph type="hdr" sz="quarter"/>
+          </p:nvPr>
+        </p:nvSpPr>
+        <p:spPr>
+          <a:xfrm>
+            <a:off x="0" y="0"/>
+            <a:ext cx="2971800" cy="458788"/>
+          </a:xfrm>
+          <a:prstGeom prst="rect">
+            <a:avLst/>
+          </a:prstGeom>
+        </p:spPr>
+        <p:txBody>
+          <a:bodyPr vert="horz" lIns="91440" tIns="45720" rIns="91440" bIns="45720" rtlCol="0"/>
+          <a:lstStyle>
+            <a:lvl1pPr algn="l">
+              <a:defRPr sz="1200"/>
+            </a:lvl1pPr>
+          </a:lstStyle>
+          <a:p>
+            <a:endParaRPr lang="en-US"/>
+          </a:p>
+        </p:txBody>
+      </p:sp>
+      <p:sp>
+        <p:nvSpPr>
+          <p:cNvPr id="3" name="Date Placeholder 2"/>
+          <p:cNvSpPr>
+            <a:spLocks noGrp="1"/>
+          </p:cNvSpPr>
+          <p:nvPr>
+            <p:ph type="dt" idx="1"/>
+          </p:nvPr>
+        </p:nvSpPr>
+        <p:spPr>
+          <a:xfrm>
+            <a:off x="3884613" y="0"/>
+            <a:ext cx="2971800" cy="458788"/>
+          </a:xfrm>
+          <a:prstGeom prst="rect">
+            <a:avLst/>
+          </a:prstGeom>
+        </p:spPr>
+        <p:txBody>
+          <a:bodyPr vert="horz" lIns="91440" tIns="45720" rIns="91440" bIns="45720" rtlCol="0"/>
+          <a:lstStyle>
+            <a:lvl1pPr algn="r">
+              <a:defRPr sz="1200"/>
+            </a:lvl1pPr>
+          </a:lstStyle>
+          <a:p>
+            <a:fld id="{7FB7F704-9F7A-F34C-9DE1-CE7CBFB726AF}" type="datetimeFigureOut">
+              <a:rPr lang="en-US" smtClean="0"/>
+              <a:t>5/25/22</a:t>
+            </a:fld>
+            <a:endParaRPr lang="en-US"/>
+          </a:p>
+        </p:txBody>
+      </p:sp>
+      <p:sp>
+        <p:nvSpPr>
+          <p:cNvPr id="4" name="Slide Image Placeholder 3"/>
+          <p:cNvSpPr>
+            <a:spLocks noGrp="1" noRot="1" noChangeAspect="1"/>
+          </p:cNvSpPr>
+          <p:nvPr>
+            <p:ph type="sldImg" idx="2"/>
+          </p:nvPr>
+        </p:nvSpPr>
+        <p:spPr>
+          <a:xfrm>
+            <a:off x="1500188" y="1143000"/>
+            <a:ext cx="3857625" cy="3086100"/>
+          </a:xfrm>
+          <a:prstGeom prst="rect">
+            <a:avLst/>
+          </a:prstGeom>
+          <a:noFill/>
+          <a:ln w="12700">
+            <a:solidFill>
+              <a:prstClr val="black"/>
+            </a:solidFill>
+          </a:ln>
+        </p:spPr>
+        <p:txBody>
+          <a:bodyPr vert="horz" lIns="91440" tIns="45720" rIns="91440" bIns="45720" rtlCol="0" anchor="ctr"/>
+          <a:lstStyle/>
+          <a:p>
+            <a:endParaRPr lang="en-US"/>
+          </a:p>
+        </p:txBody>
+      </p:sp>
+      <p:sp>
+        <p:nvSpPr>
+          <p:cNvPr id="5" name="Notes Placeholder 4"/>
+          <p:cNvSpPr>
+            <a:spLocks noGrp="1"/>
+          </p:cNvSpPr>
+          <p:nvPr>
+            <p:ph type="body" sz="quarter" idx="3"/>
+          </p:nvPr>
+        </p:nvSpPr>
+        <p:spPr>
+          <a:xfrm>
+            <a:off x="685800" y="4400550"/>
+            <a:ext cx="5486400" cy="3600450"/>
+          </a:xfrm>
+          <a:prstGeom prst="rect">
+            <a:avLst/>
+          </a:prstGeom>
+        </p:spPr>
+        <p:txBody>
+          <a:bodyPr vert="horz" lIns="91440" tIns="45720" rIns="91440" bIns="45720" rtlCol="0"/>
+          <a:lstStyle/>
+          <a:p>
+            <a:pPr lvl="0"/>
+            <a:r>
+              <a:rPr lang="en-US"/>
+              <a:t>Click to edit Master text styles</a:t>
+            </a:r>
+          </a:p>
+          <a:p>
+            <a:pPr lvl="1"/>
+            <a:r>
+              <a:rPr lang="en-US"/>
+              <a:t>Second level</a:t>
+            </a:r>
+          </a:p>
+          <a:p>
+            <a:pPr lvl="2"/>
+            <a:r>
+              <a:rPr lang="en-US"/>
+              <a:t>Third level</a:t>
+            </a:r>
+          </a:p>
+          <a:p>
+            <a:pPr lvl="3"/>
+            <a:r>
+              <a:rPr lang="en-US"/>
+              <a:t>Fourth level</a:t>
+            </a:r>
+          </a:p>
+          <a:p>
+            <a:pPr lvl="4"/>
+            <a:r>
+              <a:rPr lang="en-US"/>
+              <a:t>Fifth level</a:t>
+            </a:r>
+          </a:p>
+        </p:txBody>
+      </p:sp>
+      <p:sp>
+        <p:nvSpPr>
+          <p:cNvPr id="6" name="Footer Placeholder 5"/>
+          <p:cNvSpPr>
+            <a:spLocks noGrp="1"/>
+          </p:cNvSpPr>
+          <p:nvPr>
+            <p:ph type="ftr" sz="quarter" idx="4"/>
+          </p:nvPr>
+        </p:nvSpPr>
+        <p:spPr>
+          <a:xfrm>
+            <a:off x="0" y="8685213"/>
+            <a:ext cx="2971800" cy="458787"/>
+          </a:xfrm>
+          <a:prstGeom prst="rect">
+            <a:avLst/>
+          </a:prstGeom>
+        </p:spPr>
+        <p:txBody>
+          <a:bodyPr vert="horz" lIns="91440" tIns="45720" rIns="91440" bIns="45720" rtlCol="0" anchor="b"/>
+          <a:lstStyle>
+            <a:lvl1pPr algn="l">
+              <a:defRPr sz="1200"/>
+            </a:lvl1pPr>
+          </a:lstStyle>
+          <a:p>
+            <a:endParaRPr lang="en-US"/>
+          </a:p>
+        </p:txBody>
+      </p:sp>
+      <p:sp>
+        <p:nvSpPr>
+          <p:cNvPr id="7" name="Slide Number Placeholder 6"/>
+          <p:cNvSpPr>
+            <a:spLocks noGrp="1"/>
+          </p:cNvSpPr>
+          <p:nvPr>
+            <p:ph type="sldNum" sz="quarter" idx="5"/>
+          </p:nvPr>
+        </p:nvSpPr>
+        <p:spPr>
+          <a:xfrm>
+            <a:off x="3884613" y="8685213"/>
+            <a:ext cx="2971800" cy="458787"/>
+          </a:xfrm>
+          <a:prstGeom prst="rect">
+            <a:avLst/>
+          </a:prstGeom>
+        </p:spPr>
+        <p:txBody>
+          <a:bodyPr vert="horz" lIns="91440" tIns="45720" rIns="91440" bIns="45720" rtlCol="0" anchor="b"/>
+          <a:lstStyle>
+            <a:lvl1pPr algn="r">
+              <a:defRPr sz="1200"/>
+            </a:lvl1pPr>
+          </a:lstStyle>
+          <a:p>
+            <a:fld id="{B060BA3C-AD29-274F-A87C-8495AE234525}" type="slidenum">
+              <a:rPr lang="en-US" smtClean="0"/>
+              <a:t>‹#›</a:t>
+            </a:fld>
+            <a:endParaRPr lang="en-US"/>
+          </a:p>
+        </p:txBody>
+      </p:sp>
+    </p:spTree>
+    <p:extLst>
+      <p:ext uri="{BB962C8B-B14F-4D97-AF65-F5344CB8AC3E}">
+        <p14:creationId xmlns:p14="http://schemas.microsoft.com/office/powerpoint/2010/main" val="1480240520"/>
+      </p:ext>
+    </p:extLst>
+  </p:cSld>
+  <p:clrMap bg1="lt1" tx1="dk1" bg2="lt2" tx2="dk2" accent1="accent1" accent2="accent2" accent3="accent3" accent4="accent4" accent5="accent5" accent6="accent6" hlink="hlink" folHlink="folHlink"/>
+  <p:notesStyle>
+    <a:lvl1pPr marL="0" algn="l" defTabSz="914400" rtl="0" eaLnBrk="1" latinLnBrk="0" hangingPunct="1">
+      <a:defRPr sz="1200" kern="1200">
+        <a:solidFill>
+          <a:schemeClr val="tx1"/>
+        </a:solidFill>
+        <a:latin typeface="+mn-lt"/>
+        <a:ea typeface="+mn-ea"/>
+        <a:cs typeface="+mn-cs"/>
+      </a:defRPr>
+    </a:lvl1pPr>
+    <a:lvl2pPr marL="457200" algn="l" defTabSz="914400" rtl="0" eaLnBrk="1" latinLnBrk="0" hangingPunct="1">
+      <a:defRPr sz="1200" kern="1200">
+        <a:solidFill>
+          <a:schemeClr val="tx1"/>
+        </a:solidFill>
+        <a:latin typeface="+mn-lt"/>
+        <a:ea typeface="+mn-ea"/>
+        <a:cs typeface="+mn-cs"/>
+      </a:defRPr>
+    </a:lvl2pPr>
+    <a:lvl3pPr marL="914400" algn="l" defTabSz="914400" rtl="0" eaLnBrk="1" latinLnBrk="0" hangingPunct="1">
+      <a:defRPr sz="1200" kern="1200">
+        <a:solidFill>
+          <a:schemeClr val="tx1"/>
+        </a:solidFill>
+        <a:latin typeface="+mn-lt"/>
+        <a:ea typeface="+mn-ea"/>
+        <a:cs typeface="+mn-cs"/>
+      </a:defRPr>
+    </a:lvl3pPr>
+    <a:lvl4pPr marL="1371600" algn="l" defTabSz="914400" rtl="0" eaLnBrk="1" latinLnBrk="0" hangingPunct="1">
+      <a:defRPr sz="1200" kern="1200">
+        <a:solidFill>
+          <a:schemeClr val="tx1"/>
+        </a:solidFill>
+        <a:latin typeface="+mn-lt"/>
+        <a:ea typeface="+mn-ea"/>
+        <a:cs typeface="+mn-cs"/>
+      </a:defRPr>
+    </a:lvl4pPr>
+    <a:lvl5pPr marL="1828800" algn="l" defTabSz="914400" rtl="0" eaLnBrk="1" latinLnBrk="0" hangingPunct="1">
+      <a:defRPr sz="1200" kern="1200">
+        <a:solidFill>
+          <a:schemeClr val="tx1"/>
+        </a:solidFill>
+        <a:latin typeface="+mn-lt"/>
+        <a:ea typeface="+mn-ea"/>
+        <a:cs typeface="+mn-cs"/>
+      </a:defRPr>
+    </a:lvl5pPr>
+    <a:lvl6pPr marL="2286000" algn="l" defTabSz="914400" rtl="0" eaLnBrk="1" latinLnBrk="0" hangingPunct="1">
+      <a:defRPr sz="1200" kern="1200">
+        <a:solidFill>
+          <a:schemeClr val="tx1"/>
+        </a:solidFill>
+        <a:latin typeface="+mn-lt"/>
+        <a:ea typeface="+mn-ea"/>
+        <a:cs typeface="+mn-cs"/>
+      </a:defRPr>
+    </a:lvl6pPr>
+    <a:lvl7pPr marL="2743200" algn="l" defTabSz="914400" rtl="0" eaLnBrk="1" latinLnBrk="0" hangingPunct="1">
+      <a:defRPr sz="1200" kern="1200">
+        <a:solidFill>
+          <a:schemeClr val="tx1"/>
+        </a:solidFill>
+        <a:latin typeface="+mn-lt"/>
+        <a:ea typeface="+mn-ea"/>
+        <a:cs typeface="+mn-cs"/>
+      </a:defRPr>
+    </a:lvl7pPr>
+    <a:lvl8pPr marL="3200400" algn="l" defTabSz="914400" rtl="0" eaLnBrk="1" latinLnBrk="0" hangingPunct="1">
+      <a:defRPr sz="1200" kern="1200">
+        <a:solidFill>
+          <a:schemeClr val="tx1"/>
+        </a:solidFill>
+        <a:latin typeface="+mn-lt"/>
+        <a:ea typeface="+mn-ea"/>
+        <a:cs typeface="+mn-cs"/>
+      </a:defRPr>
+    </a:lvl8pPr>
+    <a:lvl9pPr marL="3657600" algn="l" defTabSz="914400" rtl="0" eaLnBrk="1" latinLnBrk="0" hangingPunct="1">
+      <a:defRPr sz="1200" kern="1200">
+        <a:solidFill>
+          <a:schemeClr val="tx1"/>
+        </a:solidFill>
+        <a:latin typeface="+mn-lt"/>
+        <a:ea typeface="+mn-ea"/>
+        <a:cs typeface="+mn-cs"/>
+      </a:defRPr>
+    </a:lvl9pPr>
+  </p:notesStyle>
+</p:notesMaster>
+</file>
+
+<file path=ppt/notesSlides/notesSlide1.xml><?xml version="1.0" encoding="utf-8"?>
+<p:notes xmlns:a="http://schemas.openxmlformats.org/drawingml/2006/main" xmlns:r="http://schemas.openxmlformats.org/officeDocument/2006/relationships" xmlns:p="http://schemas.openxmlformats.org/presentationml/2006/main">
+  <p:cSld>
+    <p:spTree>
+      <p:nvGrpSpPr>
+        <p:cNvPr id="1" name=""/>
+        <p:cNvGrpSpPr/>
+        <p:nvPr/>
+      </p:nvGrpSpPr>
+      <p:grpSpPr>
+        <a:xfrm>
+          <a:off x="0" y="0"/>
+          <a:ext cx="0" cy="0"/>
+          <a:chOff x="0" y="0"/>
+          <a:chExt cx="0" cy="0"/>
+        </a:xfrm>
+      </p:grpSpPr>
+      <p:sp>
+        <p:nvSpPr>
+          <p:cNvPr id="2" name="Slide Image Placeholder 1"/>
+          <p:cNvSpPr>
+            <a:spLocks noGrp="1" noRot="1" noChangeAspect="1"/>
+          </p:cNvSpPr>
+          <p:nvPr>
+            <p:ph type="sldImg"/>
+          </p:nvPr>
+        </p:nvSpPr>
+        <p:spPr/>
+      </p:sp>
+      <p:sp>
+        <p:nvSpPr>
+          <p:cNvPr id="3" name="Notes Placeholder 2"/>
+          <p:cNvSpPr>
+            <a:spLocks noGrp="1"/>
+          </p:cNvSpPr>
+          <p:nvPr>
+            <p:ph type="body" idx="1"/>
+          </p:nvPr>
+        </p:nvSpPr>
+        <p:spPr/>
+        <p:txBody>
+          <a:bodyPr/>
+          <a:lstStyle/>
+          <a:p>
+            <a:endParaRPr lang="en-US"/>
+          </a:p>
+        </p:txBody>
+      </p:sp>
+      <p:sp>
+        <p:nvSpPr>
+          <p:cNvPr id="4" name="Slide Number Placeholder 3"/>
+          <p:cNvSpPr>
+            <a:spLocks noGrp="1"/>
+          </p:cNvSpPr>
+          <p:nvPr>
+            <p:ph type="sldNum" sz="quarter" idx="5"/>
+          </p:nvPr>
+        </p:nvSpPr>
+        <p:spPr/>
+        <p:txBody>
+          <a:bodyPr/>
+          <a:lstStyle/>
+          <a:p>
+            <a:fld id="{B060BA3C-AD29-274F-A87C-8495AE234525}" type="slidenum">
+              <a:rPr lang="en-US" smtClean="0"/>
+              <a:t>1</a:t>
+            </a:fld>
+            <a:endParaRPr lang="en-US"/>
+          </a:p>
+        </p:txBody>
+      </p:sp>
+    </p:spTree>
+    <p:extLst>
+      <p:ext uri="{BB962C8B-B14F-4D97-AF65-F5344CB8AC3E}">
+        <p14:creationId xmlns:p14="http://schemas.microsoft.com/office/powerpoint/2010/main" val="919200338"/>
+      </p:ext>
+    </p:extLst>
+  </p:cSld>
+  <p:clrMapOvr>
+    <a:masterClrMapping/>
+  </p:clrMapOvr>
+</p:notes>
+</file>
+
+<file path=ppt/notesSlides/notesSlide2.xml><?xml version="1.0" encoding="utf-8"?>
+<p:notes xmlns:a="http://schemas.openxmlformats.org/drawingml/2006/main" xmlns:r="http://schemas.openxmlformats.org/officeDocument/2006/relationships" xmlns:p="http://schemas.openxmlformats.org/presentationml/2006/main">
+  <p:cSld>
+    <p:spTree>
+      <p:nvGrpSpPr>
+        <p:cNvPr id="1" name=""/>
+        <p:cNvGrpSpPr/>
+        <p:nvPr/>
+      </p:nvGrpSpPr>
+      <p:grpSpPr>
+        <a:xfrm>
+          <a:off x="0" y="0"/>
+          <a:ext cx="0" cy="0"/>
+          <a:chOff x="0" y="0"/>
+          <a:chExt cx="0" cy="0"/>
+        </a:xfrm>
+      </p:grpSpPr>
+      <p:sp>
+        <p:nvSpPr>
+          <p:cNvPr id="2" name="Slide Image Placeholder 1"/>
+          <p:cNvSpPr>
+            <a:spLocks noGrp="1" noRot="1" noChangeAspect="1"/>
+          </p:cNvSpPr>
+          <p:nvPr>
+            <p:ph type="sldImg"/>
+          </p:nvPr>
+        </p:nvSpPr>
+        <p:spPr/>
+      </p:sp>
+      <p:sp>
+        <p:nvSpPr>
+          <p:cNvPr id="3" name="Notes Placeholder 2"/>
+          <p:cNvSpPr>
+            <a:spLocks noGrp="1"/>
+          </p:cNvSpPr>
+          <p:nvPr>
+            <p:ph type="body" idx="1"/>
+          </p:nvPr>
+        </p:nvSpPr>
+        <p:spPr/>
+        <p:txBody>
+          <a:bodyPr/>
+          <a:lstStyle/>
+          <a:p>
+            <a:endParaRPr lang="en-US"/>
+          </a:p>
+        </p:txBody>
+      </p:sp>
+      <p:sp>
+        <p:nvSpPr>
+          <p:cNvPr id="4" name="Slide Number Placeholder 3"/>
+          <p:cNvSpPr>
+            <a:spLocks noGrp="1"/>
+          </p:cNvSpPr>
+          <p:nvPr>
+            <p:ph type="sldNum" sz="quarter" idx="5"/>
+          </p:nvPr>
+        </p:nvSpPr>
+        <p:spPr/>
+        <p:txBody>
+          <a:bodyPr/>
+          <a:lstStyle/>
+          <a:p>
+            <a:fld id="{B060BA3C-AD29-274F-A87C-8495AE234525}" type="slidenum">
+              <a:rPr lang="en-US" smtClean="0"/>
+              <a:t>2</a:t>
+            </a:fld>
+            <a:endParaRPr lang="en-US"/>
+          </a:p>
+        </p:txBody>
+      </p:sp>
+    </p:spTree>
+    <p:extLst>
+      <p:ext uri="{BB962C8B-B14F-4D97-AF65-F5344CB8AC3E}">
+        <p14:creationId xmlns:p14="http://schemas.microsoft.com/office/powerpoint/2010/main" val="2285736480"/>
+      </p:ext>
+    </p:extLst>
+  </p:cSld>
+  <p:clrMapOvr>
+    <a:masterClrMapping/>
+  </p:clrMapOvr>
+</p:notes>
+</file>
+
+<file path=ppt/notesSlides/notesSlide3.xml><?xml version="1.0" encoding="utf-8"?>
+<p:notes xmlns:a="http://schemas.openxmlformats.org/drawingml/2006/main" xmlns:r="http://schemas.openxmlformats.org/officeDocument/2006/relationships" xmlns:p="http://schemas.openxmlformats.org/presentationml/2006/main">
+  <p:cSld>
+    <p:spTree>
+      <p:nvGrpSpPr>
+        <p:cNvPr id="1" name=""/>
+        <p:cNvGrpSpPr/>
+        <p:nvPr/>
+      </p:nvGrpSpPr>
+      <p:grpSpPr>
+        <a:xfrm>
+          <a:off x="0" y="0"/>
+          <a:ext cx="0" cy="0"/>
+          <a:chOff x="0" y="0"/>
+          <a:chExt cx="0" cy="0"/>
+        </a:xfrm>
+      </p:grpSpPr>
+      <p:sp>
+        <p:nvSpPr>
+          <p:cNvPr id="2" name="Slide Image Placeholder 1"/>
+          <p:cNvSpPr>
+            <a:spLocks noGrp="1" noRot="1" noChangeAspect="1"/>
+          </p:cNvSpPr>
+          <p:nvPr>
+            <p:ph type="sldImg"/>
+          </p:nvPr>
+        </p:nvSpPr>
+        <p:spPr/>
+      </p:sp>
+      <p:sp>
+        <p:nvSpPr>
+          <p:cNvPr id="3" name="Notes Placeholder 2"/>
+          <p:cNvSpPr>
+            <a:spLocks noGrp="1"/>
+          </p:cNvSpPr>
+          <p:nvPr>
+            <p:ph type="body" idx="1"/>
+          </p:nvPr>
+        </p:nvSpPr>
+        <p:spPr/>
+        <p:txBody>
+          <a:bodyPr/>
+          <a:lstStyle/>
+          <a:p>
+            <a:endParaRPr lang="en-US"/>
+          </a:p>
+        </p:txBody>
+      </p:sp>
+      <p:sp>
+        <p:nvSpPr>
+          <p:cNvPr id="4" name="Slide Number Placeholder 3"/>
+          <p:cNvSpPr>
+            <a:spLocks noGrp="1"/>
+          </p:cNvSpPr>
+          <p:nvPr>
+            <p:ph type="sldNum" sz="quarter" idx="5"/>
+          </p:nvPr>
+        </p:nvSpPr>
+        <p:spPr/>
+        <p:txBody>
+          <a:bodyPr/>
+          <a:lstStyle/>
+          <a:p>
+            <a:fld id="{B060BA3C-AD29-274F-A87C-8495AE234525}" type="slidenum">
+              <a:rPr lang="en-US" smtClean="0"/>
+              <a:t>3</a:t>
+            </a:fld>
+            <a:endParaRPr lang="en-US"/>
+          </a:p>
+        </p:txBody>
+      </p:sp>
+    </p:spTree>
+    <p:extLst>
+      <p:ext uri="{BB962C8B-B14F-4D97-AF65-F5344CB8AC3E}">
+        <p14:creationId xmlns:p14="http://schemas.microsoft.com/office/powerpoint/2010/main" val="2996561189"/>
+      </p:ext>
+    </p:extLst>
+  </p:cSld>
+  <p:clrMapOvr>
+    <a:masterClrMapping/>
+  </p:clrMapOvr>
+</p:notes>
+</file>
+
+<file path=ppt/notesSlides/notesSlide4.xml><?xml version="1.0" encoding="utf-8"?>
+<p:notes xmlns:a="http://schemas.openxmlformats.org/drawingml/2006/main" xmlns:r="http://schemas.openxmlformats.org/officeDocument/2006/relationships" xmlns:p="http://schemas.openxmlformats.org/presentationml/2006/main">
+  <p:cSld>
+    <p:spTree>
+      <p:nvGrpSpPr>
+        <p:cNvPr id="1" name=""/>
+        <p:cNvGrpSpPr/>
+        <p:nvPr/>
+      </p:nvGrpSpPr>
+      <p:grpSpPr>
+        <a:xfrm>
+          <a:off x="0" y="0"/>
+          <a:ext cx="0" cy="0"/>
+          <a:chOff x="0" y="0"/>
+          <a:chExt cx="0" cy="0"/>
+        </a:xfrm>
+      </p:grpSpPr>
+      <p:sp>
+        <p:nvSpPr>
+          <p:cNvPr id="2" name="Slide Image Placeholder 1"/>
+          <p:cNvSpPr>
+            <a:spLocks noGrp="1" noRot="1" noChangeAspect="1"/>
+          </p:cNvSpPr>
+          <p:nvPr>
+            <p:ph type="sldImg"/>
+          </p:nvPr>
+        </p:nvSpPr>
+        <p:spPr/>
+      </p:sp>
+      <p:sp>
+        <p:nvSpPr>
+          <p:cNvPr id="3" name="Notes Placeholder 2"/>
+          <p:cNvSpPr>
+            <a:spLocks noGrp="1"/>
+          </p:cNvSpPr>
+          <p:nvPr>
+            <p:ph type="body" idx="1"/>
+          </p:nvPr>
+        </p:nvSpPr>
+        <p:spPr/>
+        <p:txBody>
+          <a:bodyPr/>
+          <a:lstStyle/>
+          <a:p>
+            <a:endParaRPr lang="en-US"/>
+          </a:p>
+        </p:txBody>
+      </p:sp>
+      <p:sp>
+        <p:nvSpPr>
+          <p:cNvPr id="4" name="Slide Number Placeholder 3"/>
+          <p:cNvSpPr>
+            <a:spLocks noGrp="1"/>
+          </p:cNvSpPr>
+          <p:nvPr>
+            <p:ph type="sldNum" sz="quarter" idx="5"/>
+          </p:nvPr>
+        </p:nvSpPr>
+        <p:spPr/>
+        <p:txBody>
+          <a:bodyPr/>
+          <a:lstStyle/>
+          <a:p>
+            <a:fld id="{B060BA3C-AD29-274F-A87C-8495AE234525}" type="slidenum">
+              <a:rPr lang="en-US" smtClean="0"/>
+              <a:t>4</a:t>
+            </a:fld>
+            <a:endParaRPr lang="en-US"/>
+          </a:p>
+        </p:txBody>
+      </p:sp>
+    </p:spTree>
+    <p:extLst>
+      <p:ext uri="{BB962C8B-B14F-4D97-AF65-F5344CB8AC3E}">
+        <p14:creationId xmlns:p14="http://schemas.microsoft.com/office/powerpoint/2010/main" val="4065522257"/>
+      </p:ext>
+    </p:extLst>
+  </p:cSld>
+  <p:clrMapOvr>
+    <a:masterClrMapping/>
+  </p:clrMapOvr>
+</p:notes>
+</file>
+
 <file path=ppt/slideLayouts/slideLayout1.xml><?xml version="1.0" encoding="utf-8"?>
 <p:sldLayout xmlns:a="http://schemas.openxmlformats.org/drawingml/2006/main" xmlns:r="http://schemas.openxmlformats.org/officeDocument/2006/relationships" xmlns:p="http://schemas.openxmlformats.org/presentationml/2006/main" type="title" preserve="1">
   <p:cSld name="Title Slide">
@@ -246,7 +934,7 @@
           <a:p>
             <a:fld id="{0242246C-62F8-8D41-AE20-12536F7DA5C0}" type="datetimeFigureOut">
               <a:rPr lang="en-US" smtClean="0"/>
-              <a:t>5/23/22</a:t>
+              <a:t>5/25/22</a:t>
             </a:fld>
             <a:endParaRPr lang="en-US"/>
           </a:p>
@@ -416,7 +1104,7 @@
           <a:p>
             <a:fld id="{0242246C-62F8-8D41-AE20-12536F7DA5C0}" type="datetimeFigureOut">
               <a:rPr lang="en-US" smtClean="0"/>
-              <a:t>5/23/22</a:t>
+              <a:t>5/25/22</a:t>
             </a:fld>
             <a:endParaRPr lang="en-US"/>
           </a:p>
@@ -596,7 +1284,7 @@
           <a:p>
             <a:fld id="{0242246C-62F8-8D41-AE20-12536F7DA5C0}" type="datetimeFigureOut">
               <a:rPr lang="en-US" smtClean="0"/>
-              <a:t>5/23/22</a:t>
+              <a:t>5/25/22</a:t>
             </a:fld>
             <a:endParaRPr lang="en-US"/>
           </a:p>
@@ -766,7 +1454,7 @@
           <a:p>
             <a:fld id="{0242246C-62F8-8D41-AE20-12536F7DA5C0}" type="datetimeFigureOut">
               <a:rPr lang="en-US" smtClean="0"/>
-              <a:t>5/23/22</a:t>
+              <a:t>5/25/22</a:t>
             </a:fld>
             <a:endParaRPr lang="en-US"/>
           </a:p>
@@ -1010,7 +1698,7 @@
           <a:p>
             <a:fld id="{0242246C-62F8-8D41-AE20-12536F7DA5C0}" type="datetimeFigureOut">
               <a:rPr lang="en-US" smtClean="0"/>
-              <a:t>5/23/22</a:t>
+              <a:t>5/25/22</a:t>
             </a:fld>
             <a:endParaRPr lang="en-US"/>
           </a:p>
@@ -1242,7 +1930,7 @@
           <a:p>
             <a:fld id="{0242246C-62F8-8D41-AE20-12536F7DA5C0}" type="datetimeFigureOut">
               <a:rPr lang="en-US" smtClean="0"/>
-              <a:t>5/23/22</a:t>
+              <a:t>5/25/22</a:t>
             </a:fld>
             <a:endParaRPr lang="en-US"/>
           </a:p>
@@ -1609,7 +2297,7 @@
           <a:p>
             <a:fld id="{0242246C-62F8-8D41-AE20-12536F7DA5C0}" type="datetimeFigureOut">
               <a:rPr lang="en-US" smtClean="0"/>
-              <a:t>5/23/22</a:t>
+              <a:t>5/25/22</a:t>
             </a:fld>
             <a:endParaRPr lang="en-US"/>
           </a:p>
@@ -1727,7 +2415,7 @@
           <a:p>
             <a:fld id="{0242246C-62F8-8D41-AE20-12536F7DA5C0}" type="datetimeFigureOut">
               <a:rPr lang="en-US" smtClean="0"/>
-              <a:t>5/23/22</a:t>
+              <a:t>5/25/22</a:t>
             </a:fld>
             <a:endParaRPr lang="en-US"/>
           </a:p>
@@ -1822,7 +2510,7 @@
           <a:p>
             <a:fld id="{0242246C-62F8-8D41-AE20-12536F7DA5C0}" type="datetimeFigureOut">
               <a:rPr lang="en-US" smtClean="0"/>
-              <a:t>5/23/22</a:t>
+              <a:t>5/25/22</a:t>
             </a:fld>
             <a:endParaRPr lang="en-US"/>
           </a:p>
@@ -2099,7 +2787,7 @@
           <a:p>
             <a:fld id="{0242246C-62F8-8D41-AE20-12536F7DA5C0}" type="datetimeFigureOut">
               <a:rPr lang="en-US" smtClean="0"/>
-              <a:t>5/23/22</a:t>
+              <a:t>5/25/22</a:t>
             </a:fld>
             <a:endParaRPr lang="en-US"/>
           </a:p>
@@ -2356,7 +3044,7 @@
           <a:p>
             <a:fld id="{0242246C-62F8-8D41-AE20-12536F7DA5C0}" type="datetimeFigureOut">
               <a:rPr lang="en-US" smtClean="0"/>
-              <a:t>5/23/22</a:t>
+              <a:t>5/25/22</a:t>
             </a:fld>
             <a:endParaRPr lang="en-US"/>
           </a:p>
@@ -2569,7 +3257,7 @@
           <a:p>
             <a:fld id="{0242246C-62F8-8D41-AE20-12536F7DA5C0}" type="datetimeFigureOut">
               <a:rPr lang="en-US" smtClean="0"/>
-              <a:t>5/23/22</a:t>
+              <a:t>5/25/22</a:t>
             </a:fld>
             <a:endParaRPr lang="en-US"/>
           </a:p>
@@ -5311,10 +5999,10 @@
         </p:nvGrpSpPr>
         <p:grpSpPr>
           <a:xfrm>
-            <a:off x="896522" y="351399"/>
-            <a:ext cx="17057887" cy="12686858"/>
-            <a:chOff x="887815" y="323690"/>
-            <a:chExt cx="17057887" cy="12686858"/>
+            <a:off x="1379967" y="967626"/>
+            <a:ext cx="14290844" cy="11445941"/>
+            <a:chOff x="1768825" y="323690"/>
+            <a:chExt cx="14290844" cy="11445941"/>
           </a:xfrm>
         </p:grpSpPr>
         <p:sp>
@@ -5413,9 +6101,9 @@
           </p:nvGrpSpPr>
           <p:grpSpPr>
             <a:xfrm>
-              <a:off x="11425935" y="1283764"/>
+              <a:off x="11172853" y="1303169"/>
               <a:ext cx="4476357" cy="2640546"/>
-              <a:chOff x="431254" y="8032830"/>
+              <a:chOff x="178172" y="8052235"/>
               <a:chExt cx="4476357" cy="2640546"/>
             </a:xfrm>
           </p:grpSpPr>
@@ -5433,7 +6121,7 @@
             </p:nvSpPr>
             <p:spPr>
               <a:xfrm>
-                <a:off x="431254" y="8032830"/>
+                <a:off x="178172" y="8052235"/>
                 <a:ext cx="4476357" cy="2640546"/>
               </a:xfrm>
               <a:prstGeom prst="roundRect">
@@ -5482,7 +6170,7 @@
             </p:nvSpPr>
             <p:spPr>
               <a:xfrm>
-                <a:off x="674766" y="8584221"/>
+                <a:off x="405971" y="8586413"/>
                 <a:ext cx="1890000" cy="1890000"/>
               </a:xfrm>
               <a:prstGeom prst="ellipse">
@@ -5510,14 +6198,14 @@
               <a:p>
                 <a:pPr algn="ctr"/>
                 <a:r>
-                  <a:rPr lang="en-US" sz="1550" dirty="0">
+                  <a:rPr lang="en-US" dirty="0">
                     <a:solidFill>
                       <a:sysClr val="windowText" lastClr="000000"/>
                     </a:solidFill>
                   </a:rPr>
                   <a:t>Income</a:t>
                 </a:r>
-                <a:endParaRPr lang="en-US" sz="1550" dirty="0"/>
+                <a:endParaRPr lang="en-US" dirty="0"/>
               </a:p>
             </p:txBody>
           </p:sp>
@@ -5535,7 +6223,7 @@
             </p:nvSpPr>
             <p:spPr>
               <a:xfrm>
-                <a:off x="2800956" y="8603977"/>
+                <a:off x="2530182" y="8551391"/>
                 <a:ext cx="1890000" cy="1890000"/>
               </a:xfrm>
               <a:prstGeom prst="ellipse">
@@ -5562,15 +6250,7 @@
               <a:lstStyle/>
               <a:p>
                 <a:pPr algn="ctr"/>
-                <a:r>
-                  <a:rPr lang="en-US" sz="1550" dirty="0">
-                    <a:solidFill>
-                      <a:sysClr val="windowText" lastClr="000000"/>
-                    </a:solidFill>
-                  </a:rPr>
-                  <a:t>Employment</a:t>
-                </a:r>
-                <a:endParaRPr lang="en-US" sz="1550" dirty="0"/>
+                <a:endParaRPr lang="en-US" dirty="0"/>
               </a:p>
             </p:txBody>
           </p:sp>
@@ -5588,8 +6268,8 @@
             </p:nvSpPr>
             <p:spPr>
               <a:xfrm>
-                <a:off x="1388277" y="8129770"/>
-                <a:ext cx="2394112" cy="369332"/>
+                <a:off x="1237311" y="8111075"/>
+                <a:ext cx="2585741" cy="400110"/>
               </a:xfrm>
               <a:prstGeom prst="rect">
                 <a:avLst/>
@@ -5604,7 +6284,7 @@
               <a:p>
                 <a:pPr algn="ctr"/>
                 <a:r>
-                  <a:rPr lang="en-GB" dirty="0"/>
+                  <a:rPr lang="en-GB" sz="2000" dirty="0"/>
                   <a:t>Socio-economic status</a:t>
                 </a:r>
               </a:p>
@@ -5653,14 +6333,14 @@
             <a:p>
               <a:pPr algn="ctr"/>
               <a:r>
-                <a:rPr lang="en-US" sz="1550" dirty="0">
+                <a:rPr lang="en-US" dirty="0">
                   <a:solidFill>
                     <a:sysClr val="windowText" lastClr="000000"/>
                   </a:solidFill>
                 </a:rPr>
                 <a:t>Education</a:t>
               </a:r>
-              <a:endParaRPr lang="en-US" sz="1550" dirty="0"/>
+              <a:endParaRPr lang="en-US" dirty="0"/>
             </a:p>
           </p:txBody>
         </p:sp>
@@ -5706,14 +6386,14 @@
             <a:p>
               <a:pPr algn="ctr"/>
               <a:r>
-                <a:rPr lang="en-US" sz="1550" dirty="0">
+                <a:rPr lang="en-US" dirty="0">
                   <a:solidFill>
                     <a:sysClr val="windowText" lastClr="000000"/>
                   </a:solidFill>
                 </a:rPr>
                 <a:t>Better health and healthcare</a:t>
               </a:r>
-              <a:endParaRPr lang="en-US" sz="1550" dirty="0"/>
+              <a:endParaRPr lang="en-US" dirty="0"/>
             </a:p>
           </p:txBody>
         </p:sp>
@@ -5759,14 +6439,14 @@
             <a:p>
               <a:pPr algn="ctr"/>
               <a:r>
-                <a:rPr lang="en-US" sz="1550" dirty="0">
+                <a:rPr lang="en-US" dirty="0">
                   <a:solidFill>
                     <a:sysClr val="windowText" lastClr="000000"/>
                   </a:solidFill>
                 </a:rPr>
                 <a:t>Better welfare system</a:t>
               </a:r>
-              <a:endParaRPr lang="en-US" sz="1550" dirty="0"/>
+              <a:endParaRPr lang="en-US" dirty="0"/>
             </a:p>
           </p:txBody>
         </p:sp>
@@ -5812,14 +6492,14 @@
             <a:p>
               <a:pPr algn="ctr"/>
               <a:r>
-                <a:rPr lang="en-US" sz="1550" dirty="0">
+                <a:rPr lang="en-US" dirty="0">
                   <a:solidFill>
                     <a:sysClr val="windowText" lastClr="000000"/>
                   </a:solidFill>
                 </a:rPr>
                 <a:t>Better government and less corruption</a:t>
               </a:r>
-              <a:endParaRPr lang="en-US" sz="1550" dirty="0"/>
+              <a:endParaRPr lang="en-US" dirty="0"/>
             </a:p>
           </p:txBody>
         </p:sp>
@@ -5865,14 +6545,14 @@
             <a:p>
               <a:pPr algn="ctr"/>
               <a:r>
-                <a:rPr lang="en-US" sz="1550" dirty="0">
+                <a:rPr lang="en-US" sz="2000" dirty="0">
                   <a:solidFill>
                     <a:sysClr val="windowText" lastClr="000000"/>
                   </a:solidFill>
                 </a:rPr>
                 <a:t>Immigrant wellbeing</a:t>
               </a:r>
-              <a:endParaRPr lang="en-US" sz="1550" dirty="0"/>
+              <a:endParaRPr lang="en-US" sz="2000" dirty="0"/>
             </a:p>
           </p:txBody>
         </p:sp>
@@ -5890,7 +6570,7 @@
           </p:nvSpPr>
           <p:spPr>
             <a:xfrm>
-              <a:off x="986453" y="1958264"/>
+              <a:off x="1937645" y="6680053"/>
               <a:ext cx="1890000" cy="1890000"/>
             </a:xfrm>
             <a:prstGeom prst="ellipse">
@@ -5918,14 +6598,14 @@
             <a:p>
               <a:pPr algn="ctr"/>
               <a:r>
-                <a:rPr lang="en-US" sz="1550" dirty="0">
+                <a:rPr lang="en-US" dirty="0">
                   <a:solidFill>
                     <a:sysClr val="windowText" lastClr="000000"/>
                   </a:solidFill>
                 </a:rPr>
                 <a:t>Safety from threats and persecution</a:t>
               </a:r>
-              <a:endParaRPr lang="en-US" sz="1550" dirty="0"/>
+              <a:endParaRPr lang="en-US" dirty="0"/>
             </a:p>
           </p:txBody>
         </p:sp>
@@ -6012,8 +6692,8 @@
             </p:nvSpPr>
             <p:spPr>
               <a:xfrm>
-                <a:off x="8374240" y="5212762"/>
-                <a:ext cx="2394112" cy="369332"/>
+                <a:off x="8184389" y="5192911"/>
+                <a:ext cx="2565327" cy="400110"/>
               </a:xfrm>
               <a:prstGeom prst="rect">
                 <a:avLst/>
@@ -6028,7 +6708,7 @@
               <a:p>
                 <a:pPr algn="ctr"/>
                 <a:r>
-                  <a:rPr lang="en-GB" dirty="0"/>
+                  <a:rPr lang="en-GB" sz="2000" dirty="0"/>
                   <a:t>Socio-cultural changes</a:t>
                 </a:r>
               </a:p>
@@ -6076,14 +6756,14 @@
               <a:p>
                 <a:pPr algn="ctr"/>
                 <a:r>
-                  <a:rPr lang="en-US" sz="1550" dirty="0">
+                  <a:rPr lang="en-US" dirty="0">
                     <a:solidFill>
                       <a:sysClr val="windowText" lastClr="000000"/>
                     </a:solidFill>
                   </a:rPr>
                   <a:t>Trust</a:t>
                 </a:r>
-                <a:endParaRPr lang="en-US" sz="1550" dirty="0"/>
+                <a:endParaRPr lang="en-US" dirty="0"/>
               </a:p>
             </p:txBody>
           </p:sp>
@@ -6129,14 +6809,14 @@
               <a:p>
                 <a:pPr algn="ctr"/>
                 <a:r>
-                  <a:rPr lang="en-US" sz="1550" dirty="0">
+                  <a:rPr lang="en-US" dirty="0">
                     <a:solidFill>
                       <a:sysClr val="windowText" lastClr="000000"/>
                     </a:solidFill>
                   </a:rPr>
                   <a:t>Social support</a:t>
                 </a:r>
-                <a:endParaRPr lang="en-US" sz="1550" dirty="0"/>
+                <a:endParaRPr lang="en-US" dirty="0"/>
               </a:p>
             </p:txBody>
           </p:sp>
@@ -6182,14 +6862,14 @@
               <a:p>
                 <a:pPr algn="ctr"/>
                 <a:r>
-                  <a:rPr lang="en-US" sz="1550" dirty="0">
+                  <a:rPr lang="en-US" dirty="0">
                     <a:solidFill>
                       <a:sysClr val="windowText" lastClr="000000"/>
                     </a:solidFill>
                   </a:rPr>
                   <a:t>Freedom</a:t>
                 </a:r>
-                <a:endParaRPr lang="en-US" sz="1550" dirty="0"/>
+                <a:endParaRPr lang="en-US" dirty="0"/>
               </a:p>
             </p:txBody>
           </p:sp>
@@ -6235,14 +6915,14 @@
               <a:p>
                 <a:pPr algn="ctr"/>
                 <a:r>
-                  <a:rPr lang="en-US" sz="1550" dirty="0">
+                  <a:rPr lang="en-US" dirty="0">
                     <a:solidFill>
                       <a:sysClr val="windowText" lastClr="000000"/>
                     </a:solidFill>
                   </a:rPr>
                   <a:t>Generosity</a:t>
                 </a:r>
-                <a:endParaRPr lang="en-US" sz="1550" dirty="0"/>
+                <a:endParaRPr lang="en-US" dirty="0"/>
               </a:p>
             </p:txBody>
           </p:sp>
@@ -6301,8 +6981,8 @@
           </p:nvCxnSpPr>
           <p:spPr>
             <a:xfrm>
-              <a:off x="9000332" y="785355"/>
-              <a:ext cx="2425603" cy="1818683"/>
+              <a:off x="9000331" y="785355"/>
+              <a:ext cx="2172522" cy="1838087"/>
             </a:xfrm>
             <a:prstGeom prst="straightConnector1">
               <a:avLst/>
@@ -6346,8 +7026,8 @@
           </p:nvCxnSpPr>
           <p:spPr>
             <a:xfrm>
-              <a:off x="9000332" y="785354"/>
-              <a:ext cx="2251689" cy="3712120"/>
+              <a:off x="9000331" y="785355"/>
+              <a:ext cx="2178934" cy="3588253"/>
             </a:xfrm>
             <a:prstGeom prst="straightConnector1">
               <a:avLst/>
@@ -6567,15 +7247,15 @@
             </p:cNvPr>
             <p:cNvCxnSpPr>
               <a:cxnSpLocks/>
-              <a:stCxn id="15" idx="2"/>
-              <a:endCxn id="56" idx="7"/>
+              <a:stCxn id="56" idx="5"/>
+              <a:endCxn id="55" idx="2"/>
             </p:cNvCxnSpPr>
             <p:nvPr/>
           </p:nvCxnSpPr>
           <p:spPr>
-            <a:xfrm flipH="1">
-              <a:off x="2599669" y="785354"/>
-              <a:ext cx="6400662" cy="1449694"/>
+            <a:xfrm>
+              <a:off x="3550861" y="8293269"/>
+              <a:ext cx="4355576" cy="2531362"/>
             </a:xfrm>
             <a:prstGeom prst="straightConnector1">
               <a:avLst/>
@@ -6614,13 +7294,14 @@
             </p:cNvPr>
             <p:cNvCxnSpPr>
               <a:cxnSpLocks/>
+              <a:stCxn id="15" idx="2"/>
             </p:cNvCxnSpPr>
             <p:nvPr/>
           </p:nvCxnSpPr>
           <p:spPr>
-            <a:xfrm>
-              <a:off x="1188791" y="10824631"/>
-              <a:ext cx="6717647" cy="0"/>
+            <a:xfrm flipH="1">
+              <a:off x="1896355" y="785355"/>
+              <a:ext cx="7103976" cy="3216291"/>
             </a:xfrm>
             <a:prstGeom prst="straightConnector1">
               <a:avLst/>
@@ -6702,14 +7383,14 @@
             </p:cNvPr>
             <p:cNvCxnSpPr>
               <a:cxnSpLocks/>
-              <a:stCxn id="56" idx="3"/>
+              <a:endCxn id="56" idx="2"/>
             </p:cNvCxnSpPr>
             <p:nvPr/>
           </p:nvCxnSpPr>
           <p:spPr>
             <a:xfrm>
-              <a:off x="1263237" y="3571481"/>
-              <a:ext cx="0" cy="7253151"/>
+              <a:off x="1896355" y="4021637"/>
+              <a:ext cx="41290" cy="3603416"/>
             </a:xfrm>
             <a:prstGeom prst="line">
               <a:avLst/>
@@ -7063,13 +7744,14 @@
             </p:cNvPr>
             <p:cNvCxnSpPr>
               <a:cxnSpLocks/>
+              <a:stCxn id="15" idx="2"/>
             </p:cNvCxnSpPr>
             <p:nvPr/>
           </p:nvCxnSpPr>
           <p:spPr>
             <a:xfrm flipH="1">
-              <a:off x="9838500" y="336056"/>
-              <a:ext cx="7008792" cy="2708"/>
+              <a:off x="1811121" y="785355"/>
+              <a:ext cx="7189210" cy="2929258"/>
             </a:xfrm>
             <a:prstGeom prst="line">
               <a:avLst/>
@@ -7110,7 +7792,7 @@
           </p:nvSpPr>
           <p:spPr>
             <a:xfrm>
-              <a:off x="16055702" y="4839047"/>
+              <a:off x="1840712" y="8957740"/>
               <a:ext cx="1890000" cy="1890000"/>
             </a:xfrm>
             <a:prstGeom prst="ellipse">
@@ -7141,14 +7823,11 @@
             <a:lstStyle/>
             <a:p>
               <a:pPr algn="ctr"/>
-              <a:r>
-                <a:rPr lang="en-US" sz="1550" dirty="0">
-                  <a:solidFill>
-                    <a:srgbClr val="FF0000"/>
-                  </a:solidFill>
-                </a:rPr>
-                <a:t>Prejudice and discrimination</a:t>
-              </a:r>
+              <a:endParaRPr lang="en-US" dirty="0">
+                <a:solidFill>
+                  <a:srgbClr val="FF0000"/>
+                </a:solidFill>
+              </a:endParaRPr>
             </a:p>
           </p:txBody>
         </p:sp>
@@ -7166,8 +7845,8 @@
           </p:nvSpPr>
           <p:spPr>
             <a:xfrm>
-              <a:off x="14142349" y="635955"/>
-              <a:ext cx="2394112" cy="646331"/>
+              <a:off x="13880737" y="533415"/>
+              <a:ext cx="2178932" cy="646331"/>
             </a:xfrm>
             <a:prstGeom prst="rect">
               <a:avLst/>
@@ -7187,57 +7866,11 @@
                     <a:srgbClr val="FF0000"/>
                   </a:solidFill>
                 </a:rPr>
-                <a:t>…but potential socio-economic losses</a:t>
+                <a:t>… potential socio-economic losses</a:t>
               </a:r>
             </a:p>
           </p:txBody>
         </p:sp>
-        <p:cxnSp>
-          <p:nvCxnSpPr>
-            <p:cNvPr id="149" name="Straight Arrow Connector 148">
-              <a:extLst>
-                <a:ext uri="{FF2B5EF4-FFF2-40B4-BE49-F238E27FC236}">
-                  <a16:creationId xmlns:a16="http://schemas.microsoft.com/office/drawing/2014/main" id="{180A8F36-5EDD-62F0-99B3-EB9DE377DE86}"/>
-                </a:ext>
-              </a:extLst>
-            </p:cNvPr>
-            <p:cNvCxnSpPr>
-              <a:cxnSpLocks/>
-              <a:endCxn id="137" idx="0"/>
-            </p:cNvCxnSpPr>
-            <p:nvPr/>
-          </p:nvCxnSpPr>
-          <p:spPr>
-            <a:xfrm>
-              <a:off x="17000702" y="336056"/>
-              <a:ext cx="0" cy="4502991"/>
-            </a:xfrm>
-            <a:prstGeom prst="straightConnector1">
-              <a:avLst/>
-            </a:prstGeom>
-            <a:ln w="38100">
-              <a:solidFill>
-                <a:srgbClr val="FF0000"/>
-              </a:solidFill>
-              <a:prstDash val="dash"/>
-              <a:tailEnd type="triangle"/>
-            </a:ln>
-          </p:spPr>
-          <p:style>
-            <a:lnRef idx="1">
-              <a:schemeClr val="dk1"/>
-            </a:lnRef>
-            <a:fillRef idx="0">
-              <a:schemeClr val="dk1"/>
-            </a:fillRef>
-            <a:effectRef idx="0">
-              <a:schemeClr val="dk1"/>
-            </a:effectRef>
-            <a:fontRef idx="minor">
-              <a:schemeClr val="tx1"/>
-            </a:fontRef>
-          </p:style>
-        </p:cxnSp>
         <p:cxnSp>
           <p:nvCxnSpPr>
             <p:cNvPr id="154" name="Straight Arrow Connector 153">
@@ -7249,14 +7882,15 @@
             </p:cNvPr>
             <p:cNvCxnSpPr>
               <a:cxnSpLocks/>
+              <a:stCxn id="15" idx="2"/>
               <a:endCxn id="141" idx="1"/>
             </p:cNvCxnSpPr>
             <p:nvPr/>
           </p:nvCxnSpPr>
           <p:spPr>
             <a:xfrm>
-              <a:off x="10298755" y="635955"/>
-              <a:ext cx="3843594" cy="323166"/>
+              <a:off x="9000331" y="785355"/>
+              <a:ext cx="4880406" cy="71226"/>
             </a:xfrm>
             <a:prstGeom prst="straightConnector1">
               <a:avLst/>
@@ -7300,8 +7934,8 @@
           </p:nvCxnSpPr>
           <p:spPr>
             <a:xfrm flipV="1">
-              <a:off x="15984700" y="1387161"/>
-              <a:ext cx="0" cy="8515579"/>
+              <a:off x="15861608" y="1003149"/>
+              <a:ext cx="0" cy="8876482"/>
             </a:xfrm>
             <a:prstGeom prst="line">
               <a:avLst/>
@@ -7339,14 +7973,14 @@
             </p:cNvPr>
             <p:cNvCxnSpPr>
               <a:cxnSpLocks/>
-              <a:endCxn id="137" idx="4"/>
+              <a:stCxn id="137" idx="2"/>
             </p:cNvCxnSpPr>
             <p:nvPr/>
           </p:nvCxnSpPr>
           <p:spPr>
-            <a:xfrm flipV="1">
-              <a:off x="16954013" y="6729047"/>
-              <a:ext cx="46689" cy="3556761"/>
+            <a:xfrm flipH="1" flipV="1">
+              <a:off x="1768825" y="3714613"/>
+              <a:ext cx="71887" cy="6188127"/>
             </a:xfrm>
             <a:prstGeom prst="line">
               <a:avLst/>
@@ -7390,7 +8024,7 @@
           <p:spPr>
             <a:xfrm flipH="1">
               <a:off x="9838500" y="9902740"/>
-              <a:ext cx="6146200" cy="1297289"/>
+              <a:ext cx="6023108" cy="1297289"/>
             </a:xfrm>
             <a:prstGeom prst="straightConnector1">
               <a:avLst/>
@@ -7429,13 +8063,14 @@
             </p:cNvPr>
             <p:cNvCxnSpPr>
               <a:cxnSpLocks/>
+              <a:stCxn id="137" idx="6"/>
             </p:cNvCxnSpPr>
             <p:nvPr/>
           </p:nvCxnSpPr>
           <p:spPr>
-            <a:xfrm flipH="1">
-              <a:off x="9720220" y="10352038"/>
-              <a:ext cx="7233793" cy="1153513"/>
+            <a:xfrm>
+              <a:off x="3730712" y="9902740"/>
+              <a:ext cx="4128143" cy="1215218"/>
             </a:xfrm>
             <a:prstGeom prst="straightConnector1">
               <a:avLst/>
@@ -7477,9 +8112,9 @@
           </p:nvGrpSpPr>
           <p:grpSpPr>
             <a:xfrm>
-              <a:off x="887815" y="11865149"/>
+              <a:off x="1910092" y="656926"/>
               <a:ext cx="3977275" cy="1145399"/>
-              <a:chOff x="567016" y="13024037"/>
+              <a:chOff x="1589293" y="1815814"/>
               <a:chExt cx="3977275" cy="1145399"/>
             </a:xfrm>
           </p:grpSpPr>
@@ -7499,7 +8134,7 @@
             </p:nvCxnSpPr>
             <p:spPr>
               <a:xfrm flipH="1">
-                <a:off x="650143" y="13208703"/>
+                <a:off x="1672420" y="2000480"/>
                 <a:ext cx="720000" cy="0"/>
               </a:xfrm>
               <a:prstGeom prst="line">
@@ -7541,7 +8176,7 @@
             </p:nvSpPr>
             <p:spPr>
               <a:xfrm>
-                <a:off x="1291444" y="13024037"/>
+                <a:off x="2313721" y="1815814"/>
                 <a:ext cx="2394112" cy="369332"/>
               </a:xfrm>
               <a:prstGeom prst="rect">
@@ -7579,7 +8214,7 @@
             </p:nvCxnSpPr>
             <p:spPr>
               <a:xfrm flipH="1">
-                <a:off x="567016" y="13578035"/>
+                <a:off x="1589293" y="2369812"/>
                 <a:ext cx="782460" cy="0"/>
               </a:xfrm>
               <a:prstGeom prst="line">
@@ -7621,7 +8256,7 @@
             </p:nvSpPr>
             <p:spPr>
               <a:xfrm>
-                <a:off x="1263237" y="13393369"/>
+                <a:off x="2285514" y="2185146"/>
                 <a:ext cx="2394112" cy="369332"/>
               </a:xfrm>
               <a:prstGeom prst="rect">
@@ -7659,7 +8294,7 @@
             </p:nvCxnSpPr>
             <p:spPr>
               <a:xfrm flipH="1">
-                <a:off x="567016" y="13984768"/>
+                <a:off x="1589293" y="2776545"/>
                 <a:ext cx="782460" cy="0"/>
               </a:xfrm>
               <a:prstGeom prst="line">
@@ -7701,7 +8336,7 @@
             </p:nvSpPr>
             <p:spPr>
               <a:xfrm>
-                <a:off x="1318654" y="13800104"/>
+                <a:off x="2340931" y="2591881"/>
                 <a:ext cx="3225637" cy="369332"/>
               </a:xfrm>
               <a:prstGeom prst="rect">
@@ -7725,6 +8360,90 @@
           </p:sp>
         </p:grpSp>
       </p:grpSp>
+      <p:sp>
+        <p:nvSpPr>
+          <p:cNvPr id="12" name="TextBox 11">
+            <a:extLst>
+              <a:ext uri="{FF2B5EF4-FFF2-40B4-BE49-F238E27FC236}">
+                <a16:creationId xmlns:a16="http://schemas.microsoft.com/office/drawing/2014/main" id="{B5A4F953-9C12-BC9F-6EC2-3B318C67901A}"/>
+              </a:ext>
+            </a:extLst>
+          </p:cNvPr>
+          <p:cNvSpPr txBox="1"/>
+          <p:nvPr/>
+        </p:nvSpPr>
+        <p:spPr>
+          <a:xfrm>
+            <a:off x="1613667" y="10205918"/>
+            <a:ext cx="1566375" cy="923330"/>
+          </a:xfrm>
+          <a:prstGeom prst="rect">
+            <a:avLst/>
+          </a:prstGeom>
+          <a:noFill/>
+        </p:spPr>
+        <p:txBody>
+          <a:bodyPr wrap="square" rtlCol="0">
+            <a:spAutoFit/>
+          </a:bodyPr>
+          <a:lstStyle/>
+          <a:p>
+            <a:pPr algn="ctr"/>
+            <a:r>
+              <a:rPr lang="en-US" dirty="0">
+                <a:solidFill>
+                  <a:srgbClr val="FF0000"/>
+                </a:solidFill>
+              </a:rPr>
+              <a:t>Prejudice and discrimination</a:t>
+            </a:r>
+          </a:p>
+          <a:p>
+            <a:endParaRPr lang="en-US" dirty="0"/>
+          </a:p>
+        </p:txBody>
+      </p:sp>
+      <p:sp>
+        <p:nvSpPr>
+          <p:cNvPr id="13" name="TextBox 12">
+            <a:extLst>
+              <a:ext uri="{FF2B5EF4-FFF2-40B4-BE49-F238E27FC236}">
+                <a16:creationId xmlns:a16="http://schemas.microsoft.com/office/drawing/2014/main" id="{D0F8A275-F6A7-BA82-3066-14A436FAB214}"/>
+              </a:ext>
+            </a:extLst>
+          </p:cNvPr>
+          <p:cNvSpPr txBox="1"/>
+          <p:nvPr/>
+        </p:nvSpPr>
+        <p:spPr>
+          <a:xfrm>
+            <a:off x="13312627" y="3239462"/>
+            <a:ext cx="1544178" cy="369332"/>
+          </a:xfrm>
+          <a:prstGeom prst="rect">
+            <a:avLst/>
+          </a:prstGeom>
+          <a:noFill/>
+        </p:spPr>
+        <p:txBody>
+          <a:bodyPr wrap="square" rtlCol="0">
+            <a:spAutoFit/>
+          </a:bodyPr>
+          <a:lstStyle/>
+          <a:p>
+            <a:pPr algn="ctr"/>
+            <a:r>
+              <a:rPr lang="en-US" dirty="0">
+                <a:solidFill>
+                  <a:sysClr val="windowText" lastClr="000000"/>
+                </a:solidFill>
+              </a:rPr>
+              <a:t>Employment</a:t>
+            </a:r>
+            <a:endParaRPr lang="en-US" dirty="0"/>
+          </a:p>
+        </p:txBody>
+      </p:sp>
     </p:spTree>
     <p:extLst>
       <p:ext uri="{BB962C8B-B14F-4D97-AF65-F5344CB8AC3E}">
@@ -9622,4 +10341,299 @@
     </a:ext>
   </a:extLst>
 </a:theme>
+</file>
+
+<file path=ppt/theme/theme2.xml><?xml version="1.0" encoding="utf-8"?>
+<a:theme xmlns:a="http://schemas.openxmlformats.org/drawingml/2006/main" name="Office Theme">
+  <a:themeElements>
+    <a:clrScheme name="Office">
+      <a:dk1>
+        <a:sysClr val="windowText" lastClr="000000"/>
+      </a:dk1>
+      <a:lt1>
+        <a:sysClr val="window" lastClr="FFFFFF"/>
+      </a:lt1>
+      <a:dk2>
+        <a:srgbClr val="44546A"/>
+      </a:dk2>
+      <a:lt2>
+        <a:srgbClr val="E7E6E6"/>
+      </a:lt2>
+      <a:accent1>
+        <a:srgbClr val="4472C4"/>
+      </a:accent1>
+      <a:accent2>
+        <a:srgbClr val="ED7D31"/>
+      </a:accent2>
+      <a:accent3>
+        <a:srgbClr val="A5A5A5"/>
+      </a:accent3>
+      <a:accent4>
+        <a:srgbClr val="FFC000"/>
+      </a:accent4>
+      <a:accent5>
+        <a:srgbClr val="5B9BD5"/>
+      </a:accent5>
+      <a:accent6>
+        <a:srgbClr val="70AD47"/>
+      </a:accent6>
+      <a:hlink>
+        <a:srgbClr val="0563C1"/>
+      </a:hlink>
+      <a:folHlink>
+        <a:srgbClr val="954F72"/>
+      </a:folHlink>
+    </a:clrScheme>
+    <a:fontScheme name="Office">
+      <a:majorFont>
+        <a:latin typeface="Calibri Light" panose="020F0302020204030204"/>
+        <a:ea typeface=""/>
+        <a:cs typeface=""/>
+        <a:font script="Jpan" typeface="游ゴシック Light"/>
+        <a:font script="Hang" typeface="맑은 고딕"/>
+        <a:font script="Hans" typeface="等线 Light"/>
+        <a:font script="Hant" typeface="新細明體"/>
+        <a:font script="Arab" typeface="Times New Roman"/>
+        <a:font script="Hebr" typeface="Times New Roman"/>
+        <a:font script="Thai" typeface="Angsana New"/>
+        <a:font script="Ethi" typeface="Nyala"/>
+        <a:font script="Beng" typeface="Vrinda"/>
+        <a:font script="Gujr" typeface="Shruti"/>
+        <a:font script="Khmr" typeface="MoolBoran"/>
+        <a:font script="Knda" typeface="Tunga"/>
+        <a:font script="Guru" typeface="Raavi"/>
+        <a:font script="Cans" typeface="Euphemia"/>
+        <a:font script="Cher" typeface="Plantagenet Cherokee"/>
+        <a:font script="Yiii" typeface="Microsoft Yi Baiti"/>
+        <a:font script="Tibt" typeface="Microsoft Himalaya"/>
+        <a:font script="Thaa" typeface="MV Boli"/>
+        <a:font script="Deva" typeface="Mangal"/>
+        <a:font script="Telu" typeface="Gautami"/>
+        <a:font script="Taml" typeface="Latha"/>
+        <a:font script="Syrc" typeface="Estrangelo Edessa"/>
+        <a:font script="Orya" typeface="Kalinga"/>
+        <a:font script="Mlym" typeface="Kartika"/>
+        <a:font script="Laoo" typeface="DokChampa"/>
+        <a:font script="Sinh" typeface="Iskoola Pota"/>
+        <a:font script="Mong" typeface="Mongolian Baiti"/>
+        <a:font script="Viet" typeface="Times New Roman"/>
+        <a:font script="Uigh" typeface="Microsoft Uighur"/>
+        <a:font script="Geor" typeface="Sylfaen"/>
+        <a:font script="Armn" typeface="Arial"/>
+        <a:font script="Bugi" typeface="Leelawadee UI"/>
+        <a:font script="Bopo" typeface="Microsoft JhengHei"/>
+        <a:font script="Java" typeface="Javanese Text"/>
+        <a:font script="Lisu" typeface="Segoe UI"/>
+        <a:font script="Mymr" typeface="Myanmar Text"/>
+        <a:font script="Nkoo" typeface="Ebrima"/>
+        <a:font script="Olck" typeface="Nirmala UI"/>
+        <a:font script="Osma" typeface="Ebrima"/>
+        <a:font script="Phag" typeface="Phagspa"/>
+        <a:font script="Syrn" typeface="Estrangelo Edessa"/>
+        <a:font script="Syrj" typeface="Estrangelo Edessa"/>
+        <a:font script="Syre" typeface="Estrangelo Edessa"/>
+        <a:font script="Sora" typeface="Nirmala UI"/>
+        <a:font script="Tale" typeface="Microsoft Tai Le"/>
+        <a:font script="Talu" typeface="Microsoft New Tai Lue"/>
+        <a:font script="Tfng" typeface="Ebrima"/>
+      </a:majorFont>
+      <a:minorFont>
+        <a:latin typeface="Calibri" panose="020F0502020204030204"/>
+        <a:ea typeface=""/>
+        <a:cs typeface=""/>
+        <a:font script="Jpan" typeface="游ゴシック"/>
+        <a:font script="Hang" typeface="맑은 고딕"/>
+        <a:font script="Hans" typeface="等线"/>
+        <a:font script="Hant" typeface="新細明體"/>
+        <a:font script="Arab" typeface="Arial"/>
+        <a:font script="Hebr" typeface="Arial"/>
+        <a:font script="Thai" typeface="Cordia New"/>
+        <a:font script="Ethi" typeface="Nyala"/>
+        <a:font script="Beng" typeface="Vrinda"/>
+        <a:font script="Gujr" typeface="Shruti"/>
+        <a:font script="Khmr" typeface="DaunPenh"/>
+        <a:font script="Knda" typeface="Tunga"/>
+        <a:font script="Guru" typeface="Raavi"/>
+        <a:font script="Cans" typeface="Euphemia"/>
+        <a:font script="Cher" typeface="Plantagenet Cherokee"/>
+        <a:font script="Yiii" typeface="Microsoft Yi Baiti"/>
+        <a:font script="Tibt" typeface="Microsoft Himalaya"/>
+        <a:font script="Thaa" typeface="MV Boli"/>
+        <a:font script="Deva" typeface="Mangal"/>
+        <a:font script="Telu" typeface="Gautami"/>
+        <a:font script="Taml" typeface="Latha"/>
+        <a:font script="Syrc" typeface="Estrangelo Edessa"/>
+        <a:font script="Orya" typeface="Kalinga"/>
+        <a:font script="Mlym" typeface="Kartika"/>
+        <a:font script="Laoo" typeface="DokChampa"/>
+        <a:font script="Sinh" typeface="Iskoola Pota"/>
+        <a:font script="Mong" typeface="Mongolian Baiti"/>
+        <a:font script="Viet" typeface="Arial"/>
+        <a:font script="Uigh" typeface="Microsoft Uighur"/>
+        <a:font script="Geor" typeface="Sylfaen"/>
+        <a:font script="Armn" typeface="Arial"/>
+        <a:font script="Bugi" typeface="Leelawadee UI"/>
+        <a:font script="Bopo" typeface="Microsoft JhengHei"/>
+        <a:font script="Java" typeface="Javanese Text"/>
+        <a:font script="Lisu" typeface="Segoe UI"/>
+        <a:font script="Mymr" typeface="Myanmar Text"/>
+        <a:font script="Nkoo" typeface="Ebrima"/>
+        <a:font script="Olck" typeface="Nirmala UI"/>
+        <a:font script="Osma" typeface="Ebrima"/>
+        <a:font script="Phag" typeface="Phagspa"/>
+        <a:font script="Syrn" typeface="Estrangelo Edessa"/>
+        <a:font script="Syrj" typeface="Estrangelo Edessa"/>
+        <a:font script="Syre" typeface="Estrangelo Edessa"/>
+        <a:font script="Sora" typeface="Nirmala UI"/>
+        <a:font script="Tale" typeface="Microsoft Tai Le"/>
+        <a:font script="Talu" typeface="Microsoft New Tai Lue"/>
+        <a:font script="Tfng" typeface="Ebrima"/>
+      </a:minorFont>
+    </a:fontScheme>
+    <a:fmtScheme name="Office">
+      <a:fillStyleLst>
+        <a:solidFill>
+          <a:schemeClr val="phClr"/>
+        </a:solidFill>
+        <a:gradFill rotWithShape="1">
+          <a:gsLst>
+            <a:gs pos="0">
+              <a:schemeClr val="phClr">
+                <a:lumMod val="110000"/>
+                <a:satMod val="105000"/>
+                <a:tint val="67000"/>
+              </a:schemeClr>
+            </a:gs>
+            <a:gs pos="50000">
+              <a:schemeClr val="phClr">
+                <a:lumMod val="105000"/>
+                <a:satMod val="103000"/>
+                <a:tint val="73000"/>
+              </a:schemeClr>
+            </a:gs>
+            <a:gs pos="100000">
+              <a:schemeClr val="phClr">
+                <a:lumMod val="105000"/>
+                <a:satMod val="109000"/>
+                <a:tint val="81000"/>
+              </a:schemeClr>
+            </a:gs>
+          </a:gsLst>
+          <a:lin ang="5400000" scaled="0"/>
+        </a:gradFill>
+        <a:gradFill rotWithShape="1">
+          <a:gsLst>
+            <a:gs pos="0">
+              <a:schemeClr val="phClr">
+                <a:satMod val="103000"/>
+                <a:lumMod val="102000"/>
+                <a:tint val="94000"/>
+              </a:schemeClr>
+            </a:gs>
+            <a:gs pos="50000">
+              <a:schemeClr val="phClr">
+                <a:satMod val="110000"/>
+                <a:lumMod val="100000"/>
+                <a:shade val="100000"/>
+              </a:schemeClr>
+            </a:gs>
+            <a:gs pos="100000">
+              <a:schemeClr val="phClr">
+                <a:lumMod val="99000"/>
+                <a:satMod val="120000"/>
+                <a:shade val="78000"/>
+              </a:schemeClr>
+            </a:gs>
+          </a:gsLst>
+          <a:lin ang="5400000" scaled="0"/>
+        </a:gradFill>
+      </a:fillStyleLst>
+      <a:lnStyleLst>
+        <a:ln w="6350" cap="flat" cmpd="sng" algn="ctr">
+          <a:solidFill>
+            <a:schemeClr val="phClr"/>
+          </a:solidFill>
+          <a:prstDash val="solid"/>
+          <a:miter lim="800000"/>
+        </a:ln>
+        <a:ln w="12700" cap="flat" cmpd="sng" algn="ctr">
+          <a:solidFill>
+            <a:schemeClr val="phClr"/>
+          </a:solidFill>
+          <a:prstDash val="solid"/>
+          <a:miter lim="800000"/>
+        </a:ln>
+        <a:ln w="19050" cap="flat" cmpd="sng" algn="ctr">
+          <a:solidFill>
+            <a:schemeClr val="phClr"/>
+          </a:solidFill>
+          <a:prstDash val="solid"/>
+          <a:miter lim="800000"/>
+        </a:ln>
+      </a:lnStyleLst>
+      <a:effectStyleLst>
+        <a:effectStyle>
+          <a:effectLst/>
+        </a:effectStyle>
+        <a:effectStyle>
+          <a:effectLst/>
+        </a:effectStyle>
+        <a:effectStyle>
+          <a:effectLst>
+            <a:outerShdw blurRad="57150" dist="19050" dir="5400000" algn="ctr" rotWithShape="0">
+              <a:srgbClr val="000000">
+                <a:alpha val="63000"/>
+              </a:srgbClr>
+            </a:outerShdw>
+          </a:effectLst>
+        </a:effectStyle>
+      </a:effectStyleLst>
+      <a:bgFillStyleLst>
+        <a:solidFill>
+          <a:schemeClr val="phClr"/>
+        </a:solidFill>
+        <a:solidFill>
+          <a:schemeClr val="phClr">
+            <a:tint val="95000"/>
+            <a:satMod val="170000"/>
+          </a:schemeClr>
+        </a:solidFill>
+        <a:gradFill rotWithShape="1">
+          <a:gsLst>
+            <a:gs pos="0">
+              <a:schemeClr val="phClr">
+                <a:tint val="93000"/>
+                <a:satMod val="150000"/>
+                <a:shade val="98000"/>
+                <a:lumMod val="102000"/>
+              </a:schemeClr>
+            </a:gs>
+            <a:gs pos="50000">
+              <a:schemeClr val="phClr">
+                <a:tint val="98000"/>
+                <a:satMod val="130000"/>
+                <a:shade val="90000"/>
+                <a:lumMod val="103000"/>
+              </a:schemeClr>
+            </a:gs>
+            <a:gs pos="100000">
+              <a:schemeClr val="phClr">
+                <a:shade val="63000"/>
+                <a:satMod val="120000"/>
+              </a:schemeClr>
+            </a:gs>
+          </a:gsLst>
+          <a:lin ang="5400000" scaled="0"/>
+        </a:gradFill>
+      </a:bgFillStyleLst>
+    </a:fmtScheme>
+  </a:themeElements>
+  <a:objectDefaults/>
+  <a:extraClrSchemeLst/>
+  <a:extLst>
+    <a:ext uri="{05A4C25C-085E-4340-85A3-A5531E510DB2}">
+      <thm15:themeFamily xmlns:thm15="http://schemas.microsoft.com/office/thememl/2012/main" name="Office Theme" id="{62F939B6-93AF-4DB8-9C6B-D6C7DFDC589F}" vid="{4A3C46E8-61CC-4603-A589-7422A47A8E4A}"/>
+    </a:ext>
+  </a:extLst>
+</a:theme>
 </file>
--- a/causalgraphs.pptx
+++ b/causalgraphs.pptx
@@ -200,7 +200,7 @@
           <a:p>
             <a:fld id="{7FB7F704-9F7A-F34C-9DE1-CE7CBFB726AF}" type="datetimeFigureOut">
               <a:rPr lang="en-US" smtClean="0"/>
-              <a:t>5/25/22</a:t>
+              <a:t>12/14/22</a:t>
             </a:fld>
             <a:endParaRPr lang="en-US"/>
           </a:p>
@@ -934,7 +934,7 @@
           <a:p>
             <a:fld id="{0242246C-62F8-8D41-AE20-12536F7DA5C0}" type="datetimeFigureOut">
               <a:rPr lang="en-US" smtClean="0"/>
-              <a:t>5/25/22</a:t>
+              <a:t>12/14/22</a:t>
             </a:fld>
             <a:endParaRPr lang="en-US"/>
           </a:p>
@@ -1104,7 +1104,7 @@
           <a:p>
             <a:fld id="{0242246C-62F8-8D41-AE20-12536F7DA5C0}" type="datetimeFigureOut">
               <a:rPr lang="en-US" smtClean="0"/>
-              <a:t>5/25/22</a:t>
+              <a:t>12/14/22</a:t>
             </a:fld>
             <a:endParaRPr lang="en-US"/>
           </a:p>
@@ -1284,7 +1284,7 @@
           <a:p>
             <a:fld id="{0242246C-62F8-8D41-AE20-12536F7DA5C0}" type="datetimeFigureOut">
               <a:rPr lang="en-US" smtClean="0"/>
-              <a:t>5/25/22</a:t>
+              <a:t>12/14/22</a:t>
             </a:fld>
             <a:endParaRPr lang="en-US"/>
           </a:p>
@@ -1454,7 +1454,7 @@
           <a:p>
             <a:fld id="{0242246C-62F8-8D41-AE20-12536F7DA5C0}" type="datetimeFigureOut">
               <a:rPr lang="en-US" smtClean="0"/>
-              <a:t>5/25/22</a:t>
+              <a:t>12/14/22</a:t>
             </a:fld>
             <a:endParaRPr lang="en-US"/>
           </a:p>
@@ -1698,7 +1698,7 @@
           <a:p>
             <a:fld id="{0242246C-62F8-8D41-AE20-12536F7DA5C0}" type="datetimeFigureOut">
               <a:rPr lang="en-US" smtClean="0"/>
-              <a:t>5/25/22</a:t>
+              <a:t>12/14/22</a:t>
             </a:fld>
             <a:endParaRPr lang="en-US"/>
           </a:p>
@@ -1930,7 +1930,7 @@
           <a:p>
             <a:fld id="{0242246C-62F8-8D41-AE20-12536F7DA5C0}" type="datetimeFigureOut">
               <a:rPr lang="en-US" smtClean="0"/>
-              <a:t>5/25/22</a:t>
+              <a:t>12/14/22</a:t>
             </a:fld>
             <a:endParaRPr lang="en-US"/>
           </a:p>
@@ -2297,7 +2297,7 @@
           <a:p>
             <a:fld id="{0242246C-62F8-8D41-AE20-12536F7DA5C0}" type="datetimeFigureOut">
               <a:rPr lang="en-US" smtClean="0"/>
-              <a:t>5/25/22</a:t>
+              <a:t>12/14/22</a:t>
             </a:fld>
             <a:endParaRPr lang="en-US"/>
           </a:p>
@@ -2415,7 +2415,7 @@
           <a:p>
             <a:fld id="{0242246C-62F8-8D41-AE20-12536F7DA5C0}" type="datetimeFigureOut">
               <a:rPr lang="en-US" smtClean="0"/>
-              <a:t>5/25/22</a:t>
+              <a:t>12/14/22</a:t>
             </a:fld>
             <a:endParaRPr lang="en-US"/>
           </a:p>
@@ -2510,7 +2510,7 @@
           <a:p>
             <a:fld id="{0242246C-62F8-8D41-AE20-12536F7DA5C0}" type="datetimeFigureOut">
               <a:rPr lang="en-US" smtClean="0"/>
-              <a:t>5/25/22</a:t>
+              <a:t>12/14/22</a:t>
             </a:fld>
             <a:endParaRPr lang="en-US"/>
           </a:p>
@@ -2787,7 +2787,7 @@
           <a:p>
             <a:fld id="{0242246C-62F8-8D41-AE20-12536F7DA5C0}" type="datetimeFigureOut">
               <a:rPr lang="en-US" smtClean="0"/>
-              <a:t>5/25/22</a:t>
+              <a:t>12/14/22</a:t>
             </a:fld>
             <a:endParaRPr lang="en-US"/>
           </a:p>
@@ -3044,7 +3044,7 @@
           <a:p>
             <a:fld id="{0242246C-62F8-8D41-AE20-12536F7DA5C0}" type="datetimeFigureOut">
               <a:rPr lang="en-US" smtClean="0"/>
-              <a:t>5/25/22</a:t>
+              <a:t>12/14/22</a:t>
             </a:fld>
             <a:endParaRPr lang="en-US"/>
           </a:p>
@@ -3257,7 +3257,7 @@
           <a:p>
             <a:fld id="{0242246C-62F8-8D41-AE20-12536F7DA5C0}" type="datetimeFigureOut">
               <a:rPr lang="en-US" smtClean="0"/>
-              <a:t>5/25/22</a:t>
+              <a:t>12/14/22</a:t>
             </a:fld>
             <a:endParaRPr lang="en-US"/>
           </a:p>
@@ -6000,9 +6000,9 @@
         <p:grpSpPr>
           <a:xfrm>
             <a:off x="1379967" y="967626"/>
-            <a:ext cx="14290844" cy="11445941"/>
+            <a:ext cx="14205119" cy="11445941"/>
             <a:chOff x="1768825" y="323690"/>
-            <a:chExt cx="14290844" cy="11445941"/>
+            <a:chExt cx="14205119" cy="11445941"/>
           </a:xfrm>
         </p:grpSpPr>
         <p:sp>
@@ -7845,7 +7845,7 @@
           </p:nvSpPr>
           <p:spPr>
             <a:xfrm>
-              <a:off x="13880737" y="533415"/>
+              <a:off x="13795012" y="533415"/>
               <a:ext cx="2178932" cy="646331"/>
             </a:xfrm>
             <a:prstGeom prst="rect">
@@ -7866,7 +7866,7 @@
                     <a:srgbClr val="FF0000"/>
                   </a:solidFill>
                 </a:rPr>
-                <a:t>… potential socio-economic losses</a:t>
+                <a:t>… potential socio-economic losses…</a:t>
               </a:r>
             </a:p>
           </p:txBody>
@@ -7890,7 +7890,7 @@
           <p:spPr>
             <a:xfrm>
               <a:off x="9000331" y="785355"/>
-              <a:ext cx="4880406" cy="71226"/>
+              <a:ext cx="4794681" cy="71226"/>
             </a:xfrm>
             <a:prstGeom prst="straightConnector1">
               <a:avLst/>
